--- a/files/seismoclouddevice-arduino-master/PROGGETTO SAPIENZA .pptx
+++ b/files/seismoclouddevice-arduino-master/PROGGETTO SAPIENZA .pptx
@@ -5,7 +5,7 @@
     <p:sldMasterId id="2147483648" r:id="rId1"/>
   </p:sldMasterIdLst>
   <p:notesMasterIdLst>
-    <p:notesMasterId r:id="rId23"/>
+    <p:notesMasterId r:id="rId24"/>
   </p:notesMasterIdLst>
   <p:sldIdLst>
     <p:sldId id="256" r:id="rId2"/>
@@ -20,15 +20,16 @@
     <p:sldId id="276" r:id="rId11"/>
     <p:sldId id="278" r:id="rId12"/>
     <p:sldId id="279" r:id="rId13"/>
-    <p:sldId id="271" r:id="rId14"/>
+    <p:sldId id="289" r:id="rId14"/>
     <p:sldId id="280" r:id="rId15"/>
-    <p:sldId id="269" r:id="rId16"/>
-    <p:sldId id="272" r:id="rId17"/>
-    <p:sldId id="270" r:id="rId18"/>
-    <p:sldId id="281" r:id="rId19"/>
-    <p:sldId id="284" r:id="rId20"/>
-    <p:sldId id="282" r:id="rId21"/>
-    <p:sldId id="287" r:id="rId22"/>
+    <p:sldId id="271" r:id="rId16"/>
+    <p:sldId id="269" r:id="rId17"/>
+    <p:sldId id="272" r:id="rId18"/>
+    <p:sldId id="270" r:id="rId19"/>
+    <p:sldId id="281" r:id="rId20"/>
+    <p:sldId id="284" r:id="rId21"/>
+    <p:sldId id="282" r:id="rId22"/>
+    <p:sldId id="287" r:id="rId23"/>
   </p:sldIdLst>
   <p:sldSz cx="12192000" cy="6858000"/>
   <p:notesSz cx="6858000" cy="9144000"/>
@@ -217,7 +218,7 @@
           <a:p>
             <a:fld id="{854F5F27-1D36-4DED-AE24-B7D7593B56C4}" type="datetimeFigureOut">
               <a:rPr lang="it-IT"/>
-              <a:t>07/05/2016</a:t>
+              <a:t>16/05/2016</a:t>
             </a:fld>
             <a:endParaRPr lang="it-IT"/>
           </a:p>
@@ -894,7 +895,7 @@
     </p:spTree>
     <p:extLst>
       <p:ext uri="{BB962C8B-B14F-4D97-AF65-F5344CB8AC3E}">
-        <p14:creationId xmlns:p14="http://schemas.microsoft.com/office/powerpoint/2010/main" val="475946043"/>
+        <p14:creationId xmlns:p14="http://schemas.microsoft.com/office/powerpoint/2010/main" val="2293383853"/>
       </p:ext>
     </p:extLst>
   </p:cSld>
@@ -1062,7 +1063,7 @@
     </p:spTree>
     <p:extLst>
       <p:ext uri="{BB962C8B-B14F-4D97-AF65-F5344CB8AC3E}">
-        <p14:creationId xmlns:p14="http://schemas.microsoft.com/office/powerpoint/2010/main" val="3430558916"/>
+        <p14:creationId xmlns:p14="http://schemas.microsoft.com/office/powerpoint/2010/main" val="475946043"/>
       </p:ext>
     </p:extLst>
   </p:cSld>
@@ -1146,7 +1147,7 @@
     </p:spTree>
     <p:extLst>
       <p:ext uri="{BB962C8B-B14F-4D97-AF65-F5344CB8AC3E}">
-        <p14:creationId xmlns:p14="http://schemas.microsoft.com/office/powerpoint/2010/main" val="3883971164"/>
+        <p14:creationId xmlns:p14="http://schemas.microsoft.com/office/powerpoint/2010/main" val="3430558916"/>
       </p:ext>
     </p:extLst>
   </p:cSld>
@@ -1230,7 +1231,7 @@
     </p:spTree>
     <p:extLst>
       <p:ext uri="{BB962C8B-B14F-4D97-AF65-F5344CB8AC3E}">
-        <p14:creationId xmlns:p14="http://schemas.microsoft.com/office/powerpoint/2010/main" val="411004159"/>
+        <p14:creationId xmlns:p14="http://schemas.microsoft.com/office/powerpoint/2010/main" val="3883971164"/>
       </p:ext>
     </p:extLst>
   </p:cSld>
@@ -1314,7 +1315,7 @@
     </p:spTree>
     <p:extLst>
       <p:ext uri="{BB962C8B-B14F-4D97-AF65-F5344CB8AC3E}">
-        <p14:creationId xmlns:p14="http://schemas.microsoft.com/office/powerpoint/2010/main" val="2456491811"/>
+        <p14:creationId xmlns:p14="http://schemas.microsoft.com/office/powerpoint/2010/main" val="411004159"/>
       </p:ext>
     </p:extLst>
   </p:cSld>
@@ -1398,7 +1399,7 @@
     </p:spTree>
     <p:extLst>
       <p:ext uri="{BB962C8B-B14F-4D97-AF65-F5344CB8AC3E}">
-        <p14:creationId xmlns:p14="http://schemas.microsoft.com/office/powerpoint/2010/main" val="2447093138"/>
+        <p14:creationId xmlns:p14="http://schemas.microsoft.com/office/powerpoint/2010/main" val="2456491811"/>
       </p:ext>
     </p:extLst>
   </p:cSld>
@@ -1558,6 +1559,90 @@
             <a:fld id="{00FC836F-1977-4F79-94B7-B05073DDE4F0}" type="slidenum">
               <a:rPr lang="it-IT"/>
               <a:t>20</a:t>
+            </a:fld>
+            <a:endParaRPr lang="it-IT"/>
+          </a:p>
+        </p:txBody>
+      </p:sp>
+    </p:spTree>
+    <p:extLst>
+      <p:ext uri="{BB962C8B-B14F-4D97-AF65-F5344CB8AC3E}">
+        <p14:creationId xmlns:p14="http://schemas.microsoft.com/office/powerpoint/2010/main" val="2447093138"/>
+      </p:ext>
+    </p:extLst>
+  </p:cSld>
+  <p:clrMapOvr>
+    <a:masterClrMapping/>
+  </p:clrMapOvr>
+</p:notes>
+</file>
+
+<file path=ppt/notesSlides/notesSlide21.xml><?xml version="1.0" encoding="utf-8"?>
+<p:notes xmlns:a="http://schemas.openxmlformats.org/drawingml/2006/main" xmlns:r="http://schemas.openxmlformats.org/officeDocument/2006/relationships" xmlns:p="http://schemas.openxmlformats.org/presentationml/2006/main">
+  <p:cSld>
+    <p:spTree>
+      <p:nvGrpSpPr>
+        <p:cNvPr id="1" name=""/>
+        <p:cNvGrpSpPr/>
+        <p:nvPr/>
+      </p:nvGrpSpPr>
+      <p:grpSpPr>
+        <a:xfrm>
+          <a:off x="0" y="0"/>
+          <a:ext cx="0" cy="0"/>
+          <a:chOff x="0" y="0"/>
+          <a:chExt cx="0" cy="0"/>
+        </a:xfrm>
+      </p:grpSpPr>
+      <p:sp>
+        <p:nvSpPr>
+          <p:cNvPr id="2" name="Segnaposto immagine diapositiva 1"/>
+          <p:cNvSpPr>
+            <a:spLocks noGrp="1" noRot="1" noChangeAspect="1"/>
+          </p:cNvSpPr>
+          <p:nvPr>
+            <p:ph type="sldImg"/>
+          </p:nvPr>
+        </p:nvSpPr>
+        <p:spPr/>
+      </p:sp>
+      <p:sp>
+        <p:nvSpPr>
+          <p:cNvPr id="3" name="Segnaposto note 2"/>
+          <p:cNvSpPr>
+            <a:spLocks noGrp="1"/>
+          </p:cNvSpPr>
+          <p:nvPr>
+            <p:ph type="body" idx="1"/>
+          </p:nvPr>
+        </p:nvSpPr>
+        <p:spPr/>
+        <p:txBody>
+          <a:bodyPr/>
+          <a:lstStyle/>
+          <a:p>
+            <a:endParaRPr lang="it-IT"/>
+          </a:p>
+        </p:txBody>
+      </p:sp>
+      <p:sp>
+        <p:nvSpPr>
+          <p:cNvPr id="4" name="Segnaposto numero diapositiva 3"/>
+          <p:cNvSpPr>
+            <a:spLocks noGrp="1"/>
+          </p:cNvSpPr>
+          <p:nvPr>
+            <p:ph type="sldNum" sz="quarter" idx="10"/>
+          </p:nvPr>
+        </p:nvSpPr>
+        <p:spPr/>
+        <p:txBody>
+          <a:bodyPr/>
+          <a:lstStyle/>
+          <a:p>
+            <a:fld id="{00FC836F-1977-4F79-94B7-B05073DDE4F0}" type="slidenum">
+              <a:rPr lang="it-IT"/>
+              <a:t>21</a:t>
             </a:fld>
             <a:endParaRPr lang="it-IT"/>
           </a:p>
@@ -2438,7 +2523,7 @@
           <a:p>
             <a:fld id="{78ABE3C1-DBE1-495D-B57B-2849774B866A}" type="datetimeFigureOut">
               <a:rPr lang="en-US" dirty="0"/>
-              <a:t>5/7/2016</a:t>
+              <a:t>5/16/2016</a:t>
             </a:fld>
             <a:endParaRPr lang="en-US" dirty="0"/>
           </a:p>
@@ -2847,7 +2932,7 @@
           <a:p>
             <a:fld id="{446C117F-5CCF-4837-BE5F-2B92066CAFAF}" type="datetimeFigureOut">
               <a:rPr lang="en-US" dirty="0"/>
-              <a:t>5/7/2016</a:t>
+              <a:t>5/16/2016</a:t>
             </a:fld>
             <a:endParaRPr lang="en-US" dirty="0"/>
           </a:p>
@@ -3178,7 +3263,7 @@
           <a:p>
             <a:fld id="{84EB90BD-B6CE-46B7-997F-7313B992CCDC}" type="datetimeFigureOut">
               <a:rPr lang="en-US" dirty="0"/>
-              <a:t>5/7/2016</a:t>
+              <a:t>5/16/2016</a:t>
             </a:fld>
             <a:endParaRPr lang="en-US" dirty="0"/>
           </a:p>
@@ -3578,7 +3663,7 @@
           <a:p>
             <a:fld id="{CDB9D11F-B188-461D-B23F-39381795C052}" type="datetimeFigureOut">
               <a:rPr lang="en-US" dirty="0"/>
-              <a:t>5/7/2016</a:t>
+              <a:t>5/16/2016</a:t>
             </a:fld>
             <a:endParaRPr lang="en-US" dirty="0"/>
           </a:p>
@@ -4141,7 +4226,7 @@
           <a:p>
             <a:fld id="{52E6D8D9-55A2-4063-B0F3-121F44549695}" type="datetimeFigureOut">
               <a:rPr lang="en-US" dirty="0"/>
-              <a:t>5/7/2016</a:t>
+              <a:t>5/16/2016</a:t>
             </a:fld>
             <a:endParaRPr lang="en-US" dirty="0"/>
           </a:p>
@@ -4817,7 +4902,7 @@
           <a:p>
             <a:fld id="{D4B24536-994D-4021-A283-9F449C0DB509}" type="datetimeFigureOut">
               <a:rPr lang="en-US" dirty="0"/>
-              <a:t>5/7/2016</a:t>
+              <a:t>5/16/2016</a:t>
             </a:fld>
             <a:endParaRPr lang="en-US" dirty="0"/>
           </a:p>
@@ -5725,7 +5810,7 @@
           <a:p>
             <a:fld id="{3CBBBB78-C96F-47B7-AB17-D852CA960AC9}" type="datetimeFigureOut">
               <a:rPr lang="en-US" dirty="0"/>
-              <a:t>5/7/2016</a:t>
+              <a:t>5/16/2016</a:t>
             </a:fld>
             <a:endParaRPr lang="en-US" dirty="0"/>
           </a:p>
@@ -6033,7 +6118,7 @@
           <a:p>
             <a:fld id="{1FA3F48C-C7C6-4055-9F49-3777875E72AE}" type="datetimeFigureOut">
               <a:rPr lang="en-US" dirty="0"/>
-              <a:t>5/7/2016</a:t>
+              <a:t>5/16/2016</a:t>
             </a:fld>
             <a:endParaRPr lang="en-US" dirty="0"/>
           </a:p>
@@ -6292,7 +6377,7 @@
           <a:p>
             <a:fld id="{6178E61D-D431-422C-9764-11DAFE33AB63}" type="datetimeFigureOut">
               <a:rPr lang="en-US" dirty="0"/>
-              <a:t>5/7/2016</a:t>
+              <a:t>5/16/2016</a:t>
             </a:fld>
             <a:endParaRPr lang="en-US" dirty="0"/>
           </a:p>
@@ -6611,7 +6696,7 @@
           <a:p>
             <a:fld id="{12DE42F4-6EEF-4EF7-8ED4-2208F0F89A08}" type="datetimeFigureOut">
               <a:rPr lang="en-US" dirty="0"/>
-              <a:t>5/7/2016</a:t>
+              <a:t>5/16/2016</a:t>
             </a:fld>
             <a:endParaRPr lang="en-US" dirty="0"/>
           </a:p>
@@ -6995,7 +7080,7 @@
           <a:p>
             <a:fld id="{30578ACC-22D6-47C1-A373-4FD133E34F3C}" type="datetimeFigureOut">
               <a:rPr lang="en-US" dirty="0"/>
-              <a:t>5/7/2016</a:t>
+              <a:t>5/16/2016</a:t>
             </a:fld>
             <a:endParaRPr lang="en-US" dirty="0"/>
           </a:p>
@@ -7366,7 +7451,7 @@
           <a:p>
             <a:fld id="{4E5A6C69-6797-4E8A-BF37-F2C3751466E9}" type="datetimeFigureOut">
               <a:rPr lang="en-US" dirty="0"/>
-              <a:t>5/7/2016</a:t>
+              <a:t>5/16/2016</a:t>
             </a:fld>
             <a:endParaRPr lang="en-US" dirty="0"/>
           </a:p>
@@ -7867,7 +7952,7 @@
           <a:p>
             <a:fld id="{D82014A1-A632-4878-A0D3-F52BA7563730}" type="datetimeFigureOut">
               <a:rPr lang="en-US" dirty="0"/>
-              <a:t>5/7/2016</a:t>
+              <a:t>5/16/2016</a:t>
             </a:fld>
             <a:endParaRPr lang="en-US" dirty="0"/>
           </a:p>
@@ -8119,7 +8204,7 @@
           <a:p>
             <a:fld id="{CE99F462-093F-4566-844B-4C71F2739DA5}" type="datetimeFigureOut">
               <a:rPr lang="en-US" dirty="0"/>
-              <a:t>5/7/2016</a:t>
+              <a:t>5/16/2016</a:t>
             </a:fld>
             <a:endParaRPr lang="en-US" dirty="0"/>
           </a:p>
@@ -8277,7 +8362,7 @@
           <a:p>
             <a:fld id="{3D24A7AC-904D-4781-85BA-7D10C17ED021}" type="datetimeFigureOut">
               <a:rPr lang="en-US" dirty="0"/>
-              <a:t>5/7/2016</a:t>
+              <a:t>5/16/2016</a:t>
             </a:fld>
             <a:endParaRPr lang="en-US" dirty="0"/>
           </a:p>
@@ -8662,7 +8747,7 @@
           <a:p>
             <a:fld id="{E331444B-B92B-4E27-8C94-BB93EAF5CB18}" type="datetimeFigureOut">
               <a:rPr lang="en-US" dirty="0"/>
-              <a:t>5/7/2016</a:t>
+              <a:t>5/16/2016</a:t>
             </a:fld>
             <a:endParaRPr lang="en-US" dirty="0"/>
           </a:p>
@@ -9066,7 +9151,7 @@
           <a:p>
             <a:fld id="{363EFA5E-FA76-400D-B3DC-F0BA90E6D107}" type="datetimeFigureOut">
               <a:rPr lang="en-US" dirty="0"/>
-              <a:t>5/7/2016</a:t>
+              <a:t>5/16/2016</a:t>
             </a:fld>
             <a:endParaRPr lang="en-US" dirty="0"/>
           </a:p>
@@ -9305,7 +9390,7 @@
           <a:p>
             <a:fld id="{9D6E9DEC-419B-4CC5-A080-3B06BD5A8291}" type="datetimeFigureOut">
               <a:rPr lang="en-US" dirty="0"/>
-              <a:t>5/7/2016</a:t>
+              <a:t>5/16/2016</a:t>
             </a:fld>
             <a:endParaRPr lang="en-US" dirty="0"/>
           </a:p>
@@ -9787,7 +9872,12 @@
             <p:ph type="title"/>
           </p:nvPr>
         </p:nvSpPr>
-        <p:spPr/>
+        <p:spPr>
+          <a:xfrm>
+            <a:off x="332637" y="729981"/>
+            <a:ext cx="9613861" cy="1080938"/>
+          </a:xfrm>
+        </p:spPr>
         <p:txBody>
           <a:bodyPr/>
           <a:lstStyle/>
@@ -9796,8 +9886,17 @@
               <a:rPr lang="it-IT" dirty="0">
                 <a:latin typeface="Trebuchet MS" charset="0"/>
               </a:rPr>
-              <a:t>Fronte/retro del traslatore di livello</a:t>
-            </a:r>
+              <a:t>Fronte/retro del traslatore di </a:t>
+            </a:r>
+            <a:r>
+              <a:rPr lang="it-IT" dirty="0" smtClean="0">
+                <a:latin typeface="Trebuchet MS" charset="0"/>
+              </a:rPr>
+              <a:t>livello fai-da-te a 2 canali</a:t>
+            </a:r>
+            <a:endParaRPr lang="it-IT" dirty="0">
+              <a:latin typeface="Trebuchet MS" charset="0"/>
+            </a:endParaRPr>
           </a:p>
         </p:txBody>
       </p:sp>
@@ -9897,7 +9996,7 @@
         <p:spPr>
           <a:xfrm>
             <a:off x="90525" y="833438"/>
-            <a:ext cx="10253625" cy="1890908"/>
+            <a:ext cx="10316667" cy="1890908"/>
           </a:xfrm>
         </p:spPr>
         <p:txBody>
@@ -9907,67 +10006,13 @@
           <a:lstStyle/>
           <a:p>
             <a:r>
-              <a:rPr lang="it-IT" b="1" dirty="0" err="1">
+              <a:rPr lang="it-IT" b="1" dirty="0" smtClean="0">
                 <a:solidFill>
                   <a:srgbClr val="FFFFFF"/>
                 </a:solidFill>
                 <a:latin typeface="Trebuchet MS" charset="0"/>
               </a:rPr>
-              <a:t>Two</a:t>
-            </a:r>
-            <a:r>
-              <a:rPr lang="it-IT" b="1" dirty="0">
-                <a:solidFill>
-                  <a:srgbClr val="FFFFFF"/>
-                </a:solidFill>
-                <a:latin typeface="Trebuchet MS" charset="0"/>
-              </a:rPr>
-              <a:t> </a:t>
-            </a:r>
-            <a:r>
-              <a:rPr lang="it-IT" b="1" dirty="0" err="1">
-                <a:solidFill>
-                  <a:srgbClr val="FFFFFF"/>
-                </a:solidFill>
-                <a:latin typeface="Trebuchet MS" charset="0"/>
-              </a:rPr>
-              <a:t>Transistors</a:t>
-            </a:r>
-            <a:r>
-              <a:rPr lang="it-IT" b="1" dirty="0">
-                <a:solidFill>
-                  <a:srgbClr val="FFFFFF"/>
-                </a:solidFill>
-                <a:latin typeface="Trebuchet MS" charset="0"/>
-              </a:rPr>
-              <a:t> Form </a:t>
-            </a:r>
-            <a:r>
-              <a:rPr lang="it-IT" b="1" dirty="0" err="1">
-                <a:solidFill>
-                  <a:srgbClr val="FFFFFF"/>
-                </a:solidFill>
-                <a:latin typeface="Trebuchet MS" charset="0"/>
-              </a:rPr>
-              <a:t>Bidirectional</a:t>
-            </a:r>
-            <a:r>
-              <a:rPr lang="it-IT" b="1" dirty="0">
-                <a:solidFill>
-                  <a:srgbClr val="FFFFFF"/>
-                </a:solidFill>
-                <a:latin typeface="Trebuchet MS" charset="0"/>
-              </a:rPr>
-              <a:t> Level </a:t>
-            </a:r>
-            <a:r>
-              <a:rPr lang="it-IT" b="1" dirty="0" err="1">
-                <a:solidFill>
-                  <a:srgbClr val="FFFFFF"/>
-                </a:solidFill>
-                <a:latin typeface="Trebuchet MS" charset="0"/>
-              </a:rPr>
-              <a:t>Translator</a:t>
+              <a:t>Traslatore bidirezionale di livello logico realizzato con due BJT</a:t>
             </a:r>
             <a:r>
               <a:rPr lang="it-IT" dirty="0"/>
@@ -10005,8 +10050,8 @@
         </p:blipFill>
         <p:spPr>
           <a:xfrm>
-            <a:off x="0" y="2544763"/>
-            <a:ext cx="5780687" cy="2921000"/>
+            <a:off x="0" y="2252532"/>
+            <a:ext cx="6586413" cy="3328136"/>
           </a:xfrm>
         </p:spPr>
       </p:pic>
@@ -10018,15 +10063,15 @@
         </p:nvSpPr>
         <p:spPr>
           <a:xfrm>
-            <a:off x="6070624" y="2613876"/>
-            <a:ext cx="5926015" cy="3046988"/>
+            <a:off x="6676938" y="2613876"/>
+            <a:ext cx="5319701" cy="3416320"/>
           </a:xfrm>
           <a:prstGeom prst="rect">
             <a:avLst/>
           </a:prstGeom>
         </p:spPr>
         <p:txBody>
-          <a:bodyPr rtlCol="0" anchor="t">
+          <a:bodyPr wrap="square" rtlCol="0" anchor="t">
             <a:spAutoFit/>
           </a:bodyPr>
           <a:lstStyle/>
@@ -10057,6 +10102,19 @@
             </a:endParaRPr>
           </a:p>
           <a:p>
+            <a:pPr marL="342900" indent="-342900">
+              <a:buFont typeface="Arial" panose="020B0604020202020204" pitchFamily="34" charset="0"/>
+              <a:buChar char="•"/>
+            </a:pPr>
+            <a:r>
+              <a:rPr lang="it-IT" sz="2400" dirty="0" smtClean="0">
+                <a:solidFill>
+                  <a:srgbClr val="FFFFFF"/>
+                </a:solidFill>
+                <a:latin typeface="Arial" charset="0"/>
+              </a:rPr>
+              <a:t>Configurato </a:t>
+            </a:r>
             <a:r>
               <a:rPr lang="it-IT" sz="2400" dirty="0">
                 <a:solidFill>
@@ -10064,7 +10122,85 @@
                 </a:solidFill>
                 <a:latin typeface="Arial" charset="0"/>
               </a:rPr>
-              <a:t>Configurato come due cani che si mordono la coda a vicenda , questa insolita configurazione di due transistor fornisce una variazione bidirezionale del livello logico.</a:t>
+              <a:t>come due cani che si mordono la coda a </a:t>
+            </a:r>
+            <a:r>
+              <a:rPr lang="it-IT" sz="2400" dirty="0" smtClean="0">
+                <a:solidFill>
+                  <a:srgbClr val="FFFFFF"/>
+                </a:solidFill>
+                <a:latin typeface="Arial" charset="0"/>
+              </a:rPr>
+              <a:t>vicenda</a:t>
+            </a:r>
+          </a:p>
+          <a:p>
+            <a:pPr marL="342900" indent="-342900">
+              <a:buFont typeface="Arial" panose="020B0604020202020204" pitchFamily="34" charset="0"/>
+              <a:buChar char="•"/>
+            </a:pPr>
+            <a:r>
+              <a:rPr lang="it-IT" sz="2400" dirty="0" smtClean="0">
+                <a:solidFill>
+                  <a:srgbClr val="FFFFFF"/>
+                </a:solidFill>
+                <a:latin typeface="Arial" charset="0"/>
+              </a:rPr>
+              <a:t>collegamento </a:t>
+            </a:r>
+            <a:r>
+              <a:rPr lang="it-IT" sz="2400" dirty="0">
+                <a:solidFill>
+                  <a:srgbClr val="FFFFFF"/>
+                </a:solidFill>
+                <a:latin typeface="Arial" charset="0"/>
+              </a:rPr>
+              <a:t>di due </a:t>
+            </a:r>
+            <a:r>
+              <a:rPr lang="it-IT" sz="2400" dirty="0" smtClean="0">
+                <a:solidFill>
+                  <a:srgbClr val="FFFFFF"/>
+                </a:solidFill>
+                <a:latin typeface="Arial" charset="0"/>
+              </a:rPr>
+              <a:t>transistor che </a:t>
+            </a:r>
+            <a:r>
+              <a:rPr lang="it-IT" sz="2400" dirty="0">
+                <a:solidFill>
+                  <a:srgbClr val="FFFFFF"/>
+                </a:solidFill>
+                <a:latin typeface="Arial" charset="0"/>
+              </a:rPr>
+              <a:t>fornisce una variazione bidirezionale del livello </a:t>
+            </a:r>
+            <a:r>
+              <a:rPr lang="it-IT" sz="2400" dirty="0" smtClean="0">
+                <a:solidFill>
+                  <a:srgbClr val="FFFFFF"/>
+                </a:solidFill>
+                <a:latin typeface="Arial" charset="0"/>
+              </a:rPr>
+              <a:t>logico</a:t>
+            </a:r>
+            <a:r>
+              <a:rPr lang="it-IT" sz="2400" dirty="0">
+                <a:solidFill>
+                  <a:srgbClr val="FFFFFF"/>
+                </a:solidFill>
+                <a:latin typeface="Arial" charset="0"/>
+              </a:rPr>
+              <a:t> </a:t>
+            </a:r>
+            <a:r>
+              <a:rPr lang="it-IT" sz="2400" dirty="0" smtClean="0">
+                <a:solidFill>
+                  <a:srgbClr val="FFFFFF"/>
+                </a:solidFill>
+                <a:latin typeface="Arial" charset="0"/>
+              </a:rPr>
+              <a:t>(canale bidirezionale)</a:t>
             </a:r>
             <a:r>
               <a:rPr lang="it-IT" dirty="0"/>
@@ -10089,7 +10225,7 @@
         </p:nvSpPr>
         <p:spPr>
           <a:xfrm>
-            <a:off x="36830" y="5592591"/>
+            <a:off x="184793" y="5818834"/>
             <a:ext cx="2743200" cy="369332"/>
           </a:xfrm>
           <a:prstGeom prst="rect">
@@ -10199,7 +10335,25 @@
                 <a:latin typeface="Arial" charset="0"/>
               </a:rPr>
               <a:t>Un ritardo nell’uscita dalla saturazione dei BJT
-provoca un problema tecnico sul fronte di discesa ,
+provoca un </a:t>
+            </a:r>
+            <a:r>
+              <a:rPr lang="it" sz="2400" dirty="0" smtClean="0">
+                <a:solidFill>
+                  <a:srgbClr val="FFFFFF"/>
+                </a:solidFill>
+                <a:latin typeface="Arial" charset="0"/>
+              </a:rPr>
+              <a:t>rallentamento sul </a:t>
+            </a:r>
+            <a:r>
+              <a:rPr lang="it" sz="2400" dirty="0">
+                <a:solidFill>
+                  <a:srgbClr val="FFFFFF"/>
+                </a:solidFill>
+                <a:latin typeface="Arial" charset="0"/>
+              </a:rPr>
+              <a:t>fronte di discesa ,
 creando quindi un limite di prestazione sulla velocità di commutazione</a:t>
             </a:r>
             <a:endParaRPr lang="it-IT" dirty="0"/>
@@ -10283,135 +10437,239 @@
         </p:nvSpPr>
         <p:spPr>
           <a:xfrm>
-            <a:off x="1" y="753228"/>
-            <a:ext cx="10294182" cy="1080938"/>
+            <a:off x="90525" y="833438"/>
+            <a:ext cx="10253625" cy="1890908"/>
           </a:xfrm>
         </p:spPr>
         <p:txBody>
           <a:bodyPr>
-            <a:noAutofit/>
+            <a:normAutofit/>
           </a:bodyPr>
           <a:lstStyle/>
           <a:p>
             <a:r>
-              <a:rPr lang="it-IT" sz="4000" dirty="0"/>
-              <a:t>Librerie di sviluppatori terzi adoperate</a:t>
-            </a:r>
-          </a:p>
-        </p:txBody>
-      </p:sp>
-      <p:sp>
-        <p:nvSpPr>
-          <p:cNvPr id="3" name="CasellaDiTesto 2"/>
+              <a:rPr lang="it-IT" b="1" dirty="0" smtClean="0">
+                <a:solidFill>
+                  <a:srgbClr val="FFFFFF"/>
+                </a:solidFill>
+                <a:latin typeface="Trebuchet MS" charset="0"/>
+              </a:rPr>
+              <a:t>Moduli traslatori bidirezionali a più canali</a:t>
+            </a:r>
+            <a:r>
+              <a:rPr lang="it-IT" dirty="0"/>
+              <a:t/>
+            </a:r>
+            <a:br>
+              <a:rPr lang="it-IT" dirty="0"/>
+            </a:br>
+            <a:r>
+              <a:rPr lang="it-IT" dirty="0"/>
+              <a:t/>
+            </a:r>
+            <a:br>
+              <a:rPr lang="it-IT" dirty="0"/>
+            </a:br>
+            <a:endParaRPr lang="it-IT" dirty="0"/>
+          </a:p>
+        </p:txBody>
+      </p:sp>
+      <p:sp>
+        <p:nvSpPr>
+          <p:cNvPr id="8" name="CasellaDiTesto 7"/>
           <p:cNvSpPr txBox="1"/>
           <p:nvPr/>
         </p:nvSpPr>
         <p:spPr>
           <a:xfrm>
-            <a:off x="115888" y="2403012"/>
-            <a:ext cx="11960225" cy="4555093"/>
+            <a:off x="4184542" y="2066279"/>
+            <a:ext cx="7812097" cy="1938992"/>
+          </a:xfrm>
+          <a:prstGeom prst="rect">
+            <a:avLst/>
+          </a:prstGeom>
+        </p:spPr>
+        <p:txBody>
+          <a:bodyPr wrap="square" rtlCol="0" anchor="t">
+            <a:spAutoFit/>
+          </a:bodyPr>
+          <a:lstStyle/>
+          <a:p>
+            <a:pPr marL="342900" indent="-342900">
+              <a:buFont typeface="Arial" panose="020B0604020202020204" pitchFamily="34" charset="0"/>
+              <a:buChar char="•"/>
+            </a:pPr>
+            <a:r>
+              <a:rPr lang="it-IT" sz="2400" dirty="0" smtClean="0">
+                <a:solidFill>
+                  <a:srgbClr val="FFFFFF"/>
+                </a:solidFill>
+                <a:latin typeface="Arial" charset="0"/>
+              </a:rPr>
+              <a:t>Si basano sui transistor MOS BSS138</a:t>
+            </a:r>
+          </a:p>
+          <a:p>
+            <a:pPr marL="342900" indent="-342900">
+              <a:buFont typeface="Arial" panose="020B0604020202020204" pitchFamily="34" charset="0"/>
+              <a:buChar char="•"/>
+            </a:pPr>
+            <a:r>
+              <a:rPr lang="it-IT" sz="2400" dirty="0" smtClean="0">
+                <a:solidFill>
+                  <a:srgbClr val="FFFFFF"/>
+                </a:solidFill>
+                <a:latin typeface="Arial" charset="0"/>
+              </a:rPr>
+              <a:t>Sono moduli che si acquistano già pronti</a:t>
+            </a:r>
+          </a:p>
+          <a:p>
+            <a:pPr marL="342900" indent="-342900">
+              <a:buFont typeface="Arial" panose="020B0604020202020204" pitchFamily="34" charset="0"/>
+              <a:buChar char="•"/>
+            </a:pPr>
+            <a:r>
+              <a:rPr lang="it-IT" sz="2400" dirty="0" smtClean="0">
+                <a:solidFill>
+                  <a:srgbClr val="FFFFFF"/>
+                </a:solidFill>
+                <a:latin typeface="Arial" charset="0"/>
+              </a:rPr>
+              <a:t>Si devono solo saldare i piedini o i fili</a:t>
+            </a:r>
+          </a:p>
+          <a:p>
+            <a:pPr marL="342900" indent="-342900">
+              <a:buFont typeface="Arial" panose="020B0604020202020204" pitchFamily="34" charset="0"/>
+              <a:buChar char="•"/>
+            </a:pPr>
+            <a:r>
+              <a:rPr lang="it-IT" sz="2400" dirty="0" smtClean="0">
+                <a:solidFill>
+                  <a:srgbClr val="FFFFFF"/>
+                </a:solidFill>
+                <a:latin typeface="Arial" charset="0"/>
+              </a:rPr>
+              <a:t>Hanno la </a:t>
+            </a:r>
+            <a:r>
+              <a:rPr lang="it-IT" sz="2400" dirty="0" err="1" smtClean="0">
+                <a:solidFill>
+                  <a:srgbClr val="FFFFFF"/>
+                </a:solidFill>
+                <a:latin typeface="Arial" charset="0"/>
+              </a:rPr>
+              <a:t>pedinatura</a:t>
+            </a:r>
+            <a:r>
+              <a:rPr lang="it-IT" sz="2400" dirty="0" smtClean="0">
+                <a:solidFill>
+                  <a:srgbClr val="FFFFFF"/>
+                </a:solidFill>
+                <a:latin typeface="Arial" charset="0"/>
+              </a:rPr>
+              <a:t> che permette l’inserimento a pressione in una </a:t>
+            </a:r>
+            <a:r>
+              <a:rPr lang="it-IT" sz="2400" dirty="0" err="1" smtClean="0">
+                <a:solidFill>
+                  <a:srgbClr val="FFFFFF"/>
+                </a:solidFill>
+                <a:latin typeface="Arial" charset="0"/>
+              </a:rPr>
+              <a:t>breadboard</a:t>
+            </a:r>
+            <a:endParaRPr lang="it-IT" dirty="0"/>
+          </a:p>
+        </p:txBody>
+      </p:sp>
+      <p:pic>
+        <p:nvPicPr>
+          <p:cNvPr id="7" name="Picture 4" descr="http://files.hwkitchen.com/200000272-033f904397/LevelConverter-L.jpg"/>
+          <p:cNvPicPr>
+            <a:picLocks noChangeAspect="1" noChangeArrowheads="1"/>
+          </p:cNvPicPr>
+          <p:nvPr/>
+        </p:nvPicPr>
+        <p:blipFill>
+          <a:blip r:embed="rId3">
+            <a:extLst>
+              <a:ext uri="{28A0092B-C50C-407E-A947-70E740481C1C}">
+                <a14:useLocalDpi xmlns:a14="http://schemas.microsoft.com/office/drawing/2010/main" val="0"/>
+              </a:ext>
+            </a:extLst>
+          </a:blip>
+          <a:srcRect/>
+          <a:stretch>
+            <a:fillRect/>
+          </a:stretch>
+        </p:blipFill>
+        <p:spPr bwMode="auto">
+          <a:xfrm>
+            <a:off x="218246" y="2404741"/>
+            <a:ext cx="3838575" cy="3838576"/>
           </a:xfrm>
           <a:prstGeom prst="rect">
             <a:avLst/>
           </a:prstGeom>
           <a:noFill/>
-        </p:spPr>
-        <p:txBody>
-          <a:bodyPr wrap="square" rtlCol="0" anchor="t">
-            <a:spAutoFit/>
-          </a:bodyPr>
-          <a:lstStyle/>
-          <a:p>
-            <a:r>
-              <a:rPr lang="it-IT" sz="2800" dirty="0"/>
-              <a:t>WeeESP8266</a:t>
-            </a:r>
-          </a:p>
-          <a:p>
-            <a:pPr marL="457200" indent="-457200">
-              <a:buFont typeface="Arial" panose="020B0604020202020204" pitchFamily="34" charset="0"/>
-              <a:buChar char="•"/>
-            </a:pPr>
-            <a:endParaRPr lang="it-IT" sz="2800" dirty="0"/>
-          </a:p>
-          <a:p>
-            <a:pPr marL="457200" indent="-457200">
-              <a:buFont typeface="Arial" panose="020B0604020202020204" pitchFamily="34" charset="0"/>
-              <a:buChar char="•"/>
-            </a:pPr>
-            <a:r>
-              <a:rPr lang="it-IT" sz="2800" dirty="0" smtClean="0"/>
-              <a:t>Una </a:t>
-            </a:r>
-            <a:r>
-              <a:rPr lang="it-IT" sz="2800" dirty="0"/>
-              <a:t>ESP8266 </a:t>
-            </a:r>
-            <a:r>
-              <a:rPr lang="it-IT" sz="2800" dirty="0" smtClean="0"/>
-              <a:t>libraria per </a:t>
-            </a:r>
-            <a:r>
-              <a:rPr lang="it-IT" sz="2800" dirty="0"/>
-              <a:t>Arduino </a:t>
-            </a:r>
-            <a:r>
-              <a:rPr lang="it-IT" sz="2800" dirty="0" smtClean="0"/>
-              <a:t>che fornisce una maniera </a:t>
-            </a:r>
-            <a:r>
-              <a:rPr lang="it-IT" sz="2800" smtClean="0"/>
-              <a:t>semplice per manipolare il modulo ESP8266</a:t>
-            </a:r>
-            <a:r>
-              <a:rPr lang="it-IT" sz="2800"/>
-              <a:t>. </a:t>
-            </a:r>
-            <a:endParaRPr lang="it-IT" sz="2800" smtClean="0"/>
-          </a:p>
-          <a:p>
-            <a:pPr marL="457200" indent="-457200">
-              <a:buFont typeface="Arial" panose="020B0604020202020204" pitchFamily="34" charset="0"/>
-              <a:buChar char="•"/>
-            </a:pPr>
-            <a:r>
-              <a:rPr lang="it-IT" sz="2800" smtClean="0"/>
-              <a:t>Il </a:t>
-            </a:r>
-            <a:r>
-              <a:rPr lang="it-IT" sz="2800" dirty="0"/>
-              <a:t>codice sorgente può essere scaricato dal seguente link: https://github.com/itead/ITEADLIB_Arduino_WeeESP8266.</a:t>
-            </a:r>
-          </a:p>
-          <a:p>
-            <a:pPr marL="457200" indent="-457200">
-              <a:buFont typeface="Arial" panose="020B0604020202020204" pitchFamily="34" charset="0"/>
-              <a:buChar char="•"/>
-            </a:pPr>
-            <a:endParaRPr lang="it-IT" sz="2800" dirty="0"/>
-          </a:p>
-          <a:p>
-            <a:pPr marL="457200" indent="-457200">
-              <a:buFont typeface="Arial" panose="020B0604020202020204" pitchFamily="34" charset="0"/>
-              <a:buChar char="•"/>
-            </a:pPr>
-            <a:r>
-              <a:rPr lang="it-IT" sz="2800" dirty="0"/>
-              <a:t>Particolarità: occupa più spazio in memoria RAM, presumibilmente più rapida.</a:t>
-            </a:r>
-          </a:p>
-          <a:p>
-            <a:endParaRPr lang="it-IT" dirty="0"/>
-          </a:p>
-          <a:p>
-            <a:endParaRPr lang="it-IT" sz="2000" dirty="0"/>
-          </a:p>
-        </p:txBody>
-      </p:sp>
+          <a:extLst>
+            <a:ext uri="{909E8E84-426E-40DD-AFC4-6F175D3DCCD1}">
+              <a14:hiddenFill xmlns:a14="http://schemas.microsoft.com/office/drawing/2010/main">
+                <a:solidFill>
+                  <a:srgbClr val="FFFFFF"/>
+                </a:solidFill>
+              </a14:hiddenFill>
+            </a:ext>
+          </a:extLst>
+        </p:spPr>
+      </p:pic>
+      <p:pic>
+        <p:nvPicPr>
+          <p:cNvPr id="9" name="Picture 2" descr="https://a.pololu-files.com/picture/0J5318.599.jpg?4ce17f799e5cb02c5ea337b6d0f63de5"/>
+          <p:cNvPicPr>
+            <a:picLocks noChangeAspect="1" noChangeArrowheads="1"/>
+          </p:cNvPicPr>
+          <p:nvPr/>
+        </p:nvPicPr>
+        <p:blipFill>
+          <a:blip r:embed="rId4">
+            <a:extLst>
+              <a:ext uri="{28A0092B-C50C-407E-A947-70E740481C1C}">
+                <a14:useLocalDpi xmlns:a14="http://schemas.microsoft.com/office/drawing/2010/main" val="0"/>
+              </a:ext>
+            </a:extLst>
+          </a:blip>
+          <a:srcRect/>
+          <a:stretch>
+            <a:fillRect/>
+          </a:stretch>
+        </p:blipFill>
+        <p:spPr bwMode="auto">
+          <a:xfrm>
+            <a:off x="4253072" y="4045059"/>
+            <a:ext cx="7743567" cy="2727702"/>
+          </a:xfrm>
+          <a:prstGeom prst="rect">
+            <a:avLst/>
+          </a:prstGeom>
+          <a:noFill/>
+          <a:extLst>
+            <a:ext uri="{909E8E84-426E-40DD-AFC4-6F175D3DCCD1}">
+              <a14:hiddenFill xmlns:a14="http://schemas.microsoft.com/office/drawing/2010/main">
+                <a:solidFill>
+                  <a:srgbClr val="FFFFFF"/>
+                </a:solidFill>
+              </a14:hiddenFill>
+            </a:ext>
+          </a:extLst>
+        </p:spPr>
+      </p:pic>
     </p:spTree>
     <p:extLst>
       <p:ext uri="{BB962C8B-B14F-4D97-AF65-F5344CB8AC3E}">
-        <p14:creationId xmlns:p14="http://schemas.microsoft.com/office/powerpoint/2010/main" val="4034955394"/>
+        <p14:creationId xmlns:p14="http://schemas.microsoft.com/office/powerpoint/2010/main" val="3392952813"/>
       </p:ext>
     </p:extLst>
   </p:cSld>
@@ -10485,7 +10743,7 @@
         <p:spPr>
           <a:xfrm>
             <a:off x="606425" y="968375"/>
-            <a:ext cx="11439525" cy="5293757"/>
+            <a:ext cx="11439525" cy="6155531"/>
           </a:xfrm>
           <a:prstGeom prst="rect">
             <a:avLst/>
@@ -10638,31 +10896,37 @@
               <a:rPr lang="it-IT" sz="2800" dirty="0">
                 <a:latin typeface="Trebuchet MS" charset="0"/>
               </a:rPr>
-              <a:t>Contiene una libreria molto </a:t>
-            </a:r>
-            <a:r>
-              <a:rPr lang="it-IT" sz="2800" dirty="0" err="1">
+              <a:t>Contiene una libreria </a:t>
+            </a:r>
+            <a:r>
+              <a:rPr lang="it-IT" sz="2800">
                 <a:latin typeface="Trebuchet MS" charset="0"/>
               </a:rPr>
-              <a:t>colpleta</a:t>
+              <a:t>molto </a:t>
+            </a:r>
+            <a:r>
+              <a:rPr lang="it-IT" sz="2800" smtClean="0">
+                <a:latin typeface="Trebuchet MS" charset="0"/>
+              </a:rPr>
+              <a:t>completa </a:t>
             </a:r>
             <a:r>
               <a:rPr lang="it-IT" sz="2800" dirty="0">
                 <a:latin typeface="Trebuchet MS" charset="0"/>
               </a:rPr>
-              <a:t> per la gestione </a:t>
-            </a:r>
-            <a:r>
-              <a:rPr lang="it-IT" sz="2800" dirty="0" err="1">
+              <a:t>per la gestione </a:t>
+            </a:r>
+            <a:r>
+              <a:rPr lang="it-IT" sz="2800" dirty="0" smtClean="0">
                 <a:latin typeface="Trebuchet MS" charset="0"/>
               </a:rPr>
-              <a:t>delmodulo</a:t>
+              <a:t>del modulo </a:t>
             </a:r>
             <a:r>
               <a:rPr lang="it-IT" sz="2800" dirty="0">
                 <a:latin typeface="Trebuchet MS" charset="0"/>
               </a:rPr>
-              <a:t> accelerometro MPU6050. </a:t>
+              <a:t>accelerometro MPU6050. </a:t>
             </a:r>
           </a:p>
           <a:p>
@@ -10685,6 +10949,39 @@
               </a:rPr>
               <a:t>Nei prototipi è stata drasticamente privata di molte funzioni non ritenute essenziali per chiarezza e per risparmiare spazio. </a:t>
             </a:r>
+            <a:endParaRPr lang="it-IT" sz="2800" dirty="0" smtClean="0">
+              <a:latin typeface="Trebuchet MS" charset="0"/>
+            </a:endParaRPr>
+          </a:p>
+          <a:p>
+            <a:pPr marL="457200" indent="-457200">
+              <a:buFont typeface="Arial" panose="020B0604020202020204" pitchFamily="34" charset="0"/>
+              <a:buChar char="•"/>
+            </a:pPr>
+            <a:endParaRPr lang="it-IT" sz="2800" dirty="0" smtClean="0">
+              <a:latin typeface="Trebuchet MS" charset="0"/>
+            </a:endParaRPr>
+          </a:p>
+          <a:p>
+            <a:pPr marL="457200" indent="-457200">
+              <a:buFont typeface="Arial" panose="020B0604020202020204" pitchFamily="34" charset="0"/>
+              <a:buChar char="•"/>
+            </a:pPr>
+            <a:r>
+              <a:rPr lang="it-IT" sz="2800" dirty="0" smtClean="0">
+                <a:latin typeface="Trebuchet MS" charset="0"/>
+              </a:rPr>
+              <a:t>Sito: https</a:t>
+            </a:r>
+            <a:r>
+              <a:rPr lang="it-IT" sz="2800" dirty="0">
+                <a:latin typeface="Trebuchet MS" charset="0"/>
+              </a:rPr>
+              <a:t>://github.com/jrowberg/i2cdevlib/tree/master/Arduino</a:t>
+            </a:r>
+            <a:endParaRPr lang="it-IT" sz="2800" dirty="0">
+              <a:latin typeface="Trebuchet MS" charset="0"/>
+            </a:endParaRPr>
           </a:p>
           <a:p>
             <a:endParaRPr lang="it-IT" sz="2800" dirty="0">
@@ -10736,14 +11033,43 @@
       </p:grpSpPr>
       <p:sp>
         <p:nvSpPr>
-          <p:cNvPr id="2" name="CasellaDiTesto 1"/>
+          <p:cNvPr id="2" name="Titolo 1"/>
+          <p:cNvSpPr>
+            <a:spLocks noGrp="1"/>
+          </p:cNvSpPr>
+          <p:nvPr>
+            <p:ph type="title"/>
+          </p:nvPr>
+        </p:nvSpPr>
+        <p:spPr>
+          <a:xfrm>
+            <a:off x="1" y="753228"/>
+            <a:ext cx="10294182" cy="1080938"/>
+          </a:xfrm>
+        </p:spPr>
+        <p:txBody>
+          <a:bodyPr>
+            <a:noAutofit/>
+          </a:bodyPr>
+          <a:lstStyle/>
+          <a:p>
+            <a:r>
+              <a:rPr lang="it-IT" sz="4000" dirty="0"/>
+              <a:t>Librerie di sviluppatori terzi adoperate</a:t>
+            </a:r>
+          </a:p>
+        </p:txBody>
+      </p:sp>
+      <p:sp>
+        <p:nvSpPr>
+          <p:cNvPr id="3" name="CasellaDiTesto 2"/>
           <p:cNvSpPr txBox="1"/>
           <p:nvPr/>
         </p:nvSpPr>
         <p:spPr>
           <a:xfrm>
-            <a:off x="190402" y="0"/>
-            <a:ext cx="10218738" cy="6924973"/>
+            <a:off x="115888" y="2403012"/>
+            <a:ext cx="11960225" cy="4555093"/>
           </a:xfrm>
           <a:prstGeom prst="rect">
             <a:avLst/>
@@ -10757,58 +11083,8 @@
           <a:lstStyle/>
           <a:p>
             <a:r>
-              <a:rPr lang="it-IT" sz="4000" dirty="0"/>
-              <a:t>ESP8266wifi</a:t>
-            </a:r>
-          </a:p>
-          <a:p>
-            <a:pPr marL="457200" indent="-457200">
-              <a:buFont typeface="Arial" panose="020B0604020202020204" pitchFamily="34" charset="0"/>
-              <a:buChar char="•"/>
-            </a:pPr>
-            <a:r>
               <a:rPr lang="it-IT" sz="2800" dirty="0"/>
-              <a:t>A </a:t>
-            </a:r>
-            <a:r>
-              <a:rPr lang="it-IT" sz="2800" dirty="0" err="1"/>
-              <a:t>simple</a:t>
-            </a:r>
-            <a:r>
-              <a:rPr lang="it-IT" sz="2800" dirty="0"/>
-              <a:t> ESP8266 Arduino </a:t>
-            </a:r>
-            <a:r>
-              <a:rPr lang="it-IT" sz="2800" dirty="0" err="1"/>
-              <a:t>library</a:t>
-            </a:r>
-            <a:r>
-              <a:rPr lang="it-IT" sz="2800" dirty="0"/>
-              <a:t> with </a:t>
-            </a:r>
-            <a:r>
-              <a:rPr lang="it-IT" sz="2800" dirty="0" err="1"/>
-              <a:t>built</a:t>
-            </a:r>
-            <a:r>
-              <a:rPr lang="it-IT" sz="2800" dirty="0"/>
-              <a:t> in re-</a:t>
-            </a:r>
-            <a:r>
-              <a:rPr lang="it-IT" sz="2800" dirty="0" err="1"/>
-              <a:t>connect</a:t>
-            </a:r>
-            <a:r>
-              <a:rPr lang="it-IT" sz="2800" dirty="0"/>
-              <a:t> </a:t>
-            </a:r>
-            <a:r>
-              <a:rPr lang="it-IT" sz="2800" dirty="0" err="1"/>
-              <a:t>functionality</a:t>
-            </a:r>
-            <a:r>
-              <a:rPr lang="it-IT" sz="2800" dirty="0"/>
-              <a:t>. https://github.com/ekstrand/ESP8266wifi</a:t>
+              <a:t>WeeESP8266</a:t>
             </a:r>
           </a:p>
           <a:p>
@@ -10824,30 +11100,30 @@
               <a:buChar char="•"/>
             </a:pPr>
             <a:r>
+              <a:rPr lang="it-IT" sz="2800" dirty="0" smtClean="0"/>
+              <a:t>Una </a:t>
+            </a:r>
+            <a:r>
+              <a:rPr lang="it-IT" sz="2800" dirty="0" smtClean="0"/>
+              <a:t>libreria </a:t>
+            </a:r>
+            <a:r>
+              <a:rPr lang="it-IT" sz="2800" dirty="0" smtClean="0"/>
+              <a:t>per </a:t>
+            </a:r>
+            <a:r>
               <a:rPr lang="it-IT" sz="2800" dirty="0"/>
-              <a:t>Particolarità: comandi AT memorizzati su area istruzioni per risparmiare spazio per i dati (tramite direttiva PROGMEM)</a:t>
-            </a:r>
-          </a:p>
-          <a:p>
+              <a:t>Arduino </a:t>
+            </a:r>
+            <a:r>
+              <a:rPr lang="it-IT" sz="2800" dirty="0" smtClean="0"/>
+              <a:t>che fornisce una maniera semplice per manipolare il modulo ESP8266</a:t>
+            </a:r>
             <a:r>
               <a:rPr lang="it-IT" sz="2800" dirty="0"/>
-              <a:t> </a:t>
-            </a:r>
-          </a:p>
-          <a:p>
-            <a:r>
-              <a:rPr lang="it-IT" sz="4000" dirty="0" err="1"/>
-              <a:t>Fishino</a:t>
-            </a:r>
-            <a:r>
-              <a:rPr lang="it-IT" sz="4000" dirty="0"/>
-              <a:t> </a:t>
-            </a:r>
-            <a:r>
-              <a:rPr lang="it-IT" sz="4000" dirty="0" err="1"/>
-              <a:t>libraries</a:t>
-            </a:r>
-            <a:endParaRPr lang="it-IT" sz="4000" dirty="0"/>
+              <a:t>. </a:t>
+            </a:r>
+            <a:endParaRPr lang="it-IT" sz="2800" dirty="0" smtClean="0"/>
           </a:p>
           <a:p>
             <a:pPr marL="457200" indent="-457200">
@@ -10855,68 +11131,20 @@
               <a:buChar char="•"/>
             </a:pPr>
             <a:r>
+              <a:rPr lang="it-IT" sz="2800" dirty="0" smtClean="0"/>
+              <a:t>Il </a:t>
+            </a:r>
+            <a:r>
               <a:rPr lang="it-IT" sz="2800" dirty="0"/>
-              <a:t>Librerie della scheda </a:t>
-            </a:r>
-            <a:r>
-              <a:rPr lang="it-IT" sz="2800" dirty="0" err="1"/>
-              <a:t>arduino</a:t>
-            </a:r>
-            <a:r>
-              <a:rPr lang="it-IT" sz="2800" dirty="0"/>
-              <a:t> compatibile con il modulo WIFI ESP8266 integrato on </a:t>
-            </a:r>
-            <a:r>
-              <a:rPr lang="it-IT" sz="2800" dirty="0" err="1"/>
-              <a:t>board</a:t>
-            </a:r>
-            <a:r>
-              <a:rPr lang="it-IT" sz="2800" dirty="0"/>
-              <a:t>. </a:t>
-            </a:r>
-            <a:endParaRPr lang="it-IT" sz="2800" dirty="0" smtClean="0"/>
+              <a:t>codice sorgente può essere scaricato dal seguente link: https://github.com/itead/ITEADLIB_Arduino_WeeESP8266.</a:t>
+            </a:r>
           </a:p>
           <a:p>
             <a:pPr marL="457200" indent="-457200">
               <a:buFont typeface="Arial" panose="020B0604020202020204" pitchFamily="34" charset="0"/>
               <a:buChar char="•"/>
             </a:pPr>
-            <a:r>
-              <a:rPr lang="it-IT" sz="2800" dirty="0" smtClean="0"/>
-              <a:t>Utilizzata </a:t>
-            </a:r>
-            <a:r>
-              <a:rPr lang="it-IT" sz="2800" dirty="0"/>
-              <a:t>per ottenere riferimenti per creare un </a:t>
-            </a:r>
-            <a:r>
-              <a:rPr lang="it-IT" sz="2800" dirty="0" err="1"/>
-              <a:t>wrapper</a:t>
-            </a:r>
-            <a:r>
-              <a:rPr lang="it-IT" sz="2800" dirty="0"/>
-              <a:t> della libreria ESP8266wifi che esponga le funzioni usuali delle librerie del modulo </a:t>
-            </a:r>
-            <a:r>
-              <a:rPr lang="it-IT" sz="2800" dirty="0" err="1"/>
-              <a:t>Etherner</a:t>
-            </a:r>
-            <a:r>
-              <a:rPr lang="it-IT" sz="2800" dirty="0"/>
-              <a:t> </a:t>
-            </a:r>
-            <a:r>
-              <a:rPr lang="it-IT" sz="2800" dirty="0" err="1"/>
-              <a:t>Shield</a:t>
-            </a:r>
-            <a:r>
-              <a:rPr lang="it-IT" sz="2800" dirty="0"/>
-              <a:t> di </a:t>
-            </a:r>
-            <a:r>
-              <a:rPr lang="it-IT" sz="2800" dirty="0" smtClean="0"/>
-              <a:t>Arduino. </a:t>
-            </a:r>
+            <a:endParaRPr lang="it-IT" sz="2800" dirty="0"/>
           </a:p>
           <a:p>
             <a:pPr marL="457200" indent="-457200">
@@ -10925,19 +11153,25 @@
             </a:pPr>
             <a:r>
               <a:rPr lang="it-IT" sz="2800" dirty="0" smtClean="0"/>
-              <a:t>Scaricabile </a:t>
+              <a:t>Particolarità: occupa molto spazio </a:t>
             </a:r>
             <a:r>
               <a:rPr lang="it-IT" sz="2800" dirty="0"/>
-              <a:t>presso: arduinohttp://fishino.it/en/download/</a:t>
-            </a:r>
+              <a:t>in memoria RAM, presumibilmente più rapida.</a:t>
+            </a:r>
+          </a:p>
+          <a:p>
+            <a:endParaRPr lang="it-IT" dirty="0"/>
+          </a:p>
+          <a:p>
+            <a:endParaRPr lang="it-IT" sz="2000" dirty="0"/>
           </a:p>
         </p:txBody>
       </p:sp>
     </p:spTree>
     <p:extLst>
       <p:ext uri="{BB962C8B-B14F-4D97-AF65-F5344CB8AC3E}">
-        <p14:creationId xmlns:p14="http://schemas.microsoft.com/office/powerpoint/2010/main" val="363647099"/>
+        <p14:creationId xmlns:p14="http://schemas.microsoft.com/office/powerpoint/2010/main" val="4034955394"/>
       </p:ext>
     </p:extLst>
   </p:cSld>
@@ -10973,51 +11207,14 @@
       </p:grpSpPr>
       <p:sp>
         <p:nvSpPr>
-          <p:cNvPr id="2" name="Titolo 1"/>
-          <p:cNvSpPr>
-            <a:spLocks noGrp="1"/>
-          </p:cNvSpPr>
-          <p:nvPr>
-            <p:ph type="title"/>
-          </p:nvPr>
-        </p:nvSpPr>
-        <p:spPr>
-          <a:xfrm>
-            <a:off x="1" y="753228"/>
-            <a:ext cx="10294182" cy="1080938"/>
-          </a:xfrm>
-        </p:spPr>
-        <p:txBody>
-          <a:bodyPr>
-            <a:normAutofit fontScale="90000"/>
-          </a:bodyPr>
-          <a:lstStyle/>
-          <a:p>
-            <a:r>
-              <a:rPr lang="it-IT" sz="6700" dirty="0"/>
-              <a:t>Prototipi realizzati:</a:t>
-            </a:r>
-            <a:r>
-              <a:rPr lang="it-IT" dirty="0"/>
-              <a:t/>
-            </a:r>
-            <a:br>
-              <a:rPr lang="it-IT" dirty="0"/>
-            </a:br>
-            <a:endParaRPr lang="it-IT" dirty="0"/>
-          </a:p>
-        </p:txBody>
-      </p:sp>
-      <p:sp>
-        <p:nvSpPr>
-          <p:cNvPr id="3" name="CasellaDiTesto 2"/>
+          <p:cNvPr id="2" name="CasellaDiTesto 1"/>
           <p:cNvSpPr txBox="1"/>
           <p:nvPr/>
         </p:nvSpPr>
         <p:spPr>
           <a:xfrm>
-            <a:off x="87317" y="1631396"/>
-            <a:ext cx="9150950" cy="5293757"/>
+            <a:off x="190402" y="0"/>
+            <a:ext cx="10218738" cy="6924973"/>
           </a:xfrm>
           <a:prstGeom prst="rect">
             <a:avLst/>
@@ -11025,151 +11222,185 @@
           <a:noFill/>
         </p:spPr>
         <p:txBody>
-          <a:bodyPr wrap="square" rtlCol="0">
+          <a:bodyPr wrap="square" rtlCol="0" anchor="t">
             <a:spAutoFit/>
           </a:bodyPr>
           <a:lstStyle/>
           <a:p>
-            <a:endParaRPr lang="it-IT" dirty="0"/>
-          </a:p>
-          <a:p>
-            <a:r>
-              <a:rPr lang="it-IT" sz="2800" dirty="0"/>
-              <a:t>Particolarità</a:t>
-            </a:r>
-            <a:r>
-              <a:rPr lang="it-IT" sz="2400" dirty="0"/>
-              <a:t>: </a:t>
-            </a:r>
-          </a:p>
-          <a:p>
-            <a:pPr marL="342900" indent="-342900">
+            <a:r>
+              <a:rPr lang="it-IT" sz="4000" dirty="0"/>
+              <a:t>ESP8266wifi</a:t>
+            </a:r>
+          </a:p>
+          <a:p>
+            <a:pPr marL="457200" indent="-457200">
               <a:buFont typeface="Arial" panose="020B0604020202020204" pitchFamily="34" charset="0"/>
               <a:buChar char="•"/>
             </a:pPr>
             <a:r>
-              <a:rPr lang="it-IT" sz="2400" dirty="0"/>
-              <a:t>utilizzano l'accelerometro digitale </a:t>
-            </a:r>
-            <a:r>
-              <a:rPr lang="it-IT" sz="2400" dirty="0" smtClean="0"/>
-              <a:t>MPU6050</a:t>
-            </a:r>
-          </a:p>
-          <a:p>
-            <a:pPr marL="342900" indent="-342900">
+              <a:rPr lang="it-IT" sz="2800" dirty="0"/>
+              <a:t>A </a:t>
+            </a:r>
+            <a:r>
+              <a:rPr lang="it-IT" sz="2800" dirty="0" err="1"/>
+              <a:t>simple</a:t>
+            </a:r>
+            <a:r>
+              <a:rPr lang="it-IT" sz="2800" dirty="0"/>
+              <a:t> ESP8266 Arduino </a:t>
+            </a:r>
+            <a:r>
+              <a:rPr lang="it-IT" sz="2800" dirty="0" err="1"/>
+              <a:t>library</a:t>
+            </a:r>
+            <a:r>
+              <a:rPr lang="it-IT" sz="2800" dirty="0"/>
+              <a:t> with </a:t>
+            </a:r>
+            <a:r>
+              <a:rPr lang="it-IT" sz="2800" dirty="0" err="1"/>
+              <a:t>built</a:t>
+            </a:r>
+            <a:r>
+              <a:rPr lang="it-IT" sz="2800" dirty="0"/>
+              <a:t> in re-</a:t>
+            </a:r>
+            <a:r>
+              <a:rPr lang="it-IT" sz="2800" dirty="0" err="1"/>
+              <a:t>connect</a:t>
+            </a:r>
+            <a:r>
+              <a:rPr lang="it-IT" sz="2800" dirty="0"/>
+              <a:t> </a:t>
+            </a:r>
+            <a:r>
+              <a:rPr lang="it-IT" sz="2800" dirty="0" err="1"/>
+              <a:t>functionality</a:t>
+            </a:r>
+            <a:r>
+              <a:rPr lang="it-IT" sz="2800" dirty="0"/>
+              <a:t>. https://github.com/ekstrand/ESP8266wifi</a:t>
+            </a:r>
+          </a:p>
+          <a:p>
+            <a:pPr marL="457200" indent="-457200">
               <a:buFont typeface="Arial" panose="020B0604020202020204" pitchFamily="34" charset="0"/>
               <a:buChar char="•"/>
             </a:pPr>
-            <a:r>
-              <a:rPr lang="it-IT" sz="2400" dirty="0" smtClean="0"/>
-              <a:t>si </a:t>
-            </a:r>
-            <a:r>
-              <a:rPr lang="it-IT" sz="2400" dirty="0"/>
-              <a:t>collegano ad internet tramite il modulo </a:t>
-            </a:r>
-            <a:r>
-              <a:rPr lang="it-IT" sz="2400" dirty="0" err="1"/>
-              <a:t>wifi</a:t>
-            </a:r>
-            <a:r>
-              <a:rPr lang="it-IT" sz="2400" dirty="0"/>
-              <a:t> </a:t>
-            </a:r>
-            <a:r>
-              <a:rPr lang="it-IT" sz="2400" dirty="0" smtClean="0"/>
-              <a:t>ESP8266</a:t>
-            </a:r>
-          </a:p>
-          <a:p>
-            <a:pPr marL="342900" indent="-342900">
+            <a:endParaRPr lang="it-IT" sz="2800" dirty="0"/>
+          </a:p>
+          <a:p>
+            <a:pPr marL="457200" indent="-457200">
               <a:buFont typeface="Arial" panose="020B0604020202020204" pitchFamily="34" charset="0"/>
               <a:buChar char="•"/>
             </a:pPr>
             <a:r>
-              <a:rPr lang="it-IT" sz="2400" dirty="0" smtClean="0"/>
-              <a:t>implementano </a:t>
-            </a:r>
-            <a:r>
-              <a:rPr lang="it-IT" sz="2400" dirty="0"/>
-              <a:t>l'algoritmo rilevatore di soglia del prototipo </a:t>
-            </a:r>
-            <a:r>
-              <a:rPr lang="it-IT" sz="2400" dirty="0" err="1"/>
-              <a:t>seismocloud</a:t>
-            </a:r>
-            <a:r>
-              <a:rPr lang="it-IT" sz="2400" dirty="0"/>
-              <a:t> basato su </a:t>
-            </a:r>
-            <a:r>
-              <a:rPr lang="it-IT" sz="2400" dirty="0" err="1"/>
-              <a:t>raspberry</a:t>
-            </a:r>
-            <a:r>
-              <a:rPr lang="it-IT" sz="2400" dirty="0"/>
-              <a:t>/Galileo.</a:t>
-            </a:r>
-          </a:p>
-          <a:p>
-            <a:pPr marL="342900" indent="-342900">
+              <a:rPr lang="it-IT" sz="2800" dirty="0"/>
+              <a:t>Particolarità: comandi AT memorizzati su area istruzioni per risparmiare spazio per i dati (tramite direttiva PROGMEM)</a:t>
+            </a:r>
+          </a:p>
+          <a:p>
+            <a:r>
+              <a:rPr lang="it-IT" sz="2800" dirty="0"/>
+              <a:t> </a:t>
+            </a:r>
+          </a:p>
+          <a:p>
+            <a:r>
+              <a:rPr lang="it-IT" sz="4000" dirty="0" err="1"/>
+              <a:t>Fishino</a:t>
+            </a:r>
+            <a:r>
+              <a:rPr lang="it-IT" sz="4000" dirty="0"/>
+              <a:t> </a:t>
+            </a:r>
+            <a:r>
+              <a:rPr lang="it-IT" sz="4000" dirty="0" err="1"/>
+              <a:t>libraries</a:t>
+            </a:r>
+            <a:endParaRPr lang="it-IT" sz="4000" dirty="0"/>
+          </a:p>
+          <a:p>
+            <a:pPr marL="457200" indent="-457200">
               <a:buFont typeface="Arial" panose="020B0604020202020204" pitchFamily="34" charset="0"/>
               <a:buChar char="•"/>
             </a:pPr>
-            <a:endParaRPr lang="it-IT" sz="2400" dirty="0"/>
-          </a:p>
-          <a:p>
-            <a:pPr marL="342900" indent="-342900">
+            <a:r>
+              <a:rPr lang="it-IT" sz="2800" dirty="0"/>
+              <a:t>Librerie della scheda </a:t>
+            </a:r>
+            <a:r>
+              <a:rPr lang="it-IT" sz="2800" dirty="0" err="1"/>
+              <a:t>arduino</a:t>
+            </a:r>
+            <a:r>
+              <a:rPr lang="it-IT" sz="2800" dirty="0"/>
+              <a:t> compatibile con il modulo WIFI ESP8266 integrato on </a:t>
+            </a:r>
+            <a:r>
+              <a:rPr lang="it-IT" sz="2800" dirty="0" err="1"/>
+              <a:t>board</a:t>
+            </a:r>
+            <a:r>
+              <a:rPr lang="it-IT" sz="2800" dirty="0"/>
+              <a:t>. </a:t>
+            </a:r>
+            <a:endParaRPr lang="it-IT" sz="2800" dirty="0" smtClean="0"/>
+          </a:p>
+          <a:p>
+            <a:pPr marL="457200" indent="-457200">
               <a:buFont typeface="Arial" panose="020B0604020202020204" pitchFamily="34" charset="0"/>
               <a:buChar char="•"/>
             </a:pPr>
             <a:r>
-              <a:rPr lang="it-IT" sz="2400" dirty="0"/>
-              <a:t>Le librerie </a:t>
-            </a:r>
-            <a:r>
-              <a:rPr lang="it-IT" sz="2400" dirty="0" smtClean="0"/>
-              <a:t>necessarie (</a:t>
-            </a:r>
-            <a:r>
-              <a:rPr lang="it-IT" sz="2400" dirty="0"/>
-              <a:t>ampiamente integrate e rimaneggiate rispetto alle originali) </a:t>
-            </a:r>
-            <a:r>
-              <a:rPr lang="it-IT" sz="2400" dirty="0" smtClean="0"/>
-              <a:t>sono </a:t>
-            </a:r>
-            <a:r>
-              <a:rPr lang="it-IT" sz="2400" dirty="0"/>
-              <a:t>già incluse nelle cartelle dei prototipi.</a:t>
-            </a:r>
-          </a:p>
-          <a:p>
-            <a:pPr marL="342900" indent="-342900">
+              <a:rPr lang="it-IT" sz="2800" dirty="0" smtClean="0"/>
+              <a:t>Utilizzata </a:t>
+            </a:r>
+            <a:r>
+              <a:rPr lang="it-IT" sz="2800" dirty="0"/>
+              <a:t>per ottenere riferimenti per creare un </a:t>
+            </a:r>
+            <a:r>
+              <a:rPr lang="it-IT" sz="2800" dirty="0" err="1"/>
+              <a:t>wrapper</a:t>
+            </a:r>
+            <a:r>
+              <a:rPr lang="it-IT" sz="2800" dirty="0"/>
+              <a:t> della libreria ESP8266wifi che esponga le funzioni usuali delle librerie del modulo </a:t>
+            </a:r>
+            <a:r>
+              <a:rPr lang="it-IT" sz="2800" dirty="0" err="1"/>
+              <a:t>Etherner</a:t>
+            </a:r>
+            <a:r>
+              <a:rPr lang="it-IT" sz="2800" dirty="0"/>
+              <a:t> </a:t>
+            </a:r>
+            <a:r>
+              <a:rPr lang="it-IT" sz="2800" dirty="0" err="1"/>
+              <a:t>Shield</a:t>
+            </a:r>
+            <a:r>
+              <a:rPr lang="it-IT" sz="2800" dirty="0"/>
+              <a:t> di </a:t>
+            </a:r>
+            <a:r>
+              <a:rPr lang="it-IT" sz="2800" dirty="0" smtClean="0"/>
+              <a:t>Arduino. </a:t>
+            </a:r>
+          </a:p>
+          <a:p>
+            <a:pPr marL="457200" indent="-457200">
               <a:buFont typeface="Arial" panose="020B0604020202020204" pitchFamily="34" charset="0"/>
               <a:buChar char="•"/>
             </a:pPr>
-            <a:endParaRPr lang="it-IT" sz="2400" dirty="0"/>
-          </a:p>
-          <a:p>
+            <a:r>
+              <a:rPr lang="it-IT" sz="2800" dirty="0" smtClean="0"/>
+              <a:t>Scaricabile </a:t>
+            </a:r>
             <a:r>
               <a:rPr lang="it-IT" sz="2800" dirty="0"/>
-              <a:t>Mancanze</a:t>
-            </a:r>
-            <a:r>
-              <a:rPr lang="it-IT" sz="2400" dirty="0"/>
-              <a:t>: </a:t>
-            </a:r>
-          </a:p>
-          <a:p>
-            <a:pPr marL="342900" indent="-342900">
-              <a:buFont typeface="Arial" panose="020B0604020202020204" pitchFamily="34" charset="0"/>
-              <a:buChar char="•"/>
-            </a:pPr>
-            <a:r>
-              <a:rPr lang="it-IT" sz="2400" dirty="0"/>
-              <a:t>attualmente non comunica al server la magnitudo dei terremoti ma si limita a mostrarla in locale. </a:t>
+              <a:t>presso: arduinohttp://fishino.it/en/download/</a:t>
             </a:r>
           </a:p>
         </p:txBody>
@@ -11177,7 +11408,7 @@
     </p:spTree>
     <p:extLst>
       <p:ext uri="{BB962C8B-B14F-4D97-AF65-F5344CB8AC3E}">
-        <p14:creationId xmlns:p14="http://schemas.microsoft.com/office/powerpoint/2010/main" val="3958621741"/>
+        <p14:creationId xmlns:p14="http://schemas.microsoft.com/office/powerpoint/2010/main" val="363647099"/>
       </p:ext>
     </p:extLst>
   </p:cSld>
@@ -11213,14 +11444,51 @@
       </p:grpSpPr>
       <p:sp>
         <p:nvSpPr>
-          <p:cNvPr id="2" name="CasellaDiTesto 1"/>
+          <p:cNvPr id="2" name="Titolo 1"/>
+          <p:cNvSpPr>
+            <a:spLocks noGrp="1"/>
+          </p:cNvSpPr>
+          <p:nvPr>
+            <p:ph type="title"/>
+          </p:nvPr>
+        </p:nvSpPr>
+        <p:spPr>
+          <a:xfrm>
+            <a:off x="1" y="753228"/>
+            <a:ext cx="10294182" cy="1080938"/>
+          </a:xfrm>
+        </p:spPr>
+        <p:txBody>
+          <a:bodyPr>
+            <a:normAutofit fontScale="90000"/>
+          </a:bodyPr>
+          <a:lstStyle/>
+          <a:p>
+            <a:r>
+              <a:rPr lang="it-IT" sz="6700" dirty="0"/>
+              <a:t>Prototipi realizzati:</a:t>
+            </a:r>
+            <a:r>
+              <a:rPr lang="it-IT" dirty="0"/>
+              <a:t/>
+            </a:r>
+            <a:br>
+              <a:rPr lang="it-IT" dirty="0"/>
+            </a:br>
+            <a:endParaRPr lang="it-IT" dirty="0"/>
+          </a:p>
+        </p:txBody>
+      </p:sp>
+      <p:sp>
+        <p:nvSpPr>
+          <p:cNvPr id="3" name="CasellaDiTesto 2"/>
           <p:cNvSpPr txBox="1"/>
           <p:nvPr/>
         </p:nvSpPr>
         <p:spPr>
           <a:xfrm>
-            <a:off x="223838" y="346577"/>
-            <a:ext cx="10625137" cy="6370975"/>
+            <a:off x="87317" y="1631396"/>
+            <a:ext cx="9150950" cy="4924425"/>
           </a:xfrm>
           <a:prstGeom prst="rect">
             <a:avLst/>
@@ -11228,48 +11496,92 @@
           <a:noFill/>
         </p:spPr>
         <p:txBody>
-          <a:bodyPr wrap="square" rtlCol="0" anchor="t">
+          <a:bodyPr wrap="square" rtlCol="0">
             <a:spAutoFit/>
           </a:bodyPr>
           <a:lstStyle/>
           <a:p>
-            <a:pPr marL="457200" indent="-457200">
+            <a:endParaRPr lang="it-IT" dirty="0"/>
+          </a:p>
+          <a:p>
+            <a:r>
+              <a:rPr lang="it-IT" sz="2800" dirty="0"/>
+              <a:t>Particolarità</a:t>
+            </a:r>
+            <a:r>
+              <a:rPr lang="it-IT" sz="2400" dirty="0"/>
+              <a:t>: </a:t>
+            </a:r>
+          </a:p>
+          <a:p>
+            <a:pPr marL="342900" indent="-342900">
               <a:buFont typeface="Arial" panose="020B0604020202020204" pitchFamily="34" charset="0"/>
               <a:buChar char="•"/>
             </a:pPr>
             <a:r>
-              <a:rPr lang="it-IT" sz="4000" b="1" dirty="0" err="1"/>
-              <a:t>seismocloudArduinoUno</a:t>
-            </a:r>
-            <a:r>
-              <a:rPr lang="it-IT" sz="2800" dirty="0"/>
+              <a:rPr lang="it-IT" sz="2400" dirty="0"/>
+              <a:t>utilizzano l'accelerometro digitale </a:t>
+            </a:r>
+            <a:r>
+              <a:rPr lang="it-IT" sz="2400" dirty="0" smtClean="0"/>
+              <a:t>MPU6050</a:t>
+            </a:r>
+          </a:p>
+          <a:p>
+            <a:pPr marL="342900" indent="-342900">
+              <a:buFont typeface="Arial" panose="020B0604020202020204" pitchFamily="34" charset="0"/>
+              <a:buChar char="•"/>
+            </a:pPr>
+            <a:r>
+              <a:rPr lang="it-IT" sz="2400" dirty="0" smtClean="0"/>
+              <a:t>si </a:t>
+            </a:r>
+            <a:r>
+              <a:rPr lang="it-IT" sz="2400" dirty="0"/>
+              <a:t>collegano ad internet tramite il modulo </a:t>
+            </a:r>
+            <a:r>
+              <a:rPr lang="it-IT" sz="2400" dirty="0" err="1"/>
+              <a:t>wifi</a:t>
+            </a:r>
+            <a:r>
+              <a:rPr lang="it-IT" sz="2400" dirty="0"/>
               <a:t> </a:t>
             </a:r>
-          </a:p>
-          <a:p>
-            <a:r>
-              <a:rPr lang="it-IT" sz="2800" dirty="0"/>
-              <a:t>utilizza le librerie WeeESP8266Attualmente è incompleto </a:t>
-            </a:r>
-            <a:r>
-              <a:rPr lang="it-IT" sz="2800" dirty="0" err="1"/>
-              <a:t>perchè</a:t>
-            </a:r>
-            <a:r>
-              <a:rPr lang="it-IT" sz="2800" dirty="0"/>
-              <a:t> il suo sviluppo è stato momentaneamente abbandonato </a:t>
-            </a:r>
-            <a:r>
-              <a:rPr lang="it-IT" sz="2800" dirty="0" err="1"/>
-              <a:t>poichè</a:t>
-            </a:r>
-            <a:r>
-              <a:rPr lang="it-IT" sz="2800" dirty="0"/>
-              <a:t> la libreria occupa relativamente eccessivo spazio in RAM (andrebbe più che bene per l'Arduino Mega basato su ATMEL 2560).</a:t>
-            </a:r>
-          </a:p>
-          <a:p>
-            <a:endParaRPr lang="it-IT" sz="2400" dirty="0"/>
+            <a:r>
+              <a:rPr lang="it-IT" sz="2400" dirty="0" smtClean="0"/>
+              <a:t>ESP8266</a:t>
+            </a:r>
+          </a:p>
+          <a:p>
+            <a:pPr marL="342900" indent="-342900">
+              <a:buFont typeface="Arial" panose="020B0604020202020204" pitchFamily="34" charset="0"/>
+              <a:buChar char="•"/>
+            </a:pPr>
+            <a:r>
+              <a:rPr lang="it-IT" sz="2400" dirty="0" smtClean="0"/>
+              <a:t>implementano </a:t>
+            </a:r>
+            <a:r>
+              <a:rPr lang="it-IT" sz="2400" dirty="0"/>
+              <a:t>l'algoritmo rilevatore di soglia del prototipo </a:t>
+            </a:r>
+            <a:r>
+              <a:rPr lang="it-IT" sz="2400" dirty="0" err="1"/>
+              <a:t>seismocloud</a:t>
+            </a:r>
+            <a:r>
+              <a:rPr lang="it-IT" sz="2400" dirty="0"/>
+              <a:t> basato su </a:t>
+            </a:r>
+            <a:r>
+              <a:rPr lang="it-IT" sz="2400" dirty="0" err="1"/>
+              <a:t>raspberry</a:t>
+            </a:r>
+            <a:r>
+              <a:rPr lang="it-IT" sz="2400" dirty="0"/>
+              <a:t>/Galileo.</a:t>
+            </a:r>
           </a:p>
           <a:p>
             <a:pPr marL="342900" indent="-342900">
@@ -11279,70 +11591,60 @@
             <a:endParaRPr lang="it-IT" sz="2400" dirty="0"/>
           </a:p>
           <a:p>
-            <a:pPr marL="571500" indent="-571500">
+            <a:pPr marL="342900" indent="-342900">
               <a:buFont typeface="Arial" panose="020B0604020202020204" pitchFamily="34" charset="0"/>
               <a:buChar char="•"/>
             </a:pPr>
             <a:r>
-              <a:rPr lang="it-IT" sz="4000" b="1" dirty="0" err="1"/>
-              <a:t>seismocloudArduinoUnoCorto</a:t>
-            </a:r>
-            <a:endParaRPr lang="it-IT" sz="4000" b="1" dirty="0"/>
-          </a:p>
-          <a:p>
-            <a:pPr marL="457200" indent="-457200">
+              <a:rPr lang="it-IT" sz="2400" dirty="0"/>
+              <a:t>Le librerie </a:t>
+            </a:r>
+            <a:r>
+              <a:rPr lang="it-IT" sz="2400" dirty="0" smtClean="0"/>
+              <a:t>necessarie </a:t>
+            </a:r>
+            <a:r>
+              <a:rPr lang="it-IT" sz="2400" dirty="0" smtClean="0"/>
+              <a:t>(integrate </a:t>
+            </a:r>
+            <a:r>
+              <a:rPr lang="it-IT" sz="2400" dirty="0"/>
+              <a:t>e rimaneggiate rispetto alle originali) </a:t>
+            </a:r>
+            <a:r>
+              <a:rPr lang="it-IT" sz="2400" dirty="0" smtClean="0"/>
+              <a:t>sono </a:t>
+            </a:r>
+            <a:r>
+              <a:rPr lang="it-IT" sz="2400" dirty="0"/>
+              <a:t>già incluse nelle cartelle dei prototipi.</a:t>
+            </a:r>
+          </a:p>
+          <a:p>
+            <a:pPr marL="342900" indent="-342900">
               <a:buFont typeface="Arial" panose="020B0604020202020204" pitchFamily="34" charset="0"/>
               <a:buChar char="•"/>
             </a:pPr>
-            <a:r>
-              <a:rPr lang="it-IT" sz="2800" dirty="0" smtClean="0"/>
-              <a:t>utilizza </a:t>
-            </a:r>
+            <a:endParaRPr lang="it-IT" sz="2400" dirty="0"/>
+          </a:p>
+          <a:p>
             <a:r>
               <a:rPr lang="it-IT" sz="2800" dirty="0"/>
-              <a:t>le librerie ESP8266wifi. È stato scelto </a:t>
-            </a:r>
-            <a:r>
-              <a:rPr lang="it-IT" sz="2800" dirty="0" err="1"/>
-              <a:t>perchè</a:t>
-            </a:r>
-            <a:r>
-              <a:rPr lang="it-IT" sz="2800" dirty="0"/>
-              <a:t> consuma minori risorse in RAM (più adatto per il meno costoso Arduino Uno</a:t>
-            </a:r>
-            <a:r>
-              <a:rPr lang="it-IT" sz="2800" dirty="0" smtClean="0"/>
-              <a:t>).</a:t>
-            </a:r>
-          </a:p>
-          <a:p>
-            <a:pPr marL="457200" indent="-457200">
+              <a:t>Mancanze</a:t>
+            </a:r>
+            <a:r>
+              <a:rPr lang="it-IT" sz="2400" dirty="0"/>
+              <a:t>: </a:t>
+            </a:r>
+          </a:p>
+          <a:p>
+            <a:pPr marL="342900" indent="-342900">
               <a:buFont typeface="Arial" panose="020B0604020202020204" pitchFamily="34" charset="0"/>
               <a:buChar char="•"/>
             </a:pPr>
             <a:r>
-              <a:rPr lang="it-IT" sz="2800" dirty="0" smtClean="0"/>
-              <a:t>Attualmente </a:t>
-            </a:r>
-            <a:r>
-              <a:rPr lang="it-IT" sz="2800" dirty="0"/>
-              <a:t>completo. Il tutto compila ma il prototipo al momento non è ancora collaudato. </a:t>
-            </a:r>
-            <a:r>
-              <a:rPr lang="it-IT" sz="2800" dirty="0" smtClean="0"/>
-              <a:t>Serve </a:t>
-            </a:r>
-            <a:r>
-              <a:rPr lang="it-IT" sz="2800" dirty="0"/>
-              <a:t>qualche giorno per il </a:t>
-            </a:r>
-            <a:r>
-              <a:rPr lang="it-IT" sz="2800" dirty="0" err="1"/>
-              <a:t>testing</a:t>
-            </a:r>
-            <a:r>
-              <a:rPr lang="it-IT" sz="2800" dirty="0"/>
-              <a:t>.</a:t>
+              <a:rPr lang="it-IT" sz="2400" dirty="0"/>
+              <a:t>attualmente non comunica al server la magnitudo dei terremoti ma si limita a mostrarla in locale. </a:t>
             </a:r>
           </a:p>
         </p:txBody>
@@ -11350,7 +11652,7 @@
     </p:spTree>
     <p:extLst>
       <p:ext uri="{BB962C8B-B14F-4D97-AF65-F5344CB8AC3E}">
-        <p14:creationId xmlns:p14="http://schemas.microsoft.com/office/powerpoint/2010/main" val="1012408699"/>
+        <p14:creationId xmlns:p14="http://schemas.microsoft.com/office/powerpoint/2010/main" val="3958621741"/>
       </p:ext>
     </p:extLst>
   </p:cSld>
@@ -11386,132 +11688,150 @@
       </p:grpSpPr>
       <p:sp>
         <p:nvSpPr>
-          <p:cNvPr id="2" name="Titolo 1"/>
-          <p:cNvSpPr>
-            <a:spLocks noGrp="1"/>
-          </p:cNvSpPr>
-          <p:nvPr>
-            <p:ph type="title"/>
-          </p:nvPr>
-        </p:nvSpPr>
-        <p:spPr>
-          <a:xfrm>
-            <a:off x="89680" y="786041"/>
-            <a:ext cx="9613861" cy="1080938"/>
-          </a:xfrm>
-        </p:spPr>
-        <p:txBody>
-          <a:bodyPr/>
-          <a:lstStyle/>
-          <a:p>
-            <a:r>
-              <a:rPr lang="it-IT" sz="5400" dirty="0">
-                <a:latin typeface="Trebuchet MS" charset="0"/>
-              </a:rPr>
-              <a:t>Modulo adp-01</a:t>
-            </a:r>
-          </a:p>
-        </p:txBody>
-      </p:sp>
-      <p:sp>
-        <p:nvSpPr>
-          <p:cNvPr id="3" name="CasellaDiTesto 2"/>
+          <p:cNvPr id="2" name="CasellaDiTesto 1"/>
           <p:cNvSpPr txBox="1"/>
           <p:nvPr/>
         </p:nvSpPr>
         <p:spPr>
           <a:xfrm>
-            <a:off x="89680" y="2166838"/>
-            <a:ext cx="11634788" cy="2985433"/>
+            <a:off x="139486" y="346577"/>
+            <a:ext cx="11027044" cy="6247864"/>
           </a:xfrm>
           <a:prstGeom prst="rect">
             <a:avLst/>
           </a:prstGeom>
-        </p:spPr>
-        <p:txBody>
-          <a:bodyPr rtlCol="0">
+          <a:noFill/>
+        </p:spPr>
+        <p:txBody>
+          <a:bodyPr wrap="square" rtlCol="0" anchor="t">
             <a:spAutoFit/>
           </a:bodyPr>
           <a:lstStyle/>
           <a:p>
-            <a:r>
-              <a:rPr lang="it" sz="2800" dirty="0">
-                <a:solidFill>
-                  <a:srgbClr val="FFFFFF"/>
-                </a:solidFill>
-                <a:latin typeface="Consolas" charset="0"/>
-              </a:rPr>
-              <a:t>Permette di alimentare il modulo </a:t>
-            </a:r>
-            <a:r>
-              <a:rPr lang="it" sz="2800" dirty="0" err="1">
-                <a:solidFill>
-                  <a:srgbClr val="FFFFFF"/>
-                </a:solidFill>
-                <a:latin typeface="Consolas" charset="0"/>
-              </a:rPr>
-              <a:t>WiFi</a:t>
-            </a:r>
-            <a:r>
-              <a:rPr lang="it" sz="2800" dirty="0">
-                <a:solidFill>
-                  <a:srgbClr val="FFFFFF"/>
-                </a:solidFill>
-                <a:latin typeface="Consolas" charset="0"/>
-              </a:rPr>
-              <a:t> con 5 V anziché 3,3 V , che è la tensione richiesta dal modulo di sistema on chip. Questo adattatore permette anche il modulo per essere collegato a una basetta . L'adattatore è chiamato ADP – 01.</a:t>
-            </a:r>
-            <a:endParaRPr lang="it-IT" sz="2800" dirty="0">
-              <a:solidFill>
-                <a:srgbClr val="FFFFFF"/>
-              </a:solidFill>
-              <a:latin typeface="Consolas" charset="0"/>
-            </a:endParaRPr>
-          </a:p>
-          <a:p>
-            <a:r>
-              <a:rPr lang="it-IT" sz="2400" dirty="0">
-                <a:solidFill>
-                  <a:srgbClr val="444444"/>
-                </a:solidFill>
-                <a:latin typeface="Arial" charset="0"/>
-              </a:rPr>
+            <a:pPr marL="457200" indent="-457200">
+              <a:buFont typeface="Arial" panose="020B0604020202020204" pitchFamily="34" charset="0"/>
+              <a:buChar char="•"/>
+            </a:pPr>
+            <a:r>
+              <a:rPr lang="it-IT" sz="4000" b="1" dirty="0" err="1"/>
+              <a:t>seismocloudArduinoUno</a:t>
+            </a:r>
+            <a:r>
+              <a:rPr lang="it-IT" sz="2800" dirty="0"/>
               <a:t> </a:t>
             </a:r>
-          </a:p>
-          <a:p>
-            <a:endParaRPr lang="it-IT" sz="2400" dirty="0"/>
-          </a:p>
-        </p:txBody>
-      </p:sp>
-      <p:pic>
-        <p:nvPicPr>
-          <p:cNvPr id="4" name="Immagine 3" descr="ADP-01.png"/>
-          <p:cNvPicPr>
-            <a:picLocks noChangeAspect="1"/>
-          </p:cNvPicPr>
-          <p:nvPr/>
-        </p:nvPicPr>
-        <p:blipFill>
-          <a:blip r:embed="rId3"/>
-          <a:stretch>
-            <a:fillRect/>
-          </a:stretch>
-        </p:blipFill>
-        <p:spPr>
-          <a:xfrm>
-            <a:off x="3421869" y="3835401"/>
-            <a:ext cx="5384800" cy="2946493"/>
-          </a:xfrm>
-          <a:prstGeom prst="rect">
-            <a:avLst/>
-          </a:prstGeom>
-        </p:spPr>
-      </p:pic>
+            <a:endParaRPr lang="it-IT" sz="2800" dirty="0" smtClean="0"/>
+          </a:p>
+          <a:p>
+            <a:pPr marL="457200" indent="-457200">
+              <a:buFont typeface="Arial" panose="020B0604020202020204" pitchFamily="34" charset="0"/>
+              <a:buChar char="•"/>
+            </a:pPr>
+            <a:r>
+              <a:rPr lang="it-IT" sz="2800" dirty="0" smtClean="0"/>
+              <a:t>utilizza </a:t>
+            </a:r>
+            <a:r>
+              <a:rPr lang="it-IT" sz="2800" dirty="0"/>
+              <a:t>le librerie </a:t>
+            </a:r>
+            <a:r>
+              <a:rPr lang="it-IT" sz="2800" dirty="0" smtClean="0"/>
+              <a:t>WeeESP8266. Attualmente </a:t>
+            </a:r>
+            <a:r>
+              <a:rPr lang="it-IT" sz="2800" dirty="0"/>
+              <a:t>è incompleto </a:t>
+            </a:r>
+            <a:r>
+              <a:rPr lang="it-IT" sz="2800" dirty="0" err="1"/>
+              <a:t>perchè</a:t>
+            </a:r>
+            <a:r>
+              <a:rPr lang="it-IT" sz="2800" dirty="0"/>
+              <a:t> il suo sviluppo è stato momentaneamente abbandonato </a:t>
+            </a:r>
+            <a:r>
+              <a:rPr lang="it-IT" sz="2800" dirty="0" err="1"/>
+              <a:t>poichè</a:t>
+            </a:r>
+            <a:r>
+              <a:rPr lang="it-IT" sz="2800" dirty="0"/>
+              <a:t> la libreria occupa relativamente eccessivo spazio in RAM (andrebbe più che bene per l'Arduino Mega basato su ATMEL 2560).</a:t>
+            </a:r>
+          </a:p>
+          <a:p>
+            <a:pPr marL="571500" indent="-571500">
+              <a:buFont typeface="Arial" panose="020B0604020202020204" pitchFamily="34" charset="0"/>
+              <a:buChar char="•"/>
+            </a:pPr>
+            <a:endParaRPr lang="it-IT" sz="4000" b="1" dirty="0" smtClean="0"/>
+          </a:p>
+          <a:p>
+            <a:pPr marL="571500" indent="-571500">
+              <a:buFont typeface="Arial" panose="020B0604020202020204" pitchFamily="34" charset="0"/>
+              <a:buChar char="•"/>
+            </a:pPr>
+            <a:r>
+              <a:rPr lang="it-IT" sz="4000" b="1" dirty="0" err="1" smtClean="0"/>
+              <a:t>seismocloudArduinoUnoCorto</a:t>
+            </a:r>
+            <a:endParaRPr lang="it-IT" sz="4000" b="1" dirty="0"/>
+          </a:p>
+          <a:p>
+            <a:pPr marL="457200" indent="-457200">
+              <a:buFont typeface="Arial" panose="020B0604020202020204" pitchFamily="34" charset="0"/>
+              <a:buChar char="•"/>
+            </a:pPr>
+            <a:r>
+              <a:rPr lang="it-IT" sz="2800" dirty="0" smtClean="0"/>
+              <a:t>utilizza </a:t>
+            </a:r>
+            <a:r>
+              <a:rPr lang="it-IT" sz="2800" dirty="0"/>
+              <a:t>le librerie ESP8266wifi. È stato scelto </a:t>
+            </a:r>
+            <a:r>
+              <a:rPr lang="it-IT" sz="2800" dirty="0" err="1"/>
+              <a:t>perchè</a:t>
+            </a:r>
+            <a:r>
+              <a:rPr lang="it-IT" sz="2800" dirty="0"/>
+              <a:t> consuma minori risorse in RAM (più adatto per il meno costoso Arduino Uno</a:t>
+            </a:r>
+            <a:r>
+              <a:rPr lang="it-IT" sz="2800" dirty="0" smtClean="0"/>
+              <a:t>).</a:t>
+            </a:r>
+          </a:p>
+          <a:p>
+            <a:pPr marL="457200" indent="-457200">
+              <a:buFont typeface="Arial" panose="020B0604020202020204" pitchFamily="34" charset="0"/>
+              <a:buChar char="•"/>
+            </a:pPr>
+            <a:r>
+              <a:rPr lang="it-IT" sz="2800" dirty="0" smtClean="0"/>
+              <a:t>Attualmente </a:t>
+            </a:r>
+            <a:r>
+              <a:rPr lang="it-IT" sz="2800" dirty="0"/>
+              <a:t>completo. Il tutto compila ma il prototipo al momento non è ancora </a:t>
+            </a:r>
+            <a:r>
+              <a:rPr lang="it-IT" sz="2800" dirty="0" smtClean="0"/>
+              <a:t>completamente collaudato</a:t>
+            </a:r>
+            <a:r>
+              <a:rPr lang="it-IT" sz="2800" dirty="0"/>
+              <a:t>. </a:t>
+            </a:r>
+          </a:p>
+        </p:txBody>
+      </p:sp>
     </p:spTree>
     <p:extLst>
       <p:ext uri="{BB962C8B-B14F-4D97-AF65-F5344CB8AC3E}">
-        <p14:creationId xmlns:p14="http://schemas.microsoft.com/office/powerpoint/2010/main" val="3637849076"/>
+        <p14:creationId xmlns:p14="http://schemas.microsoft.com/office/powerpoint/2010/main" val="1012408699"/>
       </p:ext>
     </p:extLst>
   </p:cSld>
@@ -11557,8 +11877,8 @@
         </p:nvSpPr>
         <p:spPr>
           <a:xfrm>
-            <a:off x="57584" y="752475"/>
-            <a:ext cx="10237354" cy="1081088"/>
+            <a:off x="89680" y="786041"/>
+            <a:ext cx="9613861" cy="1080938"/>
           </a:xfrm>
         </p:spPr>
         <p:txBody>
@@ -11566,8 +11886,10 @@
           <a:lstStyle/>
           <a:p>
             <a:r>
-              <a:rPr lang="it-IT" sz="4800" dirty="0"/>
-              <a:t>Dettagli:</a:t>
+              <a:rPr lang="it-IT" sz="5400" dirty="0">
+                <a:latin typeface="Trebuchet MS" charset="0"/>
+              </a:rPr>
+              <a:t>Modulo adp-01</a:t>
             </a:r>
           </a:p>
         </p:txBody>
@@ -11580,140 +11902,207 @@
         </p:nvSpPr>
         <p:spPr>
           <a:xfrm>
-            <a:off x="4724400" y="2734177"/>
-            <a:ext cx="2743200" cy="369332"/>
+            <a:off x="89680" y="2006583"/>
+            <a:ext cx="11967202" cy="2616101"/>
           </a:xfrm>
           <a:prstGeom prst="rect">
             <a:avLst/>
           </a:prstGeom>
         </p:spPr>
         <p:txBody>
-          <a:bodyPr rtlCol="0">
+          <a:bodyPr wrap="square" rtlCol="0">
             <a:spAutoFit/>
           </a:bodyPr>
           <a:lstStyle/>
           <a:p>
-            <a:pPr algn="ctr"/>
-            <a:endParaRPr lang="it-IT" dirty="0">
+            <a:pPr marL="457200" indent="-457200">
+              <a:buFont typeface="Arial" panose="020B0604020202020204" pitchFamily="34" charset="0"/>
+              <a:buChar char="•"/>
+            </a:pPr>
+            <a:r>
+              <a:rPr lang="it-IT" sz="2800" dirty="0" smtClean="0">
+                <a:solidFill>
+                  <a:srgbClr val="FFFFFF"/>
+                </a:solidFill>
+                <a:latin typeface="Consolas" charset="0"/>
+              </a:rPr>
+              <a:t>O</a:t>
+            </a:r>
+            <a:r>
+              <a:rPr lang="it" sz="2800" dirty="0" smtClean="0">
+                <a:solidFill>
+                  <a:srgbClr val="FFFFFF"/>
+                </a:solidFill>
+                <a:latin typeface="Consolas" charset="0"/>
+              </a:rPr>
+              <a:t>spita il modulo WiFi ESP8266</a:t>
+            </a:r>
+          </a:p>
+          <a:p>
+            <a:pPr marL="457200" indent="-457200">
+              <a:buFont typeface="Arial" panose="020B0604020202020204" pitchFamily="34" charset="0"/>
+              <a:buChar char="•"/>
+            </a:pPr>
+            <a:r>
+              <a:rPr lang="it-IT" sz="2800" dirty="0" smtClean="0">
+                <a:solidFill>
+                  <a:srgbClr val="FFFFFF"/>
+                </a:solidFill>
+                <a:latin typeface="Consolas" charset="0"/>
+              </a:rPr>
+              <a:t>È alimentato </a:t>
+            </a:r>
+            <a:r>
+              <a:rPr lang="it" sz="2800" dirty="0" smtClean="0">
+                <a:solidFill>
+                  <a:srgbClr val="FFFFFF"/>
+                </a:solidFill>
+                <a:latin typeface="Consolas" charset="0"/>
+              </a:rPr>
+              <a:t>con </a:t>
+            </a:r>
+            <a:r>
+              <a:rPr lang="it" sz="2800" dirty="0">
+                <a:solidFill>
+                  <a:srgbClr val="FFFFFF"/>
+                </a:solidFill>
+                <a:latin typeface="Consolas" charset="0"/>
+              </a:rPr>
+              <a:t>5 V </a:t>
+            </a:r>
+            <a:r>
+              <a:rPr lang="it" sz="2800" dirty="0" smtClean="0">
+                <a:solidFill>
+                  <a:srgbClr val="FFFFFF"/>
+                </a:solidFill>
+                <a:latin typeface="Consolas" charset="0"/>
+              </a:rPr>
+              <a:t>e fornisce i </a:t>
+            </a:r>
+            <a:r>
+              <a:rPr lang="it" sz="2800" dirty="0">
+                <a:solidFill>
+                  <a:srgbClr val="FFFFFF"/>
+                </a:solidFill>
+                <a:latin typeface="Consolas" charset="0"/>
+              </a:rPr>
+              <a:t>3,3 V </a:t>
+            </a:r>
+            <a:r>
+              <a:rPr lang="it" sz="2800" dirty="0" smtClean="0">
+                <a:solidFill>
+                  <a:srgbClr val="FFFFFF"/>
+                </a:solidFill>
+                <a:latin typeface="Consolas" charset="0"/>
+              </a:rPr>
+              <a:t>richiesti </a:t>
+            </a:r>
+            <a:r>
+              <a:rPr lang="it" sz="2800" dirty="0">
+                <a:solidFill>
+                  <a:srgbClr val="FFFFFF"/>
+                </a:solidFill>
+                <a:latin typeface="Consolas" charset="0"/>
+              </a:rPr>
+              <a:t>dal modulo </a:t>
+            </a:r>
+            <a:r>
+              <a:rPr lang="it" sz="2800" dirty="0" smtClean="0">
+                <a:solidFill>
+                  <a:srgbClr val="FFFFFF"/>
+                </a:solidFill>
+                <a:latin typeface="Consolas" charset="0"/>
+              </a:rPr>
+              <a:t>WiFi (regolatore di tensione lineare). </a:t>
+            </a:r>
+          </a:p>
+          <a:p>
+            <a:pPr marL="457200" indent="-457200">
+              <a:buFont typeface="Arial" panose="020B0604020202020204" pitchFamily="34" charset="0"/>
+              <a:buChar char="•"/>
+            </a:pPr>
+            <a:r>
+              <a:rPr lang="it-IT" sz="2800" dirty="0" smtClean="0">
+                <a:solidFill>
+                  <a:srgbClr val="FFFFFF"/>
+                </a:solidFill>
+                <a:latin typeface="Consolas" charset="0"/>
+              </a:rPr>
+              <a:t>T</a:t>
+            </a:r>
+            <a:r>
+              <a:rPr lang="it" sz="2800" dirty="0" smtClean="0">
+                <a:solidFill>
+                  <a:srgbClr val="FFFFFF"/>
+                </a:solidFill>
+                <a:latin typeface="Consolas" charset="0"/>
+              </a:rPr>
+              <a:t>rasla i livelli di porte seriali e porte I2C del modulo</a:t>
+            </a:r>
+          </a:p>
+          <a:p>
+            <a:pPr marL="457200" indent="-457200">
+              <a:buFont typeface="Arial" panose="020B0604020202020204" pitchFamily="34" charset="0"/>
+              <a:buChar char="•"/>
+            </a:pPr>
+            <a:r>
+              <a:rPr lang="it-IT" sz="2800" dirty="0" smtClean="0">
+                <a:solidFill>
+                  <a:srgbClr val="FFFFFF"/>
+                </a:solidFill>
+                <a:latin typeface="Consolas" charset="0"/>
+              </a:rPr>
+              <a:t>P</a:t>
+            </a:r>
+            <a:r>
+              <a:rPr lang="it" sz="2800" dirty="0" smtClean="0">
+                <a:solidFill>
+                  <a:srgbClr val="FFFFFF"/>
+                </a:solidFill>
+                <a:latin typeface="Consolas" charset="0"/>
+              </a:rPr>
+              <a:t>ossiede pedinature compatibili con una breadboard</a:t>
+            </a:r>
+            <a:endParaRPr lang="it-IT" sz="2800" dirty="0">
               <a:solidFill>
-                <a:srgbClr val="212121"/>
+                <a:srgbClr val="444444"/>
               </a:solidFill>
-              <a:latin typeface="Consolas" charset="0"/>
+              <a:latin typeface="Arial" charset="0"/>
             </a:endParaRPr>
           </a:p>
-        </p:txBody>
-      </p:sp>
-      <p:sp>
-        <p:nvSpPr>
-          <p:cNvPr id="4" name="CasellaDiTesto 3"/>
-          <p:cNvSpPr txBox="1"/>
+          <a:p>
+            <a:endParaRPr lang="it-IT" sz="2400" dirty="0"/>
+          </a:p>
+        </p:txBody>
+      </p:sp>
+      <p:pic>
+        <p:nvPicPr>
+          <p:cNvPr id="4" name="Immagine 3" descr="ADP-01.png"/>
+          <p:cNvPicPr>
+            <a:picLocks noChangeAspect="1"/>
+          </p:cNvPicPr>
           <p:nvPr/>
-        </p:nvSpPr>
-        <p:spPr>
-          <a:xfrm>
-            <a:off x="140481" y="2366938"/>
-            <a:ext cx="11764963" cy="2954655"/>
+        </p:nvPicPr>
+        <p:blipFill>
+          <a:blip r:embed="rId3"/>
+          <a:stretch>
+            <a:fillRect/>
+          </a:stretch>
+        </p:blipFill>
+        <p:spPr>
+          <a:xfrm>
+            <a:off x="2912822" y="4014510"/>
+            <a:ext cx="5384800" cy="2946493"/>
           </a:xfrm>
           <a:prstGeom prst="rect">
             <a:avLst/>
           </a:prstGeom>
         </p:spPr>
-        <p:txBody>
-          <a:bodyPr rtlCol="0">
-            <a:spAutoFit/>
-          </a:bodyPr>
-          <a:lstStyle/>
-          <a:p>
-            <a:pPr marL="285750" indent="-285750">
-              <a:buFont typeface="Arial" panose="020B0604020202020204" pitchFamily="34" charset="0"/>
-              <a:buChar char="•"/>
-            </a:pPr>
-            <a:r>
-              <a:rPr lang="it" sz="2400" dirty="0" smtClean="0">
-                <a:latin typeface="Consolas" charset="0"/>
-              </a:rPr>
-              <a:t>L'adattatore </a:t>
-            </a:r>
-            <a:r>
-              <a:rPr lang="it" sz="2400" dirty="0">
-                <a:latin typeface="Consolas" charset="0"/>
-              </a:rPr>
-              <a:t>incorpora anche alcuni resistori pull-up per le linee GPIO0 e GPIO2 in modo che nessun altro </a:t>
-            </a:r>
-            <a:r>
-              <a:rPr lang="it" sz="2400" dirty="0" smtClean="0">
-                <a:latin typeface="Consolas" charset="0"/>
-              </a:rPr>
-              <a:t>componente esterno è necessario </a:t>
-            </a:r>
-            <a:r>
-              <a:rPr lang="it" sz="2400" dirty="0">
-                <a:latin typeface="Consolas" charset="0"/>
-              </a:rPr>
-              <a:t>per alimentare il modulo in modalità firmware " RUN" </a:t>
-            </a:r>
-            <a:r>
-              <a:rPr lang="it" sz="2400" dirty="0" smtClean="0">
-                <a:latin typeface="Consolas" charset="0"/>
-              </a:rPr>
-              <a:t>.</a:t>
-            </a:r>
-          </a:p>
-          <a:p>
-            <a:pPr marL="285750" indent="-285750">
-              <a:buFont typeface="Arial" panose="020B0604020202020204" pitchFamily="34" charset="0"/>
-              <a:buChar char="•"/>
-            </a:pPr>
-            <a:r>
-              <a:rPr lang="it-IT" sz="2400" dirty="0" smtClean="0">
-                <a:latin typeface="Consolas" charset="0"/>
-              </a:rPr>
-              <a:t>Altre resistenze adattano le tensioni di in/out di porta seriale e I2C</a:t>
-            </a:r>
-            <a:endParaRPr lang="it-IT" dirty="0">
-              <a:latin typeface="Consolas" charset="0"/>
-            </a:endParaRPr>
-          </a:p>
-          <a:p>
-            <a:pPr marL="285750" indent="-285750">
-              <a:buFont typeface="Arial" panose="020B0604020202020204" pitchFamily="34" charset="0"/>
-              <a:buChar char="•"/>
-            </a:pPr>
-            <a:r>
-              <a:rPr lang="it-IT" sz="2400" dirty="0" smtClean="0">
-                <a:latin typeface="Consolas" charset="0"/>
-              </a:rPr>
-              <a:t>Basta </a:t>
-            </a:r>
-            <a:r>
-              <a:rPr lang="it-IT" sz="2400" dirty="0">
-                <a:latin typeface="Consolas" charset="0"/>
-              </a:rPr>
-              <a:t>collegare la linea Vin ( contrassegnati con " + " ) ad un alimentatore 5V in grado di fornire almeno 500 </a:t>
-            </a:r>
-            <a:r>
-              <a:rPr lang="it" sz="2400" dirty="0" err="1">
-                <a:latin typeface="Consolas" charset="0"/>
-              </a:rPr>
-              <a:t>mA</a:t>
-            </a:r>
-            <a:r>
-              <a:rPr lang="it" sz="2400" dirty="0">
-                <a:latin typeface="Consolas" charset="0"/>
-              </a:rPr>
-              <a:t> .</a:t>
-            </a:r>
-          </a:p>
-          <a:p>
-            <a:pPr algn="ctr"/>
-            <a:endParaRPr lang="it-IT" dirty="0"/>
-          </a:p>
-        </p:txBody>
-      </p:sp>
+      </p:pic>
     </p:spTree>
     <p:extLst>
       <p:ext uri="{BB962C8B-B14F-4D97-AF65-F5344CB8AC3E}">
-        <p14:creationId xmlns:p14="http://schemas.microsoft.com/office/powerpoint/2010/main" val="136151878"/>
+        <p14:creationId xmlns:p14="http://schemas.microsoft.com/office/powerpoint/2010/main" val="3637849076"/>
       </p:ext>
     </p:extLst>
   </p:cSld>
@@ -11893,6 +12282,208 @@
           <a:chExt cx="0" cy="0"/>
         </a:xfrm>
       </p:grpSpPr>
+      <p:sp>
+        <p:nvSpPr>
+          <p:cNvPr id="2" name="Titolo 1"/>
+          <p:cNvSpPr>
+            <a:spLocks noGrp="1"/>
+          </p:cNvSpPr>
+          <p:nvPr>
+            <p:ph type="title"/>
+          </p:nvPr>
+        </p:nvSpPr>
+        <p:spPr>
+          <a:xfrm>
+            <a:off x="57584" y="752475"/>
+            <a:ext cx="10237354" cy="1081088"/>
+          </a:xfrm>
+        </p:spPr>
+        <p:txBody>
+          <a:bodyPr/>
+          <a:lstStyle/>
+          <a:p>
+            <a:r>
+              <a:rPr lang="it-IT" sz="4800" dirty="0"/>
+              <a:t>Dettagli:</a:t>
+            </a:r>
+          </a:p>
+        </p:txBody>
+      </p:sp>
+      <p:sp>
+        <p:nvSpPr>
+          <p:cNvPr id="3" name="CasellaDiTesto 2"/>
+          <p:cNvSpPr txBox="1"/>
+          <p:nvPr/>
+        </p:nvSpPr>
+        <p:spPr>
+          <a:xfrm>
+            <a:off x="4724400" y="2734177"/>
+            <a:ext cx="2743200" cy="369332"/>
+          </a:xfrm>
+          <a:prstGeom prst="rect">
+            <a:avLst/>
+          </a:prstGeom>
+        </p:spPr>
+        <p:txBody>
+          <a:bodyPr rtlCol="0">
+            <a:spAutoFit/>
+          </a:bodyPr>
+          <a:lstStyle/>
+          <a:p>
+            <a:pPr algn="ctr"/>
+            <a:endParaRPr lang="it-IT" dirty="0">
+              <a:solidFill>
+                <a:srgbClr val="212121"/>
+              </a:solidFill>
+              <a:latin typeface="Consolas" charset="0"/>
+            </a:endParaRPr>
+          </a:p>
+        </p:txBody>
+      </p:sp>
+      <p:sp>
+        <p:nvSpPr>
+          <p:cNvPr id="4" name="CasellaDiTesto 3"/>
+          <p:cNvSpPr txBox="1"/>
+          <p:nvPr/>
+        </p:nvSpPr>
+        <p:spPr>
+          <a:xfrm>
+            <a:off x="140481" y="2366938"/>
+            <a:ext cx="11764963" cy="2954655"/>
+          </a:xfrm>
+          <a:prstGeom prst="rect">
+            <a:avLst/>
+          </a:prstGeom>
+        </p:spPr>
+        <p:txBody>
+          <a:bodyPr rtlCol="0">
+            <a:spAutoFit/>
+          </a:bodyPr>
+          <a:lstStyle/>
+          <a:p>
+            <a:pPr marL="285750" indent="-285750">
+              <a:buFont typeface="Arial" panose="020B0604020202020204" pitchFamily="34" charset="0"/>
+              <a:buChar char="•"/>
+            </a:pPr>
+            <a:r>
+              <a:rPr lang="it" sz="2400" dirty="0" smtClean="0">
+                <a:latin typeface="Consolas" charset="0"/>
+              </a:rPr>
+              <a:t>L'adattatore </a:t>
+            </a:r>
+            <a:r>
+              <a:rPr lang="it" sz="2400" dirty="0">
+                <a:latin typeface="Consolas" charset="0"/>
+              </a:rPr>
+              <a:t>incorpora anche alcuni resistori pull-up per le linee GPIO0 e GPIO2 in modo che nessun altro </a:t>
+            </a:r>
+            <a:r>
+              <a:rPr lang="it" sz="2400" dirty="0" smtClean="0">
+                <a:latin typeface="Consolas" charset="0"/>
+              </a:rPr>
+              <a:t>componente esterno è necessario </a:t>
+            </a:r>
+            <a:r>
+              <a:rPr lang="it" sz="2400" dirty="0">
+                <a:latin typeface="Consolas" charset="0"/>
+              </a:rPr>
+              <a:t>per alimentare il modulo in modalità firmware " RUN" </a:t>
+            </a:r>
+            <a:r>
+              <a:rPr lang="it" sz="2400" dirty="0" smtClean="0">
+                <a:latin typeface="Consolas" charset="0"/>
+              </a:rPr>
+              <a:t>.</a:t>
+            </a:r>
+          </a:p>
+          <a:p>
+            <a:pPr marL="285750" indent="-285750">
+              <a:buFont typeface="Arial" panose="020B0604020202020204" pitchFamily="34" charset="0"/>
+              <a:buChar char="•"/>
+            </a:pPr>
+            <a:r>
+              <a:rPr lang="it-IT" sz="2400" dirty="0" smtClean="0">
+                <a:latin typeface="Consolas" charset="0"/>
+              </a:rPr>
+              <a:t>Altre resistenze adattano le tensioni di in/out di porta seriale e I2C</a:t>
+            </a:r>
+            <a:endParaRPr lang="it-IT" dirty="0">
+              <a:latin typeface="Consolas" charset="0"/>
+            </a:endParaRPr>
+          </a:p>
+          <a:p>
+            <a:pPr marL="285750" indent="-285750">
+              <a:buFont typeface="Arial" panose="020B0604020202020204" pitchFamily="34" charset="0"/>
+              <a:buChar char="•"/>
+            </a:pPr>
+            <a:r>
+              <a:rPr lang="it-IT" sz="2400" dirty="0" smtClean="0">
+                <a:latin typeface="Consolas" charset="0"/>
+              </a:rPr>
+              <a:t>Basta </a:t>
+            </a:r>
+            <a:r>
+              <a:rPr lang="it-IT" sz="2400" dirty="0">
+                <a:latin typeface="Consolas" charset="0"/>
+              </a:rPr>
+              <a:t>collegare la linea Vin ( contrassegnati con " + " ) ad un alimentatore 5V in grado di fornire almeno 500 </a:t>
+            </a:r>
+            <a:r>
+              <a:rPr lang="it" sz="2400" dirty="0" err="1">
+                <a:latin typeface="Consolas" charset="0"/>
+              </a:rPr>
+              <a:t>mA</a:t>
+            </a:r>
+            <a:r>
+              <a:rPr lang="it" sz="2400" dirty="0">
+                <a:latin typeface="Consolas" charset="0"/>
+              </a:rPr>
+              <a:t> .</a:t>
+            </a:r>
+          </a:p>
+          <a:p>
+            <a:pPr algn="ctr"/>
+            <a:endParaRPr lang="it-IT" dirty="0"/>
+          </a:p>
+        </p:txBody>
+      </p:sp>
+    </p:spTree>
+    <p:extLst>
+      <p:ext uri="{BB962C8B-B14F-4D97-AF65-F5344CB8AC3E}">
+        <p14:creationId xmlns:p14="http://schemas.microsoft.com/office/powerpoint/2010/main" val="136151878"/>
+      </p:ext>
+    </p:extLst>
+  </p:cSld>
+  <p:clrMapOvr>
+    <a:masterClrMapping/>
+  </p:clrMapOvr>
+  <p:timing>
+    <p:tnLst>
+      <p:par>
+        <p:cTn id="1" dur="indefinite" restart="never" nodeType="tmRoot"/>
+      </p:par>
+    </p:tnLst>
+  </p:timing>
+</p:sld>
+</file>
+
+<file path=ppt/slides/slide21.xml><?xml version="1.0" encoding="utf-8"?>
+<p:sld xmlns:a="http://schemas.openxmlformats.org/drawingml/2006/main" xmlns:r="http://schemas.openxmlformats.org/officeDocument/2006/relationships" xmlns:p="http://schemas.openxmlformats.org/presentationml/2006/main">
+  <p:cSld>
+    <p:spTree>
+      <p:nvGrpSpPr>
+        <p:cNvPr id="1" name=""/>
+        <p:cNvGrpSpPr/>
+        <p:nvPr/>
+      </p:nvGrpSpPr>
+      <p:grpSpPr>
+        <a:xfrm>
+          <a:off x="0" y="0"/>
+          <a:ext cx="0" cy="0"/>
+          <a:chOff x="0" y="0"/>
+          <a:chExt cx="0" cy="0"/>
+        </a:xfrm>
+      </p:grpSpPr>
       <p:pic>
         <p:nvPicPr>
           <p:cNvPr id="2" name="Immagine 1" descr="schematic ADP-01 (1).png"/>
@@ -11937,7 +12528,7 @@
 </p:sld>
 </file>
 
-<file path=ppt/slides/slide21.xml><?xml version="1.0" encoding="utf-8"?>
+<file path=ppt/slides/slide22.xml><?xml version="1.0" encoding="utf-8"?>
 <p:sld xmlns:a="http://schemas.openxmlformats.org/drawingml/2006/main" xmlns:r="http://schemas.openxmlformats.org/officeDocument/2006/relationships" xmlns:p="http://schemas.openxmlformats.org/presentationml/2006/main">
   <p:cSld>
     <p:spTree>
@@ -12972,10 +13563,16 @@
               <a:buChar char="•"/>
             </a:pPr>
             <a:r>
+              <a:rPr lang="it-IT" sz="2800" dirty="0" smtClean="0">
+                <a:latin typeface="Trebuchet MS" charset="0"/>
+              </a:rPr>
+              <a:t>scelta </a:t>
+            </a:r>
+            <a:r>
               <a:rPr lang="it-IT" sz="2800" dirty="0">
                 <a:latin typeface="Trebuchet MS" charset="0"/>
               </a:rPr>
-              <a:t> scelta della provincia per ricevere la notifica se c’è un terremoto  nella tua provincia </a:t>
+              <a:t>della provincia per ricevere la notifica se c’è un terremoto  nella tua provincia </a:t>
             </a:r>
           </a:p>
           <a:p>
@@ -12984,10 +13581,10 @@
               <a:buChar char="•"/>
             </a:pPr>
             <a:r>
-              <a:rPr lang="it-IT" sz="2800" dirty="0">
+              <a:rPr lang="it-IT" sz="2800" dirty="0" smtClean="0">
                 <a:latin typeface="Trebuchet MS" charset="0"/>
               </a:rPr>
-              <a:t> versione </a:t>
+              <a:t>versione </a:t>
             </a:r>
             <a:r>
               <a:rPr lang="it-IT" sz="2800" dirty="0" err="1">

--- a/files/seismoclouddevice-arduino-master/PROGGETTO SAPIENZA .pptx
+++ b/files/seismoclouddevice-arduino-master/PROGGETTO SAPIENZA .pptx
@@ -5,7 +5,7 @@
     <p:sldMasterId id="2147483648" r:id="rId1"/>
   </p:sldMasterIdLst>
   <p:notesMasterIdLst>
-    <p:notesMasterId r:id="rId24"/>
+    <p:notesMasterId r:id="rId25"/>
   </p:notesMasterIdLst>
   <p:sldIdLst>
     <p:sldId id="256" r:id="rId2"/>
@@ -29,7 +29,8 @@
     <p:sldId id="281" r:id="rId20"/>
     <p:sldId id="284" r:id="rId21"/>
     <p:sldId id="282" r:id="rId22"/>
-    <p:sldId id="287" r:id="rId23"/>
+    <p:sldId id="291" r:id="rId23"/>
+    <p:sldId id="287" r:id="rId24"/>
   </p:sldIdLst>
   <p:sldSz cx="12192000" cy="6858000"/>
   <p:notesSz cx="6858000" cy="9144000"/>
@@ -1652,6 +1653,90 @@
     <p:extLst>
       <p:ext uri="{BB962C8B-B14F-4D97-AF65-F5344CB8AC3E}">
         <p14:creationId xmlns:p14="http://schemas.microsoft.com/office/powerpoint/2010/main" val="3721506548"/>
+      </p:ext>
+    </p:extLst>
+  </p:cSld>
+  <p:clrMapOvr>
+    <a:masterClrMapping/>
+  </p:clrMapOvr>
+</p:notes>
+</file>
+
+<file path=ppt/notesSlides/notesSlide22.xml><?xml version="1.0" encoding="utf-8"?>
+<p:notes xmlns:a="http://schemas.openxmlformats.org/drawingml/2006/main" xmlns:r="http://schemas.openxmlformats.org/officeDocument/2006/relationships" xmlns:p="http://schemas.openxmlformats.org/presentationml/2006/main">
+  <p:cSld>
+    <p:spTree>
+      <p:nvGrpSpPr>
+        <p:cNvPr id="1" name=""/>
+        <p:cNvGrpSpPr/>
+        <p:nvPr/>
+      </p:nvGrpSpPr>
+      <p:grpSpPr>
+        <a:xfrm>
+          <a:off x="0" y="0"/>
+          <a:ext cx="0" cy="0"/>
+          <a:chOff x="0" y="0"/>
+          <a:chExt cx="0" cy="0"/>
+        </a:xfrm>
+      </p:grpSpPr>
+      <p:sp>
+        <p:nvSpPr>
+          <p:cNvPr id="2" name="Segnaposto immagine diapositiva 1"/>
+          <p:cNvSpPr>
+            <a:spLocks noGrp="1" noRot="1" noChangeAspect="1"/>
+          </p:cNvSpPr>
+          <p:nvPr>
+            <p:ph type="sldImg"/>
+          </p:nvPr>
+        </p:nvSpPr>
+        <p:spPr/>
+      </p:sp>
+      <p:sp>
+        <p:nvSpPr>
+          <p:cNvPr id="3" name="Segnaposto note 2"/>
+          <p:cNvSpPr>
+            <a:spLocks noGrp="1"/>
+          </p:cNvSpPr>
+          <p:nvPr>
+            <p:ph type="body" idx="1"/>
+          </p:nvPr>
+        </p:nvSpPr>
+        <p:spPr/>
+        <p:txBody>
+          <a:bodyPr/>
+          <a:lstStyle/>
+          <a:p>
+            <a:endParaRPr lang="it-IT"/>
+          </a:p>
+        </p:txBody>
+      </p:sp>
+      <p:sp>
+        <p:nvSpPr>
+          <p:cNvPr id="4" name="Segnaposto numero diapositiva 3"/>
+          <p:cNvSpPr>
+            <a:spLocks noGrp="1"/>
+          </p:cNvSpPr>
+          <p:nvPr>
+            <p:ph type="sldNum" sz="quarter" idx="10"/>
+          </p:nvPr>
+        </p:nvSpPr>
+        <p:spPr/>
+        <p:txBody>
+          <a:bodyPr/>
+          <a:lstStyle/>
+          <a:p>
+            <a:fld id="{00FC836F-1977-4F79-94B7-B05073DDE4F0}" type="slidenum">
+              <a:rPr lang="it-IT"/>
+              <a:t>22</a:t>
+            </a:fld>
+            <a:endParaRPr lang="it-IT"/>
+          </a:p>
+        </p:txBody>
+      </p:sp>
+    </p:spTree>
+    <p:extLst>
+      <p:ext uri="{BB962C8B-B14F-4D97-AF65-F5344CB8AC3E}">
+        <p14:creationId xmlns:p14="http://schemas.microsoft.com/office/powerpoint/2010/main" val="3796155701"/>
       </p:ext>
     </p:extLst>
   </p:cSld>
@@ -10483,7 +10568,7 @@
         <p:spPr>
           <a:xfrm>
             <a:off x="4184542" y="2066279"/>
-            <a:ext cx="7812097" cy="1938992"/>
+            <a:ext cx="7812097" cy="2215991"/>
           </a:xfrm>
           <a:prstGeom prst="rect">
             <a:avLst/>
@@ -10580,6 +10665,18 @@
               </a:rPr>
               <a:t>breadboard</a:t>
             </a:r>
+            <a:endParaRPr lang="it-IT" sz="2400" dirty="0" smtClean="0">
+              <a:solidFill>
+                <a:srgbClr val="FFFFFF"/>
+              </a:solidFill>
+              <a:latin typeface="Arial" charset="0"/>
+            </a:endParaRPr>
+          </a:p>
+          <a:p>
+            <a:pPr marL="342900" indent="-342900">
+              <a:buFont typeface="Arial" panose="020B0604020202020204" pitchFamily="34" charset="0"/>
+              <a:buChar char="•"/>
+            </a:pPr>
             <a:endParaRPr lang="it-IT" dirty="0"/>
           </a:p>
         </p:txBody>
@@ -10896,16 +10993,10 @@
               <a:rPr lang="it-IT" sz="2800" dirty="0">
                 <a:latin typeface="Trebuchet MS" charset="0"/>
               </a:rPr>
-              <a:t>Contiene una libreria </a:t>
-            </a:r>
-            <a:r>
-              <a:rPr lang="it-IT" sz="2800">
-                <a:latin typeface="Trebuchet MS" charset="0"/>
-              </a:rPr>
-              <a:t>molto </a:t>
-            </a:r>
-            <a:r>
-              <a:rPr lang="it-IT" sz="2800" smtClean="0">
+              <a:t>Contiene una libreria molto </a:t>
+            </a:r>
+            <a:r>
+              <a:rPr lang="it-IT" sz="2800" dirty="0" smtClean="0">
                 <a:latin typeface="Trebuchet MS" charset="0"/>
               </a:rPr>
               <a:t>completa </a:t>
@@ -12529,6 +12620,254 @@
 </file>
 
 <file path=ppt/slides/slide22.xml><?xml version="1.0" encoding="utf-8"?>
+<p:sld xmlns:a="http://schemas.openxmlformats.org/drawingml/2006/main" xmlns:r="http://schemas.openxmlformats.org/officeDocument/2006/relationships" xmlns:p="http://schemas.openxmlformats.org/presentationml/2006/main">
+  <p:cSld>
+    <p:spTree>
+      <p:nvGrpSpPr>
+        <p:cNvPr id="1" name=""/>
+        <p:cNvGrpSpPr/>
+        <p:nvPr/>
+      </p:nvGrpSpPr>
+      <p:grpSpPr>
+        <a:xfrm>
+          <a:off x="0" y="0"/>
+          <a:ext cx="0" cy="0"/>
+          <a:chOff x="0" y="0"/>
+          <a:chExt cx="0" cy="0"/>
+        </a:xfrm>
+      </p:grpSpPr>
+      <p:sp>
+        <p:nvSpPr>
+          <p:cNvPr id="2" name="Titolo 1"/>
+          <p:cNvSpPr>
+            <a:spLocks noGrp="1"/>
+          </p:cNvSpPr>
+          <p:nvPr>
+            <p:ph type="title"/>
+          </p:nvPr>
+        </p:nvSpPr>
+        <p:spPr>
+          <a:xfrm>
+            <a:off x="57584" y="752475"/>
+            <a:ext cx="10237354" cy="1081088"/>
+          </a:xfrm>
+        </p:spPr>
+        <p:txBody>
+          <a:bodyPr/>
+          <a:lstStyle/>
+          <a:p>
+            <a:r>
+              <a:rPr lang="it-IT" sz="4800" dirty="0" smtClean="0"/>
+              <a:t>Accelerometro MPU6050</a:t>
+            </a:r>
+            <a:endParaRPr lang="it-IT" sz="4800" dirty="0"/>
+          </a:p>
+        </p:txBody>
+      </p:sp>
+      <p:sp>
+        <p:nvSpPr>
+          <p:cNvPr id="3" name="CasellaDiTesto 2"/>
+          <p:cNvSpPr txBox="1"/>
+          <p:nvPr/>
+        </p:nvSpPr>
+        <p:spPr>
+          <a:xfrm>
+            <a:off x="4724400" y="2734177"/>
+            <a:ext cx="2743200" cy="369332"/>
+          </a:xfrm>
+          <a:prstGeom prst="rect">
+            <a:avLst/>
+          </a:prstGeom>
+        </p:spPr>
+        <p:txBody>
+          <a:bodyPr rtlCol="0">
+            <a:spAutoFit/>
+          </a:bodyPr>
+          <a:lstStyle/>
+          <a:p>
+            <a:pPr algn="ctr"/>
+            <a:endParaRPr lang="it-IT" dirty="0">
+              <a:solidFill>
+                <a:srgbClr val="212121"/>
+              </a:solidFill>
+              <a:latin typeface="Consolas" charset="0"/>
+            </a:endParaRPr>
+          </a:p>
+        </p:txBody>
+      </p:sp>
+      <p:sp>
+        <p:nvSpPr>
+          <p:cNvPr id="4" name="CasellaDiTesto 3"/>
+          <p:cNvSpPr txBox="1"/>
+          <p:nvPr/>
+        </p:nvSpPr>
+        <p:spPr>
+          <a:xfrm>
+            <a:off x="140481" y="2366938"/>
+            <a:ext cx="5864393" cy="2031325"/>
+          </a:xfrm>
+          <a:prstGeom prst="rect">
+            <a:avLst/>
+          </a:prstGeom>
+        </p:spPr>
+        <p:txBody>
+          <a:bodyPr wrap="square" rtlCol="0">
+            <a:spAutoFit/>
+          </a:bodyPr>
+          <a:lstStyle/>
+          <a:p>
+            <a:pPr marL="285750" indent="-285750">
+              <a:buFont typeface="Arial" panose="020B0604020202020204" pitchFamily="34" charset="0"/>
+              <a:buChar char="•"/>
+            </a:pPr>
+            <a:r>
+              <a:rPr lang="it-IT" dirty="0"/>
+              <a:t>Chip con Convertitore AD a 16 bit Integrato</a:t>
+            </a:r>
+          </a:p>
+          <a:p>
+            <a:pPr marL="285750" indent="-285750">
+              <a:buFont typeface="Arial" panose="020B0604020202020204" pitchFamily="34" charset="0"/>
+              <a:buChar char="•"/>
+            </a:pPr>
+            <a:r>
+              <a:rPr lang="it-IT" dirty="0" err="1"/>
+              <a:t>Range</a:t>
+            </a:r>
+            <a:r>
+              <a:rPr lang="it-IT" dirty="0"/>
+              <a:t> di misura giroscopio: ±250, 500, 1000 e 2000°/s</a:t>
+            </a:r>
+          </a:p>
+          <a:p>
+            <a:pPr marL="285750" indent="-285750">
+              <a:buFont typeface="Arial" panose="020B0604020202020204" pitchFamily="34" charset="0"/>
+              <a:buChar char="•"/>
+            </a:pPr>
+            <a:r>
+              <a:rPr lang="it-IT" dirty="0" err="1"/>
+              <a:t>Range</a:t>
+            </a:r>
+            <a:r>
+              <a:rPr lang="it-IT" dirty="0"/>
+              <a:t> di misura accelerometro: +2, +4 , +8 , +16 g</a:t>
+            </a:r>
+          </a:p>
+          <a:p>
+            <a:pPr marL="285750" indent="-285750">
+              <a:buFont typeface="Arial" panose="020B0604020202020204" pitchFamily="34" charset="0"/>
+              <a:buChar char="•"/>
+            </a:pPr>
+            <a:r>
+              <a:rPr lang="it-IT" dirty="0"/>
+              <a:t>Interfaccia: I²C</a:t>
+            </a:r>
+          </a:p>
+          <a:p>
+            <a:pPr marL="285750" indent="-285750">
+              <a:buFont typeface="Arial" panose="020B0604020202020204" pitchFamily="34" charset="0"/>
+              <a:buChar char="•"/>
+            </a:pPr>
+            <a:r>
+              <a:rPr lang="it-IT" dirty="0"/>
+              <a:t>Alimentazione: da 3V a 5V</a:t>
+            </a:r>
+          </a:p>
+          <a:p>
+            <a:pPr marL="285750" indent="-285750" algn="ctr">
+              <a:buFont typeface="Arial" panose="020B0604020202020204" pitchFamily="34" charset="0"/>
+              <a:buChar char="•"/>
+            </a:pPr>
+            <a:endParaRPr lang="it-IT" dirty="0"/>
+          </a:p>
+        </p:txBody>
+      </p:sp>
+      <p:pic>
+        <p:nvPicPr>
+          <p:cNvPr id="5" name="Picture 2" descr="http://noro24.de/index.php?rex_img_type=gallery_overview&amp;rex_img_file=mpu6050-and-arduino.png"/>
+          <p:cNvPicPr>
+            <a:picLocks noChangeAspect="1" noChangeArrowheads="1"/>
+          </p:cNvPicPr>
+          <p:nvPr/>
+        </p:nvPicPr>
+        <p:blipFill>
+          <a:blip r:embed="rId3">
+            <a:extLst>
+              <a:ext uri="{28A0092B-C50C-407E-A947-70E740481C1C}">
+                <a14:useLocalDpi xmlns:a14="http://schemas.microsoft.com/office/drawing/2010/main" val="0"/>
+              </a:ext>
+            </a:extLst>
+          </a:blip>
+          <a:srcRect/>
+          <a:stretch>
+            <a:fillRect/>
+          </a:stretch>
+        </p:blipFill>
+        <p:spPr bwMode="auto">
+          <a:xfrm>
+            <a:off x="7093703" y="1114424"/>
+            <a:ext cx="4762500" cy="5743576"/>
+          </a:xfrm>
+          <a:prstGeom prst="rect">
+            <a:avLst/>
+          </a:prstGeom>
+          <a:noFill/>
+          <a:extLst>
+            <a:ext uri="{909E8E84-426E-40DD-AFC4-6F175D3DCCD1}">
+              <a14:hiddenFill xmlns:a14="http://schemas.microsoft.com/office/drawing/2010/main">
+                <a:solidFill>
+                  <a:srgbClr val="FFFFFF"/>
+                </a:solidFill>
+              </a14:hiddenFill>
+            </a:ext>
+          </a:extLst>
+        </p:spPr>
+      </p:pic>
+      <p:pic>
+        <p:nvPicPr>
+          <p:cNvPr id="6" name="Immagine 5"/>
+          <p:cNvPicPr>
+            <a:picLocks noChangeAspect="1"/>
+          </p:cNvPicPr>
+          <p:nvPr/>
+        </p:nvPicPr>
+        <p:blipFill>
+          <a:blip r:embed="rId4"/>
+          <a:stretch>
+            <a:fillRect/>
+          </a:stretch>
+        </p:blipFill>
+        <p:spPr>
+          <a:xfrm>
+            <a:off x="686421" y="4310140"/>
+            <a:ext cx="5778445" cy="2448879"/>
+          </a:xfrm>
+          <a:prstGeom prst="rect">
+            <a:avLst/>
+          </a:prstGeom>
+        </p:spPr>
+      </p:pic>
+    </p:spTree>
+    <p:extLst>
+      <p:ext uri="{BB962C8B-B14F-4D97-AF65-F5344CB8AC3E}">
+        <p14:creationId xmlns:p14="http://schemas.microsoft.com/office/powerpoint/2010/main" val="379859213"/>
+      </p:ext>
+    </p:extLst>
+  </p:cSld>
+  <p:clrMapOvr>
+    <a:masterClrMapping/>
+  </p:clrMapOvr>
+  <p:timing>
+    <p:tnLst>
+      <p:par>
+        <p:cTn id="1" dur="indefinite" restart="never" nodeType="tmRoot"/>
+      </p:par>
+    </p:tnLst>
+  </p:timing>
+</p:sld>
+</file>
+
+<file path=ppt/slides/slide23.xml><?xml version="1.0" encoding="utf-8"?>
 <p:sld xmlns:a="http://schemas.openxmlformats.org/drawingml/2006/main" xmlns:r="http://schemas.openxmlformats.org/officeDocument/2006/relationships" xmlns:p="http://schemas.openxmlformats.org/presentationml/2006/main">
   <p:cSld>
     <p:spTree>

--- a/files/seismoclouddevice-arduino-master/PROGGETTO SAPIENZA .pptx
+++ b/files/seismoclouddevice-arduino-master/PROGGETTO SAPIENZA .pptx
@@ -5,7 +5,7 @@
     <p:sldMasterId id="2147483648" r:id="rId1"/>
   </p:sldMasterIdLst>
   <p:notesMasterIdLst>
-    <p:notesMasterId r:id="rId25"/>
+    <p:notesMasterId r:id="rId27"/>
   </p:notesMasterIdLst>
   <p:sldIdLst>
     <p:sldId id="256" r:id="rId2"/>
@@ -21,16 +21,18 @@
     <p:sldId id="278" r:id="rId12"/>
     <p:sldId id="279" r:id="rId13"/>
     <p:sldId id="289" r:id="rId14"/>
-    <p:sldId id="280" r:id="rId15"/>
-    <p:sldId id="271" r:id="rId16"/>
-    <p:sldId id="269" r:id="rId17"/>
-    <p:sldId id="272" r:id="rId18"/>
-    <p:sldId id="270" r:id="rId19"/>
-    <p:sldId id="281" r:id="rId20"/>
-    <p:sldId id="284" r:id="rId21"/>
-    <p:sldId id="282" r:id="rId22"/>
-    <p:sldId id="291" r:id="rId23"/>
-    <p:sldId id="287" r:id="rId24"/>
+    <p:sldId id="281" r:id="rId15"/>
+    <p:sldId id="282" r:id="rId16"/>
+    <p:sldId id="291" r:id="rId17"/>
+    <p:sldId id="293" r:id="rId18"/>
+    <p:sldId id="295" r:id="rId19"/>
+    <p:sldId id="297" r:id="rId20"/>
+    <p:sldId id="280" r:id="rId21"/>
+    <p:sldId id="271" r:id="rId22"/>
+    <p:sldId id="269" r:id="rId23"/>
+    <p:sldId id="272" r:id="rId24"/>
+    <p:sldId id="270" r:id="rId25"/>
+    <p:sldId id="287" r:id="rId26"/>
   </p:sldIdLst>
   <p:sldSz cx="12192000" cy="6858000"/>
   <p:notesSz cx="6858000" cy="9144000"/>
@@ -980,7 +982,7 @@
     </p:spTree>
     <p:extLst>
       <p:ext uri="{BB962C8B-B14F-4D97-AF65-F5344CB8AC3E}">
-        <p14:creationId xmlns:p14="http://schemas.microsoft.com/office/powerpoint/2010/main" val="59867146"/>
+        <p14:creationId xmlns:p14="http://schemas.microsoft.com/office/powerpoint/2010/main" val="2456491811"/>
       </p:ext>
     </p:extLst>
   </p:cSld>
@@ -1064,7 +1066,7 @@
     </p:spTree>
     <p:extLst>
       <p:ext uri="{BB962C8B-B14F-4D97-AF65-F5344CB8AC3E}">
-        <p14:creationId xmlns:p14="http://schemas.microsoft.com/office/powerpoint/2010/main" val="475946043"/>
+        <p14:creationId xmlns:p14="http://schemas.microsoft.com/office/powerpoint/2010/main" val="3721506548"/>
       </p:ext>
     </p:extLst>
   </p:cSld>
@@ -1148,7 +1150,7 @@
     </p:spTree>
     <p:extLst>
       <p:ext uri="{BB962C8B-B14F-4D97-AF65-F5344CB8AC3E}">
-        <p14:creationId xmlns:p14="http://schemas.microsoft.com/office/powerpoint/2010/main" val="3430558916"/>
+        <p14:creationId xmlns:p14="http://schemas.microsoft.com/office/powerpoint/2010/main" val="3796155701"/>
       </p:ext>
     </p:extLst>
   </p:cSld>
@@ -1232,7 +1234,7 @@
     </p:spTree>
     <p:extLst>
       <p:ext uri="{BB962C8B-B14F-4D97-AF65-F5344CB8AC3E}">
-        <p14:creationId xmlns:p14="http://schemas.microsoft.com/office/powerpoint/2010/main" val="3883971164"/>
+        <p14:creationId xmlns:p14="http://schemas.microsoft.com/office/powerpoint/2010/main" val="1341233794"/>
       </p:ext>
     </p:extLst>
   </p:cSld>
@@ -1245,6 +1247,14 @@
 <file path=ppt/notesSlides/notesSlide18.xml><?xml version="1.0" encoding="utf-8"?>
 <p:notes xmlns:a="http://schemas.openxmlformats.org/drawingml/2006/main" xmlns:r="http://schemas.openxmlformats.org/officeDocument/2006/relationships" xmlns:p="http://schemas.openxmlformats.org/presentationml/2006/main">
   <p:cSld>
+    <p:bg>
+      <p:bgPr>
+        <a:solidFill>
+          <a:srgbClr val="FFFFFF"/>
+        </a:solidFill>
+        <a:effectLst/>
+      </p:bgPr>
+    </p:bg>
     <p:spTree>
       <p:nvGrpSpPr>
         <p:cNvPr id="1" name=""/>
@@ -1261,62 +1271,107 @@
       </p:grpSpPr>
       <p:sp>
         <p:nvSpPr>
-          <p:cNvPr id="2" name="Segnaposto immagine diapositiva 1"/>
-          <p:cNvSpPr>
-            <a:spLocks noGrp="1" noRot="1" noChangeAspect="1"/>
+          <p:cNvPr id="23553" name="Rectangle 1"/>
+          <p:cNvSpPr txBox="1">
+            <a:spLocks noGrp="1" noRot="1" noChangeAspect="1" noChangeArrowheads="1"/>
           </p:cNvSpPr>
           <p:nvPr>
             <p:ph type="sldImg"/>
           </p:nvPr>
         </p:nvSpPr>
-        <p:spPr/>
-      </p:sp>
-      <p:sp>
-        <p:nvSpPr>
-          <p:cNvPr id="3" name="Segnaposto note 2"/>
-          <p:cNvSpPr>
-            <a:spLocks noGrp="1"/>
+        <p:spPr bwMode="auto">
+          <a:xfrm>
+            <a:off x="490538" y="1027113"/>
+            <a:ext cx="6578600" cy="3700462"/>
+          </a:xfrm>
+          <a:prstGeom prst="rect">
+            <a:avLst/>
+          </a:prstGeom>
+          <a:solidFill>
+            <a:srgbClr val="FFFFFF"/>
+          </a:solidFill>
+          <a:ln>
+            <a:solidFill>
+              <a:srgbClr val="000000"/>
+            </a:solidFill>
+            <a:miter lim="800000"/>
+            <a:headEnd/>
+            <a:tailEnd/>
+          </a:ln>
+          <a:extLst>
+            <a:ext uri="{AF507438-7753-43E0-B8FC-AC1667EBCBE1}">
+              <a14:hiddenEffects xmlns:a14="http://schemas.microsoft.com/office/drawing/2010/main">
+                <a:effectLst>
+                  <a:outerShdw dist="35921" dir="2700000" algn="ctr" rotWithShape="0">
+                    <a:srgbClr val="808080"/>
+                  </a:outerShdw>
+                </a:effectLst>
+              </a14:hiddenEffects>
+            </a:ext>
+          </a:extLst>
+        </p:spPr>
+      </p:sp>
+      <p:sp>
+        <p:nvSpPr>
+          <p:cNvPr id="23554" name="Rectangle 2"/>
+          <p:cNvSpPr txBox="1">
+            <a:spLocks noGrp="1" noChangeArrowheads="1"/>
           </p:cNvSpPr>
           <p:nvPr>
             <p:ph type="body" idx="1"/>
           </p:nvPr>
         </p:nvSpPr>
-        <p:spPr/>
-        <p:txBody>
-          <a:bodyPr/>
+        <p:spPr bwMode="auto">
+          <a:xfrm>
+            <a:off x="1169988" y="5086350"/>
+            <a:ext cx="5226050" cy="4106863"/>
+          </a:xfrm>
+          <a:prstGeom prst="rect">
+            <a:avLst/>
+          </a:prstGeom>
+          <a:noFill/>
+          <a:ln/>
+          <a:extLst>
+            <a:ext uri="{909E8E84-426E-40DD-AFC4-6F175D3DCCD1}">
+              <a14:hiddenFill xmlns:a14="http://schemas.microsoft.com/office/drawing/2010/main">
+                <a:solidFill>
+                  <a:srgbClr val="FFFFFF"/>
+                </a:solidFill>
+              </a14:hiddenFill>
+            </a:ext>
+            <a:ext uri="{91240B29-F687-4F45-9708-019B960494DF}">
+              <a14:hiddenLine xmlns:a14="http://schemas.microsoft.com/office/drawing/2010/main" w="9525" cap="flat">
+                <a:solidFill>
+                  <a:srgbClr val="808080"/>
+                </a:solidFill>
+                <a:round/>
+                <a:headEnd/>
+                <a:tailEnd/>
+              </a14:hiddenLine>
+            </a:ext>
+            <a:ext uri="{AF507438-7753-43E0-B8FC-AC1667EBCBE1}">
+              <a14:hiddenEffects xmlns:a14="http://schemas.microsoft.com/office/drawing/2010/main">
+                <a:effectLst>
+                  <a:outerShdw dist="35921" dir="2700000" algn="ctr" rotWithShape="0">
+                    <a:srgbClr val="808080"/>
+                  </a:outerShdw>
+                </a:effectLst>
+              </a14:hiddenEffects>
+            </a:ext>
+          </a:extLst>
+        </p:spPr>
+        <p:txBody>
+          <a:bodyPr wrap="none" anchor="ctr"/>
           <a:lstStyle/>
           <a:p>
-            <a:endParaRPr lang="it-IT"/>
-          </a:p>
-        </p:txBody>
-      </p:sp>
-      <p:sp>
-        <p:nvSpPr>
-          <p:cNvPr id="4" name="Segnaposto numero diapositiva 3"/>
-          <p:cNvSpPr>
-            <a:spLocks noGrp="1"/>
-          </p:cNvSpPr>
-          <p:nvPr>
-            <p:ph type="sldNum" sz="quarter" idx="10"/>
-          </p:nvPr>
-        </p:nvSpPr>
-        <p:spPr/>
-        <p:txBody>
-          <a:bodyPr/>
-          <a:lstStyle/>
-          <a:p>
-            <a:fld id="{00FC836F-1977-4F79-94B7-B05073DDE4F0}" type="slidenum">
-              <a:rPr lang="it-IT"/>
-              <a:t>18</a:t>
-            </a:fld>
-            <a:endParaRPr lang="it-IT"/>
+            <a:endParaRPr lang="it-IT" altLang="it-IT"/>
           </a:p>
         </p:txBody>
       </p:sp>
     </p:spTree>
     <p:extLst>
       <p:ext uri="{BB962C8B-B14F-4D97-AF65-F5344CB8AC3E}">
-        <p14:creationId xmlns:p14="http://schemas.microsoft.com/office/powerpoint/2010/main" val="411004159"/>
+        <p14:creationId xmlns:p14="http://schemas.microsoft.com/office/powerpoint/2010/main" val="3391674940"/>
       </p:ext>
     </p:extLst>
   </p:cSld>
@@ -1400,7 +1455,7 @@
     </p:spTree>
     <p:extLst>
       <p:ext uri="{BB962C8B-B14F-4D97-AF65-F5344CB8AC3E}">
-        <p14:creationId xmlns:p14="http://schemas.microsoft.com/office/powerpoint/2010/main" val="2456491811"/>
+        <p14:creationId xmlns:p14="http://schemas.microsoft.com/office/powerpoint/2010/main" val="2456722266"/>
       </p:ext>
     </p:extLst>
   </p:cSld>
@@ -1568,7 +1623,7 @@
     </p:spTree>
     <p:extLst>
       <p:ext uri="{BB962C8B-B14F-4D97-AF65-F5344CB8AC3E}">
-        <p14:creationId xmlns:p14="http://schemas.microsoft.com/office/powerpoint/2010/main" val="2447093138"/>
+        <p14:creationId xmlns:p14="http://schemas.microsoft.com/office/powerpoint/2010/main" val="59867146"/>
       </p:ext>
     </p:extLst>
   </p:cSld>
@@ -1652,7 +1707,7 @@
     </p:spTree>
     <p:extLst>
       <p:ext uri="{BB962C8B-B14F-4D97-AF65-F5344CB8AC3E}">
-        <p14:creationId xmlns:p14="http://schemas.microsoft.com/office/powerpoint/2010/main" val="3721506548"/>
+        <p14:creationId xmlns:p14="http://schemas.microsoft.com/office/powerpoint/2010/main" val="475946043"/>
       </p:ext>
     </p:extLst>
   </p:cSld>
@@ -1736,7 +1791,175 @@
     </p:spTree>
     <p:extLst>
       <p:ext uri="{BB962C8B-B14F-4D97-AF65-F5344CB8AC3E}">
-        <p14:creationId xmlns:p14="http://schemas.microsoft.com/office/powerpoint/2010/main" val="3796155701"/>
+        <p14:creationId xmlns:p14="http://schemas.microsoft.com/office/powerpoint/2010/main" val="3430558916"/>
+      </p:ext>
+    </p:extLst>
+  </p:cSld>
+  <p:clrMapOvr>
+    <a:masterClrMapping/>
+  </p:clrMapOvr>
+</p:notes>
+</file>
+
+<file path=ppt/notesSlides/notesSlide23.xml><?xml version="1.0" encoding="utf-8"?>
+<p:notes xmlns:a="http://schemas.openxmlformats.org/drawingml/2006/main" xmlns:r="http://schemas.openxmlformats.org/officeDocument/2006/relationships" xmlns:p="http://schemas.openxmlformats.org/presentationml/2006/main">
+  <p:cSld>
+    <p:spTree>
+      <p:nvGrpSpPr>
+        <p:cNvPr id="1" name=""/>
+        <p:cNvGrpSpPr/>
+        <p:nvPr/>
+      </p:nvGrpSpPr>
+      <p:grpSpPr>
+        <a:xfrm>
+          <a:off x="0" y="0"/>
+          <a:ext cx="0" cy="0"/>
+          <a:chOff x="0" y="0"/>
+          <a:chExt cx="0" cy="0"/>
+        </a:xfrm>
+      </p:grpSpPr>
+      <p:sp>
+        <p:nvSpPr>
+          <p:cNvPr id="2" name="Segnaposto immagine diapositiva 1"/>
+          <p:cNvSpPr>
+            <a:spLocks noGrp="1" noRot="1" noChangeAspect="1"/>
+          </p:cNvSpPr>
+          <p:nvPr>
+            <p:ph type="sldImg"/>
+          </p:nvPr>
+        </p:nvSpPr>
+        <p:spPr/>
+      </p:sp>
+      <p:sp>
+        <p:nvSpPr>
+          <p:cNvPr id="3" name="Segnaposto note 2"/>
+          <p:cNvSpPr>
+            <a:spLocks noGrp="1"/>
+          </p:cNvSpPr>
+          <p:nvPr>
+            <p:ph type="body" idx="1"/>
+          </p:nvPr>
+        </p:nvSpPr>
+        <p:spPr/>
+        <p:txBody>
+          <a:bodyPr/>
+          <a:lstStyle/>
+          <a:p>
+            <a:endParaRPr lang="it-IT"/>
+          </a:p>
+        </p:txBody>
+      </p:sp>
+      <p:sp>
+        <p:nvSpPr>
+          <p:cNvPr id="4" name="Segnaposto numero diapositiva 3"/>
+          <p:cNvSpPr>
+            <a:spLocks noGrp="1"/>
+          </p:cNvSpPr>
+          <p:nvPr>
+            <p:ph type="sldNum" sz="quarter" idx="10"/>
+          </p:nvPr>
+        </p:nvSpPr>
+        <p:spPr/>
+        <p:txBody>
+          <a:bodyPr/>
+          <a:lstStyle/>
+          <a:p>
+            <a:fld id="{00FC836F-1977-4F79-94B7-B05073DDE4F0}" type="slidenum">
+              <a:rPr lang="it-IT"/>
+              <a:t>23</a:t>
+            </a:fld>
+            <a:endParaRPr lang="it-IT"/>
+          </a:p>
+        </p:txBody>
+      </p:sp>
+    </p:spTree>
+    <p:extLst>
+      <p:ext uri="{BB962C8B-B14F-4D97-AF65-F5344CB8AC3E}">
+        <p14:creationId xmlns:p14="http://schemas.microsoft.com/office/powerpoint/2010/main" val="3883971164"/>
+      </p:ext>
+    </p:extLst>
+  </p:cSld>
+  <p:clrMapOvr>
+    <a:masterClrMapping/>
+  </p:clrMapOvr>
+</p:notes>
+</file>
+
+<file path=ppt/notesSlides/notesSlide24.xml><?xml version="1.0" encoding="utf-8"?>
+<p:notes xmlns:a="http://schemas.openxmlformats.org/drawingml/2006/main" xmlns:r="http://schemas.openxmlformats.org/officeDocument/2006/relationships" xmlns:p="http://schemas.openxmlformats.org/presentationml/2006/main">
+  <p:cSld>
+    <p:spTree>
+      <p:nvGrpSpPr>
+        <p:cNvPr id="1" name=""/>
+        <p:cNvGrpSpPr/>
+        <p:nvPr/>
+      </p:nvGrpSpPr>
+      <p:grpSpPr>
+        <a:xfrm>
+          <a:off x="0" y="0"/>
+          <a:ext cx="0" cy="0"/>
+          <a:chOff x="0" y="0"/>
+          <a:chExt cx="0" cy="0"/>
+        </a:xfrm>
+      </p:grpSpPr>
+      <p:sp>
+        <p:nvSpPr>
+          <p:cNvPr id="2" name="Segnaposto immagine diapositiva 1"/>
+          <p:cNvSpPr>
+            <a:spLocks noGrp="1" noRot="1" noChangeAspect="1"/>
+          </p:cNvSpPr>
+          <p:nvPr>
+            <p:ph type="sldImg"/>
+          </p:nvPr>
+        </p:nvSpPr>
+        <p:spPr/>
+      </p:sp>
+      <p:sp>
+        <p:nvSpPr>
+          <p:cNvPr id="3" name="Segnaposto note 2"/>
+          <p:cNvSpPr>
+            <a:spLocks noGrp="1"/>
+          </p:cNvSpPr>
+          <p:nvPr>
+            <p:ph type="body" idx="1"/>
+          </p:nvPr>
+        </p:nvSpPr>
+        <p:spPr/>
+        <p:txBody>
+          <a:bodyPr/>
+          <a:lstStyle/>
+          <a:p>
+            <a:endParaRPr lang="it-IT"/>
+          </a:p>
+        </p:txBody>
+      </p:sp>
+      <p:sp>
+        <p:nvSpPr>
+          <p:cNvPr id="4" name="Segnaposto numero diapositiva 3"/>
+          <p:cNvSpPr>
+            <a:spLocks noGrp="1"/>
+          </p:cNvSpPr>
+          <p:nvPr>
+            <p:ph type="sldNum" sz="quarter" idx="10"/>
+          </p:nvPr>
+        </p:nvSpPr>
+        <p:spPr/>
+        <p:txBody>
+          <a:bodyPr/>
+          <a:lstStyle/>
+          <a:p>
+            <a:fld id="{00FC836F-1977-4F79-94B7-B05073DDE4F0}" type="slidenum">
+              <a:rPr lang="it-IT"/>
+              <a:t>24</a:t>
+            </a:fld>
+            <a:endParaRPr lang="it-IT"/>
+          </a:p>
+        </p:txBody>
+      </p:sp>
+    </p:spTree>
+    <p:extLst>
+      <p:ext uri="{BB962C8B-B14F-4D97-AF65-F5344CB8AC3E}">
+        <p14:creationId xmlns:p14="http://schemas.microsoft.com/office/powerpoint/2010/main" val="411004159"/>
       </p:ext>
     </p:extLst>
   </p:cSld>
@@ -10802,95 +11025,76 @@
       </p:grpSpPr>
       <p:sp>
         <p:nvSpPr>
-          <p:cNvPr id="2" name="CasellaDiTesto 1"/>
+          <p:cNvPr id="2" name="Titolo 1"/>
+          <p:cNvSpPr>
+            <a:spLocks noGrp="1"/>
+          </p:cNvSpPr>
+          <p:nvPr>
+            <p:ph type="title"/>
+          </p:nvPr>
+        </p:nvSpPr>
+        <p:spPr>
+          <a:xfrm>
+            <a:off x="89680" y="786041"/>
+            <a:ext cx="9613861" cy="1080938"/>
+          </a:xfrm>
+        </p:spPr>
+        <p:txBody>
+          <a:bodyPr/>
+          <a:lstStyle/>
+          <a:p>
+            <a:r>
+              <a:rPr lang="it-IT" sz="5400" dirty="0">
+                <a:latin typeface="Trebuchet MS" charset="0"/>
+              </a:rPr>
+              <a:t>Modulo adp-01</a:t>
+            </a:r>
+          </a:p>
+        </p:txBody>
+      </p:sp>
+      <p:sp>
+        <p:nvSpPr>
+          <p:cNvPr id="3" name="CasellaDiTesto 2"/>
           <p:cNvSpPr txBox="1"/>
           <p:nvPr/>
         </p:nvSpPr>
         <p:spPr>
           <a:xfrm>
-            <a:off x="458659" y="903523"/>
-            <a:ext cx="7008941" cy="369332"/>
+            <a:off x="89680" y="2006583"/>
+            <a:ext cx="11967202" cy="2616101"/>
           </a:xfrm>
           <a:prstGeom prst="rect">
             <a:avLst/>
           </a:prstGeom>
         </p:spPr>
         <p:txBody>
-          <a:bodyPr rtlCol="0">
+          <a:bodyPr wrap="square" rtlCol="0">
             <a:spAutoFit/>
           </a:bodyPr>
           <a:lstStyle/>
-          <a:p>
-            <a:pPr algn="ctr"/>
-            <a:endParaRPr lang="it-IT" dirty="0">
-              <a:solidFill>
-                <a:srgbClr val="212121"/>
-              </a:solidFill>
-              <a:latin typeface="Consolas" charset="0"/>
-            </a:endParaRPr>
-          </a:p>
-        </p:txBody>
-      </p:sp>
-      <p:sp>
-        <p:nvSpPr>
-          <p:cNvPr id="4" name="CasellaDiTesto 3"/>
-          <p:cNvSpPr txBox="1"/>
-          <p:nvPr/>
-        </p:nvSpPr>
-        <p:spPr>
-          <a:xfrm>
-            <a:off x="606425" y="968375"/>
-            <a:ext cx="11439525" cy="6155531"/>
-          </a:xfrm>
-          <a:prstGeom prst="rect">
-            <a:avLst/>
-          </a:prstGeom>
-        </p:spPr>
-        <p:txBody>
-          <a:bodyPr rtlCol="0">
-            <a:spAutoFit/>
-          </a:bodyPr>
-          <a:lstStyle/>
-          <a:p>
-            <a:r>
-              <a:rPr lang="it-IT" sz="4000" b="1" dirty="0">
-                <a:latin typeface="Trebuchet MS" charset="0"/>
-              </a:rPr>
-              <a:t>I2Cdev </a:t>
-            </a:r>
-            <a:r>
-              <a:rPr lang="it-IT" sz="4000" b="1" dirty="0" err="1">
-                <a:latin typeface="Trebuchet MS" charset="0"/>
-              </a:rPr>
-              <a:t>library</a:t>
-            </a:r>
-            <a:r>
-              <a:rPr lang="it-IT" sz="4000" b="1" dirty="0">
-                <a:latin typeface="Trebuchet MS" charset="0"/>
-              </a:rPr>
-              <a:t> </a:t>
-            </a:r>
-            <a:r>
-              <a:rPr lang="it-IT" sz="4000" b="1" dirty="0" err="1">
-                <a:latin typeface="Trebuchet MS" charset="0"/>
-              </a:rPr>
-              <a:t>collection</a:t>
-            </a:r>
-            <a:r>
-              <a:rPr lang="it-IT" sz="4000" b="1" dirty="0">
-                <a:latin typeface="Trebuchet MS" charset="0"/>
-              </a:rPr>
-              <a:t>  </a:t>
-            </a:r>
-          </a:p>
           <a:p>
             <a:pPr marL="457200" indent="-457200">
               <a:buFont typeface="Arial" panose="020B0604020202020204" pitchFamily="34" charset="0"/>
               <a:buChar char="•"/>
             </a:pPr>
-            <a:endParaRPr lang="it-IT" sz="2800" dirty="0">
-              <a:latin typeface="Trebuchet MS" charset="0"/>
-            </a:endParaRPr>
+            <a:r>
+              <a:rPr lang="it-IT" sz="2800" dirty="0" smtClean="0">
+                <a:solidFill>
+                  <a:srgbClr val="FFFFFF"/>
+                </a:solidFill>
+                <a:latin typeface="Consolas" charset="0"/>
+              </a:rPr>
+              <a:t>O</a:t>
+            </a:r>
+            <a:r>
+              <a:rPr lang="it" sz="2800" dirty="0" smtClean="0">
+                <a:solidFill>
+                  <a:srgbClr val="FFFFFF"/>
+                </a:solidFill>
+                <a:latin typeface="Consolas" charset="0"/>
+              </a:rPr>
+              <a:t>spita il modulo WiFi ESP8266</a:t>
+            </a:r>
           </a:p>
           <a:p>
             <a:pPr marL="457200" indent="-457200">
@@ -10898,90 +11102,76 @@
               <a:buChar char="•"/>
             </a:pPr>
             <a:r>
-              <a:rPr lang="it-IT" sz="2800" dirty="0">
-                <a:latin typeface="Trebuchet MS" charset="0"/>
-              </a:rPr>
-              <a:t>MPU6050 I2C </a:t>
-            </a:r>
-            <a:r>
-              <a:rPr lang="it-IT" sz="2800" dirty="0" err="1">
-                <a:latin typeface="Trebuchet MS" charset="0"/>
-              </a:rPr>
-              <a:t>device</a:t>
-            </a:r>
-            <a:r>
-              <a:rPr lang="it-IT" sz="2800" dirty="0">
-                <a:latin typeface="Trebuchet MS" charset="0"/>
-              </a:rPr>
-              <a:t> </a:t>
-            </a:r>
-            <a:r>
-              <a:rPr lang="it-IT" sz="2800" dirty="0" err="1">
-                <a:latin typeface="Trebuchet MS" charset="0"/>
-              </a:rPr>
-              <a:t>classBased</a:t>
-            </a:r>
-            <a:r>
-              <a:rPr lang="it-IT" sz="2800" dirty="0">
-                <a:latin typeface="Trebuchet MS" charset="0"/>
-              </a:rPr>
-              <a:t> on </a:t>
-            </a:r>
-            <a:r>
-              <a:rPr lang="it-IT" sz="2800" dirty="0" err="1">
-                <a:latin typeface="Trebuchet MS" charset="0"/>
-              </a:rPr>
-              <a:t>InvenSense</a:t>
-            </a:r>
-            <a:r>
-              <a:rPr lang="it-IT" sz="2800" dirty="0">
-                <a:latin typeface="Trebuchet MS" charset="0"/>
-              </a:rPr>
-              <a:t> MPU-6050 </a:t>
-            </a:r>
-            <a:r>
-              <a:rPr lang="it-IT" sz="2800" dirty="0" err="1">
-                <a:latin typeface="Trebuchet MS" charset="0"/>
-              </a:rPr>
-              <a:t>register</a:t>
-            </a:r>
-            <a:r>
-              <a:rPr lang="it-IT" sz="2800" dirty="0">
-                <a:latin typeface="Trebuchet MS" charset="0"/>
-              </a:rPr>
-              <a:t> </a:t>
-            </a:r>
-            <a:r>
-              <a:rPr lang="it-IT" sz="2800" dirty="0" err="1">
-                <a:latin typeface="Trebuchet MS" charset="0"/>
-              </a:rPr>
-              <a:t>map</a:t>
-            </a:r>
-            <a:r>
-              <a:rPr lang="it-IT" sz="2800" dirty="0">
-                <a:latin typeface="Trebuchet MS" charset="0"/>
-              </a:rPr>
-              <a:t> </a:t>
-            </a:r>
-            <a:r>
-              <a:rPr lang="it-IT" sz="2800" dirty="0" err="1">
-                <a:latin typeface="Trebuchet MS" charset="0"/>
-              </a:rPr>
-              <a:t>document</a:t>
-            </a:r>
-            <a:r>
-              <a:rPr lang="it-IT" sz="2800" dirty="0">
-                <a:latin typeface="Trebuchet MS" charset="0"/>
-              </a:rPr>
-              <a:t> rev. 2.0, 5/19/2011 (RM-MPU-6000A-00) </a:t>
-            </a:r>
-          </a:p>
-          <a:p>
-            <a:r>
-              <a:rPr lang="it-IT" sz="2800" dirty="0">
-                <a:latin typeface="Trebuchet MS" charset="0"/>
-              </a:rPr>
-              <a:t> </a:t>
+              <a:rPr lang="it-IT" sz="2800" dirty="0" smtClean="0">
+                <a:solidFill>
+                  <a:srgbClr val="FFFFFF"/>
+                </a:solidFill>
+                <a:latin typeface="Consolas" charset="0"/>
+              </a:rPr>
+              <a:t>È alimentato </a:t>
+            </a:r>
+            <a:r>
+              <a:rPr lang="it" sz="2800" dirty="0" smtClean="0">
+                <a:solidFill>
+                  <a:srgbClr val="FFFFFF"/>
+                </a:solidFill>
+                <a:latin typeface="Consolas" charset="0"/>
+              </a:rPr>
+              <a:t>con </a:t>
+            </a:r>
+            <a:r>
+              <a:rPr lang="it" sz="2800" dirty="0">
+                <a:solidFill>
+                  <a:srgbClr val="FFFFFF"/>
+                </a:solidFill>
+                <a:latin typeface="Consolas" charset="0"/>
+              </a:rPr>
+              <a:t>5 V </a:t>
+            </a:r>
+            <a:r>
+              <a:rPr lang="it" sz="2800" dirty="0" smtClean="0">
+                <a:solidFill>
+                  <a:srgbClr val="FFFFFF"/>
+                </a:solidFill>
+                <a:latin typeface="Consolas" charset="0"/>
+              </a:rPr>
+              <a:t>e fornisce i </a:t>
+            </a:r>
+            <a:r>
+              <a:rPr lang="it" sz="2800" dirty="0">
+                <a:solidFill>
+                  <a:srgbClr val="FFFFFF"/>
+                </a:solidFill>
+                <a:latin typeface="Consolas" charset="0"/>
+              </a:rPr>
+              <a:t>3,3 V </a:t>
+            </a:r>
+            <a:r>
+              <a:rPr lang="it" sz="2800" dirty="0" smtClean="0">
+                <a:solidFill>
+                  <a:srgbClr val="FFFFFF"/>
+                </a:solidFill>
+                <a:latin typeface="Consolas" charset="0"/>
+              </a:rPr>
+              <a:t>richiesti </a:t>
+            </a:r>
+            <a:r>
+              <a:rPr lang="it" sz="2800" dirty="0">
+                <a:solidFill>
+                  <a:srgbClr val="FFFFFF"/>
+                </a:solidFill>
+                <a:latin typeface="Consolas" charset="0"/>
+              </a:rPr>
+              <a:t>dal modulo </a:t>
+            </a:r>
+            <a:r>
+              <a:rPr lang="it" sz="2800" dirty="0" smtClean="0">
+                <a:solidFill>
+                  <a:srgbClr val="FFFFFF"/>
+                </a:solidFill>
+                <a:latin typeface="Consolas" charset="0"/>
+              </a:rPr>
+              <a:t>WiFi (regolatore di tensione lineare). </a:t>
             </a:r>
           </a:p>
           <a:p>
@@ -10990,34 +11180,22 @@
               <a:buChar char="•"/>
             </a:pPr>
             <a:r>
-              <a:rPr lang="it-IT" sz="2800" dirty="0">
-                <a:latin typeface="Trebuchet MS" charset="0"/>
-              </a:rPr>
-              <a:t>Contiene una libreria molto </a:t>
-            </a:r>
-            <a:r>
               <a:rPr lang="it-IT" sz="2800" dirty="0" smtClean="0">
-                <a:latin typeface="Trebuchet MS" charset="0"/>
-              </a:rPr>
-              <a:t>completa </a:t>
-            </a:r>
-            <a:r>
-              <a:rPr lang="it-IT" sz="2800" dirty="0">
-                <a:latin typeface="Trebuchet MS" charset="0"/>
-              </a:rPr>
-              <a:t>per la gestione </a:t>
-            </a:r>
-            <a:r>
-              <a:rPr lang="it-IT" sz="2800" dirty="0" smtClean="0">
-                <a:latin typeface="Trebuchet MS" charset="0"/>
-              </a:rPr>
-              <a:t>del modulo </a:t>
-            </a:r>
-            <a:r>
-              <a:rPr lang="it-IT" sz="2800" dirty="0">
-                <a:latin typeface="Trebuchet MS" charset="0"/>
-              </a:rPr>
-              <a:t>accelerometro MPU6050. </a:t>
+                <a:solidFill>
+                  <a:srgbClr val="FFFFFF"/>
+                </a:solidFill>
+                <a:latin typeface="Consolas" charset="0"/>
+              </a:rPr>
+              <a:t>T</a:t>
+            </a:r>
+            <a:r>
+              <a:rPr lang="it" sz="2800" dirty="0" smtClean="0">
+                <a:solidFill>
+                  <a:srgbClr val="FFFFFF"/>
+                </a:solidFill>
+                <a:latin typeface="Consolas" charset="0"/>
+              </a:rPr>
+              <a:t>rasla i livelli di porte seriali e porte I2C del modulo</a:t>
             </a:r>
           </a:p>
           <a:p>
@@ -11025,70 +11203,64 @@
               <a:buFont typeface="Arial" panose="020B0604020202020204" pitchFamily="34" charset="0"/>
               <a:buChar char="•"/>
             </a:pPr>
+            <a:r>
+              <a:rPr lang="it-IT" sz="2800" dirty="0" smtClean="0">
+                <a:solidFill>
+                  <a:srgbClr val="FFFFFF"/>
+                </a:solidFill>
+                <a:latin typeface="Consolas" charset="0"/>
+              </a:rPr>
+              <a:t>P</a:t>
+            </a:r>
+            <a:r>
+              <a:rPr lang="it" sz="2800" dirty="0" smtClean="0">
+                <a:solidFill>
+                  <a:srgbClr val="FFFFFF"/>
+                </a:solidFill>
+                <a:latin typeface="Consolas" charset="0"/>
+              </a:rPr>
+              <a:t>ossiede pedinature compatibili con una breadboard</a:t>
+            </a:r>
             <a:endParaRPr lang="it-IT" sz="2800" dirty="0">
-              <a:latin typeface="Trebuchet MS" charset="0"/>
+              <a:solidFill>
+                <a:srgbClr val="444444"/>
+              </a:solidFill>
+              <a:latin typeface="Arial" charset="0"/>
             </a:endParaRPr>
           </a:p>
           <a:p>
-            <a:pPr marL="457200" indent="-457200">
-              <a:buFont typeface="Arial" panose="020B0604020202020204" pitchFamily="34" charset="0"/>
-              <a:buChar char="•"/>
-            </a:pPr>
-            <a:r>
-              <a:rPr lang="it-IT" sz="2800" dirty="0">
-                <a:latin typeface="Trebuchet MS" charset="0"/>
-              </a:rPr>
-              <a:t>Nei prototipi è stata drasticamente privata di molte funzioni non ritenute essenziali per chiarezza e per risparmiare spazio. </a:t>
-            </a:r>
-            <a:endParaRPr lang="it-IT" sz="2800" dirty="0" smtClean="0">
-              <a:latin typeface="Trebuchet MS" charset="0"/>
-            </a:endParaRPr>
-          </a:p>
-          <a:p>
-            <a:pPr marL="457200" indent="-457200">
-              <a:buFont typeface="Arial" panose="020B0604020202020204" pitchFamily="34" charset="0"/>
-              <a:buChar char="•"/>
-            </a:pPr>
-            <a:endParaRPr lang="it-IT" sz="2800" dirty="0" smtClean="0">
-              <a:latin typeface="Trebuchet MS" charset="0"/>
-            </a:endParaRPr>
-          </a:p>
-          <a:p>
-            <a:pPr marL="457200" indent="-457200">
-              <a:buFont typeface="Arial" panose="020B0604020202020204" pitchFamily="34" charset="0"/>
-              <a:buChar char="•"/>
-            </a:pPr>
-            <a:r>
-              <a:rPr lang="it-IT" sz="2800" dirty="0" smtClean="0">
-                <a:latin typeface="Trebuchet MS" charset="0"/>
-              </a:rPr>
-              <a:t>Sito: https</a:t>
-            </a:r>
-            <a:r>
-              <a:rPr lang="it-IT" sz="2800" dirty="0">
-                <a:latin typeface="Trebuchet MS" charset="0"/>
-              </a:rPr>
-              <a:t>://github.com/jrowberg/i2cdevlib/tree/master/Arduino</a:t>
-            </a:r>
-            <a:endParaRPr lang="it-IT" sz="2800" dirty="0">
-              <a:latin typeface="Trebuchet MS" charset="0"/>
-            </a:endParaRPr>
-          </a:p>
-          <a:p>
-            <a:endParaRPr lang="it-IT" sz="2800" dirty="0">
-              <a:latin typeface="Trebuchet MS" charset="0"/>
-            </a:endParaRPr>
-          </a:p>
-          <a:p>
-            <a:pPr algn="ctr"/>
-            <a:endParaRPr lang="it-IT" dirty="0"/>
-          </a:p>
-        </p:txBody>
-      </p:sp>
+            <a:endParaRPr lang="it-IT" sz="2400" dirty="0"/>
+          </a:p>
+        </p:txBody>
+      </p:sp>
+      <p:pic>
+        <p:nvPicPr>
+          <p:cNvPr id="4" name="Immagine 3" descr="ADP-01.png"/>
+          <p:cNvPicPr>
+            <a:picLocks noChangeAspect="1"/>
+          </p:cNvPicPr>
+          <p:nvPr/>
+        </p:nvPicPr>
+        <p:blipFill>
+          <a:blip r:embed="rId3"/>
+          <a:stretch>
+            <a:fillRect/>
+          </a:stretch>
+        </p:blipFill>
+        <p:spPr>
+          <a:xfrm>
+            <a:off x="2912822" y="4014510"/>
+            <a:ext cx="5384800" cy="2946493"/>
+          </a:xfrm>
+          <a:prstGeom prst="rect">
+            <a:avLst/>
+          </a:prstGeom>
+        </p:spPr>
+      </p:pic>
     </p:spTree>
     <p:extLst>
       <p:ext uri="{BB962C8B-B14F-4D97-AF65-F5344CB8AC3E}">
-        <p14:creationId xmlns:p14="http://schemas.microsoft.com/office/powerpoint/2010/main" val="1238224736"/>
+        <p14:creationId xmlns:p14="http://schemas.microsoft.com/office/powerpoint/2010/main" val="3637849076"/>
       </p:ext>
     </p:extLst>
   </p:cSld>
@@ -11122,147 +11294,34 @@
           <a:chExt cx="0" cy="0"/>
         </a:xfrm>
       </p:grpSpPr>
-      <p:sp>
-        <p:nvSpPr>
-          <p:cNvPr id="2" name="Titolo 1"/>
-          <p:cNvSpPr>
-            <a:spLocks noGrp="1"/>
-          </p:cNvSpPr>
-          <p:nvPr>
-            <p:ph type="title"/>
-          </p:nvPr>
-        </p:nvSpPr>
-        <p:spPr>
-          <a:xfrm>
-            <a:off x="1" y="753228"/>
-            <a:ext cx="10294182" cy="1080938"/>
-          </a:xfrm>
-        </p:spPr>
-        <p:txBody>
-          <a:bodyPr>
-            <a:noAutofit/>
-          </a:bodyPr>
-          <a:lstStyle/>
-          <a:p>
-            <a:r>
-              <a:rPr lang="it-IT" sz="4000" dirty="0"/>
-              <a:t>Librerie di sviluppatori terzi adoperate</a:t>
-            </a:r>
-          </a:p>
-        </p:txBody>
-      </p:sp>
-      <p:sp>
-        <p:nvSpPr>
-          <p:cNvPr id="3" name="CasellaDiTesto 2"/>
-          <p:cNvSpPr txBox="1"/>
+      <p:pic>
+        <p:nvPicPr>
+          <p:cNvPr id="2" name="Immagine 1" descr="schematic ADP-01 (1).png"/>
+          <p:cNvPicPr>
+            <a:picLocks noChangeAspect="1"/>
+          </p:cNvPicPr>
           <p:nvPr/>
-        </p:nvSpPr>
-        <p:spPr>
-          <a:xfrm>
-            <a:off x="115888" y="2403012"/>
-            <a:ext cx="11960225" cy="4555093"/>
+        </p:nvPicPr>
+        <p:blipFill>
+          <a:blip r:embed="rId3"/>
+          <a:stretch>
+            <a:fillRect/>
+          </a:stretch>
+        </p:blipFill>
+        <p:spPr>
+          <a:xfrm>
+            <a:off x="1036949" y="612866"/>
+            <a:ext cx="10284643" cy="5769326"/>
           </a:xfrm>
           <a:prstGeom prst="rect">
             <a:avLst/>
           </a:prstGeom>
-          <a:noFill/>
-        </p:spPr>
-        <p:txBody>
-          <a:bodyPr wrap="square" rtlCol="0" anchor="t">
-            <a:spAutoFit/>
-          </a:bodyPr>
-          <a:lstStyle/>
-          <a:p>
-            <a:r>
-              <a:rPr lang="it-IT" sz="2800" dirty="0"/>
-              <a:t>WeeESP8266</a:t>
-            </a:r>
-          </a:p>
-          <a:p>
-            <a:pPr marL="457200" indent="-457200">
-              <a:buFont typeface="Arial" panose="020B0604020202020204" pitchFamily="34" charset="0"/>
-              <a:buChar char="•"/>
-            </a:pPr>
-            <a:endParaRPr lang="it-IT" sz="2800" dirty="0"/>
-          </a:p>
-          <a:p>
-            <a:pPr marL="457200" indent="-457200">
-              <a:buFont typeface="Arial" panose="020B0604020202020204" pitchFamily="34" charset="0"/>
-              <a:buChar char="•"/>
-            </a:pPr>
-            <a:r>
-              <a:rPr lang="it-IT" sz="2800" dirty="0" smtClean="0"/>
-              <a:t>Una </a:t>
-            </a:r>
-            <a:r>
-              <a:rPr lang="it-IT" sz="2800" dirty="0" smtClean="0"/>
-              <a:t>libreria </a:t>
-            </a:r>
-            <a:r>
-              <a:rPr lang="it-IT" sz="2800" dirty="0" smtClean="0"/>
-              <a:t>per </a:t>
-            </a:r>
-            <a:r>
-              <a:rPr lang="it-IT" sz="2800" dirty="0"/>
-              <a:t>Arduino </a:t>
-            </a:r>
-            <a:r>
-              <a:rPr lang="it-IT" sz="2800" dirty="0" smtClean="0"/>
-              <a:t>che fornisce una maniera semplice per manipolare il modulo ESP8266</a:t>
-            </a:r>
-            <a:r>
-              <a:rPr lang="it-IT" sz="2800" dirty="0"/>
-              <a:t>. </a:t>
-            </a:r>
-            <a:endParaRPr lang="it-IT" sz="2800" dirty="0" smtClean="0"/>
-          </a:p>
-          <a:p>
-            <a:pPr marL="457200" indent="-457200">
-              <a:buFont typeface="Arial" panose="020B0604020202020204" pitchFamily="34" charset="0"/>
-              <a:buChar char="•"/>
-            </a:pPr>
-            <a:r>
-              <a:rPr lang="it-IT" sz="2800" dirty="0" smtClean="0"/>
-              <a:t>Il </a:t>
-            </a:r>
-            <a:r>
-              <a:rPr lang="it-IT" sz="2800" dirty="0"/>
-              <a:t>codice sorgente può essere scaricato dal seguente link: https://github.com/itead/ITEADLIB_Arduino_WeeESP8266.</a:t>
-            </a:r>
-          </a:p>
-          <a:p>
-            <a:pPr marL="457200" indent="-457200">
-              <a:buFont typeface="Arial" panose="020B0604020202020204" pitchFamily="34" charset="0"/>
-              <a:buChar char="•"/>
-            </a:pPr>
-            <a:endParaRPr lang="it-IT" sz="2800" dirty="0"/>
-          </a:p>
-          <a:p>
-            <a:pPr marL="457200" indent="-457200">
-              <a:buFont typeface="Arial" panose="020B0604020202020204" pitchFamily="34" charset="0"/>
-              <a:buChar char="•"/>
-            </a:pPr>
-            <a:r>
-              <a:rPr lang="it-IT" sz="2800" dirty="0" smtClean="0"/>
-              <a:t>Particolarità: occupa molto spazio </a:t>
-            </a:r>
-            <a:r>
-              <a:rPr lang="it-IT" sz="2800" dirty="0"/>
-              <a:t>in memoria RAM, presumibilmente più rapida.</a:t>
-            </a:r>
-          </a:p>
-          <a:p>
-            <a:endParaRPr lang="it-IT" dirty="0"/>
-          </a:p>
-          <a:p>
-            <a:endParaRPr lang="it-IT" sz="2000" dirty="0"/>
-          </a:p>
-        </p:txBody>
-      </p:sp>
+        </p:spPr>
+      </p:pic>
     </p:spTree>
     <p:extLst>
       <p:ext uri="{BB962C8B-B14F-4D97-AF65-F5344CB8AC3E}">
-        <p14:creationId xmlns:p14="http://schemas.microsoft.com/office/powerpoint/2010/main" val="4034955394"/>
+        <p14:creationId xmlns:p14="http://schemas.microsoft.com/office/powerpoint/2010/main" val="2037541562"/>
       </p:ext>
     </p:extLst>
   </p:cSld>
@@ -11298,208 +11357,219 @@
       </p:grpSpPr>
       <p:sp>
         <p:nvSpPr>
-          <p:cNvPr id="2" name="CasellaDiTesto 1"/>
+          <p:cNvPr id="2" name="Titolo 1"/>
+          <p:cNvSpPr>
+            <a:spLocks noGrp="1"/>
+          </p:cNvSpPr>
+          <p:nvPr>
+            <p:ph type="title"/>
+          </p:nvPr>
+        </p:nvSpPr>
+        <p:spPr>
+          <a:xfrm>
+            <a:off x="57584" y="752475"/>
+            <a:ext cx="10237354" cy="1081088"/>
+          </a:xfrm>
+        </p:spPr>
+        <p:txBody>
+          <a:bodyPr/>
+          <a:lstStyle/>
+          <a:p>
+            <a:r>
+              <a:rPr lang="it-IT" sz="4800" dirty="0" smtClean="0"/>
+              <a:t>Accelerometro MPU6050</a:t>
+            </a:r>
+            <a:endParaRPr lang="it-IT" sz="4800" dirty="0"/>
+          </a:p>
+        </p:txBody>
+      </p:sp>
+      <p:sp>
+        <p:nvSpPr>
+          <p:cNvPr id="3" name="CasellaDiTesto 2"/>
           <p:cNvSpPr txBox="1"/>
           <p:nvPr/>
         </p:nvSpPr>
         <p:spPr>
           <a:xfrm>
-            <a:off x="190402" y="0"/>
-            <a:ext cx="10218738" cy="6924973"/>
+            <a:off x="4724400" y="2734177"/>
+            <a:ext cx="2743200" cy="369332"/>
+          </a:xfrm>
+          <a:prstGeom prst="rect">
+            <a:avLst/>
+          </a:prstGeom>
+        </p:spPr>
+        <p:txBody>
+          <a:bodyPr rtlCol="0">
+            <a:spAutoFit/>
+          </a:bodyPr>
+          <a:lstStyle/>
+          <a:p>
+            <a:pPr algn="ctr"/>
+            <a:endParaRPr lang="it-IT" dirty="0">
+              <a:solidFill>
+                <a:srgbClr val="212121"/>
+              </a:solidFill>
+              <a:latin typeface="Consolas" charset="0"/>
+            </a:endParaRPr>
+          </a:p>
+        </p:txBody>
+      </p:sp>
+      <p:sp>
+        <p:nvSpPr>
+          <p:cNvPr id="4" name="CasellaDiTesto 3"/>
+          <p:cNvSpPr txBox="1"/>
+          <p:nvPr/>
+        </p:nvSpPr>
+        <p:spPr>
+          <a:xfrm>
+            <a:off x="335797" y="1999292"/>
+            <a:ext cx="5864393" cy="2523768"/>
+          </a:xfrm>
+          <a:prstGeom prst="rect">
+            <a:avLst/>
+          </a:prstGeom>
+        </p:spPr>
+        <p:txBody>
+          <a:bodyPr wrap="square" rtlCol="0">
+            <a:spAutoFit/>
+          </a:bodyPr>
+          <a:lstStyle/>
+          <a:p>
+            <a:pPr marL="285750" indent="-285750">
+              <a:buFont typeface="Arial" panose="020B0604020202020204" pitchFamily="34" charset="0"/>
+              <a:buChar char="•"/>
+            </a:pPr>
+            <a:r>
+              <a:rPr lang="it-IT" sz="2000" dirty="0"/>
+              <a:t>Chip con Convertitore AD a 16 bit Integrato</a:t>
+            </a:r>
+          </a:p>
+          <a:p>
+            <a:pPr marL="285750" indent="-285750">
+              <a:buFont typeface="Arial" panose="020B0604020202020204" pitchFamily="34" charset="0"/>
+              <a:buChar char="•"/>
+            </a:pPr>
+            <a:r>
+              <a:rPr lang="it-IT" sz="2000" dirty="0" err="1"/>
+              <a:t>Range</a:t>
+            </a:r>
+            <a:r>
+              <a:rPr lang="it-IT" sz="2000" dirty="0"/>
+              <a:t> di misura giroscopio: ±250, 500, 1000 e 2000°/s</a:t>
+            </a:r>
+          </a:p>
+          <a:p>
+            <a:pPr marL="285750" indent="-285750">
+              <a:buFont typeface="Arial" panose="020B0604020202020204" pitchFamily="34" charset="0"/>
+              <a:buChar char="•"/>
+            </a:pPr>
+            <a:r>
+              <a:rPr lang="it-IT" sz="2000" dirty="0" err="1"/>
+              <a:t>Range</a:t>
+            </a:r>
+            <a:r>
+              <a:rPr lang="it-IT" sz="2000" dirty="0"/>
+              <a:t> di misura accelerometro: +2, +4 , +8 , +16 g</a:t>
+            </a:r>
+          </a:p>
+          <a:p>
+            <a:pPr marL="285750" indent="-285750">
+              <a:buFont typeface="Arial" panose="020B0604020202020204" pitchFamily="34" charset="0"/>
+              <a:buChar char="•"/>
+            </a:pPr>
+            <a:r>
+              <a:rPr lang="it-IT" sz="2000" dirty="0"/>
+              <a:t>Interfaccia: I²C</a:t>
+            </a:r>
+          </a:p>
+          <a:p>
+            <a:pPr marL="285750" indent="-285750">
+              <a:buFont typeface="Arial" panose="020B0604020202020204" pitchFamily="34" charset="0"/>
+              <a:buChar char="•"/>
+            </a:pPr>
+            <a:r>
+              <a:rPr lang="it-IT" sz="2000" dirty="0"/>
+              <a:t>Alimentazione: da 3V a 5V</a:t>
+            </a:r>
+          </a:p>
+          <a:p>
+            <a:pPr marL="285750" indent="-285750" algn="ctr">
+              <a:buFont typeface="Arial" panose="020B0604020202020204" pitchFamily="34" charset="0"/>
+              <a:buChar char="•"/>
+            </a:pPr>
+            <a:endParaRPr lang="it-IT" dirty="0"/>
+          </a:p>
+        </p:txBody>
+      </p:sp>
+      <p:pic>
+        <p:nvPicPr>
+          <p:cNvPr id="5" name="Picture 2" descr="http://noro24.de/index.php?rex_img_type=gallery_overview&amp;rex_img_file=mpu6050-and-arduino.png"/>
+          <p:cNvPicPr>
+            <a:picLocks noChangeAspect="1" noChangeArrowheads="1"/>
+          </p:cNvPicPr>
+          <p:nvPr/>
+        </p:nvPicPr>
+        <p:blipFill>
+          <a:blip r:embed="rId3">
+            <a:extLst>
+              <a:ext uri="{28A0092B-C50C-407E-A947-70E740481C1C}">
+                <a14:useLocalDpi xmlns:a14="http://schemas.microsoft.com/office/drawing/2010/main" val="0"/>
+              </a:ext>
+            </a:extLst>
+          </a:blip>
+          <a:srcRect/>
+          <a:stretch>
+            <a:fillRect/>
+          </a:stretch>
+        </p:blipFill>
+        <p:spPr bwMode="auto">
+          <a:xfrm>
+            <a:off x="7093703" y="907035"/>
+            <a:ext cx="4762500" cy="5743576"/>
           </a:xfrm>
           <a:prstGeom prst="rect">
             <a:avLst/>
           </a:prstGeom>
           <a:noFill/>
-        </p:spPr>
-        <p:txBody>
-          <a:bodyPr wrap="square" rtlCol="0" anchor="t">
-            <a:spAutoFit/>
-          </a:bodyPr>
-          <a:lstStyle/>
-          <a:p>
-            <a:r>
-              <a:rPr lang="it-IT" sz="4000" dirty="0"/>
-              <a:t>ESP8266wifi</a:t>
-            </a:r>
-          </a:p>
-          <a:p>
-            <a:pPr marL="457200" indent="-457200">
-              <a:buFont typeface="Arial" panose="020B0604020202020204" pitchFamily="34" charset="0"/>
-              <a:buChar char="•"/>
-            </a:pPr>
-            <a:r>
-              <a:rPr lang="it-IT" sz="2800" dirty="0"/>
-              <a:t>A </a:t>
-            </a:r>
-            <a:r>
-              <a:rPr lang="it-IT" sz="2800" dirty="0" err="1"/>
-              <a:t>simple</a:t>
-            </a:r>
-            <a:r>
-              <a:rPr lang="it-IT" sz="2800" dirty="0"/>
-              <a:t> ESP8266 Arduino </a:t>
-            </a:r>
-            <a:r>
-              <a:rPr lang="it-IT" sz="2800" dirty="0" err="1"/>
-              <a:t>library</a:t>
-            </a:r>
-            <a:r>
-              <a:rPr lang="it-IT" sz="2800" dirty="0"/>
-              <a:t> with </a:t>
-            </a:r>
-            <a:r>
-              <a:rPr lang="it-IT" sz="2800" dirty="0" err="1"/>
-              <a:t>built</a:t>
-            </a:r>
-            <a:r>
-              <a:rPr lang="it-IT" sz="2800" dirty="0"/>
-              <a:t> in re-</a:t>
-            </a:r>
-            <a:r>
-              <a:rPr lang="it-IT" sz="2800" dirty="0" err="1"/>
-              <a:t>connect</a:t>
-            </a:r>
-            <a:r>
-              <a:rPr lang="it-IT" sz="2800" dirty="0"/>
-              <a:t> </a:t>
-            </a:r>
-            <a:r>
-              <a:rPr lang="it-IT" sz="2800" dirty="0" err="1"/>
-              <a:t>functionality</a:t>
-            </a:r>
-            <a:r>
-              <a:rPr lang="it-IT" sz="2800" dirty="0"/>
-              <a:t>. https://github.com/ekstrand/ESP8266wifi</a:t>
-            </a:r>
-          </a:p>
-          <a:p>
-            <a:pPr marL="457200" indent="-457200">
-              <a:buFont typeface="Arial" panose="020B0604020202020204" pitchFamily="34" charset="0"/>
-              <a:buChar char="•"/>
-            </a:pPr>
-            <a:endParaRPr lang="it-IT" sz="2800" dirty="0"/>
-          </a:p>
-          <a:p>
-            <a:pPr marL="457200" indent="-457200">
-              <a:buFont typeface="Arial" panose="020B0604020202020204" pitchFamily="34" charset="0"/>
-              <a:buChar char="•"/>
-            </a:pPr>
-            <a:r>
-              <a:rPr lang="it-IT" sz="2800" dirty="0"/>
-              <a:t>Particolarità: comandi AT memorizzati su area istruzioni per risparmiare spazio per i dati (tramite direttiva PROGMEM)</a:t>
-            </a:r>
-          </a:p>
-          <a:p>
-            <a:r>
-              <a:rPr lang="it-IT" sz="2800" dirty="0"/>
-              <a:t> </a:t>
-            </a:r>
-          </a:p>
-          <a:p>
-            <a:r>
-              <a:rPr lang="it-IT" sz="4000" dirty="0" err="1"/>
-              <a:t>Fishino</a:t>
-            </a:r>
-            <a:r>
-              <a:rPr lang="it-IT" sz="4000" dirty="0"/>
-              <a:t> </a:t>
-            </a:r>
-            <a:r>
-              <a:rPr lang="it-IT" sz="4000" dirty="0" err="1"/>
-              <a:t>libraries</a:t>
-            </a:r>
-            <a:endParaRPr lang="it-IT" sz="4000" dirty="0"/>
-          </a:p>
-          <a:p>
-            <a:pPr marL="457200" indent="-457200">
-              <a:buFont typeface="Arial" panose="020B0604020202020204" pitchFamily="34" charset="0"/>
-              <a:buChar char="•"/>
-            </a:pPr>
-            <a:r>
-              <a:rPr lang="it-IT" sz="2800" dirty="0"/>
-              <a:t>Librerie della scheda </a:t>
-            </a:r>
-            <a:r>
-              <a:rPr lang="it-IT" sz="2800" dirty="0" err="1"/>
-              <a:t>arduino</a:t>
-            </a:r>
-            <a:r>
-              <a:rPr lang="it-IT" sz="2800" dirty="0"/>
-              <a:t> compatibile con il modulo WIFI ESP8266 integrato on </a:t>
-            </a:r>
-            <a:r>
-              <a:rPr lang="it-IT" sz="2800" dirty="0" err="1"/>
-              <a:t>board</a:t>
-            </a:r>
-            <a:r>
-              <a:rPr lang="it-IT" sz="2800" dirty="0"/>
-              <a:t>. </a:t>
-            </a:r>
-            <a:endParaRPr lang="it-IT" sz="2800" dirty="0" smtClean="0"/>
-          </a:p>
-          <a:p>
-            <a:pPr marL="457200" indent="-457200">
-              <a:buFont typeface="Arial" panose="020B0604020202020204" pitchFamily="34" charset="0"/>
-              <a:buChar char="•"/>
-            </a:pPr>
-            <a:r>
-              <a:rPr lang="it-IT" sz="2800" dirty="0" smtClean="0"/>
-              <a:t>Utilizzata </a:t>
-            </a:r>
-            <a:r>
-              <a:rPr lang="it-IT" sz="2800" dirty="0"/>
-              <a:t>per ottenere riferimenti per creare un </a:t>
-            </a:r>
-            <a:r>
-              <a:rPr lang="it-IT" sz="2800" dirty="0" err="1"/>
-              <a:t>wrapper</a:t>
-            </a:r>
-            <a:r>
-              <a:rPr lang="it-IT" sz="2800" dirty="0"/>
-              <a:t> della libreria ESP8266wifi che esponga le funzioni usuali delle librerie del modulo </a:t>
-            </a:r>
-            <a:r>
-              <a:rPr lang="it-IT" sz="2800" dirty="0" err="1"/>
-              <a:t>Etherner</a:t>
-            </a:r>
-            <a:r>
-              <a:rPr lang="it-IT" sz="2800" dirty="0"/>
-              <a:t> </a:t>
-            </a:r>
-            <a:r>
-              <a:rPr lang="it-IT" sz="2800" dirty="0" err="1"/>
-              <a:t>Shield</a:t>
-            </a:r>
-            <a:r>
-              <a:rPr lang="it-IT" sz="2800" dirty="0"/>
-              <a:t> di </a:t>
-            </a:r>
-            <a:r>
-              <a:rPr lang="it-IT" sz="2800" dirty="0" smtClean="0"/>
-              <a:t>Arduino. </a:t>
-            </a:r>
-          </a:p>
-          <a:p>
-            <a:pPr marL="457200" indent="-457200">
-              <a:buFont typeface="Arial" panose="020B0604020202020204" pitchFamily="34" charset="0"/>
-              <a:buChar char="•"/>
-            </a:pPr>
-            <a:r>
-              <a:rPr lang="it-IT" sz="2800" dirty="0" smtClean="0"/>
-              <a:t>Scaricabile </a:t>
-            </a:r>
-            <a:r>
-              <a:rPr lang="it-IT" sz="2800" dirty="0"/>
-              <a:t>presso: arduinohttp://fishino.it/en/download/</a:t>
-            </a:r>
-          </a:p>
-        </p:txBody>
-      </p:sp>
+          <a:extLst>
+            <a:ext uri="{909E8E84-426E-40DD-AFC4-6F175D3DCCD1}">
+              <a14:hiddenFill xmlns:a14="http://schemas.microsoft.com/office/drawing/2010/main">
+                <a:solidFill>
+                  <a:srgbClr val="FFFFFF"/>
+                </a:solidFill>
+              </a14:hiddenFill>
+            </a:ext>
+          </a:extLst>
+        </p:spPr>
+      </p:pic>
+      <p:pic>
+        <p:nvPicPr>
+          <p:cNvPr id="6" name="Immagine 5"/>
+          <p:cNvPicPr>
+            <a:picLocks noChangeAspect="1"/>
+          </p:cNvPicPr>
+          <p:nvPr/>
+        </p:nvPicPr>
+        <p:blipFill>
+          <a:blip r:embed="rId4"/>
+          <a:stretch>
+            <a:fillRect/>
+          </a:stretch>
+        </p:blipFill>
+        <p:spPr>
+          <a:xfrm>
+            <a:off x="686421" y="4310140"/>
+            <a:ext cx="5778445" cy="2448879"/>
+          </a:xfrm>
+          <a:prstGeom prst="rect">
+            <a:avLst/>
+          </a:prstGeom>
+        </p:spPr>
+      </p:pic>
     </p:spTree>
     <p:extLst>
       <p:ext uri="{BB962C8B-B14F-4D97-AF65-F5344CB8AC3E}">
-        <p14:creationId xmlns:p14="http://schemas.microsoft.com/office/powerpoint/2010/main" val="363647099"/>
+        <p14:creationId xmlns:p14="http://schemas.microsoft.com/office/powerpoint/2010/main" val="379859213"/>
       </p:ext>
     </p:extLst>
   </p:cSld>
@@ -11545,28 +11615,27 @@
         </p:nvSpPr>
         <p:spPr>
           <a:xfrm>
-            <a:off x="1" y="753228"/>
-            <a:ext cx="10294182" cy="1080938"/>
-          </a:xfrm>
-        </p:spPr>
-        <p:txBody>
-          <a:bodyPr>
-            <a:normAutofit fontScale="90000"/>
-          </a:bodyPr>
+            <a:off x="57584" y="752475"/>
+            <a:ext cx="10237354" cy="1081088"/>
+          </a:xfrm>
+        </p:spPr>
+        <p:txBody>
+          <a:bodyPr/>
           <a:lstStyle/>
           <a:p>
             <a:r>
-              <a:rPr lang="it-IT" sz="6700" dirty="0"/>
-              <a:t>Prototipi realizzati:</a:t>
-            </a:r>
-            <a:r>
-              <a:rPr lang="it-IT" dirty="0"/>
-              <a:t/>
-            </a:r>
-            <a:br>
-              <a:rPr lang="it-IT" dirty="0"/>
-            </a:br>
-            <a:endParaRPr lang="it-IT" dirty="0"/>
+              <a:rPr lang="it-IT" sz="4800" dirty="0" smtClean="0"/>
+              <a:t>Modulo </a:t>
+            </a:r>
+            <a:r>
+              <a:rPr lang="it-IT" sz="4800" dirty="0" err="1" smtClean="0"/>
+              <a:t>WiFi</a:t>
+            </a:r>
+            <a:r>
+              <a:rPr lang="it-IT" sz="4800" dirty="0" smtClean="0"/>
+              <a:t> ESP8266</a:t>
+            </a:r>
+            <a:endParaRPr lang="it-IT" sz="4800" dirty="0"/>
           </a:p>
         </p:txBody>
       </p:sp>
@@ -11578,172 +11647,865 @@
         </p:nvSpPr>
         <p:spPr>
           <a:xfrm>
-            <a:off x="87317" y="1631396"/>
-            <a:ext cx="9150950" cy="4924425"/>
+            <a:off x="4724400" y="2734177"/>
+            <a:ext cx="2743200" cy="369332"/>
+          </a:xfrm>
+          <a:prstGeom prst="rect">
+            <a:avLst/>
+          </a:prstGeom>
+        </p:spPr>
+        <p:txBody>
+          <a:bodyPr rtlCol="0">
+            <a:spAutoFit/>
+          </a:bodyPr>
+          <a:lstStyle/>
+          <a:p>
+            <a:pPr algn="ctr"/>
+            <a:endParaRPr lang="it-IT" dirty="0">
+              <a:solidFill>
+                <a:srgbClr val="212121"/>
+              </a:solidFill>
+              <a:latin typeface="Consolas" charset="0"/>
+            </a:endParaRPr>
+          </a:p>
+        </p:txBody>
+      </p:sp>
+      <p:pic>
+        <p:nvPicPr>
+          <p:cNvPr id="4106" name="Picture 10" descr="021_rid"/>
+          <p:cNvPicPr>
+            <a:picLocks noChangeAspect="1" noChangeArrowheads="1"/>
+          </p:cNvPicPr>
+          <p:nvPr/>
+        </p:nvPicPr>
+        <p:blipFill>
+          <a:blip r:embed="rId3">
+            <a:extLst>
+              <a:ext uri="{28A0092B-C50C-407E-A947-70E740481C1C}">
+                <a14:useLocalDpi xmlns:a14="http://schemas.microsoft.com/office/drawing/2010/main" val="0"/>
+              </a:ext>
+            </a:extLst>
+          </a:blip>
+          <a:srcRect/>
+          <a:stretch>
+            <a:fillRect/>
+          </a:stretch>
+        </p:blipFill>
+        <p:spPr bwMode="auto">
+          <a:xfrm>
+            <a:off x="7612471" y="952021"/>
+            <a:ext cx="3761806" cy="1782156"/>
           </a:xfrm>
           <a:prstGeom prst="rect">
             <a:avLst/>
           </a:prstGeom>
           <a:noFill/>
-        </p:spPr>
-        <p:txBody>
-          <a:bodyPr wrap="square" rtlCol="0">
-            <a:spAutoFit/>
-          </a:bodyPr>
-          <a:lstStyle/>
-          <a:p>
-            <a:endParaRPr lang="it-IT" dirty="0"/>
-          </a:p>
-          <a:p>
-            <a:r>
-              <a:rPr lang="it-IT" sz="2800" dirty="0"/>
-              <a:t>Particolarità</a:t>
-            </a:r>
-            <a:r>
-              <a:rPr lang="it-IT" sz="2400" dirty="0"/>
-              <a:t>: </a:t>
-            </a:r>
-          </a:p>
-          <a:p>
-            <a:pPr marL="342900" indent="-342900">
+          <a:extLst>
+            <a:ext uri="{909E8E84-426E-40DD-AFC4-6F175D3DCCD1}">
+              <a14:hiddenFill xmlns:a14="http://schemas.microsoft.com/office/drawing/2010/main">
+                <a:solidFill>
+                  <a:srgbClr val="FFFFFF"/>
+                </a:solidFill>
+              </a14:hiddenFill>
+            </a:ext>
+          </a:extLst>
+        </p:spPr>
+      </p:pic>
+      <p:sp>
+        <p:nvSpPr>
+          <p:cNvPr id="13" name="Rectangle 2"/>
+          <p:cNvSpPr txBox="1">
+            <a:spLocks noChangeArrowheads="1"/>
+          </p:cNvSpPr>
+          <p:nvPr/>
+        </p:nvSpPr>
+        <p:spPr>
+          <a:xfrm>
+            <a:off x="289822" y="2052774"/>
+            <a:ext cx="4886439" cy="3583162"/>
+          </a:xfrm>
+          <a:prstGeom prst="rect">
+            <a:avLst/>
+          </a:prstGeom>
+          <a:ln/>
+        </p:spPr>
+        <p:txBody>
+          <a:bodyPr tIns="28080"/>
+          <a:lstStyle>
+            <a:lvl1pPr marL="228600" indent="-228600" algn="l" defTabSz="914400" rtl="0" eaLnBrk="1" latinLnBrk="0" hangingPunct="1">
+              <a:lnSpc>
+                <a:spcPct val="90000"/>
+              </a:lnSpc>
+              <a:spcBef>
+                <a:spcPts val="1000"/>
+              </a:spcBef>
               <a:buFont typeface="Arial" panose="020B0604020202020204" pitchFamily="34" charset="0"/>
               <a:buChar char="•"/>
-            </a:pPr>
-            <a:r>
-              <a:rPr lang="it-IT" sz="2400" dirty="0"/>
-              <a:t>utilizzano l'accelerometro digitale </a:t>
-            </a:r>
-            <a:r>
-              <a:rPr lang="it-IT" sz="2400" dirty="0" smtClean="0"/>
-              <a:t>MPU6050</a:t>
-            </a:r>
-          </a:p>
-          <a:p>
-            <a:pPr marL="342900" indent="-342900">
+              <a:defRPr sz="2400" kern="1200">
+                <a:solidFill>
+                  <a:schemeClr val="tx1"/>
+                </a:solidFill>
+                <a:latin typeface="+mn-lt"/>
+                <a:ea typeface="+mn-ea"/>
+                <a:cs typeface="+mn-cs"/>
+              </a:defRPr>
+            </a:lvl1pPr>
+            <a:lvl2pPr marL="685800" indent="-228600" algn="l" defTabSz="914400" rtl="0" eaLnBrk="1" latinLnBrk="0" hangingPunct="1">
+              <a:lnSpc>
+                <a:spcPct val="90000"/>
+              </a:lnSpc>
+              <a:spcBef>
+                <a:spcPts val="500"/>
+              </a:spcBef>
               <a:buFont typeface="Arial" panose="020B0604020202020204" pitchFamily="34" charset="0"/>
               <a:buChar char="•"/>
-            </a:pPr>
-            <a:r>
-              <a:rPr lang="it-IT" sz="2400" dirty="0" smtClean="0"/>
-              <a:t>si </a:t>
-            </a:r>
-            <a:r>
-              <a:rPr lang="it-IT" sz="2400" dirty="0"/>
-              <a:t>collegano ad internet tramite il modulo </a:t>
-            </a:r>
-            <a:r>
-              <a:rPr lang="it-IT" sz="2400" dirty="0" err="1"/>
-              <a:t>wifi</a:t>
-            </a:r>
-            <a:r>
-              <a:rPr lang="it-IT" sz="2400" dirty="0"/>
-              <a:t> </a:t>
-            </a:r>
-            <a:r>
-              <a:rPr lang="it-IT" sz="2400" dirty="0" smtClean="0"/>
-              <a:t>ESP8266</a:t>
-            </a:r>
-          </a:p>
-          <a:p>
-            <a:pPr marL="342900" indent="-342900">
+              <a:defRPr sz="2000" kern="1200">
+                <a:solidFill>
+                  <a:schemeClr val="tx1"/>
+                </a:solidFill>
+                <a:latin typeface="+mn-lt"/>
+                <a:ea typeface="+mn-ea"/>
+                <a:cs typeface="+mn-cs"/>
+              </a:defRPr>
+            </a:lvl2pPr>
+            <a:lvl3pPr marL="1143000" indent="-228600" algn="l" defTabSz="914400" rtl="0" eaLnBrk="1" latinLnBrk="0" hangingPunct="1">
+              <a:lnSpc>
+                <a:spcPct val="90000"/>
+              </a:lnSpc>
+              <a:spcBef>
+                <a:spcPts val="500"/>
+              </a:spcBef>
               <a:buFont typeface="Arial" panose="020B0604020202020204" pitchFamily="34" charset="0"/>
               <a:buChar char="•"/>
-            </a:pPr>
-            <a:r>
-              <a:rPr lang="it-IT" sz="2400" dirty="0" smtClean="0"/>
-              <a:t>implementano </a:t>
-            </a:r>
-            <a:r>
-              <a:rPr lang="it-IT" sz="2400" dirty="0"/>
-              <a:t>l'algoritmo rilevatore di soglia del prototipo </a:t>
-            </a:r>
-            <a:r>
-              <a:rPr lang="it-IT" sz="2400" dirty="0" err="1"/>
-              <a:t>seismocloud</a:t>
-            </a:r>
-            <a:r>
-              <a:rPr lang="it-IT" sz="2400" dirty="0"/>
-              <a:t> basato su </a:t>
-            </a:r>
-            <a:r>
-              <a:rPr lang="it-IT" sz="2400" dirty="0" err="1"/>
-              <a:t>raspberry</a:t>
-            </a:r>
-            <a:r>
-              <a:rPr lang="it-IT" sz="2400" dirty="0"/>
-              <a:t>/Galileo.</a:t>
-            </a:r>
-          </a:p>
-          <a:p>
-            <a:pPr marL="342900" indent="-342900">
+              <a:defRPr sz="1800" kern="1200">
+                <a:solidFill>
+                  <a:schemeClr val="tx1"/>
+                </a:solidFill>
+                <a:latin typeface="+mn-lt"/>
+                <a:ea typeface="+mn-ea"/>
+                <a:cs typeface="+mn-cs"/>
+              </a:defRPr>
+            </a:lvl3pPr>
+            <a:lvl4pPr marL="1600200" indent="-228600" algn="l" defTabSz="914400" rtl="0" eaLnBrk="1" latinLnBrk="0" hangingPunct="1">
+              <a:lnSpc>
+                <a:spcPct val="90000"/>
+              </a:lnSpc>
+              <a:spcBef>
+                <a:spcPts val="500"/>
+              </a:spcBef>
               <a:buFont typeface="Arial" panose="020B0604020202020204" pitchFamily="34" charset="0"/>
               <a:buChar char="•"/>
-            </a:pPr>
-            <a:endParaRPr lang="it-IT" sz="2400" dirty="0"/>
-          </a:p>
-          <a:p>
-            <a:pPr marL="342900" indent="-342900">
+              <a:defRPr sz="1600" kern="1200">
+                <a:solidFill>
+                  <a:schemeClr val="tx1"/>
+                </a:solidFill>
+                <a:latin typeface="+mn-lt"/>
+                <a:ea typeface="+mn-ea"/>
+                <a:cs typeface="+mn-cs"/>
+              </a:defRPr>
+            </a:lvl4pPr>
+            <a:lvl5pPr marL="2057400" indent="-228600" algn="l" defTabSz="914400" rtl="0" eaLnBrk="1" latinLnBrk="0" hangingPunct="1">
+              <a:lnSpc>
+                <a:spcPct val="90000"/>
+              </a:lnSpc>
+              <a:spcBef>
+                <a:spcPts val="500"/>
+              </a:spcBef>
               <a:buFont typeface="Arial" panose="020B0604020202020204" pitchFamily="34" charset="0"/>
               <a:buChar char="•"/>
-            </a:pPr>
-            <a:r>
-              <a:rPr lang="it-IT" sz="2400" dirty="0"/>
-              <a:t>Le librerie </a:t>
-            </a:r>
-            <a:r>
-              <a:rPr lang="it-IT" sz="2400" dirty="0" smtClean="0"/>
-              <a:t>necessarie </a:t>
-            </a:r>
-            <a:r>
-              <a:rPr lang="it-IT" sz="2400" dirty="0" smtClean="0"/>
-              <a:t>(integrate </a:t>
-            </a:r>
-            <a:r>
-              <a:rPr lang="it-IT" sz="2400" dirty="0"/>
-              <a:t>e rimaneggiate rispetto alle originali) </a:t>
-            </a:r>
-            <a:r>
-              <a:rPr lang="it-IT" sz="2400" dirty="0" smtClean="0"/>
-              <a:t>sono </a:t>
-            </a:r>
-            <a:r>
-              <a:rPr lang="it-IT" sz="2400" dirty="0"/>
-              <a:t>già incluse nelle cartelle dei prototipi.</a:t>
-            </a:r>
-          </a:p>
-          <a:p>
-            <a:pPr marL="342900" indent="-342900">
+              <a:defRPr sz="1600" kern="1200">
+                <a:solidFill>
+                  <a:schemeClr val="tx1"/>
+                </a:solidFill>
+                <a:latin typeface="+mn-lt"/>
+                <a:ea typeface="+mn-ea"/>
+                <a:cs typeface="+mn-cs"/>
+              </a:defRPr>
+            </a:lvl5pPr>
+            <a:lvl6pPr marL="2514600" indent="-228600" algn="l" defTabSz="914400" rtl="0" eaLnBrk="1" latinLnBrk="0" hangingPunct="1">
+              <a:lnSpc>
+                <a:spcPct val="90000"/>
+              </a:lnSpc>
+              <a:spcBef>
+                <a:spcPts val="500"/>
+              </a:spcBef>
               <a:buFont typeface="Arial" panose="020B0604020202020204" pitchFamily="34" charset="0"/>
               <a:buChar char="•"/>
-            </a:pPr>
-            <a:endParaRPr lang="it-IT" sz="2400" dirty="0"/>
-          </a:p>
-          <a:p>
-            <a:r>
-              <a:rPr lang="it-IT" sz="2800" dirty="0"/>
-              <a:t>Mancanze</a:t>
-            </a:r>
-            <a:r>
-              <a:rPr lang="it-IT" sz="2400" dirty="0"/>
-              <a:t>: </a:t>
-            </a:r>
-          </a:p>
-          <a:p>
-            <a:pPr marL="342900" indent="-342900">
+              <a:defRPr sz="1400" kern="1200">
+                <a:solidFill>
+                  <a:schemeClr val="tx1"/>
+                </a:solidFill>
+                <a:latin typeface="+mn-lt"/>
+                <a:ea typeface="+mn-ea"/>
+                <a:cs typeface="+mn-cs"/>
+              </a:defRPr>
+            </a:lvl6pPr>
+            <a:lvl7pPr marL="2971800" indent="-228600" algn="l" defTabSz="914400" rtl="0" eaLnBrk="1" latinLnBrk="0" hangingPunct="1">
+              <a:lnSpc>
+                <a:spcPct val="90000"/>
+              </a:lnSpc>
+              <a:spcBef>
+                <a:spcPts val="500"/>
+              </a:spcBef>
               <a:buFont typeface="Arial" panose="020B0604020202020204" pitchFamily="34" charset="0"/>
               <a:buChar char="•"/>
+              <a:defRPr sz="1400" kern="1200">
+                <a:solidFill>
+                  <a:schemeClr val="tx1"/>
+                </a:solidFill>
+                <a:latin typeface="+mn-lt"/>
+                <a:ea typeface="+mn-ea"/>
+                <a:cs typeface="+mn-cs"/>
+              </a:defRPr>
+            </a:lvl7pPr>
+            <a:lvl8pPr marL="3429000" indent="-228600" algn="l" defTabSz="914400" rtl="0" eaLnBrk="1" latinLnBrk="0" hangingPunct="1">
+              <a:lnSpc>
+                <a:spcPct val="90000"/>
+              </a:lnSpc>
+              <a:spcBef>
+                <a:spcPts val="500"/>
+              </a:spcBef>
+              <a:buFont typeface="Arial" panose="020B0604020202020204" pitchFamily="34" charset="0"/>
+              <a:buChar char="•"/>
+              <a:defRPr sz="1400" kern="1200">
+                <a:solidFill>
+                  <a:schemeClr val="tx1"/>
+                </a:solidFill>
+                <a:latin typeface="+mn-lt"/>
+                <a:ea typeface="+mn-ea"/>
+                <a:cs typeface="+mn-cs"/>
+              </a:defRPr>
+            </a:lvl8pPr>
+            <a:lvl9pPr marL="3886200" indent="-228600" algn="l" defTabSz="914400" rtl="0" eaLnBrk="1" latinLnBrk="0" hangingPunct="1">
+              <a:lnSpc>
+                <a:spcPct val="90000"/>
+              </a:lnSpc>
+              <a:spcBef>
+                <a:spcPts val="500"/>
+              </a:spcBef>
+              <a:buFont typeface="Arial" panose="020B0604020202020204" pitchFamily="34" charset="0"/>
+              <a:buChar char="•"/>
+              <a:defRPr sz="1400" kern="1200">
+                <a:solidFill>
+                  <a:schemeClr val="tx1"/>
+                </a:solidFill>
+                <a:latin typeface="+mn-lt"/>
+                <a:ea typeface="+mn-ea"/>
+                <a:cs typeface="+mn-cs"/>
+              </a:defRPr>
+            </a:lvl9pPr>
+          </a:lstStyle>
+          <a:p>
+            <a:pPr marL="425450" indent="-320675">
+              <a:lnSpc>
+                <a:spcPct val="93000"/>
+              </a:lnSpc>
+              <a:buClr>
+                <a:srgbClr val="E6E6E6"/>
+              </a:buClr>
+              <a:buSzPct val="45000"/>
+              <a:buFont typeface="Wingdings" panose="05000000000000000000" pitchFamily="2" charset="2"/>
+              <a:buChar char=""/>
+              <a:tabLst>
+                <a:tab pos="425450" algn="l"/>
+                <a:tab pos="530225" algn="l"/>
+                <a:tab pos="979488" algn="l"/>
+                <a:tab pos="1428750" algn="l"/>
+                <a:tab pos="1878013" algn="l"/>
+                <a:tab pos="2327275" algn="l"/>
+                <a:tab pos="2776538" algn="l"/>
+                <a:tab pos="3225800" algn="l"/>
+                <a:tab pos="3675063" algn="l"/>
+                <a:tab pos="4124325" algn="l"/>
+                <a:tab pos="4573588" algn="l"/>
+                <a:tab pos="5022850" algn="l"/>
+                <a:tab pos="5472113" algn="l"/>
+                <a:tab pos="5921375" algn="l"/>
+                <a:tab pos="6370638" algn="l"/>
+                <a:tab pos="6819900" algn="l"/>
+                <a:tab pos="7269163" algn="l"/>
+                <a:tab pos="7718425" algn="l"/>
+                <a:tab pos="8167688" algn="l"/>
+                <a:tab pos="8616950" algn="l"/>
+                <a:tab pos="9066213" algn="l"/>
+              </a:tabLst>
             </a:pPr>
             <a:r>
-              <a:rPr lang="it-IT" sz="2400" dirty="0"/>
-              <a:t>attualmente non comunica al server la magnitudo dei terremoti ma si limita a mostrarla in locale. </a:t>
-            </a:r>
-          </a:p>
-        </p:txBody>
-      </p:sp>
+              <a:rPr lang="en-GB" altLang="it-IT" sz="2000" dirty="0" smtClean="0">
+                <a:latin typeface="Arial" panose="020B0604020202020204" pitchFamily="34" charset="0"/>
+              </a:rPr>
+              <a:t>É un </a:t>
+            </a:r>
+            <a:r>
+              <a:rPr lang="en-GB" altLang="it-IT" sz="2000" dirty="0" err="1" smtClean="0">
+                <a:latin typeface="Arial" panose="020B0604020202020204" pitchFamily="34" charset="0"/>
+              </a:rPr>
+              <a:t>vero</a:t>
+            </a:r>
+            <a:r>
+              <a:rPr lang="en-GB" altLang="it-IT" sz="2000" dirty="0" smtClean="0">
+                <a:latin typeface="Arial" panose="020B0604020202020204" pitchFamily="34" charset="0"/>
+              </a:rPr>
+              <a:t> e </a:t>
+            </a:r>
+            <a:r>
+              <a:rPr lang="en-GB" altLang="it-IT" sz="2000" dirty="0" err="1" smtClean="0">
+                <a:latin typeface="Arial" panose="020B0604020202020204" pitchFamily="34" charset="0"/>
+              </a:rPr>
+              <a:t>proprio</a:t>
+            </a:r>
+            <a:r>
+              <a:rPr lang="en-GB" altLang="it-IT" sz="2000" dirty="0" smtClean="0">
+                <a:latin typeface="Arial" panose="020B0604020202020204" pitchFamily="34" charset="0"/>
+              </a:rPr>
+              <a:t> </a:t>
+            </a:r>
+            <a:r>
+              <a:rPr lang="en-GB" altLang="it-IT" sz="2000" dirty="0" err="1" smtClean="0">
+                <a:latin typeface="Arial" panose="020B0604020202020204" pitchFamily="34" charset="0"/>
+              </a:rPr>
+              <a:t>microcontrollore</a:t>
+            </a:r>
+            <a:r>
+              <a:rPr lang="en-GB" altLang="it-IT" sz="2000" dirty="0" smtClean="0">
+                <a:latin typeface="Arial" panose="020B0604020202020204" pitchFamily="34" charset="0"/>
+              </a:rPr>
+              <a:t> con </a:t>
+            </a:r>
+            <a:r>
+              <a:rPr lang="en-GB" altLang="it-IT" sz="2000" dirty="0" err="1" smtClean="0">
+                <a:latin typeface="Arial" panose="020B0604020202020204" pitchFamily="34" charset="0"/>
+              </a:rPr>
+              <a:t>funzioni</a:t>
+            </a:r>
+            <a:r>
+              <a:rPr lang="en-GB" altLang="it-IT" sz="2000" dirty="0" smtClean="0">
+                <a:latin typeface="Arial" panose="020B0604020202020204" pitchFamily="34" charset="0"/>
+              </a:rPr>
+              <a:t> di modem </a:t>
+            </a:r>
+            <a:r>
+              <a:rPr lang="en-GB" altLang="it-IT" sz="2000" dirty="0" err="1" smtClean="0">
+                <a:latin typeface="Arial" panose="020B0604020202020204" pitchFamily="34" charset="0"/>
+              </a:rPr>
+              <a:t>seriale</a:t>
+            </a:r>
+            <a:r>
+              <a:rPr lang="en-GB" altLang="it-IT" sz="2000" dirty="0" smtClean="0">
+                <a:latin typeface="Arial" panose="020B0604020202020204" pitchFamily="34" charset="0"/>
+              </a:rPr>
+              <a:t>:</a:t>
+            </a:r>
+          </a:p>
+          <a:p>
+            <a:pPr marL="425450" indent="-320675">
+              <a:lnSpc>
+                <a:spcPct val="93000"/>
+              </a:lnSpc>
+              <a:buClr>
+                <a:srgbClr val="E6E6E6"/>
+              </a:buClr>
+              <a:buSzPct val="45000"/>
+              <a:buFont typeface="Wingdings" panose="05000000000000000000" pitchFamily="2" charset="2"/>
+              <a:buChar char=""/>
+              <a:tabLst>
+                <a:tab pos="425450" algn="l"/>
+                <a:tab pos="530225" algn="l"/>
+                <a:tab pos="979488" algn="l"/>
+                <a:tab pos="1428750" algn="l"/>
+                <a:tab pos="1878013" algn="l"/>
+                <a:tab pos="2327275" algn="l"/>
+                <a:tab pos="2776538" algn="l"/>
+                <a:tab pos="3225800" algn="l"/>
+                <a:tab pos="3675063" algn="l"/>
+                <a:tab pos="4124325" algn="l"/>
+                <a:tab pos="4573588" algn="l"/>
+                <a:tab pos="5022850" algn="l"/>
+                <a:tab pos="5472113" algn="l"/>
+                <a:tab pos="5921375" algn="l"/>
+                <a:tab pos="6370638" algn="l"/>
+                <a:tab pos="6819900" algn="l"/>
+                <a:tab pos="7269163" algn="l"/>
+                <a:tab pos="7718425" algn="l"/>
+                <a:tab pos="8167688" algn="l"/>
+                <a:tab pos="8616950" algn="l"/>
+                <a:tab pos="9066213" algn="l"/>
+              </a:tabLst>
+            </a:pPr>
+            <a:r>
+              <a:rPr lang="en-GB" altLang="it-IT" sz="2000" dirty="0" smtClean="0">
+                <a:latin typeface="Arial" panose="020B0604020202020204" pitchFamily="34" charset="0"/>
+              </a:rPr>
+              <a:t>CPU</a:t>
+            </a:r>
+          </a:p>
+          <a:p>
+            <a:pPr marL="857250" lvl="1" indent="-573088">
+              <a:lnSpc>
+                <a:spcPct val="93000"/>
+              </a:lnSpc>
+              <a:buClr>
+                <a:srgbClr val="E6E6E6"/>
+              </a:buClr>
+              <a:buSzPct val="75000"/>
+              <a:buFont typeface="Symbol" panose="05050102010706020507" pitchFamily="18" charset="2"/>
+              <a:buChar char=""/>
+              <a:tabLst>
+                <a:tab pos="425450" algn="l"/>
+                <a:tab pos="530225" algn="l"/>
+                <a:tab pos="979488" algn="l"/>
+                <a:tab pos="1428750" algn="l"/>
+                <a:tab pos="1878013" algn="l"/>
+                <a:tab pos="2327275" algn="l"/>
+                <a:tab pos="2776538" algn="l"/>
+                <a:tab pos="3225800" algn="l"/>
+                <a:tab pos="3675063" algn="l"/>
+                <a:tab pos="4124325" algn="l"/>
+                <a:tab pos="4573588" algn="l"/>
+                <a:tab pos="5022850" algn="l"/>
+                <a:tab pos="5472113" algn="l"/>
+                <a:tab pos="5921375" algn="l"/>
+                <a:tab pos="6370638" algn="l"/>
+                <a:tab pos="6819900" algn="l"/>
+                <a:tab pos="7269163" algn="l"/>
+                <a:tab pos="7718425" algn="l"/>
+                <a:tab pos="8167688" algn="l"/>
+                <a:tab pos="8616950" algn="l"/>
+                <a:tab pos="9066213" algn="l"/>
+              </a:tabLst>
+            </a:pPr>
+            <a:r>
+              <a:rPr lang="en-GB" altLang="it-IT" dirty="0" smtClean="0">
+                <a:latin typeface="Arial" panose="020B0604020202020204" pitchFamily="34" charset="0"/>
+              </a:rPr>
+              <a:t>32 bit</a:t>
+            </a:r>
+          </a:p>
+          <a:p>
+            <a:pPr marL="857250" lvl="1" indent="-573088">
+              <a:lnSpc>
+                <a:spcPct val="93000"/>
+              </a:lnSpc>
+              <a:buClr>
+                <a:srgbClr val="E6E6E6"/>
+              </a:buClr>
+              <a:buSzPct val="75000"/>
+              <a:buFont typeface="Symbol" panose="05050102010706020507" pitchFamily="18" charset="2"/>
+              <a:buChar char=""/>
+              <a:tabLst>
+                <a:tab pos="425450" algn="l"/>
+                <a:tab pos="530225" algn="l"/>
+                <a:tab pos="979488" algn="l"/>
+                <a:tab pos="1428750" algn="l"/>
+                <a:tab pos="1878013" algn="l"/>
+                <a:tab pos="2327275" algn="l"/>
+                <a:tab pos="2776538" algn="l"/>
+                <a:tab pos="3225800" algn="l"/>
+                <a:tab pos="3675063" algn="l"/>
+                <a:tab pos="4124325" algn="l"/>
+                <a:tab pos="4573588" algn="l"/>
+                <a:tab pos="5022850" algn="l"/>
+                <a:tab pos="5472113" algn="l"/>
+                <a:tab pos="5921375" algn="l"/>
+                <a:tab pos="6370638" algn="l"/>
+                <a:tab pos="6819900" algn="l"/>
+                <a:tab pos="7269163" algn="l"/>
+                <a:tab pos="7718425" algn="l"/>
+                <a:tab pos="8167688" algn="l"/>
+                <a:tab pos="8616950" algn="l"/>
+                <a:tab pos="9066213" algn="l"/>
+              </a:tabLst>
+            </a:pPr>
+            <a:r>
+              <a:rPr lang="en-GB" altLang="it-IT" dirty="0" smtClean="0">
+                <a:latin typeface="Arial" panose="020B0604020202020204" pitchFamily="34" charset="0"/>
+              </a:rPr>
+              <a:t>26MHz-52MHz</a:t>
+            </a:r>
+          </a:p>
+          <a:p>
+            <a:pPr marL="857250" lvl="1" indent="-573088">
+              <a:lnSpc>
+                <a:spcPct val="93000"/>
+              </a:lnSpc>
+              <a:buClr>
+                <a:srgbClr val="E6E6E6"/>
+              </a:buClr>
+              <a:buSzPct val="75000"/>
+              <a:buFont typeface="Symbol" panose="05050102010706020507" pitchFamily="18" charset="2"/>
+              <a:buChar char=""/>
+              <a:tabLst>
+                <a:tab pos="425450" algn="l"/>
+                <a:tab pos="530225" algn="l"/>
+                <a:tab pos="979488" algn="l"/>
+                <a:tab pos="1428750" algn="l"/>
+                <a:tab pos="1878013" algn="l"/>
+                <a:tab pos="2327275" algn="l"/>
+                <a:tab pos="2776538" algn="l"/>
+                <a:tab pos="3225800" algn="l"/>
+                <a:tab pos="3675063" algn="l"/>
+                <a:tab pos="4124325" algn="l"/>
+                <a:tab pos="4573588" algn="l"/>
+                <a:tab pos="5022850" algn="l"/>
+                <a:tab pos="5472113" algn="l"/>
+                <a:tab pos="5921375" algn="l"/>
+                <a:tab pos="6370638" algn="l"/>
+                <a:tab pos="6819900" algn="l"/>
+                <a:tab pos="7269163" algn="l"/>
+                <a:tab pos="7718425" algn="l"/>
+                <a:tab pos="8167688" algn="l"/>
+                <a:tab pos="8616950" algn="l"/>
+                <a:tab pos="9066213" algn="l"/>
+              </a:tabLst>
+            </a:pPr>
+            <a:r>
+              <a:rPr lang="en-GB" altLang="it-IT" dirty="0" smtClean="0">
+                <a:latin typeface="Arial" panose="020B0604020202020204" pitchFamily="34" charset="0"/>
+              </a:rPr>
+              <a:t>64KB instruction RAM, 64KB boot ROM</a:t>
+            </a:r>
+          </a:p>
+          <a:p>
+            <a:pPr marL="857250" lvl="1" indent="-573088">
+              <a:lnSpc>
+                <a:spcPct val="93000"/>
+              </a:lnSpc>
+              <a:buClr>
+                <a:srgbClr val="E6E6E6"/>
+              </a:buClr>
+              <a:buSzPct val="75000"/>
+              <a:buFont typeface="Symbol" panose="05050102010706020507" pitchFamily="18" charset="2"/>
+              <a:buChar char=""/>
+              <a:tabLst>
+                <a:tab pos="425450" algn="l"/>
+                <a:tab pos="530225" algn="l"/>
+                <a:tab pos="979488" algn="l"/>
+                <a:tab pos="1428750" algn="l"/>
+                <a:tab pos="1878013" algn="l"/>
+                <a:tab pos="2327275" algn="l"/>
+                <a:tab pos="2776538" algn="l"/>
+                <a:tab pos="3225800" algn="l"/>
+                <a:tab pos="3675063" algn="l"/>
+                <a:tab pos="4124325" algn="l"/>
+                <a:tab pos="4573588" algn="l"/>
+                <a:tab pos="5022850" algn="l"/>
+                <a:tab pos="5472113" algn="l"/>
+                <a:tab pos="5921375" algn="l"/>
+                <a:tab pos="6370638" algn="l"/>
+                <a:tab pos="6819900" algn="l"/>
+                <a:tab pos="7269163" algn="l"/>
+                <a:tab pos="7718425" algn="l"/>
+                <a:tab pos="8167688" algn="l"/>
+                <a:tab pos="8616950" algn="l"/>
+                <a:tab pos="9066213" algn="l"/>
+              </a:tabLst>
+            </a:pPr>
+            <a:r>
+              <a:rPr lang="en-GB" altLang="it-IT" dirty="0" smtClean="0">
+                <a:latin typeface="Arial" panose="020B0604020202020204" pitchFamily="34" charset="0"/>
+              </a:rPr>
+              <a:t>96KB data RAM</a:t>
+            </a:r>
+          </a:p>
+          <a:p>
+            <a:pPr marL="425450" indent="-320675">
+              <a:lnSpc>
+                <a:spcPct val="93000"/>
+              </a:lnSpc>
+              <a:buClr>
+                <a:srgbClr val="E6E6E6"/>
+              </a:buClr>
+              <a:buSzPct val="45000"/>
+              <a:buFont typeface="Wingdings" panose="05000000000000000000" pitchFamily="2" charset="2"/>
+              <a:buChar char=""/>
+              <a:tabLst>
+                <a:tab pos="425450" algn="l"/>
+                <a:tab pos="530225" algn="l"/>
+                <a:tab pos="979488" algn="l"/>
+                <a:tab pos="1428750" algn="l"/>
+                <a:tab pos="1878013" algn="l"/>
+                <a:tab pos="2327275" algn="l"/>
+                <a:tab pos="2776538" algn="l"/>
+                <a:tab pos="3225800" algn="l"/>
+                <a:tab pos="3675063" algn="l"/>
+                <a:tab pos="4124325" algn="l"/>
+                <a:tab pos="4573588" algn="l"/>
+                <a:tab pos="5022850" algn="l"/>
+                <a:tab pos="5472113" algn="l"/>
+                <a:tab pos="5921375" algn="l"/>
+                <a:tab pos="6370638" algn="l"/>
+                <a:tab pos="6819900" algn="l"/>
+                <a:tab pos="7269163" algn="l"/>
+                <a:tab pos="7718425" algn="l"/>
+                <a:tab pos="8167688" algn="l"/>
+                <a:tab pos="8616950" algn="l"/>
+                <a:tab pos="9066213" algn="l"/>
+              </a:tabLst>
+            </a:pPr>
+            <a:r>
+              <a:rPr lang="en-GB" altLang="it-IT" sz="2000" dirty="0" err="1" smtClean="0">
+                <a:latin typeface="Arial" panose="020B0604020202020204" pitchFamily="34" charset="0"/>
+              </a:rPr>
+              <a:t>WiFi</a:t>
+            </a:r>
+            <a:r>
+              <a:rPr lang="en-GB" altLang="it-IT" sz="2000" dirty="0" smtClean="0">
+                <a:latin typeface="Arial" panose="020B0604020202020204" pitchFamily="34" charset="0"/>
+              </a:rPr>
+              <a:t> </a:t>
+            </a:r>
+          </a:p>
+          <a:p>
+            <a:pPr marL="857250" lvl="1" indent="-573088">
+              <a:lnSpc>
+                <a:spcPct val="93000"/>
+              </a:lnSpc>
+              <a:buClr>
+                <a:srgbClr val="E6E6E6"/>
+              </a:buClr>
+              <a:buSzPct val="75000"/>
+              <a:buFont typeface="Symbol" panose="05050102010706020507" pitchFamily="18" charset="2"/>
+              <a:buChar char=""/>
+              <a:tabLst>
+                <a:tab pos="425450" algn="l"/>
+                <a:tab pos="530225" algn="l"/>
+                <a:tab pos="979488" algn="l"/>
+                <a:tab pos="1428750" algn="l"/>
+                <a:tab pos="1878013" algn="l"/>
+                <a:tab pos="2327275" algn="l"/>
+                <a:tab pos="2776538" algn="l"/>
+                <a:tab pos="3225800" algn="l"/>
+                <a:tab pos="3675063" algn="l"/>
+                <a:tab pos="4124325" algn="l"/>
+                <a:tab pos="4573588" algn="l"/>
+                <a:tab pos="5022850" algn="l"/>
+                <a:tab pos="5472113" algn="l"/>
+                <a:tab pos="5921375" algn="l"/>
+                <a:tab pos="6370638" algn="l"/>
+                <a:tab pos="6819900" algn="l"/>
+                <a:tab pos="7269163" algn="l"/>
+                <a:tab pos="7718425" algn="l"/>
+                <a:tab pos="8167688" algn="l"/>
+                <a:tab pos="8616950" algn="l"/>
+                <a:tab pos="9066213" algn="l"/>
+              </a:tabLst>
+            </a:pPr>
+            <a:r>
+              <a:rPr lang="en-GB" altLang="it-IT" dirty="0" smtClean="0">
+                <a:latin typeface="Arial" panose="020B0604020202020204" pitchFamily="34" charset="0"/>
+              </a:rPr>
+              <a:t>802.11b/g/n</a:t>
+            </a:r>
+          </a:p>
+          <a:p>
+            <a:pPr marL="857250" lvl="1" indent="-573088">
+              <a:lnSpc>
+                <a:spcPct val="93000"/>
+              </a:lnSpc>
+              <a:buClr>
+                <a:srgbClr val="E6E6E6"/>
+              </a:buClr>
+              <a:buSzPct val="75000"/>
+              <a:buFont typeface="Symbol" panose="05050102010706020507" pitchFamily="18" charset="2"/>
+              <a:buChar char=""/>
+              <a:tabLst>
+                <a:tab pos="425450" algn="l"/>
+                <a:tab pos="530225" algn="l"/>
+                <a:tab pos="979488" algn="l"/>
+                <a:tab pos="1428750" algn="l"/>
+                <a:tab pos="1878013" algn="l"/>
+                <a:tab pos="2327275" algn="l"/>
+                <a:tab pos="2776538" algn="l"/>
+                <a:tab pos="3225800" algn="l"/>
+                <a:tab pos="3675063" algn="l"/>
+                <a:tab pos="4124325" algn="l"/>
+                <a:tab pos="4573588" algn="l"/>
+                <a:tab pos="5022850" algn="l"/>
+                <a:tab pos="5472113" algn="l"/>
+                <a:tab pos="5921375" algn="l"/>
+                <a:tab pos="6370638" algn="l"/>
+                <a:tab pos="6819900" algn="l"/>
+                <a:tab pos="7269163" algn="l"/>
+                <a:tab pos="7718425" algn="l"/>
+                <a:tab pos="8167688" algn="l"/>
+                <a:tab pos="8616950" algn="l"/>
+                <a:tab pos="9066213" algn="l"/>
+              </a:tabLst>
+            </a:pPr>
+            <a:r>
+              <a:rPr lang="en-GB" altLang="it-IT" dirty="0" smtClean="0">
+                <a:latin typeface="Arial" panose="020B0604020202020204" pitchFamily="34" charset="0"/>
+              </a:rPr>
+              <a:t>Access Point or Station</a:t>
+            </a:r>
+          </a:p>
+          <a:p>
+            <a:pPr marL="857250" lvl="1" indent="-573088">
+              <a:lnSpc>
+                <a:spcPct val="93000"/>
+              </a:lnSpc>
+              <a:buClr>
+                <a:srgbClr val="E6E6E6"/>
+              </a:buClr>
+              <a:buSzPct val="75000"/>
+              <a:buFont typeface="Symbol" panose="05050102010706020507" pitchFamily="18" charset="2"/>
+              <a:buChar char=""/>
+              <a:tabLst>
+                <a:tab pos="425450" algn="l"/>
+                <a:tab pos="530225" algn="l"/>
+                <a:tab pos="979488" algn="l"/>
+                <a:tab pos="1428750" algn="l"/>
+                <a:tab pos="1878013" algn="l"/>
+                <a:tab pos="2327275" algn="l"/>
+                <a:tab pos="2776538" algn="l"/>
+                <a:tab pos="3225800" algn="l"/>
+                <a:tab pos="3675063" algn="l"/>
+                <a:tab pos="4124325" algn="l"/>
+                <a:tab pos="4573588" algn="l"/>
+                <a:tab pos="5022850" algn="l"/>
+                <a:tab pos="5472113" algn="l"/>
+                <a:tab pos="5921375" algn="l"/>
+                <a:tab pos="6370638" algn="l"/>
+                <a:tab pos="6819900" algn="l"/>
+                <a:tab pos="7269163" algn="l"/>
+                <a:tab pos="7718425" algn="l"/>
+                <a:tab pos="8167688" algn="l"/>
+                <a:tab pos="8616950" algn="l"/>
+                <a:tab pos="9066213" algn="l"/>
+              </a:tabLst>
+            </a:pPr>
+            <a:r>
+              <a:rPr lang="en-GB" altLang="it-IT" dirty="0" smtClean="0">
+                <a:latin typeface="Arial" panose="020B0604020202020204" pitchFamily="34" charset="0"/>
+              </a:rPr>
+              <a:t>WEP</a:t>
+            </a:r>
+          </a:p>
+          <a:p>
+            <a:pPr marL="425450" indent="-320675">
+              <a:lnSpc>
+                <a:spcPct val="93000"/>
+              </a:lnSpc>
+              <a:buClr>
+                <a:srgbClr val="E6E6E6"/>
+              </a:buClr>
+              <a:buSzPct val="45000"/>
+              <a:buFont typeface="Wingdings" panose="05000000000000000000" pitchFamily="2" charset="2"/>
+              <a:buChar char=""/>
+              <a:tabLst>
+                <a:tab pos="425450" algn="l"/>
+                <a:tab pos="530225" algn="l"/>
+                <a:tab pos="979488" algn="l"/>
+                <a:tab pos="1428750" algn="l"/>
+                <a:tab pos="1878013" algn="l"/>
+                <a:tab pos="2327275" algn="l"/>
+                <a:tab pos="2776538" algn="l"/>
+                <a:tab pos="3225800" algn="l"/>
+                <a:tab pos="3675063" algn="l"/>
+                <a:tab pos="4124325" algn="l"/>
+                <a:tab pos="4573588" algn="l"/>
+                <a:tab pos="5022850" algn="l"/>
+                <a:tab pos="5472113" algn="l"/>
+                <a:tab pos="5921375" algn="l"/>
+                <a:tab pos="6370638" algn="l"/>
+                <a:tab pos="6819900" algn="l"/>
+                <a:tab pos="7269163" algn="l"/>
+                <a:tab pos="7718425" algn="l"/>
+                <a:tab pos="8167688" algn="l"/>
+                <a:tab pos="8616950" algn="l"/>
+                <a:tab pos="9066213" algn="l"/>
+              </a:tabLst>
+            </a:pPr>
+            <a:r>
+              <a:rPr lang="en-GB" altLang="it-IT" sz="2000" dirty="0" smtClean="0">
+                <a:latin typeface="Arial" panose="020B0604020202020204" pitchFamily="34" charset="0"/>
+              </a:rPr>
+              <a:t>GPIO, UART, ADC, I2C, SPI, PWM </a:t>
+            </a:r>
+          </a:p>
+          <a:p>
+            <a:pPr marL="431800" indent="-317500">
+              <a:lnSpc>
+                <a:spcPct val="93000"/>
+              </a:lnSpc>
+              <a:buSzPct val="45000"/>
+              <a:buFontTx/>
+              <a:buNone/>
+              <a:tabLst>
+                <a:tab pos="425450" algn="l"/>
+                <a:tab pos="530225" algn="l"/>
+                <a:tab pos="979488" algn="l"/>
+                <a:tab pos="1428750" algn="l"/>
+                <a:tab pos="1878013" algn="l"/>
+                <a:tab pos="2327275" algn="l"/>
+                <a:tab pos="2776538" algn="l"/>
+                <a:tab pos="3225800" algn="l"/>
+                <a:tab pos="3675063" algn="l"/>
+                <a:tab pos="4124325" algn="l"/>
+                <a:tab pos="4573588" algn="l"/>
+                <a:tab pos="5022850" algn="l"/>
+                <a:tab pos="5472113" algn="l"/>
+                <a:tab pos="5921375" algn="l"/>
+                <a:tab pos="6370638" algn="l"/>
+                <a:tab pos="6819900" algn="l"/>
+                <a:tab pos="7269163" algn="l"/>
+                <a:tab pos="7718425" algn="l"/>
+                <a:tab pos="8167688" algn="l"/>
+                <a:tab pos="8616950" algn="l"/>
+                <a:tab pos="9066213" algn="l"/>
+              </a:tabLst>
+            </a:pPr>
+            <a:endParaRPr lang="en-GB" altLang="it-IT" sz="1600" dirty="0">
+              <a:latin typeface="Arial" panose="020B0604020202020204" pitchFamily="34" charset="0"/>
+            </a:endParaRPr>
+          </a:p>
+        </p:txBody>
+      </p:sp>
+      <p:pic>
+        <p:nvPicPr>
+          <p:cNvPr id="4108" name="Picture 12" descr="http://www.prometec.net/wp-content/uploads/2014/12/Buena1.jpg"/>
+          <p:cNvPicPr>
+            <a:picLocks noChangeAspect="1" noChangeArrowheads="1"/>
+          </p:cNvPicPr>
+          <p:nvPr/>
+        </p:nvPicPr>
+        <p:blipFill>
+          <a:blip r:embed="rId4">
+            <a:extLst>
+              <a:ext uri="{28A0092B-C50C-407E-A947-70E740481C1C}">
+                <a14:useLocalDpi xmlns:a14="http://schemas.microsoft.com/office/drawing/2010/main" val="0"/>
+              </a:ext>
+            </a:extLst>
+          </a:blip>
+          <a:srcRect/>
+          <a:stretch>
+            <a:fillRect/>
+          </a:stretch>
+        </p:blipFill>
+        <p:spPr bwMode="auto">
+          <a:xfrm>
+            <a:off x="5440137" y="2933723"/>
+            <a:ext cx="6462041" cy="3577717"/>
+          </a:xfrm>
+          <a:prstGeom prst="rect">
+            <a:avLst/>
+          </a:prstGeom>
+          <a:noFill/>
+          <a:extLst>
+            <a:ext uri="{909E8E84-426E-40DD-AFC4-6F175D3DCCD1}">
+              <a14:hiddenFill xmlns:a14="http://schemas.microsoft.com/office/drawing/2010/main">
+                <a:solidFill>
+                  <a:srgbClr val="FFFFFF"/>
+                </a:solidFill>
+              </a14:hiddenFill>
+            </a:ext>
+          </a:extLst>
+        </p:spPr>
+      </p:pic>
     </p:spTree>
     <p:extLst>
       <p:ext uri="{BB962C8B-B14F-4D97-AF65-F5344CB8AC3E}">
-        <p14:creationId xmlns:p14="http://schemas.microsoft.com/office/powerpoint/2010/main" val="3958621741"/>
+        <p14:creationId xmlns:p14="http://schemas.microsoft.com/office/powerpoint/2010/main" val="3166278514"/>
       </p:ext>
     </p:extLst>
   </p:cSld>
@@ -11779,142 +12541,530 @@
       </p:grpSpPr>
       <p:sp>
         <p:nvSpPr>
-          <p:cNvPr id="2" name="CasellaDiTesto 1"/>
-          <p:cNvSpPr txBox="1"/>
-          <p:nvPr/>
-        </p:nvSpPr>
-        <p:spPr>
-          <a:xfrm>
-            <a:off x="139486" y="346577"/>
-            <a:ext cx="11027044" cy="6247864"/>
-          </a:xfrm>
-          <a:prstGeom prst="rect">
-            <a:avLst/>
-          </a:prstGeom>
-          <a:noFill/>
-        </p:spPr>
-        <p:txBody>
-          <a:bodyPr wrap="square" rtlCol="0" anchor="t">
-            <a:spAutoFit/>
+          <p:cNvPr id="7169" name="Rectangle 1"/>
+          <p:cNvSpPr>
+            <a:spLocks noGrp="1" noChangeArrowheads="1"/>
+          </p:cNvSpPr>
+          <p:nvPr>
+            <p:ph type="title"/>
+          </p:nvPr>
+        </p:nvSpPr>
+        <p:spPr>
+          <a:xfrm>
+            <a:off x="452113" y="744718"/>
+            <a:ext cx="7809939" cy="989815"/>
+          </a:xfrm>
+          <a:ln/>
+        </p:spPr>
+        <p:txBody>
+          <a:bodyPr vert="horz" lIns="91440" tIns="32005" rIns="91440" bIns="45720" rtlCol="0" anchor="ctr">
+            <a:normAutofit/>
           </a:bodyPr>
           <a:lstStyle/>
           <a:p>
-            <a:pPr marL="457200" indent="-457200">
-              <a:buFont typeface="Arial" panose="020B0604020202020204" pitchFamily="34" charset="0"/>
-              <a:buChar char="•"/>
+            <a:pPr algn="ctr">
+              <a:tabLst>
+                <a:tab pos="0" algn="l"/>
+                <a:tab pos="406131" algn="l"/>
+                <a:tab pos="813702" algn="l"/>
+                <a:tab pos="1221273" algn="l"/>
+                <a:tab pos="1628844" algn="l"/>
+                <a:tab pos="2036415" algn="l"/>
+                <a:tab pos="2443986" algn="l"/>
+                <a:tab pos="2851556" algn="l"/>
+                <a:tab pos="3259128" algn="l"/>
+                <a:tab pos="3666698" algn="l"/>
+                <a:tab pos="4074270" algn="l"/>
+                <a:tab pos="4481840" algn="l"/>
+                <a:tab pos="4889412" algn="l"/>
+                <a:tab pos="5296982" algn="l"/>
+                <a:tab pos="5704553" algn="l"/>
+                <a:tab pos="6112124" algn="l"/>
+                <a:tab pos="6519695" algn="l"/>
+                <a:tab pos="6927266" algn="l"/>
+                <a:tab pos="7334837" algn="l"/>
+                <a:tab pos="7742408" algn="l"/>
+                <a:tab pos="8149979" algn="l"/>
+              </a:tabLst>
             </a:pPr>
             <a:r>
-              <a:rPr lang="it-IT" sz="4000" b="1" dirty="0" err="1"/>
-              <a:t>seismocloudArduinoUno</a:t>
-            </a:r>
-            <a:r>
-              <a:rPr lang="it-IT" sz="2800" dirty="0"/>
+              <a:rPr lang="en-GB" altLang="it-IT" sz="4400" i="0" dirty="0"/>
+              <a:t>ESP8266 </a:t>
+            </a:r>
+            <a:r>
+              <a:rPr lang="en-GB" altLang="it-IT" sz="4400" i="0" dirty="0" smtClean="0"/>
+              <a:t>modem AT </a:t>
+            </a:r>
+            <a:r>
+              <a:rPr lang="en-GB" altLang="it-IT" sz="4400" i="0" dirty="0"/>
+              <a:t>commands</a:t>
+            </a:r>
+          </a:p>
+        </p:txBody>
+      </p:sp>
+      <p:sp>
+        <p:nvSpPr>
+          <p:cNvPr id="7170" name="Rectangle 2"/>
+          <p:cNvSpPr>
+            <a:spLocks noGrp="1" noChangeArrowheads="1"/>
+          </p:cNvSpPr>
+          <p:nvPr>
+            <p:ph type="body" idx="1"/>
+          </p:nvPr>
+        </p:nvSpPr>
+        <p:spPr>
+          <a:xfrm>
+            <a:off x="556181" y="2158738"/>
+            <a:ext cx="9598167" cy="3927487"/>
+          </a:xfrm>
+          <a:ln/>
+        </p:spPr>
+        <p:txBody>
+          <a:bodyPr vert="horz" lIns="91440" tIns="25474" rIns="91440" bIns="45720" rtlCol="0">
+            <a:noAutofit/>
+          </a:bodyPr>
+          <a:lstStyle/>
+          <a:p>
+            <a:pPr marL="95052" indent="0">
+              <a:lnSpc>
+                <a:spcPct val="93000"/>
+              </a:lnSpc>
+              <a:buClr>
+                <a:srgbClr val="E6E6E6"/>
+              </a:buClr>
+              <a:buSzPct val="45000"/>
+              <a:buNone/>
+              <a:tabLst>
+                <a:tab pos="385968" algn="l"/>
+                <a:tab pos="481020" algn="l"/>
+                <a:tab pos="888592" algn="l"/>
+                <a:tab pos="1296162" algn="l"/>
+                <a:tab pos="1703733" algn="l"/>
+                <a:tab pos="2111304" algn="l"/>
+                <a:tab pos="2518875" algn="l"/>
+                <a:tab pos="2926446" algn="l"/>
+                <a:tab pos="3334017" algn="l"/>
+                <a:tab pos="3741588" algn="l"/>
+                <a:tab pos="4149159" algn="l"/>
+                <a:tab pos="4556730" algn="l"/>
+                <a:tab pos="4964301" algn="l"/>
+                <a:tab pos="5371871" algn="l"/>
+                <a:tab pos="5779443" algn="l"/>
+                <a:tab pos="6187013" algn="l"/>
+                <a:tab pos="6594585" algn="l"/>
+                <a:tab pos="7002155" algn="l"/>
+                <a:tab pos="7409727" algn="l"/>
+                <a:tab pos="7817297" algn="l"/>
+                <a:tab pos="8224868" algn="l"/>
+              </a:tabLst>
+            </a:pPr>
+            <a:r>
+              <a:rPr lang="en-GB" altLang="it-IT" sz="2800" dirty="0" smtClean="0">
+                <a:latin typeface="Arial" panose="020B0604020202020204" pitchFamily="34" charset="0"/>
+              </a:rPr>
+              <a:t>É un modem </a:t>
+            </a:r>
+            <a:r>
+              <a:rPr lang="en-GB" altLang="it-IT" sz="2800" dirty="0" err="1" smtClean="0">
+                <a:latin typeface="Arial" panose="020B0604020202020204" pitchFamily="34" charset="0"/>
+              </a:rPr>
+              <a:t>che</a:t>
+            </a:r>
+            <a:r>
+              <a:rPr lang="en-GB" altLang="it-IT" sz="2800" dirty="0" smtClean="0">
+                <a:latin typeface="Arial" panose="020B0604020202020204" pitchFamily="34" charset="0"/>
+              </a:rPr>
               <a:t> </a:t>
             </a:r>
-            <a:endParaRPr lang="it-IT" sz="2800" dirty="0" smtClean="0"/>
-          </a:p>
-          <a:p>
-            <a:pPr marL="457200" indent="-457200">
-              <a:buFont typeface="Arial" panose="020B0604020202020204" pitchFamily="34" charset="0"/>
-              <a:buChar char="•"/>
+            <a:r>
+              <a:rPr lang="en-GB" altLang="it-IT" sz="2800" dirty="0" err="1" smtClean="0">
+                <a:latin typeface="Arial" panose="020B0604020202020204" pitchFamily="34" charset="0"/>
+              </a:rPr>
+              <a:t>si</a:t>
+            </a:r>
+            <a:r>
+              <a:rPr lang="en-GB" altLang="it-IT" sz="2800" dirty="0">
+                <a:latin typeface="Arial" panose="020B0604020202020204" pitchFamily="34" charset="0"/>
+              </a:rPr>
+              <a:t> </a:t>
+            </a:r>
+            <a:r>
+              <a:rPr lang="en-GB" altLang="it-IT" sz="2800" dirty="0" err="1" smtClean="0">
+                <a:latin typeface="Arial" panose="020B0604020202020204" pitchFamily="34" charset="0"/>
+              </a:rPr>
+              <a:t>può</a:t>
+            </a:r>
+            <a:r>
+              <a:rPr lang="en-GB" altLang="it-IT" sz="2800" dirty="0" smtClean="0">
+                <a:latin typeface="Arial" panose="020B0604020202020204" pitchFamily="34" charset="0"/>
+              </a:rPr>
+              <a:t> </a:t>
+            </a:r>
+            <a:r>
+              <a:rPr lang="en-GB" altLang="it-IT" sz="2800" dirty="0" err="1" smtClean="0">
+                <a:latin typeface="Arial" panose="020B0604020202020204" pitchFamily="34" charset="0"/>
+              </a:rPr>
+              <a:t>gestire</a:t>
+            </a:r>
+            <a:r>
+              <a:rPr lang="en-GB" altLang="it-IT" sz="2800" dirty="0" smtClean="0">
+                <a:latin typeface="Arial" panose="020B0604020202020204" pitchFamily="34" charset="0"/>
+              </a:rPr>
+              <a:t> in </a:t>
+            </a:r>
+            <a:r>
+              <a:rPr lang="en-GB" altLang="it-IT" sz="2800" dirty="0" err="1" smtClean="0">
+                <a:latin typeface="Arial" panose="020B0604020202020204" pitchFamily="34" charset="0"/>
+              </a:rPr>
+              <a:t>ogni</a:t>
+            </a:r>
+            <a:r>
+              <a:rPr lang="en-GB" altLang="it-IT" sz="2800" dirty="0" smtClean="0">
+                <a:latin typeface="Arial" panose="020B0604020202020204" pitchFamily="34" charset="0"/>
+              </a:rPr>
+              <a:t> </a:t>
+            </a:r>
+            <a:r>
+              <a:rPr lang="en-GB" altLang="it-IT" sz="2800" dirty="0" err="1" smtClean="0">
+                <a:latin typeface="Arial" panose="020B0604020202020204" pitchFamily="34" charset="0"/>
+              </a:rPr>
+              <a:t>funzione</a:t>
+            </a:r>
+            <a:r>
+              <a:rPr lang="en-GB" altLang="it-IT" sz="2800" dirty="0" smtClean="0">
+                <a:latin typeface="Arial" panose="020B0604020202020204" pitchFamily="34" charset="0"/>
+              </a:rPr>
+              <a:t> con </a:t>
+            </a:r>
+            <a:r>
+              <a:rPr lang="en-GB" altLang="it-IT" sz="2800" dirty="0" err="1" smtClean="0">
+                <a:latin typeface="Arial" panose="020B0604020202020204" pitchFamily="34" charset="0"/>
+              </a:rPr>
+              <a:t>i</a:t>
+            </a:r>
+            <a:r>
+              <a:rPr lang="en-GB" altLang="it-IT" sz="2800" dirty="0" smtClean="0">
+                <a:latin typeface="Arial" panose="020B0604020202020204" pitchFamily="34" charset="0"/>
+              </a:rPr>
+              <a:t> </a:t>
+            </a:r>
+            <a:r>
+              <a:rPr lang="en-GB" altLang="it-IT" sz="2800" dirty="0" err="1" smtClean="0">
+                <a:latin typeface="Arial" panose="020B0604020202020204" pitchFamily="34" charset="0"/>
+              </a:rPr>
+              <a:t>comandi</a:t>
+            </a:r>
+            <a:r>
+              <a:rPr lang="en-GB" altLang="it-IT" sz="2800" dirty="0" smtClean="0">
+                <a:latin typeface="Arial" panose="020B0604020202020204" pitchFamily="34" charset="0"/>
+              </a:rPr>
+              <a:t> AT:</a:t>
+            </a:r>
+          </a:p>
+          <a:p>
+            <a:pPr marL="385968" indent="-290916">
+              <a:lnSpc>
+                <a:spcPct val="93000"/>
+              </a:lnSpc>
+              <a:buClr>
+                <a:srgbClr val="E6E6E6"/>
+              </a:buClr>
+              <a:buSzPct val="45000"/>
+              <a:buFont typeface="Wingdings" panose="05000000000000000000" pitchFamily="2" charset="2"/>
+              <a:buChar char=""/>
+              <a:tabLst>
+                <a:tab pos="385968" algn="l"/>
+                <a:tab pos="481020" algn="l"/>
+                <a:tab pos="888592" algn="l"/>
+                <a:tab pos="1296162" algn="l"/>
+                <a:tab pos="1703733" algn="l"/>
+                <a:tab pos="2111304" algn="l"/>
+                <a:tab pos="2518875" algn="l"/>
+                <a:tab pos="2926446" algn="l"/>
+                <a:tab pos="3334017" algn="l"/>
+                <a:tab pos="3741588" algn="l"/>
+                <a:tab pos="4149159" algn="l"/>
+                <a:tab pos="4556730" algn="l"/>
+                <a:tab pos="4964301" algn="l"/>
+                <a:tab pos="5371871" algn="l"/>
+                <a:tab pos="5779443" algn="l"/>
+                <a:tab pos="6187013" algn="l"/>
+                <a:tab pos="6594585" algn="l"/>
+                <a:tab pos="7002155" algn="l"/>
+                <a:tab pos="7409727" algn="l"/>
+                <a:tab pos="7817297" algn="l"/>
+                <a:tab pos="8224868" algn="l"/>
+              </a:tabLst>
             </a:pPr>
             <a:r>
-              <a:rPr lang="it-IT" sz="2800" dirty="0" smtClean="0"/>
-              <a:t>utilizza </a:t>
-            </a:r>
-            <a:r>
-              <a:rPr lang="it-IT" sz="2800" dirty="0"/>
-              <a:t>le librerie </a:t>
-            </a:r>
-            <a:r>
-              <a:rPr lang="it-IT" sz="2800" dirty="0" smtClean="0"/>
-              <a:t>WeeESP8266. Attualmente </a:t>
-            </a:r>
-            <a:r>
-              <a:rPr lang="it-IT" sz="2800" dirty="0"/>
-              <a:t>è incompleto </a:t>
-            </a:r>
-            <a:r>
-              <a:rPr lang="it-IT" sz="2800" dirty="0" err="1"/>
-              <a:t>perchè</a:t>
-            </a:r>
-            <a:r>
-              <a:rPr lang="it-IT" sz="2800" dirty="0"/>
-              <a:t> il suo sviluppo è stato momentaneamente abbandonato </a:t>
-            </a:r>
-            <a:r>
-              <a:rPr lang="it-IT" sz="2800" dirty="0" err="1"/>
-              <a:t>poichè</a:t>
-            </a:r>
-            <a:r>
-              <a:rPr lang="it-IT" sz="2800" dirty="0"/>
-              <a:t> la libreria occupa relativamente eccessivo spazio in RAM (andrebbe più che bene per l'Arduino Mega basato su ATMEL 2560).</a:t>
-            </a:r>
-          </a:p>
-          <a:p>
-            <a:pPr marL="571500" indent="-571500">
-              <a:buFont typeface="Arial" panose="020B0604020202020204" pitchFamily="34" charset="0"/>
-              <a:buChar char="•"/>
+              <a:rPr lang="en-GB" altLang="it-IT" sz="2800" dirty="0" smtClean="0">
+                <a:latin typeface="Arial" panose="020B0604020202020204" pitchFamily="34" charset="0"/>
+              </a:rPr>
+              <a:t>AT+RST</a:t>
+            </a:r>
+            <a:endParaRPr lang="en-GB" altLang="it-IT" sz="2800" dirty="0">
+              <a:latin typeface="Arial" panose="020B0604020202020204" pitchFamily="34" charset="0"/>
+            </a:endParaRPr>
+          </a:p>
+          <a:p>
+            <a:pPr marL="385968" indent="-290916">
+              <a:lnSpc>
+                <a:spcPct val="93000"/>
+              </a:lnSpc>
+              <a:buClr>
+                <a:srgbClr val="E6E6E6"/>
+              </a:buClr>
+              <a:buSzPct val="45000"/>
+              <a:buFont typeface="Wingdings" panose="05000000000000000000" pitchFamily="2" charset="2"/>
+              <a:buChar char=""/>
+              <a:tabLst>
+                <a:tab pos="385968" algn="l"/>
+                <a:tab pos="481020" algn="l"/>
+                <a:tab pos="888592" algn="l"/>
+                <a:tab pos="1296162" algn="l"/>
+                <a:tab pos="1703733" algn="l"/>
+                <a:tab pos="2111304" algn="l"/>
+                <a:tab pos="2518875" algn="l"/>
+                <a:tab pos="2926446" algn="l"/>
+                <a:tab pos="3334017" algn="l"/>
+                <a:tab pos="3741588" algn="l"/>
+                <a:tab pos="4149159" algn="l"/>
+                <a:tab pos="4556730" algn="l"/>
+                <a:tab pos="4964301" algn="l"/>
+                <a:tab pos="5371871" algn="l"/>
+                <a:tab pos="5779443" algn="l"/>
+                <a:tab pos="6187013" algn="l"/>
+                <a:tab pos="6594585" algn="l"/>
+                <a:tab pos="7002155" algn="l"/>
+                <a:tab pos="7409727" algn="l"/>
+                <a:tab pos="7817297" algn="l"/>
+                <a:tab pos="8224868" algn="l"/>
+              </a:tabLst>
             </a:pPr>
-            <a:endParaRPr lang="it-IT" sz="4000" b="1" dirty="0" smtClean="0"/>
-          </a:p>
-          <a:p>
-            <a:pPr marL="571500" indent="-571500">
-              <a:buFont typeface="Arial" panose="020B0604020202020204" pitchFamily="34" charset="0"/>
-              <a:buChar char="•"/>
+            <a:r>
+              <a:rPr lang="en-GB" altLang="it-IT" sz="2800" dirty="0">
+                <a:latin typeface="Arial" panose="020B0604020202020204" pitchFamily="34" charset="0"/>
+              </a:rPr>
+              <a:t>AT+CWMODE=1</a:t>
+            </a:r>
+          </a:p>
+          <a:p>
+            <a:pPr marL="385968" indent="-290916">
+              <a:lnSpc>
+                <a:spcPct val="93000"/>
+              </a:lnSpc>
+              <a:buClr>
+                <a:srgbClr val="E6E6E6"/>
+              </a:buClr>
+              <a:buSzPct val="45000"/>
+              <a:buFont typeface="Wingdings" panose="05000000000000000000" pitchFamily="2" charset="2"/>
+              <a:buChar char=""/>
+              <a:tabLst>
+                <a:tab pos="385968" algn="l"/>
+                <a:tab pos="481020" algn="l"/>
+                <a:tab pos="888592" algn="l"/>
+                <a:tab pos="1296162" algn="l"/>
+                <a:tab pos="1703733" algn="l"/>
+                <a:tab pos="2111304" algn="l"/>
+                <a:tab pos="2518875" algn="l"/>
+                <a:tab pos="2926446" algn="l"/>
+                <a:tab pos="3334017" algn="l"/>
+                <a:tab pos="3741588" algn="l"/>
+                <a:tab pos="4149159" algn="l"/>
+                <a:tab pos="4556730" algn="l"/>
+                <a:tab pos="4964301" algn="l"/>
+                <a:tab pos="5371871" algn="l"/>
+                <a:tab pos="5779443" algn="l"/>
+                <a:tab pos="6187013" algn="l"/>
+                <a:tab pos="6594585" algn="l"/>
+                <a:tab pos="7002155" algn="l"/>
+                <a:tab pos="7409727" algn="l"/>
+                <a:tab pos="7817297" algn="l"/>
+                <a:tab pos="8224868" algn="l"/>
+              </a:tabLst>
             </a:pPr>
             <a:r>
-              <a:rPr lang="it-IT" sz="4000" b="1" dirty="0" err="1" smtClean="0"/>
-              <a:t>seismocloudArduinoUnoCorto</a:t>
-            </a:r>
-            <a:endParaRPr lang="it-IT" sz="4000" b="1" dirty="0"/>
-          </a:p>
-          <a:p>
-            <a:pPr marL="457200" indent="-457200">
-              <a:buFont typeface="Arial" panose="020B0604020202020204" pitchFamily="34" charset="0"/>
-              <a:buChar char="•"/>
+              <a:rPr lang="en-GB" altLang="it-IT" sz="2800" dirty="0">
+                <a:latin typeface="Arial" panose="020B0604020202020204" pitchFamily="34" charset="0"/>
+              </a:rPr>
+              <a:t>AT+CWJAP=</a:t>
+            </a:r>
+            <a:r>
+              <a:rPr lang="en-GB" altLang="it-IT" sz="2800" dirty="0" err="1">
+                <a:latin typeface="Arial" panose="020B0604020202020204" pitchFamily="34" charset="0"/>
+              </a:rPr>
+              <a:t>ssid,password</a:t>
+            </a:r>
+            <a:endParaRPr lang="en-GB" altLang="it-IT" sz="2800" dirty="0">
+              <a:latin typeface="Arial" panose="020B0604020202020204" pitchFamily="34" charset="0"/>
+            </a:endParaRPr>
+          </a:p>
+          <a:p>
+            <a:pPr marL="385968" indent="-290916">
+              <a:lnSpc>
+                <a:spcPct val="93000"/>
+              </a:lnSpc>
+              <a:buClr>
+                <a:srgbClr val="E6E6E6"/>
+              </a:buClr>
+              <a:buSzPct val="45000"/>
+              <a:buFont typeface="Wingdings" panose="05000000000000000000" pitchFamily="2" charset="2"/>
+              <a:buChar char=""/>
+              <a:tabLst>
+                <a:tab pos="385968" algn="l"/>
+                <a:tab pos="481020" algn="l"/>
+                <a:tab pos="888592" algn="l"/>
+                <a:tab pos="1296162" algn="l"/>
+                <a:tab pos="1703733" algn="l"/>
+                <a:tab pos="2111304" algn="l"/>
+                <a:tab pos="2518875" algn="l"/>
+                <a:tab pos="2926446" algn="l"/>
+                <a:tab pos="3334017" algn="l"/>
+                <a:tab pos="3741588" algn="l"/>
+                <a:tab pos="4149159" algn="l"/>
+                <a:tab pos="4556730" algn="l"/>
+                <a:tab pos="4964301" algn="l"/>
+                <a:tab pos="5371871" algn="l"/>
+                <a:tab pos="5779443" algn="l"/>
+                <a:tab pos="6187013" algn="l"/>
+                <a:tab pos="6594585" algn="l"/>
+                <a:tab pos="7002155" algn="l"/>
+                <a:tab pos="7409727" algn="l"/>
+                <a:tab pos="7817297" algn="l"/>
+                <a:tab pos="8224868" algn="l"/>
+              </a:tabLst>
             </a:pPr>
             <a:r>
-              <a:rPr lang="it-IT" sz="2800" dirty="0" smtClean="0"/>
-              <a:t>utilizza </a:t>
-            </a:r>
-            <a:r>
-              <a:rPr lang="it-IT" sz="2800" dirty="0"/>
-              <a:t>le librerie ESP8266wifi. È stato scelto </a:t>
-            </a:r>
-            <a:r>
-              <a:rPr lang="it-IT" sz="2800" dirty="0" err="1"/>
-              <a:t>perchè</a:t>
-            </a:r>
-            <a:r>
-              <a:rPr lang="it-IT" sz="2800" dirty="0"/>
-              <a:t> consuma minori risorse in RAM (più adatto per il meno costoso Arduino Uno</a:t>
-            </a:r>
-            <a:r>
-              <a:rPr lang="it-IT" sz="2800" dirty="0" smtClean="0"/>
-              <a:t>).</a:t>
-            </a:r>
-          </a:p>
-          <a:p>
-            <a:pPr marL="457200" indent="-457200">
-              <a:buFont typeface="Arial" panose="020B0604020202020204" pitchFamily="34" charset="0"/>
-              <a:buChar char="•"/>
+              <a:rPr lang="en-GB" altLang="it-IT" sz="2800" dirty="0">
+                <a:latin typeface="Arial" panose="020B0604020202020204" pitchFamily="34" charset="0"/>
+              </a:rPr>
+              <a:t>AT+CIPMUX=1</a:t>
+            </a:r>
+          </a:p>
+          <a:p>
+            <a:pPr marL="385968" indent="-290916">
+              <a:lnSpc>
+                <a:spcPct val="93000"/>
+              </a:lnSpc>
+              <a:buClr>
+                <a:srgbClr val="E6E6E6"/>
+              </a:buClr>
+              <a:buSzPct val="45000"/>
+              <a:buFont typeface="Wingdings" panose="05000000000000000000" pitchFamily="2" charset="2"/>
+              <a:buChar char=""/>
+              <a:tabLst>
+                <a:tab pos="385968" algn="l"/>
+                <a:tab pos="481020" algn="l"/>
+                <a:tab pos="888592" algn="l"/>
+                <a:tab pos="1296162" algn="l"/>
+                <a:tab pos="1703733" algn="l"/>
+                <a:tab pos="2111304" algn="l"/>
+                <a:tab pos="2518875" algn="l"/>
+                <a:tab pos="2926446" algn="l"/>
+                <a:tab pos="3334017" algn="l"/>
+                <a:tab pos="3741588" algn="l"/>
+                <a:tab pos="4149159" algn="l"/>
+                <a:tab pos="4556730" algn="l"/>
+                <a:tab pos="4964301" algn="l"/>
+                <a:tab pos="5371871" algn="l"/>
+                <a:tab pos="5779443" algn="l"/>
+                <a:tab pos="6187013" algn="l"/>
+                <a:tab pos="6594585" algn="l"/>
+                <a:tab pos="7002155" algn="l"/>
+                <a:tab pos="7409727" algn="l"/>
+                <a:tab pos="7817297" algn="l"/>
+                <a:tab pos="8224868" algn="l"/>
+              </a:tabLst>
             </a:pPr>
             <a:r>
-              <a:rPr lang="it-IT" sz="2800" dirty="0" smtClean="0"/>
-              <a:t>Attualmente </a:t>
-            </a:r>
-            <a:r>
-              <a:rPr lang="it-IT" sz="2800" dirty="0"/>
-              <a:t>completo. Il tutto compila ma il prototipo al momento non è ancora </a:t>
-            </a:r>
-            <a:r>
-              <a:rPr lang="it-IT" sz="2800" dirty="0" smtClean="0"/>
-              <a:t>completamente collaudato</a:t>
-            </a:r>
-            <a:r>
-              <a:rPr lang="it-IT" sz="2800" dirty="0"/>
-              <a:t>. </a:t>
+              <a:rPr lang="en-GB" altLang="it-IT" sz="2800" dirty="0">
+                <a:latin typeface="Arial" panose="020B0604020202020204" pitchFamily="34" charset="0"/>
+              </a:rPr>
+              <a:t>AT+CIPSERVER=1,8888</a:t>
+            </a:r>
+          </a:p>
+          <a:p>
+            <a:pPr marL="385968" indent="-290916">
+              <a:lnSpc>
+                <a:spcPct val="93000"/>
+              </a:lnSpc>
+              <a:buClr>
+                <a:srgbClr val="E6E6E6"/>
+              </a:buClr>
+              <a:buSzPct val="45000"/>
+              <a:buFont typeface="Wingdings" panose="05000000000000000000" pitchFamily="2" charset="2"/>
+              <a:buChar char=""/>
+              <a:tabLst>
+                <a:tab pos="385968" algn="l"/>
+                <a:tab pos="481020" algn="l"/>
+                <a:tab pos="888592" algn="l"/>
+                <a:tab pos="1296162" algn="l"/>
+                <a:tab pos="1703733" algn="l"/>
+                <a:tab pos="2111304" algn="l"/>
+                <a:tab pos="2518875" algn="l"/>
+                <a:tab pos="2926446" algn="l"/>
+                <a:tab pos="3334017" algn="l"/>
+                <a:tab pos="3741588" algn="l"/>
+                <a:tab pos="4149159" algn="l"/>
+                <a:tab pos="4556730" algn="l"/>
+                <a:tab pos="4964301" algn="l"/>
+                <a:tab pos="5371871" algn="l"/>
+                <a:tab pos="5779443" algn="l"/>
+                <a:tab pos="6187013" algn="l"/>
+                <a:tab pos="6594585" algn="l"/>
+                <a:tab pos="7002155" algn="l"/>
+                <a:tab pos="7409727" algn="l"/>
+                <a:tab pos="7817297" algn="l"/>
+                <a:tab pos="8224868" algn="l"/>
+              </a:tabLst>
+            </a:pPr>
+            <a:r>
+              <a:rPr lang="en-GB" altLang="it-IT" sz="2800" dirty="0">
+                <a:latin typeface="Arial" panose="020B0604020202020204" pitchFamily="34" charset="0"/>
+              </a:rPr>
+              <a:t>AT+CIPSEND=0,13</a:t>
+            </a:r>
+          </a:p>
+          <a:p>
+            <a:pPr marL="385968" indent="-290916">
+              <a:lnSpc>
+                <a:spcPct val="93000"/>
+              </a:lnSpc>
+              <a:buClr>
+                <a:srgbClr val="E6E6E6"/>
+              </a:buClr>
+              <a:buSzPct val="45000"/>
+              <a:buFont typeface="Wingdings" panose="05000000000000000000" pitchFamily="2" charset="2"/>
+              <a:buChar char=""/>
+              <a:tabLst>
+                <a:tab pos="385968" algn="l"/>
+                <a:tab pos="481020" algn="l"/>
+                <a:tab pos="888592" algn="l"/>
+                <a:tab pos="1296162" algn="l"/>
+                <a:tab pos="1703733" algn="l"/>
+                <a:tab pos="2111304" algn="l"/>
+                <a:tab pos="2518875" algn="l"/>
+                <a:tab pos="2926446" algn="l"/>
+                <a:tab pos="3334017" algn="l"/>
+                <a:tab pos="3741588" algn="l"/>
+                <a:tab pos="4149159" algn="l"/>
+                <a:tab pos="4556730" algn="l"/>
+                <a:tab pos="4964301" algn="l"/>
+                <a:tab pos="5371871" algn="l"/>
+                <a:tab pos="5779443" algn="l"/>
+                <a:tab pos="6187013" algn="l"/>
+                <a:tab pos="6594585" algn="l"/>
+                <a:tab pos="7002155" algn="l"/>
+                <a:tab pos="7409727" algn="l"/>
+                <a:tab pos="7817297" algn="l"/>
+                <a:tab pos="8224868" algn="l"/>
+              </a:tabLst>
+            </a:pPr>
+            <a:r>
+              <a:rPr lang="en-GB" altLang="it-IT" sz="2800" dirty="0">
+                <a:latin typeface="Arial" panose="020B0604020202020204" pitchFamily="34" charset="0"/>
+              </a:rPr>
+              <a:t>Hello, World!</a:t>
             </a:r>
           </a:p>
         </p:txBody>
@@ -11922,17 +13072,38 @@
     </p:spTree>
     <p:extLst>
       <p:ext uri="{BB962C8B-B14F-4D97-AF65-F5344CB8AC3E}">
-        <p14:creationId xmlns:p14="http://schemas.microsoft.com/office/powerpoint/2010/main" val="1012408699"/>
+        <p14:creationId xmlns:p14="http://schemas.microsoft.com/office/powerpoint/2010/main" val="3282550474"/>
       </p:ext>
     </p:extLst>
   </p:cSld>
   <p:clrMapOvr>
     <a:masterClrMapping/>
   </p:clrMapOvr>
+  <p:transition spd="med"/>
   <p:timing>
     <p:tnLst>
       <p:par>
-        <p:cTn id="1" dur="indefinite" restart="never" nodeType="tmRoot"/>
+        <p:cTn id="1" dur="indefinite" restart="never" nodeType="tmRoot">
+          <p:childTnLst>
+            <p:seq concurrent="1" nextAc="seek">
+              <p:cTn id="2" dur="indefinite" nodeType="mainSeq"/>
+              <p:prevCondLst>
+                <p:cond evt="onPrev" delay="0">
+                  <p:tgtEl>
+                    <p:sldTgt/>
+                  </p:tgtEl>
+                </p:cond>
+              </p:prevCondLst>
+              <p:nextCondLst>
+                <p:cond evt="onNext" delay="0">
+                  <p:tgtEl>
+                    <p:sldTgt/>
+                  </p:tgtEl>
+                </p:cond>
+              </p:nextCondLst>
+            </p:seq>
+          </p:childTnLst>
+        </p:cTn>
       </p:par>
     </p:tnLst>
   </p:timing>
@@ -11958,47 +13129,283 @@
       </p:grpSpPr>
       <p:sp>
         <p:nvSpPr>
-          <p:cNvPr id="2" name="Titolo 1"/>
-          <p:cNvSpPr>
-            <a:spLocks noGrp="1"/>
-          </p:cNvSpPr>
-          <p:nvPr>
-            <p:ph type="title"/>
-          </p:nvPr>
-        </p:nvSpPr>
-        <p:spPr>
-          <a:xfrm>
-            <a:off x="89680" y="786041"/>
-            <a:ext cx="9613861" cy="1080938"/>
-          </a:xfrm>
-        </p:spPr>
-        <p:txBody>
-          <a:bodyPr/>
-          <a:lstStyle/>
-          <a:p>
-            <a:r>
-              <a:rPr lang="it-IT" sz="5400" dirty="0">
-                <a:latin typeface="Trebuchet MS" charset="0"/>
-              </a:rPr>
-              <a:t>Modulo adp-01</a:t>
-            </a:r>
-          </a:p>
-        </p:txBody>
-      </p:sp>
-      <p:sp>
-        <p:nvSpPr>
-          <p:cNvPr id="3" name="CasellaDiTesto 2"/>
-          <p:cNvSpPr txBox="1"/>
+          <p:cNvPr id="3" name="Rettangolo 2"/>
+          <p:cNvSpPr/>
           <p:nvPr/>
         </p:nvSpPr>
         <p:spPr>
           <a:xfrm>
-            <a:off x="89680" y="2006583"/>
-            <a:ext cx="11967202" cy="2616101"/>
+            <a:off x="707008" y="509047"/>
+            <a:ext cx="8352149" cy="6247864"/>
           </a:xfrm>
           <a:prstGeom prst="rect">
             <a:avLst/>
           </a:prstGeom>
+        </p:spPr>
+        <p:txBody>
+          <a:bodyPr wrap="square">
+            <a:spAutoFit/>
+          </a:bodyPr>
+          <a:lstStyle/>
+          <a:p>
+            <a:r>
+              <a:rPr lang="it-IT" sz="2000" dirty="0"/>
+              <a:t>/* </a:t>
+            </a:r>
+            <a:r>
+              <a:rPr lang="it-IT" sz="2000" dirty="0" smtClean="0"/>
+              <a:t>Invia i comandi AT su monitor seriale  sulla UART del modulo ESP8266*/</a:t>
+            </a:r>
+            <a:r>
+              <a:rPr lang="it-IT" sz="2000" dirty="0"/>
+              <a:t> </a:t>
+            </a:r>
+          </a:p>
+          <a:p>
+            <a:r>
+              <a:rPr lang="it-IT" sz="2000" dirty="0" err="1"/>
+              <a:t>void</a:t>
+            </a:r>
+            <a:r>
+              <a:rPr lang="it-IT" sz="2000" dirty="0"/>
+              <a:t> setup() </a:t>
+            </a:r>
+          </a:p>
+          <a:p>
+            <a:r>
+              <a:rPr lang="it-IT" sz="2000" dirty="0"/>
+              <a:t>{ </a:t>
+            </a:r>
+          </a:p>
+          <a:p>
+            <a:r>
+              <a:rPr lang="it-IT" sz="2000" dirty="0"/>
+              <a:t>  delay(5000); </a:t>
+            </a:r>
+          </a:p>
+          <a:p>
+            <a:r>
+              <a:rPr lang="it-IT" sz="2000" dirty="0"/>
+              <a:t>  </a:t>
+            </a:r>
+            <a:r>
+              <a:rPr lang="it-IT" sz="2000" dirty="0" err="1"/>
+              <a:t>Serial.begin</a:t>
+            </a:r>
+            <a:r>
+              <a:rPr lang="it-IT" sz="2000" dirty="0"/>
+              <a:t>(115200); </a:t>
+            </a:r>
+          </a:p>
+          <a:p>
+            <a:r>
+              <a:rPr lang="it-IT" sz="2000" dirty="0"/>
+              <a:t>  Serial1.begin(115200); </a:t>
+            </a:r>
+          </a:p>
+          <a:p>
+            <a:r>
+              <a:rPr lang="it-IT" sz="2000" dirty="0"/>
+              <a:t>} </a:t>
+            </a:r>
+          </a:p>
+          <a:p>
+            <a:r>
+              <a:rPr lang="it-IT" sz="2000" dirty="0" err="1"/>
+              <a:t>void</a:t>
+            </a:r>
+            <a:r>
+              <a:rPr lang="it-IT" sz="2000" dirty="0"/>
+              <a:t> </a:t>
+            </a:r>
+            <a:r>
+              <a:rPr lang="it-IT" sz="2000" dirty="0" err="1"/>
+              <a:t>loop</a:t>
+            </a:r>
+            <a:r>
+              <a:rPr lang="it-IT" sz="2000" dirty="0"/>
+              <a:t>() </a:t>
+            </a:r>
+          </a:p>
+          <a:p>
+            <a:r>
+              <a:rPr lang="it-IT" sz="2000" dirty="0"/>
+              <a:t>{ </a:t>
+            </a:r>
+          </a:p>
+          <a:p>
+            <a:r>
+              <a:rPr lang="it-IT" sz="2000" dirty="0"/>
+              <a:t>  /* </a:t>
+            </a:r>
+            <a:r>
+              <a:rPr lang="it-IT" sz="2000" dirty="0" smtClean="0"/>
+              <a:t>manda tutto ciò che riceve  dalla UART HW sulla seriale</a:t>
+            </a:r>
+            <a:r>
+              <a:rPr lang="it-IT" sz="2000" dirty="0"/>
+              <a:t> */ </a:t>
+            </a:r>
+          </a:p>
+          <a:p>
+            <a:r>
+              <a:rPr lang="it-IT" sz="2000" dirty="0"/>
+              <a:t>  </a:t>
+            </a:r>
+            <a:r>
+              <a:rPr lang="it-IT" sz="2000" dirty="0" err="1"/>
+              <a:t>if</a:t>
+            </a:r>
+            <a:r>
+              <a:rPr lang="it-IT" sz="2000" dirty="0"/>
+              <a:t> (</a:t>
+            </a:r>
+            <a:r>
+              <a:rPr lang="it-IT" sz="2000" dirty="0" err="1"/>
+              <a:t>Serial.available</a:t>
+            </a:r>
+            <a:r>
+              <a:rPr lang="it-IT" sz="2000" dirty="0"/>
+              <a:t>() &gt; 0) { </a:t>
+            </a:r>
+          </a:p>
+          <a:p>
+            <a:r>
+              <a:rPr lang="it-IT" sz="2000" dirty="0"/>
+              <a:t>    </a:t>
+            </a:r>
+            <a:r>
+              <a:rPr lang="it-IT" sz="2000" dirty="0" err="1"/>
+              <a:t>char</a:t>
+            </a:r>
+            <a:r>
+              <a:rPr lang="it-IT" sz="2000" dirty="0"/>
+              <a:t> </a:t>
+            </a:r>
+            <a:r>
+              <a:rPr lang="it-IT" sz="2000" dirty="0" err="1"/>
+              <a:t>ch</a:t>
+            </a:r>
+            <a:r>
+              <a:rPr lang="it-IT" sz="2000" dirty="0"/>
+              <a:t> = </a:t>
+            </a:r>
+            <a:r>
+              <a:rPr lang="it-IT" sz="2000" dirty="0" err="1"/>
+              <a:t>Serial.read</a:t>
+            </a:r>
+            <a:r>
+              <a:rPr lang="it-IT" sz="2000" dirty="0"/>
+              <a:t>(); </a:t>
+            </a:r>
+          </a:p>
+          <a:p>
+            <a:r>
+              <a:rPr lang="it-IT" sz="2000" dirty="0"/>
+              <a:t>    Serial1.print(</a:t>
+            </a:r>
+            <a:r>
+              <a:rPr lang="it-IT" sz="2000" dirty="0" err="1"/>
+              <a:t>ch</a:t>
+            </a:r>
+            <a:r>
+              <a:rPr lang="it-IT" sz="2000" dirty="0"/>
+              <a:t>); </a:t>
+            </a:r>
+          </a:p>
+          <a:p>
+            <a:r>
+              <a:rPr lang="it-IT" sz="2000" dirty="0"/>
+              <a:t>  } </a:t>
+            </a:r>
+          </a:p>
+          <a:p>
+            <a:r>
+              <a:rPr lang="it-IT" sz="2000" dirty="0"/>
+              <a:t>  </a:t>
+            </a:r>
+            <a:r>
+              <a:rPr lang="it-IT" sz="2000" dirty="0" err="1"/>
+              <a:t>if</a:t>
+            </a:r>
+            <a:r>
+              <a:rPr lang="it-IT" sz="2000" dirty="0"/>
+              <a:t> (Serial1.available() &gt; 0) { </a:t>
+            </a:r>
+          </a:p>
+          <a:p>
+            <a:r>
+              <a:rPr lang="it-IT" sz="2000" dirty="0"/>
+              <a:t>    </a:t>
+            </a:r>
+            <a:r>
+              <a:rPr lang="it-IT" sz="2000" dirty="0" err="1"/>
+              <a:t>char</a:t>
+            </a:r>
+            <a:r>
+              <a:rPr lang="it-IT" sz="2000" dirty="0"/>
+              <a:t> </a:t>
+            </a:r>
+            <a:r>
+              <a:rPr lang="it-IT" sz="2000" dirty="0" err="1"/>
+              <a:t>ch</a:t>
+            </a:r>
+            <a:r>
+              <a:rPr lang="it-IT" sz="2000" dirty="0"/>
+              <a:t> = Serial1.read(); </a:t>
+            </a:r>
+          </a:p>
+          <a:p>
+            <a:r>
+              <a:rPr lang="it-IT" sz="2000" dirty="0"/>
+              <a:t>    </a:t>
+            </a:r>
+            <a:r>
+              <a:rPr lang="it-IT" sz="2000" dirty="0" err="1"/>
+              <a:t>Serial.print</a:t>
+            </a:r>
+            <a:r>
+              <a:rPr lang="it-IT" sz="2000" dirty="0"/>
+              <a:t>(</a:t>
+            </a:r>
+            <a:r>
+              <a:rPr lang="it-IT" sz="2000" dirty="0" err="1"/>
+              <a:t>ch</a:t>
+            </a:r>
+            <a:r>
+              <a:rPr lang="it-IT" sz="2000" dirty="0"/>
+              <a:t>); </a:t>
+            </a:r>
+          </a:p>
+          <a:p>
+            <a:r>
+              <a:rPr lang="it-IT" sz="2000" dirty="0"/>
+              <a:t>  } </a:t>
+            </a:r>
+          </a:p>
+          <a:p>
+            <a:r>
+              <a:rPr lang="it-IT" sz="2000" dirty="0"/>
+              <a:t>} </a:t>
+            </a:r>
+          </a:p>
+        </p:txBody>
+      </p:sp>
+      <p:sp>
+        <p:nvSpPr>
+          <p:cNvPr id="4" name="CasellaDiTesto 3"/>
+          <p:cNvSpPr txBox="1"/>
+          <p:nvPr/>
+        </p:nvSpPr>
+        <p:spPr>
+          <a:xfrm>
+            <a:off x="5524107" y="1168821"/>
+            <a:ext cx="4825609" cy="1569660"/>
+          </a:xfrm>
+          <a:prstGeom prst="rect">
+            <a:avLst/>
+          </a:prstGeom>
+          <a:noFill/>
         </p:spPr>
         <p:txBody>
           <a:bodyPr wrap="square" rtlCol="0">
@@ -12006,194 +13413,109 @@
           </a:bodyPr>
           <a:lstStyle/>
           <a:p>
+            <a:r>
+              <a:rPr lang="it-IT" sz="2400" dirty="0" smtClean="0"/>
+              <a:t>Esempio di sketch </a:t>
+            </a:r>
+            <a:r>
+              <a:rPr lang="it-IT" sz="2400" dirty="0" smtClean="0"/>
+              <a:t>Arduino per la configurazione diretta del modem tramite </a:t>
+            </a:r>
+            <a:r>
+              <a:rPr lang="it-IT" sz="2400" dirty="0" smtClean="0"/>
+              <a:t>comandi AT </a:t>
+            </a:r>
+            <a:r>
+              <a:rPr lang="it-IT" sz="2400" dirty="0" smtClean="0"/>
+              <a:t>impartiti da console</a:t>
+            </a:r>
+            <a:endParaRPr lang="it-IT" sz="2400" dirty="0"/>
+          </a:p>
+        </p:txBody>
+      </p:sp>
+      <p:sp>
+        <p:nvSpPr>
+          <p:cNvPr id="5" name="CasellaDiTesto 4"/>
+          <p:cNvSpPr txBox="1"/>
+          <p:nvPr/>
+        </p:nvSpPr>
+        <p:spPr>
+          <a:xfrm>
+            <a:off x="5898038" y="4252608"/>
+            <a:ext cx="6293962" cy="2893100"/>
+          </a:xfrm>
+          <a:prstGeom prst="rect">
+            <a:avLst/>
+          </a:prstGeom>
+          <a:noFill/>
+        </p:spPr>
+        <p:txBody>
+          <a:bodyPr wrap="square" rtlCol="0">
+            <a:spAutoFit/>
+          </a:bodyPr>
+          <a:lstStyle/>
+          <a:p>
+            <a:r>
+              <a:rPr lang="it-IT" sz="2400" dirty="0" smtClean="0"/>
+              <a:t>In genere i comandi AT vengono inviati da programma sotto forma di:</a:t>
+            </a:r>
+          </a:p>
+          <a:p>
+            <a:pPr marL="457200" indent="-457200">
+              <a:spcBef>
+                <a:spcPts val="600"/>
+              </a:spcBef>
+              <a:buFont typeface="Arial" panose="020B0604020202020204" pitchFamily="34" charset="0"/>
+              <a:buChar char="•"/>
+            </a:pPr>
+            <a:r>
+              <a:rPr lang="it-IT" sz="2400" dirty="0" smtClean="0"/>
+              <a:t>Stringhe affogate nel </a:t>
+            </a:r>
+            <a:r>
+              <a:rPr lang="it-IT" sz="2400" dirty="0" err="1" smtClean="0"/>
+              <a:t>main</a:t>
+            </a:r>
+            <a:r>
+              <a:rPr lang="it-IT" sz="2400" dirty="0" smtClean="0"/>
+              <a:t> dello sketch</a:t>
+            </a:r>
+          </a:p>
+          <a:p>
+            <a:pPr marL="457200" indent="-457200">
+              <a:spcBef>
+                <a:spcPts val="600"/>
+              </a:spcBef>
+              <a:buFont typeface="Arial" panose="020B0604020202020204" pitchFamily="34" charset="0"/>
+              <a:buChar char="•"/>
+            </a:pPr>
+            <a:r>
+              <a:rPr lang="it-IT" sz="2400" dirty="0" smtClean="0"/>
+              <a:t>Librerie di funzioni apposite che li includono e che vengono richiamate nel </a:t>
+            </a:r>
+            <a:r>
+              <a:rPr lang="it-IT" sz="2400" dirty="0" err="1" smtClean="0"/>
+              <a:t>main</a:t>
+            </a:r>
+            <a:r>
+              <a:rPr lang="it-IT" sz="2400" dirty="0" smtClean="0"/>
+              <a:t> dello sketch</a:t>
+            </a:r>
+            <a:endParaRPr lang="it-IT" sz="2400" dirty="0" smtClean="0"/>
+          </a:p>
+          <a:p>
             <a:pPr marL="457200" indent="-457200">
               <a:buFont typeface="Arial" panose="020B0604020202020204" pitchFamily="34" charset="0"/>
               <a:buChar char="•"/>
             </a:pPr>
-            <a:r>
-              <a:rPr lang="it-IT" sz="2800" dirty="0" smtClean="0">
-                <a:solidFill>
-                  <a:srgbClr val="FFFFFF"/>
-                </a:solidFill>
-                <a:latin typeface="Consolas" charset="0"/>
-              </a:rPr>
-              <a:t>O</a:t>
-            </a:r>
-            <a:r>
-              <a:rPr lang="it" sz="2800" dirty="0" smtClean="0">
-                <a:solidFill>
-                  <a:srgbClr val="FFFFFF"/>
-                </a:solidFill>
-                <a:latin typeface="Consolas" charset="0"/>
-              </a:rPr>
-              <a:t>spita il modulo WiFi ESP8266</a:t>
-            </a:r>
-          </a:p>
-          <a:p>
-            <a:pPr marL="457200" indent="-457200">
-              <a:buFont typeface="Arial" panose="020B0604020202020204" pitchFamily="34" charset="0"/>
-              <a:buChar char="•"/>
-            </a:pPr>
-            <a:r>
-              <a:rPr lang="it-IT" sz="2800" dirty="0" smtClean="0">
-                <a:solidFill>
-                  <a:srgbClr val="FFFFFF"/>
-                </a:solidFill>
-                <a:latin typeface="Consolas" charset="0"/>
-              </a:rPr>
-              <a:t>È alimentato </a:t>
-            </a:r>
-            <a:r>
-              <a:rPr lang="it" sz="2800" dirty="0" smtClean="0">
-                <a:solidFill>
-                  <a:srgbClr val="FFFFFF"/>
-                </a:solidFill>
-                <a:latin typeface="Consolas" charset="0"/>
-              </a:rPr>
-              <a:t>con </a:t>
-            </a:r>
-            <a:r>
-              <a:rPr lang="it" sz="2800" dirty="0">
-                <a:solidFill>
-                  <a:srgbClr val="FFFFFF"/>
-                </a:solidFill>
-                <a:latin typeface="Consolas" charset="0"/>
-              </a:rPr>
-              <a:t>5 V </a:t>
-            </a:r>
-            <a:r>
-              <a:rPr lang="it" sz="2800" dirty="0" smtClean="0">
-                <a:solidFill>
-                  <a:srgbClr val="FFFFFF"/>
-                </a:solidFill>
-                <a:latin typeface="Consolas" charset="0"/>
-              </a:rPr>
-              <a:t>e fornisce i </a:t>
-            </a:r>
-            <a:r>
-              <a:rPr lang="it" sz="2800" dirty="0">
-                <a:solidFill>
-                  <a:srgbClr val="FFFFFF"/>
-                </a:solidFill>
-                <a:latin typeface="Consolas" charset="0"/>
-              </a:rPr>
-              <a:t>3,3 V </a:t>
-            </a:r>
-            <a:r>
-              <a:rPr lang="it" sz="2800" dirty="0" smtClean="0">
-                <a:solidFill>
-                  <a:srgbClr val="FFFFFF"/>
-                </a:solidFill>
-                <a:latin typeface="Consolas" charset="0"/>
-              </a:rPr>
-              <a:t>richiesti </a:t>
-            </a:r>
-            <a:r>
-              <a:rPr lang="it" sz="2800" dirty="0">
-                <a:solidFill>
-                  <a:srgbClr val="FFFFFF"/>
-                </a:solidFill>
-                <a:latin typeface="Consolas" charset="0"/>
-              </a:rPr>
-              <a:t>dal modulo </a:t>
-            </a:r>
-            <a:r>
-              <a:rPr lang="it" sz="2800" dirty="0" smtClean="0">
-                <a:solidFill>
-                  <a:srgbClr val="FFFFFF"/>
-                </a:solidFill>
-                <a:latin typeface="Consolas" charset="0"/>
-              </a:rPr>
-              <a:t>WiFi (regolatore di tensione lineare). </a:t>
-            </a:r>
-          </a:p>
-          <a:p>
-            <a:pPr marL="457200" indent="-457200">
-              <a:buFont typeface="Arial" panose="020B0604020202020204" pitchFamily="34" charset="0"/>
-              <a:buChar char="•"/>
-            </a:pPr>
-            <a:r>
-              <a:rPr lang="it-IT" sz="2800" dirty="0" smtClean="0">
-                <a:solidFill>
-                  <a:srgbClr val="FFFFFF"/>
-                </a:solidFill>
-                <a:latin typeface="Consolas" charset="0"/>
-              </a:rPr>
-              <a:t>T</a:t>
-            </a:r>
-            <a:r>
-              <a:rPr lang="it" sz="2800" dirty="0" smtClean="0">
-                <a:solidFill>
-                  <a:srgbClr val="FFFFFF"/>
-                </a:solidFill>
-                <a:latin typeface="Consolas" charset="0"/>
-              </a:rPr>
-              <a:t>rasla i livelli di porte seriali e porte I2C del modulo</a:t>
-            </a:r>
-          </a:p>
-          <a:p>
-            <a:pPr marL="457200" indent="-457200">
-              <a:buFont typeface="Arial" panose="020B0604020202020204" pitchFamily="34" charset="0"/>
-              <a:buChar char="•"/>
-            </a:pPr>
-            <a:r>
-              <a:rPr lang="it-IT" sz="2800" dirty="0" smtClean="0">
-                <a:solidFill>
-                  <a:srgbClr val="FFFFFF"/>
-                </a:solidFill>
-                <a:latin typeface="Consolas" charset="0"/>
-              </a:rPr>
-              <a:t>P</a:t>
-            </a:r>
-            <a:r>
-              <a:rPr lang="it" sz="2800" dirty="0" smtClean="0">
-                <a:solidFill>
-                  <a:srgbClr val="FFFFFF"/>
-                </a:solidFill>
-                <a:latin typeface="Consolas" charset="0"/>
-              </a:rPr>
-              <a:t>ossiede pedinature compatibili con una breadboard</a:t>
-            </a:r>
-            <a:endParaRPr lang="it-IT" sz="2800" dirty="0">
-              <a:solidFill>
-                <a:srgbClr val="444444"/>
-              </a:solidFill>
-              <a:latin typeface="Arial" charset="0"/>
-            </a:endParaRPr>
-          </a:p>
-          <a:p>
-            <a:endParaRPr lang="it-IT" sz="2400" dirty="0"/>
-          </a:p>
-        </p:txBody>
-      </p:sp>
-      <p:pic>
-        <p:nvPicPr>
-          <p:cNvPr id="4" name="Immagine 3" descr="ADP-01.png"/>
-          <p:cNvPicPr>
-            <a:picLocks noChangeAspect="1"/>
-          </p:cNvPicPr>
-          <p:nvPr/>
-        </p:nvPicPr>
-        <p:blipFill>
-          <a:blip r:embed="rId3"/>
-          <a:stretch>
-            <a:fillRect/>
-          </a:stretch>
-        </p:blipFill>
-        <p:spPr>
-          <a:xfrm>
-            <a:off x="2912822" y="4014510"/>
-            <a:ext cx="5384800" cy="2946493"/>
-          </a:xfrm>
-          <a:prstGeom prst="rect">
-            <a:avLst/>
-          </a:prstGeom>
-        </p:spPr>
-      </p:pic>
+            <a:endParaRPr lang="it-IT" sz="2800" dirty="0"/>
+          </a:p>
+        </p:txBody>
+      </p:sp>
     </p:spTree>
     <p:extLst>
       <p:ext uri="{BB962C8B-B14F-4D97-AF65-F5344CB8AC3E}">
-        <p14:creationId xmlns:p14="http://schemas.microsoft.com/office/powerpoint/2010/main" val="3637849076"/>
+        <p14:creationId xmlns:p14="http://schemas.microsoft.com/office/powerpoint/2010/main" val="2517890914"/>
       </p:ext>
     </p:extLst>
   </p:cSld>
@@ -12375,41 +13697,14 @@
       </p:grpSpPr>
       <p:sp>
         <p:nvSpPr>
-          <p:cNvPr id="2" name="Titolo 1"/>
-          <p:cNvSpPr>
-            <a:spLocks noGrp="1"/>
-          </p:cNvSpPr>
-          <p:nvPr>
-            <p:ph type="title"/>
-          </p:nvPr>
-        </p:nvSpPr>
-        <p:spPr>
-          <a:xfrm>
-            <a:off x="57584" y="752475"/>
-            <a:ext cx="10237354" cy="1081088"/>
-          </a:xfrm>
-        </p:spPr>
-        <p:txBody>
-          <a:bodyPr/>
-          <a:lstStyle/>
-          <a:p>
-            <a:r>
-              <a:rPr lang="it-IT" sz="4800" dirty="0"/>
-              <a:t>Dettagli:</a:t>
-            </a:r>
-          </a:p>
-        </p:txBody>
-      </p:sp>
-      <p:sp>
-        <p:nvSpPr>
-          <p:cNvPr id="3" name="CasellaDiTesto 2"/>
+          <p:cNvPr id="2" name="CasellaDiTesto 1"/>
           <p:cNvSpPr txBox="1"/>
           <p:nvPr/>
         </p:nvSpPr>
         <p:spPr>
           <a:xfrm>
-            <a:off x="4724400" y="2734177"/>
-            <a:ext cx="2743200" cy="369332"/>
+            <a:off x="458659" y="903523"/>
+            <a:ext cx="7008941" cy="369332"/>
           </a:xfrm>
           <a:prstGeom prst="rect">
             <a:avLst/>
@@ -12439,8 +13734,8 @@
         </p:nvSpPr>
         <p:spPr>
           <a:xfrm>
-            <a:off x="140481" y="2366938"/>
-            <a:ext cx="11764963" cy="2954655"/>
+            <a:off x="606425" y="968375"/>
+            <a:ext cx="11439525" cy="6155531"/>
           </a:xfrm>
           <a:prstGeom prst="rect">
             <a:avLst/>
@@ -12452,85 +13747,229 @@
           </a:bodyPr>
           <a:lstStyle/>
           <a:p>
-            <a:pPr marL="285750" indent="-285750">
+            <a:r>
+              <a:rPr lang="it-IT" sz="4000" b="1" dirty="0">
+                <a:latin typeface="Trebuchet MS" charset="0"/>
+              </a:rPr>
+              <a:t>I2Cdev </a:t>
+            </a:r>
+            <a:r>
+              <a:rPr lang="it-IT" sz="4000" b="1" dirty="0" err="1">
+                <a:latin typeface="Trebuchet MS" charset="0"/>
+              </a:rPr>
+              <a:t>library</a:t>
+            </a:r>
+            <a:r>
+              <a:rPr lang="it-IT" sz="4000" b="1" dirty="0">
+                <a:latin typeface="Trebuchet MS" charset="0"/>
+              </a:rPr>
+              <a:t> </a:t>
+            </a:r>
+            <a:r>
+              <a:rPr lang="it-IT" sz="4000" b="1" dirty="0" err="1">
+                <a:latin typeface="Trebuchet MS" charset="0"/>
+              </a:rPr>
+              <a:t>collection</a:t>
+            </a:r>
+            <a:r>
+              <a:rPr lang="it-IT" sz="4000" b="1" dirty="0">
+                <a:latin typeface="Trebuchet MS" charset="0"/>
+              </a:rPr>
+              <a:t>  </a:t>
+            </a:r>
+          </a:p>
+          <a:p>
+            <a:pPr marL="457200" indent="-457200">
               <a:buFont typeface="Arial" panose="020B0604020202020204" pitchFamily="34" charset="0"/>
               <a:buChar char="•"/>
             </a:pPr>
-            <a:r>
-              <a:rPr lang="it" sz="2400" dirty="0" smtClean="0">
-                <a:latin typeface="Consolas" charset="0"/>
-              </a:rPr>
-              <a:t>L'adattatore </a:t>
-            </a:r>
-            <a:r>
-              <a:rPr lang="it" sz="2400" dirty="0">
-                <a:latin typeface="Consolas" charset="0"/>
-              </a:rPr>
-              <a:t>incorpora anche alcuni resistori pull-up per le linee GPIO0 e GPIO2 in modo che nessun altro </a:t>
-            </a:r>
-            <a:r>
-              <a:rPr lang="it" sz="2400" dirty="0" smtClean="0">
-                <a:latin typeface="Consolas" charset="0"/>
-              </a:rPr>
-              <a:t>componente esterno è necessario </a:t>
-            </a:r>
-            <a:r>
-              <a:rPr lang="it" sz="2400" dirty="0">
-                <a:latin typeface="Consolas" charset="0"/>
-              </a:rPr>
-              <a:t>per alimentare il modulo in modalità firmware " RUN" </a:t>
-            </a:r>
-            <a:r>
-              <a:rPr lang="it" sz="2400" dirty="0" smtClean="0">
-                <a:latin typeface="Consolas" charset="0"/>
-              </a:rPr>
-              <a:t>.</a:t>
-            </a:r>
-          </a:p>
-          <a:p>
-            <a:pPr marL="285750" indent="-285750">
+            <a:endParaRPr lang="it-IT" sz="2800" dirty="0">
+              <a:latin typeface="Trebuchet MS" charset="0"/>
+            </a:endParaRPr>
+          </a:p>
+          <a:p>
+            <a:pPr marL="457200" indent="-457200">
               <a:buFont typeface="Arial" panose="020B0604020202020204" pitchFamily="34" charset="0"/>
               <a:buChar char="•"/>
             </a:pPr>
             <a:r>
-              <a:rPr lang="it-IT" sz="2400" dirty="0" smtClean="0">
-                <a:latin typeface="Consolas" charset="0"/>
-              </a:rPr>
-              <a:t>Altre resistenze adattano le tensioni di in/out di porta seriale e I2C</a:t>
-            </a:r>
-            <a:endParaRPr lang="it-IT" dirty="0">
-              <a:latin typeface="Consolas" charset="0"/>
-            </a:endParaRPr>
-          </a:p>
-          <a:p>
-            <a:pPr marL="285750" indent="-285750">
+              <a:rPr lang="it-IT" sz="2800" dirty="0">
+                <a:latin typeface="Trebuchet MS" charset="0"/>
+              </a:rPr>
+              <a:t>MPU6050 I2C </a:t>
+            </a:r>
+            <a:r>
+              <a:rPr lang="it-IT" sz="2800" dirty="0" err="1">
+                <a:latin typeface="Trebuchet MS" charset="0"/>
+              </a:rPr>
+              <a:t>device</a:t>
+            </a:r>
+            <a:r>
+              <a:rPr lang="it-IT" sz="2800" dirty="0">
+                <a:latin typeface="Trebuchet MS" charset="0"/>
+              </a:rPr>
+              <a:t> </a:t>
+            </a:r>
+            <a:r>
+              <a:rPr lang="it-IT" sz="2800" dirty="0" err="1">
+                <a:latin typeface="Trebuchet MS" charset="0"/>
+              </a:rPr>
+              <a:t>classBased</a:t>
+            </a:r>
+            <a:r>
+              <a:rPr lang="it-IT" sz="2800" dirty="0">
+                <a:latin typeface="Trebuchet MS" charset="0"/>
+              </a:rPr>
+              <a:t> on </a:t>
+            </a:r>
+            <a:r>
+              <a:rPr lang="it-IT" sz="2800" dirty="0" err="1">
+                <a:latin typeface="Trebuchet MS" charset="0"/>
+              </a:rPr>
+              <a:t>InvenSense</a:t>
+            </a:r>
+            <a:r>
+              <a:rPr lang="it-IT" sz="2800" dirty="0">
+                <a:latin typeface="Trebuchet MS" charset="0"/>
+              </a:rPr>
+              <a:t> MPU-6050 </a:t>
+            </a:r>
+            <a:r>
+              <a:rPr lang="it-IT" sz="2800" dirty="0" err="1">
+                <a:latin typeface="Trebuchet MS" charset="0"/>
+              </a:rPr>
+              <a:t>register</a:t>
+            </a:r>
+            <a:r>
+              <a:rPr lang="it-IT" sz="2800" dirty="0">
+                <a:latin typeface="Trebuchet MS" charset="0"/>
+              </a:rPr>
+              <a:t> </a:t>
+            </a:r>
+            <a:r>
+              <a:rPr lang="it-IT" sz="2800" dirty="0" err="1">
+                <a:latin typeface="Trebuchet MS" charset="0"/>
+              </a:rPr>
+              <a:t>map</a:t>
+            </a:r>
+            <a:r>
+              <a:rPr lang="it-IT" sz="2800" dirty="0">
+                <a:latin typeface="Trebuchet MS" charset="0"/>
+              </a:rPr>
+              <a:t> </a:t>
+            </a:r>
+            <a:r>
+              <a:rPr lang="it-IT" sz="2800" dirty="0" err="1">
+                <a:latin typeface="Trebuchet MS" charset="0"/>
+              </a:rPr>
+              <a:t>document</a:t>
+            </a:r>
+            <a:r>
+              <a:rPr lang="it-IT" sz="2800" dirty="0">
+                <a:latin typeface="Trebuchet MS" charset="0"/>
+              </a:rPr>
+              <a:t> rev. 2.0, 5/19/2011 (RM-MPU-6000A-00) </a:t>
+            </a:r>
+          </a:p>
+          <a:p>
+            <a:r>
+              <a:rPr lang="it-IT" sz="2800" dirty="0">
+                <a:latin typeface="Trebuchet MS" charset="0"/>
+              </a:rPr>
+              <a:t> </a:t>
+            </a:r>
+          </a:p>
+          <a:p>
+            <a:pPr marL="457200" indent="-457200">
               <a:buFont typeface="Arial" panose="020B0604020202020204" pitchFamily="34" charset="0"/>
               <a:buChar char="•"/>
             </a:pPr>
             <a:r>
-              <a:rPr lang="it-IT" sz="2400" dirty="0" smtClean="0">
-                <a:latin typeface="Consolas" charset="0"/>
-              </a:rPr>
-              <a:t>Basta </a:t>
-            </a:r>
-            <a:r>
-              <a:rPr lang="it-IT" sz="2400" dirty="0">
-                <a:latin typeface="Consolas" charset="0"/>
-              </a:rPr>
-              <a:t>collegare la linea Vin ( contrassegnati con " + " ) ad un alimentatore 5V in grado di fornire almeno 500 </a:t>
-            </a:r>
-            <a:r>
-              <a:rPr lang="it" sz="2400" dirty="0" err="1">
-                <a:latin typeface="Consolas" charset="0"/>
-              </a:rPr>
-              <a:t>mA</a:t>
-            </a:r>
-            <a:r>
-              <a:rPr lang="it" sz="2400" dirty="0">
-                <a:latin typeface="Consolas" charset="0"/>
-              </a:rPr>
-              <a:t> .</a:t>
-            </a:r>
+              <a:rPr lang="it-IT" sz="2800" dirty="0">
+                <a:latin typeface="Trebuchet MS" charset="0"/>
+              </a:rPr>
+              <a:t>Contiene una libreria molto </a:t>
+            </a:r>
+            <a:r>
+              <a:rPr lang="it-IT" sz="2800" dirty="0" smtClean="0">
+                <a:latin typeface="Trebuchet MS" charset="0"/>
+              </a:rPr>
+              <a:t>completa </a:t>
+            </a:r>
+            <a:r>
+              <a:rPr lang="it-IT" sz="2800" dirty="0">
+                <a:latin typeface="Trebuchet MS" charset="0"/>
+              </a:rPr>
+              <a:t>per la gestione </a:t>
+            </a:r>
+            <a:r>
+              <a:rPr lang="it-IT" sz="2800" dirty="0" smtClean="0">
+                <a:latin typeface="Trebuchet MS" charset="0"/>
+              </a:rPr>
+              <a:t>del modulo </a:t>
+            </a:r>
+            <a:r>
+              <a:rPr lang="it-IT" sz="2800" dirty="0">
+                <a:latin typeface="Trebuchet MS" charset="0"/>
+              </a:rPr>
+              <a:t>accelerometro MPU6050. </a:t>
+            </a:r>
+          </a:p>
+          <a:p>
+            <a:pPr marL="457200" indent="-457200">
+              <a:buFont typeface="Arial" panose="020B0604020202020204" pitchFamily="34" charset="0"/>
+              <a:buChar char="•"/>
+            </a:pPr>
+            <a:endParaRPr lang="it-IT" sz="2800" dirty="0">
+              <a:latin typeface="Trebuchet MS" charset="0"/>
+            </a:endParaRPr>
+          </a:p>
+          <a:p>
+            <a:pPr marL="457200" indent="-457200">
+              <a:buFont typeface="Arial" panose="020B0604020202020204" pitchFamily="34" charset="0"/>
+              <a:buChar char="•"/>
+            </a:pPr>
+            <a:r>
+              <a:rPr lang="it-IT" sz="2800" dirty="0">
+                <a:latin typeface="Trebuchet MS" charset="0"/>
+              </a:rPr>
+              <a:t>Nei prototipi è stata drasticamente privata di molte funzioni non ritenute essenziali per chiarezza e per risparmiare spazio. </a:t>
+            </a:r>
+            <a:endParaRPr lang="it-IT" sz="2800" dirty="0" smtClean="0">
+              <a:latin typeface="Trebuchet MS" charset="0"/>
+            </a:endParaRPr>
+          </a:p>
+          <a:p>
+            <a:pPr marL="457200" indent="-457200">
+              <a:buFont typeface="Arial" panose="020B0604020202020204" pitchFamily="34" charset="0"/>
+              <a:buChar char="•"/>
+            </a:pPr>
+            <a:endParaRPr lang="it-IT" sz="2800" dirty="0" smtClean="0">
+              <a:latin typeface="Trebuchet MS" charset="0"/>
+            </a:endParaRPr>
+          </a:p>
+          <a:p>
+            <a:pPr marL="457200" indent="-457200">
+              <a:buFont typeface="Arial" panose="020B0604020202020204" pitchFamily="34" charset="0"/>
+              <a:buChar char="•"/>
+            </a:pPr>
+            <a:r>
+              <a:rPr lang="it-IT" sz="2800" dirty="0" smtClean="0">
+                <a:latin typeface="Trebuchet MS" charset="0"/>
+              </a:rPr>
+              <a:t>Sito: https</a:t>
+            </a:r>
+            <a:r>
+              <a:rPr lang="it-IT" sz="2800" dirty="0">
+                <a:latin typeface="Trebuchet MS" charset="0"/>
+              </a:rPr>
+              <a:t>://github.com/jrowberg/i2cdevlib/tree/master/Arduino</a:t>
+            </a:r>
+          </a:p>
+          <a:p>
+            <a:endParaRPr lang="it-IT" sz="2800" dirty="0">
+              <a:latin typeface="Trebuchet MS" charset="0"/>
+            </a:endParaRPr>
           </a:p>
           <a:p>
             <a:pPr algn="ctr"/>
@@ -12541,7 +13980,7 @@
     </p:spTree>
     <p:extLst>
       <p:ext uri="{BB962C8B-B14F-4D97-AF65-F5344CB8AC3E}">
-        <p14:creationId xmlns:p14="http://schemas.microsoft.com/office/powerpoint/2010/main" val="136151878"/>
+        <p14:creationId xmlns:p14="http://schemas.microsoft.com/office/powerpoint/2010/main" val="1238224736"/>
       </p:ext>
     </p:extLst>
   </p:cSld>
@@ -12575,34 +14014,139 @@
           <a:chExt cx="0" cy="0"/>
         </a:xfrm>
       </p:grpSpPr>
-      <p:pic>
-        <p:nvPicPr>
-          <p:cNvPr id="2" name="Immagine 1" descr="schematic ADP-01 (1).png"/>
-          <p:cNvPicPr>
-            <a:picLocks noChangeAspect="1"/>
-          </p:cNvPicPr>
+      <p:sp>
+        <p:nvSpPr>
+          <p:cNvPr id="2" name="Titolo 1"/>
+          <p:cNvSpPr>
+            <a:spLocks noGrp="1"/>
+          </p:cNvSpPr>
+          <p:nvPr>
+            <p:ph type="title"/>
+          </p:nvPr>
+        </p:nvSpPr>
+        <p:spPr>
+          <a:xfrm>
+            <a:off x="1" y="753228"/>
+            <a:ext cx="10294182" cy="1080938"/>
+          </a:xfrm>
+        </p:spPr>
+        <p:txBody>
+          <a:bodyPr>
+            <a:noAutofit/>
+          </a:bodyPr>
+          <a:lstStyle/>
+          <a:p>
+            <a:r>
+              <a:rPr lang="it-IT" sz="4000" dirty="0"/>
+              <a:t>Librerie di sviluppatori terzi adoperate</a:t>
+            </a:r>
+          </a:p>
+        </p:txBody>
+      </p:sp>
+      <p:sp>
+        <p:nvSpPr>
+          <p:cNvPr id="3" name="CasellaDiTesto 2"/>
+          <p:cNvSpPr txBox="1"/>
           <p:nvPr/>
-        </p:nvPicPr>
-        <p:blipFill>
-          <a:blip r:embed="rId3"/>
-          <a:stretch>
-            <a:fillRect/>
-          </a:stretch>
-        </p:blipFill>
-        <p:spPr>
-          <a:xfrm>
-            <a:off x="0" y="0"/>
-            <a:ext cx="12267809" cy="6881813"/>
+        </p:nvSpPr>
+        <p:spPr>
+          <a:xfrm>
+            <a:off x="115888" y="2403012"/>
+            <a:ext cx="11960225" cy="4555093"/>
           </a:xfrm>
           <a:prstGeom prst="rect">
             <a:avLst/>
           </a:prstGeom>
-        </p:spPr>
-      </p:pic>
+          <a:noFill/>
+        </p:spPr>
+        <p:txBody>
+          <a:bodyPr wrap="square" rtlCol="0" anchor="t">
+            <a:spAutoFit/>
+          </a:bodyPr>
+          <a:lstStyle/>
+          <a:p>
+            <a:r>
+              <a:rPr lang="it-IT" sz="2800" dirty="0"/>
+              <a:t>WeeESP8266</a:t>
+            </a:r>
+          </a:p>
+          <a:p>
+            <a:pPr marL="457200" indent="-457200">
+              <a:buFont typeface="Arial" panose="020B0604020202020204" pitchFamily="34" charset="0"/>
+              <a:buChar char="•"/>
+            </a:pPr>
+            <a:endParaRPr lang="it-IT" sz="2800" dirty="0"/>
+          </a:p>
+          <a:p>
+            <a:pPr marL="457200" indent="-457200">
+              <a:buFont typeface="Arial" panose="020B0604020202020204" pitchFamily="34" charset="0"/>
+              <a:buChar char="•"/>
+            </a:pPr>
+            <a:r>
+              <a:rPr lang="it-IT" sz="2800" dirty="0" smtClean="0"/>
+              <a:t>Una libreria per </a:t>
+            </a:r>
+            <a:r>
+              <a:rPr lang="it-IT" sz="2800" dirty="0"/>
+              <a:t>Arduino </a:t>
+            </a:r>
+            <a:r>
+              <a:rPr lang="it-IT" sz="2800" dirty="0" smtClean="0"/>
+              <a:t>che fornisce una maniera semplice per manipolare il modulo ESP8266</a:t>
+            </a:r>
+            <a:r>
+              <a:rPr lang="it-IT" sz="2800" dirty="0"/>
+              <a:t>. </a:t>
+            </a:r>
+            <a:endParaRPr lang="it-IT" sz="2800" dirty="0" smtClean="0"/>
+          </a:p>
+          <a:p>
+            <a:pPr marL="457200" indent="-457200">
+              <a:buFont typeface="Arial" panose="020B0604020202020204" pitchFamily="34" charset="0"/>
+              <a:buChar char="•"/>
+            </a:pPr>
+            <a:r>
+              <a:rPr lang="it-IT" sz="2800" dirty="0" smtClean="0"/>
+              <a:t>Il </a:t>
+            </a:r>
+            <a:r>
+              <a:rPr lang="it-IT" sz="2800" dirty="0"/>
+              <a:t>codice sorgente può essere scaricato dal seguente link: https://github.com/itead/ITEADLIB_Arduino_WeeESP8266.</a:t>
+            </a:r>
+          </a:p>
+          <a:p>
+            <a:pPr marL="457200" indent="-457200">
+              <a:buFont typeface="Arial" panose="020B0604020202020204" pitchFamily="34" charset="0"/>
+              <a:buChar char="•"/>
+            </a:pPr>
+            <a:endParaRPr lang="it-IT" sz="2800" dirty="0"/>
+          </a:p>
+          <a:p>
+            <a:pPr marL="457200" indent="-457200">
+              <a:buFont typeface="Arial" panose="020B0604020202020204" pitchFamily="34" charset="0"/>
+              <a:buChar char="•"/>
+            </a:pPr>
+            <a:r>
+              <a:rPr lang="it-IT" sz="2800" dirty="0" smtClean="0"/>
+              <a:t>Particolarità: occupa molto spazio </a:t>
+            </a:r>
+            <a:r>
+              <a:rPr lang="it-IT" sz="2800" dirty="0"/>
+              <a:t>in memoria RAM, presumibilmente più rapida.</a:t>
+            </a:r>
+          </a:p>
+          <a:p>
+            <a:endParaRPr lang="it-IT" dirty="0"/>
+          </a:p>
+          <a:p>
+            <a:endParaRPr lang="it-IT" sz="2000" dirty="0"/>
+          </a:p>
+        </p:txBody>
+      </p:sp>
     </p:spTree>
     <p:extLst>
       <p:ext uri="{BB962C8B-B14F-4D97-AF65-F5344CB8AC3E}">
-        <p14:creationId xmlns:p14="http://schemas.microsoft.com/office/powerpoint/2010/main" val="2037541562"/>
+        <p14:creationId xmlns:p14="http://schemas.microsoft.com/office/powerpoint/2010/main" val="4034955394"/>
       </p:ext>
     </p:extLst>
   </p:cSld>
@@ -12638,219 +14182,208 @@
       </p:grpSpPr>
       <p:sp>
         <p:nvSpPr>
-          <p:cNvPr id="2" name="Titolo 1"/>
-          <p:cNvSpPr>
-            <a:spLocks noGrp="1"/>
-          </p:cNvSpPr>
-          <p:nvPr>
-            <p:ph type="title"/>
-          </p:nvPr>
-        </p:nvSpPr>
-        <p:spPr>
-          <a:xfrm>
-            <a:off x="57584" y="752475"/>
-            <a:ext cx="10237354" cy="1081088"/>
-          </a:xfrm>
-        </p:spPr>
-        <p:txBody>
-          <a:bodyPr/>
-          <a:lstStyle/>
-          <a:p>
-            <a:r>
-              <a:rPr lang="it-IT" sz="4800" dirty="0" smtClean="0"/>
-              <a:t>Accelerometro MPU6050</a:t>
-            </a:r>
-            <a:endParaRPr lang="it-IT" sz="4800" dirty="0"/>
-          </a:p>
-        </p:txBody>
-      </p:sp>
-      <p:sp>
-        <p:nvSpPr>
-          <p:cNvPr id="3" name="CasellaDiTesto 2"/>
+          <p:cNvPr id="2" name="CasellaDiTesto 1"/>
           <p:cNvSpPr txBox="1"/>
           <p:nvPr/>
         </p:nvSpPr>
         <p:spPr>
           <a:xfrm>
-            <a:off x="4724400" y="2734177"/>
-            <a:ext cx="2743200" cy="369332"/>
-          </a:xfrm>
-          <a:prstGeom prst="rect">
-            <a:avLst/>
-          </a:prstGeom>
-        </p:spPr>
-        <p:txBody>
-          <a:bodyPr rtlCol="0">
-            <a:spAutoFit/>
-          </a:bodyPr>
-          <a:lstStyle/>
-          <a:p>
-            <a:pPr algn="ctr"/>
-            <a:endParaRPr lang="it-IT" dirty="0">
-              <a:solidFill>
-                <a:srgbClr val="212121"/>
-              </a:solidFill>
-              <a:latin typeface="Consolas" charset="0"/>
-            </a:endParaRPr>
-          </a:p>
-        </p:txBody>
-      </p:sp>
-      <p:sp>
-        <p:nvSpPr>
-          <p:cNvPr id="4" name="CasellaDiTesto 3"/>
-          <p:cNvSpPr txBox="1"/>
-          <p:nvPr/>
-        </p:nvSpPr>
-        <p:spPr>
-          <a:xfrm>
-            <a:off x="140481" y="2366938"/>
-            <a:ext cx="5864393" cy="2031325"/>
-          </a:xfrm>
-          <a:prstGeom prst="rect">
-            <a:avLst/>
-          </a:prstGeom>
-        </p:spPr>
-        <p:txBody>
-          <a:bodyPr wrap="square" rtlCol="0">
-            <a:spAutoFit/>
-          </a:bodyPr>
-          <a:lstStyle/>
-          <a:p>
-            <a:pPr marL="285750" indent="-285750">
-              <a:buFont typeface="Arial" panose="020B0604020202020204" pitchFamily="34" charset="0"/>
-              <a:buChar char="•"/>
-            </a:pPr>
-            <a:r>
-              <a:rPr lang="it-IT" dirty="0"/>
-              <a:t>Chip con Convertitore AD a 16 bit Integrato</a:t>
-            </a:r>
-          </a:p>
-          <a:p>
-            <a:pPr marL="285750" indent="-285750">
-              <a:buFont typeface="Arial" panose="020B0604020202020204" pitchFamily="34" charset="0"/>
-              <a:buChar char="•"/>
-            </a:pPr>
-            <a:r>
-              <a:rPr lang="it-IT" dirty="0" err="1"/>
-              <a:t>Range</a:t>
-            </a:r>
-            <a:r>
-              <a:rPr lang="it-IT" dirty="0"/>
-              <a:t> di misura giroscopio: ±250, 500, 1000 e 2000°/s</a:t>
-            </a:r>
-          </a:p>
-          <a:p>
-            <a:pPr marL="285750" indent="-285750">
-              <a:buFont typeface="Arial" panose="020B0604020202020204" pitchFamily="34" charset="0"/>
-              <a:buChar char="•"/>
-            </a:pPr>
-            <a:r>
-              <a:rPr lang="it-IT" dirty="0" err="1"/>
-              <a:t>Range</a:t>
-            </a:r>
-            <a:r>
-              <a:rPr lang="it-IT" dirty="0"/>
-              <a:t> di misura accelerometro: +2, +4 , +8 , +16 g</a:t>
-            </a:r>
-          </a:p>
-          <a:p>
-            <a:pPr marL="285750" indent="-285750">
-              <a:buFont typeface="Arial" panose="020B0604020202020204" pitchFamily="34" charset="0"/>
-              <a:buChar char="•"/>
-            </a:pPr>
-            <a:r>
-              <a:rPr lang="it-IT" dirty="0"/>
-              <a:t>Interfaccia: I²C</a:t>
-            </a:r>
-          </a:p>
-          <a:p>
-            <a:pPr marL="285750" indent="-285750">
-              <a:buFont typeface="Arial" panose="020B0604020202020204" pitchFamily="34" charset="0"/>
-              <a:buChar char="•"/>
-            </a:pPr>
-            <a:r>
-              <a:rPr lang="it-IT" dirty="0"/>
-              <a:t>Alimentazione: da 3V a 5V</a:t>
-            </a:r>
-          </a:p>
-          <a:p>
-            <a:pPr marL="285750" indent="-285750" algn="ctr">
-              <a:buFont typeface="Arial" panose="020B0604020202020204" pitchFamily="34" charset="0"/>
-              <a:buChar char="•"/>
-            </a:pPr>
-            <a:endParaRPr lang="it-IT" dirty="0"/>
-          </a:p>
-        </p:txBody>
-      </p:sp>
-      <p:pic>
-        <p:nvPicPr>
-          <p:cNvPr id="5" name="Picture 2" descr="http://noro24.de/index.php?rex_img_type=gallery_overview&amp;rex_img_file=mpu6050-and-arduino.png"/>
-          <p:cNvPicPr>
-            <a:picLocks noChangeAspect="1" noChangeArrowheads="1"/>
-          </p:cNvPicPr>
-          <p:nvPr/>
-        </p:nvPicPr>
-        <p:blipFill>
-          <a:blip r:embed="rId3">
-            <a:extLst>
-              <a:ext uri="{28A0092B-C50C-407E-A947-70E740481C1C}">
-                <a14:useLocalDpi xmlns:a14="http://schemas.microsoft.com/office/drawing/2010/main" val="0"/>
-              </a:ext>
-            </a:extLst>
-          </a:blip>
-          <a:srcRect/>
-          <a:stretch>
-            <a:fillRect/>
-          </a:stretch>
-        </p:blipFill>
-        <p:spPr bwMode="auto">
-          <a:xfrm>
-            <a:off x="7093703" y="1114424"/>
-            <a:ext cx="4762500" cy="5743576"/>
+            <a:off x="190402" y="0"/>
+            <a:ext cx="10218738" cy="6924973"/>
           </a:xfrm>
           <a:prstGeom prst="rect">
             <a:avLst/>
           </a:prstGeom>
           <a:noFill/>
-          <a:extLst>
-            <a:ext uri="{909E8E84-426E-40DD-AFC4-6F175D3DCCD1}">
-              <a14:hiddenFill xmlns:a14="http://schemas.microsoft.com/office/drawing/2010/main">
-                <a:solidFill>
-                  <a:srgbClr val="FFFFFF"/>
-                </a:solidFill>
-              </a14:hiddenFill>
-            </a:ext>
-          </a:extLst>
-        </p:spPr>
-      </p:pic>
-      <p:pic>
-        <p:nvPicPr>
-          <p:cNvPr id="6" name="Immagine 5"/>
-          <p:cNvPicPr>
-            <a:picLocks noChangeAspect="1"/>
-          </p:cNvPicPr>
-          <p:nvPr/>
-        </p:nvPicPr>
-        <p:blipFill>
-          <a:blip r:embed="rId4"/>
-          <a:stretch>
-            <a:fillRect/>
-          </a:stretch>
-        </p:blipFill>
-        <p:spPr>
-          <a:xfrm>
-            <a:off x="686421" y="4310140"/>
-            <a:ext cx="5778445" cy="2448879"/>
-          </a:xfrm>
-          <a:prstGeom prst="rect">
-            <a:avLst/>
-          </a:prstGeom>
-        </p:spPr>
-      </p:pic>
+        </p:spPr>
+        <p:txBody>
+          <a:bodyPr wrap="square" rtlCol="0" anchor="t">
+            <a:spAutoFit/>
+          </a:bodyPr>
+          <a:lstStyle/>
+          <a:p>
+            <a:r>
+              <a:rPr lang="it-IT" sz="4000" dirty="0"/>
+              <a:t>ESP8266wifi</a:t>
+            </a:r>
+          </a:p>
+          <a:p>
+            <a:pPr marL="457200" indent="-457200">
+              <a:buFont typeface="Arial" panose="020B0604020202020204" pitchFamily="34" charset="0"/>
+              <a:buChar char="•"/>
+            </a:pPr>
+            <a:r>
+              <a:rPr lang="it-IT" sz="2800" dirty="0"/>
+              <a:t>A </a:t>
+            </a:r>
+            <a:r>
+              <a:rPr lang="it-IT" sz="2800" dirty="0" err="1"/>
+              <a:t>simple</a:t>
+            </a:r>
+            <a:r>
+              <a:rPr lang="it-IT" sz="2800" dirty="0"/>
+              <a:t> ESP8266 Arduino </a:t>
+            </a:r>
+            <a:r>
+              <a:rPr lang="it-IT" sz="2800" dirty="0" err="1"/>
+              <a:t>library</a:t>
+            </a:r>
+            <a:r>
+              <a:rPr lang="it-IT" sz="2800" dirty="0"/>
+              <a:t> with </a:t>
+            </a:r>
+            <a:r>
+              <a:rPr lang="it-IT" sz="2800" dirty="0" err="1"/>
+              <a:t>built</a:t>
+            </a:r>
+            <a:r>
+              <a:rPr lang="it-IT" sz="2800" dirty="0"/>
+              <a:t> in re-</a:t>
+            </a:r>
+            <a:r>
+              <a:rPr lang="it-IT" sz="2800" dirty="0" err="1"/>
+              <a:t>connect</a:t>
+            </a:r>
+            <a:r>
+              <a:rPr lang="it-IT" sz="2800" dirty="0"/>
+              <a:t> </a:t>
+            </a:r>
+            <a:r>
+              <a:rPr lang="it-IT" sz="2800" dirty="0" err="1"/>
+              <a:t>functionality</a:t>
+            </a:r>
+            <a:r>
+              <a:rPr lang="it-IT" sz="2800" dirty="0"/>
+              <a:t>. https://github.com/ekstrand/ESP8266wifi</a:t>
+            </a:r>
+          </a:p>
+          <a:p>
+            <a:pPr marL="457200" indent="-457200">
+              <a:buFont typeface="Arial" panose="020B0604020202020204" pitchFamily="34" charset="0"/>
+              <a:buChar char="•"/>
+            </a:pPr>
+            <a:endParaRPr lang="it-IT" sz="2800" dirty="0"/>
+          </a:p>
+          <a:p>
+            <a:pPr marL="457200" indent="-457200">
+              <a:buFont typeface="Arial" panose="020B0604020202020204" pitchFamily="34" charset="0"/>
+              <a:buChar char="•"/>
+            </a:pPr>
+            <a:r>
+              <a:rPr lang="it-IT" sz="2800" dirty="0"/>
+              <a:t>Particolarità: comandi AT memorizzati su area istruzioni per risparmiare spazio per i dati (tramite direttiva PROGMEM)</a:t>
+            </a:r>
+          </a:p>
+          <a:p>
+            <a:r>
+              <a:rPr lang="it-IT" sz="2800" dirty="0"/>
+              <a:t> </a:t>
+            </a:r>
+          </a:p>
+          <a:p>
+            <a:r>
+              <a:rPr lang="it-IT" sz="4000" dirty="0" err="1"/>
+              <a:t>Fishino</a:t>
+            </a:r>
+            <a:r>
+              <a:rPr lang="it-IT" sz="4000" dirty="0"/>
+              <a:t> </a:t>
+            </a:r>
+            <a:r>
+              <a:rPr lang="it-IT" sz="4000" dirty="0" err="1"/>
+              <a:t>libraries</a:t>
+            </a:r>
+            <a:endParaRPr lang="it-IT" sz="4000" dirty="0"/>
+          </a:p>
+          <a:p>
+            <a:pPr marL="457200" indent="-457200">
+              <a:buFont typeface="Arial" panose="020B0604020202020204" pitchFamily="34" charset="0"/>
+              <a:buChar char="•"/>
+            </a:pPr>
+            <a:r>
+              <a:rPr lang="it-IT" sz="2800" dirty="0"/>
+              <a:t>Librerie della scheda </a:t>
+            </a:r>
+            <a:r>
+              <a:rPr lang="it-IT" sz="2800" dirty="0" err="1"/>
+              <a:t>arduino</a:t>
+            </a:r>
+            <a:r>
+              <a:rPr lang="it-IT" sz="2800" dirty="0"/>
+              <a:t> compatibile con il modulo WIFI ESP8266 integrato on </a:t>
+            </a:r>
+            <a:r>
+              <a:rPr lang="it-IT" sz="2800" dirty="0" err="1"/>
+              <a:t>board</a:t>
+            </a:r>
+            <a:r>
+              <a:rPr lang="it-IT" sz="2800" dirty="0"/>
+              <a:t>. </a:t>
+            </a:r>
+            <a:endParaRPr lang="it-IT" sz="2800" dirty="0" smtClean="0"/>
+          </a:p>
+          <a:p>
+            <a:pPr marL="457200" indent="-457200">
+              <a:buFont typeface="Arial" panose="020B0604020202020204" pitchFamily="34" charset="0"/>
+              <a:buChar char="•"/>
+            </a:pPr>
+            <a:r>
+              <a:rPr lang="it-IT" sz="2800" dirty="0" smtClean="0"/>
+              <a:t>Utilizzata </a:t>
+            </a:r>
+            <a:r>
+              <a:rPr lang="it-IT" sz="2800" dirty="0"/>
+              <a:t>per ottenere riferimenti per creare un </a:t>
+            </a:r>
+            <a:r>
+              <a:rPr lang="it-IT" sz="2800" dirty="0" err="1"/>
+              <a:t>wrapper</a:t>
+            </a:r>
+            <a:r>
+              <a:rPr lang="it-IT" sz="2800" dirty="0"/>
+              <a:t> della libreria ESP8266wifi che esponga le funzioni usuali delle librerie del modulo </a:t>
+            </a:r>
+            <a:r>
+              <a:rPr lang="it-IT" sz="2800" dirty="0" err="1"/>
+              <a:t>Etherner</a:t>
+            </a:r>
+            <a:r>
+              <a:rPr lang="it-IT" sz="2800" dirty="0"/>
+              <a:t> </a:t>
+            </a:r>
+            <a:r>
+              <a:rPr lang="it-IT" sz="2800" dirty="0" err="1"/>
+              <a:t>Shield</a:t>
+            </a:r>
+            <a:r>
+              <a:rPr lang="it-IT" sz="2800" dirty="0"/>
+              <a:t> di </a:t>
+            </a:r>
+            <a:r>
+              <a:rPr lang="it-IT" sz="2800" dirty="0" smtClean="0"/>
+              <a:t>Arduino. </a:t>
+            </a:r>
+          </a:p>
+          <a:p>
+            <a:pPr marL="457200" indent="-457200">
+              <a:buFont typeface="Arial" panose="020B0604020202020204" pitchFamily="34" charset="0"/>
+              <a:buChar char="•"/>
+            </a:pPr>
+            <a:r>
+              <a:rPr lang="it-IT" sz="2800" dirty="0" smtClean="0"/>
+              <a:t>Scaricabile </a:t>
+            </a:r>
+            <a:r>
+              <a:rPr lang="it-IT" sz="2800" dirty="0"/>
+              <a:t>presso: arduinohttp://fishino.it/en/download/</a:t>
+            </a:r>
+          </a:p>
+        </p:txBody>
+      </p:sp>
     </p:spTree>
     <p:extLst>
       <p:ext uri="{BB962C8B-B14F-4D97-AF65-F5344CB8AC3E}">
-        <p14:creationId xmlns:p14="http://schemas.microsoft.com/office/powerpoint/2010/main" val="379859213"/>
+        <p14:creationId xmlns:p14="http://schemas.microsoft.com/office/powerpoint/2010/main" val="363647099"/>
       </p:ext>
     </p:extLst>
   </p:cSld>
@@ -12868,6 +14401,425 @@
 </file>
 
 <file path=ppt/slides/slide23.xml><?xml version="1.0" encoding="utf-8"?>
+<p:sld xmlns:a="http://schemas.openxmlformats.org/drawingml/2006/main" xmlns:r="http://schemas.openxmlformats.org/officeDocument/2006/relationships" xmlns:p="http://schemas.openxmlformats.org/presentationml/2006/main">
+  <p:cSld>
+    <p:spTree>
+      <p:nvGrpSpPr>
+        <p:cNvPr id="1" name=""/>
+        <p:cNvGrpSpPr/>
+        <p:nvPr/>
+      </p:nvGrpSpPr>
+      <p:grpSpPr>
+        <a:xfrm>
+          <a:off x="0" y="0"/>
+          <a:ext cx="0" cy="0"/>
+          <a:chOff x="0" y="0"/>
+          <a:chExt cx="0" cy="0"/>
+        </a:xfrm>
+      </p:grpSpPr>
+      <p:sp>
+        <p:nvSpPr>
+          <p:cNvPr id="2" name="Titolo 1"/>
+          <p:cNvSpPr>
+            <a:spLocks noGrp="1"/>
+          </p:cNvSpPr>
+          <p:nvPr>
+            <p:ph type="title"/>
+          </p:nvPr>
+        </p:nvSpPr>
+        <p:spPr>
+          <a:xfrm>
+            <a:off x="1" y="753228"/>
+            <a:ext cx="10294182" cy="1080938"/>
+          </a:xfrm>
+        </p:spPr>
+        <p:txBody>
+          <a:bodyPr>
+            <a:normAutofit fontScale="90000"/>
+          </a:bodyPr>
+          <a:lstStyle/>
+          <a:p>
+            <a:r>
+              <a:rPr lang="it-IT" sz="6700" dirty="0"/>
+              <a:t>Prototipi realizzati:</a:t>
+            </a:r>
+            <a:r>
+              <a:rPr lang="it-IT" dirty="0"/>
+              <a:t/>
+            </a:r>
+            <a:br>
+              <a:rPr lang="it-IT" dirty="0"/>
+            </a:br>
+            <a:endParaRPr lang="it-IT" dirty="0"/>
+          </a:p>
+        </p:txBody>
+      </p:sp>
+      <p:sp>
+        <p:nvSpPr>
+          <p:cNvPr id="3" name="CasellaDiTesto 2"/>
+          <p:cNvSpPr txBox="1"/>
+          <p:nvPr/>
+        </p:nvSpPr>
+        <p:spPr>
+          <a:xfrm>
+            <a:off x="87317" y="1631396"/>
+            <a:ext cx="9150950" cy="4924425"/>
+          </a:xfrm>
+          <a:prstGeom prst="rect">
+            <a:avLst/>
+          </a:prstGeom>
+          <a:noFill/>
+        </p:spPr>
+        <p:txBody>
+          <a:bodyPr wrap="square" rtlCol="0">
+            <a:spAutoFit/>
+          </a:bodyPr>
+          <a:lstStyle/>
+          <a:p>
+            <a:endParaRPr lang="it-IT" dirty="0"/>
+          </a:p>
+          <a:p>
+            <a:r>
+              <a:rPr lang="it-IT" sz="2800" dirty="0"/>
+              <a:t>Particolarità</a:t>
+            </a:r>
+            <a:r>
+              <a:rPr lang="it-IT" sz="2400" dirty="0"/>
+              <a:t>: </a:t>
+            </a:r>
+          </a:p>
+          <a:p>
+            <a:pPr marL="342900" indent="-342900">
+              <a:buFont typeface="Arial" panose="020B0604020202020204" pitchFamily="34" charset="0"/>
+              <a:buChar char="•"/>
+            </a:pPr>
+            <a:r>
+              <a:rPr lang="it-IT" sz="2400" dirty="0"/>
+              <a:t>utilizzano l'accelerometro digitale </a:t>
+            </a:r>
+            <a:r>
+              <a:rPr lang="it-IT" sz="2400" dirty="0" smtClean="0"/>
+              <a:t>MPU6050</a:t>
+            </a:r>
+          </a:p>
+          <a:p>
+            <a:pPr marL="342900" indent="-342900">
+              <a:buFont typeface="Arial" panose="020B0604020202020204" pitchFamily="34" charset="0"/>
+              <a:buChar char="•"/>
+            </a:pPr>
+            <a:r>
+              <a:rPr lang="it-IT" sz="2400" dirty="0" smtClean="0"/>
+              <a:t>si </a:t>
+            </a:r>
+            <a:r>
+              <a:rPr lang="it-IT" sz="2400" dirty="0"/>
+              <a:t>collegano ad internet tramite il modulo </a:t>
+            </a:r>
+            <a:r>
+              <a:rPr lang="it-IT" sz="2400" dirty="0" err="1"/>
+              <a:t>wifi</a:t>
+            </a:r>
+            <a:r>
+              <a:rPr lang="it-IT" sz="2400" dirty="0"/>
+              <a:t> </a:t>
+            </a:r>
+            <a:r>
+              <a:rPr lang="it-IT" sz="2400" dirty="0" smtClean="0"/>
+              <a:t>ESP8266</a:t>
+            </a:r>
+          </a:p>
+          <a:p>
+            <a:pPr marL="342900" indent="-342900">
+              <a:buFont typeface="Arial" panose="020B0604020202020204" pitchFamily="34" charset="0"/>
+              <a:buChar char="•"/>
+            </a:pPr>
+            <a:r>
+              <a:rPr lang="it-IT" sz="2400" dirty="0" smtClean="0"/>
+              <a:t>implementano </a:t>
+            </a:r>
+            <a:r>
+              <a:rPr lang="it-IT" sz="2400" dirty="0"/>
+              <a:t>l'algoritmo rilevatore di soglia del prototipo </a:t>
+            </a:r>
+            <a:r>
+              <a:rPr lang="it-IT" sz="2400" dirty="0" err="1"/>
+              <a:t>seismocloud</a:t>
+            </a:r>
+            <a:r>
+              <a:rPr lang="it-IT" sz="2400" dirty="0"/>
+              <a:t> basato su </a:t>
+            </a:r>
+            <a:r>
+              <a:rPr lang="it-IT" sz="2400" dirty="0" err="1"/>
+              <a:t>raspberry</a:t>
+            </a:r>
+            <a:r>
+              <a:rPr lang="it-IT" sz="2400" dirty="0"/>
+              <a:t>/Galileo.</a:t>
+            </a:r>
+          </a:p>
+          <a:p>
+            <a:pPr marL="342900" indent="-342900">
+              <a:buFont typeface="Arial" panose="020B0604020202020204" pitchFamily="34" charset="0"/>
+              <a:buChar char="•"/>
+            </a:pPr>
+            <a:endParaRPr lang="it-IT" sz="2400" dirty="0"/>
+          </a:p>
+          <a:p>
+            <a:pPr marL="342900" indent="-342900">
+              <a:buFont typeface="Arial" panose="020B0604020202020204" pitchFamily="34" charset="0"/>
+              <a:buChar char="•"/>
+            </a:pPr>
+            <a:r>
+              <a:rPr lang="it-IT" sz="2400" dirty="0"/>
+              <a:t>Le librerie </a:t>
+            </a:r>
+            <a:r>
+              <a:rPr lang="it-IT" sz="2400" dirty="0" smtClean="0"/>
+              <a:t>necessarie (integrate </a:t>
+            </a:r>
+            <a:r>
+              <a:rPr lang="it-IT" sz="2400" dirty="0"/>
+              <a:t>e rimaneggiate rispetto alle originali) </a:t>
+            </a:r>
+            <a:r>
+              <a:rPr lang="it-IT" sz="2400" dirty="0" smtClean="0"/>
+              <a:t>sono </a:t>
+            </a:r>
+            <a:r>
+              <a:rPr lang="it-IT" sz="2400" dirty="0"/>
+              <a:t>già incluse nelle cartelle dei prototipi.</a:t>
+            </a:r>
+          </a:p>
+          <a:p>
+            <a:pPr marL="342900" indent="-342900">
+              <a:buFont typeface="Arial" panose="020B0604020202020204" pitchFamily="34" charset="0"/>
+              <a:buChar char="•"/>
+            </a:pPr>
+            <a:endParaRPr lang="it-IT" sz="2400" dirty="0"/>
+          </a:p>
+          <a:p>
+            <a:r>
+              <a:rPr lang="it-IT" sz="2800" dirty="0"/>
+              <a:t>Mancanze</a:t>
+            </a:r>
+            <a:r>
+              <a:rPr lang="it-IT" sz="2400" dirty="0"/>
+              <a:t>: </a:t>
+            </a:r>
+          </a:p>
+          <a:p>
+            <a:pPr marL="342900" indent="-342900">
+              <a:buFont typeface="Arial" panose="020B0604020202020204" pitchFamily="34" charset="0"/>
+              <a:buChar char="•"/>
+            </a:pPr>
+            <a:r>
+              <a:rPr lang="it-IT" sz="2400" dirty="0"/>
+              <a:t>attualmente non comunica al server la magnitudo dei terremoti ma si limita a mostrarla in locale. </a:t>
+            </a:r>
+          </a:p>
+        </p:txBody>
+      </p:sp>
+    </p:spTree>
+    <p:extLst>
+      <p:ext uri="{BB962C8B-B14F-4D97-AF65-F5344CB8AC3E}">
+        <p14:creationId xmlns:p14="http://schemas.microsoft.com/office/powerpoint/2010/main" val="3958621741"/>
+      </p:ext>
+    </p:extLst>
+  </p:cSld>
+  <p:clrMapOvr>
+    <a:masterClrMapping/>
+  </p:clrMapOvr>
+  <p:timing>
+    <p:tnLst>
+      <p:par>
+        <p:cTn id="1" dur="indefinite" restart="never" nodeType="tmRoot"/>
+      </p:par>
+    </p:tnLst>
+  </p:timing>
+</p:sld>
+</file>
+
+<file path=ppt/slides/slide24.xml><?xml version="1.0" encoding="utf-8"?>
+<p:sld xmlns:a="http://schemas.openxmlformats.org/drawingml/2006/main" xmlns:r="http://schemas.openxmlformats.org/officeDocument/2006/relationships" xmlns:p="http://schemas.openxmlformats.org/presentationml/2006/main">
+  <p:cSld>
+    <p:spTree>
+      <p:nvGrpSpPr>
+        <p:cNvPr id="1" name=""/>
+        <p:cNvGrpSpPr/>
+        <p:nvPr/>
+      </p:nvGrpSpPr>
+      <p:grpSpPr>
+        <a:xfrm>
+          <a:off x="0" y="0"/>
+          <a:ext cx="0" cy="0"/>
+          <a:chOff x="0" y="0"/>
+          <a:chExt cx="0" cy="0"/>
+        </a:xfrm>
+      </p:grpSpPr>
+      <p:sp>
+        <p:nvSpPr>
+          <p:cNvPr id="2" name="CasellaDiTesto 1"/>
+          <p:cNvSpPr txBox="1"/>
+          <p:nvPr/>
+        </p:nvSpPr>
+        <p:spPr>
+          <a:xfrm>
+            <a:off x="139486" y="346577"/>
+            <a:ext cx="11027044" cy="6247864"/>
+          </a:xfrm>
+          <a:prstGeom prst="rect">
+            <a:avLst/>
+          </a:prstGeom>
+          <a:noFill/>
+        </p:spPr>
+        <p:txBody>
+          <a:bodyPr wrap="square" rtlCol="0" anchor="t">
+            <a:spAutoFit/>
+          </a:bodyPr>
+          <a:lstStyle/>
+          <a:p>
+            <a:pPr marL="457200" indent="-457200">
+              <a:buFont typeface="Arial" panose="020B0604020202020204" pitchFamily="34" charset="0"/>
+              <a:buChar char="•"/>
+            </a:pPr>
+            <a:r>
+              <a:rPr lang="it-IT" sz="4000" b="1" dirty="0" err="1"/>
+              <a:t>seismocloudArduinoUno</a:t>
+            </a:r>
+            <a:r>
+              <a:rPr lang="it-IT" sz="2800" dirty="0"/>
+              <a:t> </a:t>
+            </a:r>
+            <a:endParaRPr lang="it-IT" sz="2800" dirty="0" smtClean="0"/>
+          </a:p>
+          <a:p>
+            <a:pPr marL="457200" indent="-457200">
+              <a:buFont typeface="Arial" panose="020B0604020202020204" pitchFamily="34" charset="0"/>
+              <a:buChar char="•"/>
+            </a:pPr>
+            <a:r>
+              <a:rPr lang="it-IT" sz="2800" dirty="0" smtClean="0"/>
+              <a:t>utilizza </a:t>
+            </a:r>
+            <a:r>
+              <a:rPr lang="it-IT" sz="2800" dirty="0"/>
+              <a:t>le librerie </a:t>
+            </a:r>
+            <a:r>
+              <a:rPr lang="it-IT" sz="2800" dirty="0" smtClean="0"/>
+              <a:t>WeeESP8266. Attualmente </a:t>
+            </a:r>
+            <a:r>
+              <a:rPr lang="it-IT" sz="2800" dirty="0"/>
+              <a:t>è incompleto </a:t>
+            </a:r>
+            <a:r>
+              <a:rPr lang="it-IT" sz="2800" dirty="0" err="1"/>
+              <a:t>perchè</a:t>
+            </a:r>
+            <a:r>
+              <a:rPr lang="it-IT" sz="2800" dirty="0"/>
+              <a:t> il suo sviluppo è stato momentaneamente abbandonato </a:t>
+            </a:r>
+            <a:r>
+              <a:rPr lang="it-IT" sz="2800" dirty="0" err="1"/>
+              <a:t>poichè</a:t>
+            </a:r>
+            <a:r>
+              <a:rPr lang="it-IT" sz="2800" dirty="0"/>
+              <a:t> la libreria occupa relativamente eccessivo spazio in RAM (andrebbe più che bene per l'Arduino Mega basato su ATMEL 2560).</a:t>
+            </a:r>
+          </a:p>
+          <a:p>
+            <a:pPr marL="571500" indent="-571500">
+              <a:buFont typeface="Arial" panose="020B0604020202020204" pitchFamily="34" charset="0"/>
+              <a:buChar char="•"/>
+            </a:pPr>
+            <a:endParaRPr lang="it-IT" sz="4000" b="1" dirty="0" smtClean="0"/>
+          </a:p>
+          <a:p>
+            <a:pPr marL="571500" indent="-571500">
+              <a:buFont typeface="Arial" panose="020B0604020202020204" pitchFamily="34" charset="0"/>
+              <a:buChar char="•"/>
+            </a:pPr>
+            <a:r>
+              <a:rPr lang="it-IT" sz="4000" b="1" dirty="0" err="1" smtClean="0"/>
+              <a:t>seismocloudArduinoUnoCorto</a:t>
+            </a:r>
+            <a:endParaRPr lang="it-IT" sz="4000" b="1" dirty="0"/>
+          </a:p>
+          <a:p>
+            <a:pPr marL="457200" indent="-457200">
+              <a:buFont typeface="Arial" panose="020B0604020202020204" pitchFamily="34" charset="0"/>
+              <a:buChar char="•"/>
+            </a:pPr>
+            <a:r>
+              <a:rPr lang="it-IT" sz="2800" dirty="0" smtClean="0"/>
+              <a:t>utilizza </a:t>
+            </a:r>
+            <a:r>
+              <a:rPr lang="it-IT" sz="2800" dirty="0"/>
+              <a:t>le librerie ESP8266wifi. È stato scelto </a:t>
+            </a:r>
+            <a:r>
+              <a:rPr lang="it-IT" sz="2800" dirty="0" err="1"/>
+              <a:t>perchè</a:t>
+            </a:r>
+            <a:r>
+              <a:rPr lang="it-IT" sz="2800" dirty="0"/>
+              <a:t> consuma minori risorse in RAM (più adatto per il meno costoso Arduino Uno</a:t>
+            </a:r>
+            <a:r>
+              <a:rPr lang="it-IT" sz="2800" dirty="0" smtClean="0"/>
+              <a:t>).</a:t>
+            </a:r>
+          </a:p>
+          <a:p>
+            <a:pPr marL="457200" indent="-457200">
+              <a:buFont typeface="Arial" panose="020B0604020202020204" pitchFamily="34" charset="0"/>
+              <a:buChar char="•"/>
+            </a:pPr>
+            <a:r>
+              <a:rPr lang="it-IT" sz="2800" dirty="0" smtClean="0"/>
+              <a:t>Attualmente </a:t>
+            </a:r>
+            <a:r>
+              <a:rPr lang="it-IT" sz="2800" dirty="0"/>
+              <a:t>completo. Il tutto compila ma il prototipo al momento non è ancora </a:t>
+            </a:r>
+            <a:r>
+              <a:rPr lang="it-IT" sz="2800" dirty="0" smtClean="0"/>
+              <a:t>completamente collaudato</a:t>
+            </a:r>
+            <a:r>
+              <a:rPr lang="it-IT" sz="2800" dirty="0"/>
+              <a:t>. </a:t>
+            </a:r>
+          </a:p>
+        </p:txBody>
+      </p:sp>
+    </p:spTree>
+    <p:extLst>
+      <p:ext uri="{BB962C8B-B14F-4D97-AF65-F5344CB8AC3E}">
+        <p14:creationId xmlns:p14="http://schemas.microsoft.com/office/powerpoint/2010/main" val="1012408699"/>
+      </p:ext>
+    </p:extLst>
+  </p:cSld>
+  <p:clrMapOvr>
+    <a:masterClrMapping/>
+  </p:clrMapOvr>
+  <p:timing>
+    <p:tnLst>
+      <p:par>
+        <p:cTn id="1" dur="indefinite" restart="never" nodeType="tmRoot"/>
+      </p:par>
+    </p:tnLst>
+  </p:timing>
+</p:sld>
+</file>
+
+<file path=ppt/slides/slide25.xml><?xml version="1.0" encoding="utf-8"?>
 <p:sld xmlns:a="http://schemas.openxmlformats.org/drawingml/2006/main" xmlns:r="http://schemas.openxmlformats.org/officeDocument/2006/relationships" xmlns:p="http://schemas.openxmlformats.org/presentationml/2006/main">
   <p:cSld>
     <p:spTree>

--- a/files/seismoclouddevice-arduino-master/PROGGETTO SAPIENZA .pptx
+++ b/files/seismoclouddevice-arduino-master/PROGGETTO SAPIENZA .pptx
@@ -5,7 +5,7 @@
     <p:sldMasterId id="2147483648" r:id="rId1"/>
   </p:sldMasterIdLst>
   <p:notesMasterIdLst>
-    <p:notesMasterId r:id="rId27"/>
+    <p:notesMasterId r:id="rId28"/>
   </p:notesMasterIdLst>
   <p:sldIdLst>
     <p:sldId id="256" r:id="rId2"/>
@@ -16,23 +16,24 @@
     <p:sldId id="261" r:id="rId7"/>
     <p:sldId id="260" r:id="rId8"/>
     <p:sldId id="277" r:id="rId9"/>
-    <p:sldId id="265" r:id="rId10"/>
-    <p:sldId id="276" r:id="rId11"/>
-    <p:sldId id="278" r:id="rId12"/>
-    <p:sldId id="279" r:id="rId13"/>
-    <p:sldId id="289" r:id="rId14"/>
-    <p:sldId id="281" r:id="rId15"/>
-    <p:sldId id="282" r:id="rId16"/>
-    <p:sldId id="291" r:id="rId17"/>
-    <p:sldId id="293" r:id="rId18"/>
-    <p:sldId id="295" r:id="rId19"/>
-    <p:sldId id="297" r:id="rId20"/>
-    <p:sldId id="280" r:id="rId21"/>
+    <p:sldId id="305" r:id="rId10"/>
+    <p:sldId id="291" r:id="rId11"/>
+    <p:sldId id="293" r:id="rId12"/>
+    <p:sldId id="295" r:id="rId13"/>
+    <p:sldId id="297" r:id="rId14"/>
+    <p:sldId id="306" r:id="rId15"/>
+    <p:sldId id="299" r:id="rId16"/>
+    <p:sldId id="300" r:id="rId17"/>
+    <p:sldId id="301" r:id="rId18"/>
+    <p:sldId id="302" r:id="rId19"/>
+    <p:sldId id="303" r:id="rId20"/>
+    <p:sldId id="304" r:id="rId21"/>
     <p:sldId id="271" r:id="rId22"/>
-    <p:sldId id="269" r:id="rId23"/>
-    <p:sldId id="272" r:id="rId24"/>
-    <p:sldId id="270" r:id="rId25"/>
-    <p:sldId id="287" r:id="rId26"/>
+    <p:sldId id="280" r:id="rId23"/>
+    <p:sldId id="269" r:id="rId24"/>
+    <p:sldId id="272" r:id="rId25"/>
+    <p:sldId id="270" r:id="rId26"/>
+    <p:sldId id="287" r:id="rId27"/>
   </p:sldIdLst>
   <p:sldSz cx="12192000" cy="6858000"/>
   <p:notesSz cx="6858000" cy="9144000"/>
@@ -646,7 +647,7 @@
     </p:spTree>
     <p:extLst>
       <p:ext uri="{BB962C8B-B14F-4D97-AF65-F5344CB8AC3E}">
-        <p14:creationId xmlns:p14="http://schemas.microsoft.com/office/powerpoint/2010/main" val="1858152046"/>
+        <p14:creationId xmlns:p14="http://schemas.microsoft.com/office/powerpoint/2010/main" val="3796155701"/>
       </p:ext>
     </p:extLst>
   </p:cSld>
@@ -730,7 +731,7 @@
     </p:spTree>
     <p:extLst>
       <p:ext uri="{BB962C8B-B14F-4D97-AF65-F5344CB8AC3E}">
-        <p14:creationId xmlns:p14="http://schemas.microsoft.com/office/powerpoint/2010/main" val="1499904776"/>
+        <p14:creationId xmlns:p14="http://schemas.microsoft.com/office/powerpoint/2010/main" val="1341233794"/>
       </p:ext>
     </p:extLst>
   </p:cSld>
@@ -741,510 +742,6 @@
 </file>
 
 <file path=ppt/notesSlides/notesSlide12.xml><?xml version="1.0" encoding="utf-8"?>
-<p:notes xmlns:a="http://schemas.openxmlformats.org/drawingml/2006/main" xmlns:r="http://schemas.openxmlformats.org/officeDocument/2006/relationships" xmlns:p="http://schemas.openxmlformats.org/presentationml/2006/main">
-  <p:cSld>
-    <p:spTree>
-      <p:nvGrpSpPr>
-        <p:cNvPr id="1" name=""/>
-        <p:cNvGrpSpPr/>
-        <p:nvPr/>
-      </p:nvGrpSpPr>
-      <p:grpSpPr>
-        <a:xfrm>
-          <a:off x="0" y="0"/>
-          <a:ext cx="0" cy="0"/>
-          <a:chOff x="0" y="0"/>
-          <a:chExt cx="0" cy="0"/>
-        </a:xfrm>
-      </p:grpSpPr>
-      <p:sp>
-        <p:nvSpPr>
-          <p:cNvPr id="2" name="Segnaposto immagine diapositiva 1"/>
-          <p:cNvSpPr>
-            <a:spLocks noGrp="1" noRot="1" noChangeAspect="1"/>
-          </p:cNvSpPr>
-          <p:nvPr>
-            <p:ph type="sldImg"/>
-          </p:nvPr>
-        </p:nvSpPr>
-        <p:spPr/>
-      </p:sp>
-      <p:sp>
-        <p:nvSpPr>
-          <p:cNvPr id="3" name="Segnaposto note 2"/>
-          <p:cNvSpPr>
-            <a:spLocks noGrp="1"/>
-          </p:cNvSpPr>
-          <p:nvPr>
-            <p:ph type="body" idx="1"/>
-          </p:nvPr>
-        </p:nvSpPr>
-        <p:spPr/>
-        <p:txBody>
-          <a:bodyPr/>
-          <a:lstStyle/>
-          <a:p>
-            <a:endParaRPr lang="it-IT"/>
-          </a:p>
-        </p:txBody>
-      </p:sp>
-      <p:sp>
-        <p:nvSpPr>
-          <p:cNvPr id="4" name="Segnaposto numero diapositiva 3"/>
-          <p:cNvSpPr>
-            <a:spLocks noGrp="1"/>
-          </p:cNvSpPr>
-          <p:nvPr>
-            <p:ph type="sldNum" sz="quarter" idx="10"/>
-          </p:nvPr>
-        </p:nvSpPr>
-        <p:spPr/>
-        <p:txBody>
-          <a:bodyPr/>
-          <a:lstStyle/>
-          <a:p>
-            <a:fld id="{00FC836F-1977-4F79-94B7-B05073DDE4F0}" type="slidenum">
-              <a:rPr lang="it-IT"/>
-              <a:t>12</a:t>
-            </a:fld>
-            <a:endParaRPr lang="it-IT"/>
-          </a:p>
-        </p:txBody>
-      </p:sp>
-    </p:spTree>
-    <p:extLst>
-      <p:ext uri="{BB962C8B-B14F-4D97-AF65-F5344CB8AC3E}">
-        <p14:creationId xmlns:p14="http://schemas.microsoft.com/office/powerpoint/2010/main" val="1114600880"/>
-      </p:ext>
-    </p:extLst>
-  </p:cSld>
-  <p:clrMapOvr>
-    <a:masterClrMapping/>
-  </p:clrMapOvr>
-</p:notes>
-</file>
-
-<file path=ppt/notesSlides/notesSlide13.xml><?xml version="1.0" encoding="utf-8"?>
-<p:notes xmlns:a="http://schemas.openxmlformats.org/drawingml/2006/main" xmlns:r="http://schemas.openxmlformats.org/officeDocument/2006/relationships" xmlns:p="http://schemas.openxmlformats.org/presentationml/2006/main">
-  <p:cSld>
-    <p:spTree>
-      <p:nvGrpSpPr>
-        <p:cNvPr id="1" name=""/>
-        <p:cNvGrpSpPr/>
-        <p:nvPr/>
-      </p:nvGrpSpPr>
-      <p:grpSpPr>
-        <a:xfrm>
-          <a:off x="0" y="0"/>
-          <a:ext cx="0" cy="0"/>
-          <a:chOff x="0" y="0"/>
-          <a:chExt cx="0" cy="0"/>
-        </a:xfrm>
-      </p:grpSpPr>
-      <p:sp>
-        <p:nvSpPr>
-          <p:cNvPr id="2" name="Segnaposto immagine diapositiva 1"/>
-          <p:cNvSpPr>
-            <a:spLocks noGrp="1" noRot="1" noChangeAspect="1"/>
-          </p:cNvSpPr>
-          <p:nvPr>
-            <p:ph type="sldImg"/>
-          </p:nvPr>
-        </p:nvSpPr>
-        <p:spPr/>
-      </p:sp>
-      <p:sp>
-        <p:nvSpPr>
-          <p:cNvPr id="3" name="Segnaposto note 2"/>
-          <p:cNvSpPr>
-            <a:spLocks noGrp="1"/>
-          </p:cNvSpPr>
-          <p:nvPr>
-            <p:ph type="body" idx="1"/>
-          </p:nvPr>
-        </p:nvSpPr>
-        <p:spPr/>
-        <p:txBody>
-          <a:bodyPr/>
-          <a:lstStyle/>
-          <a:p>
-            <a:endParaRPr lang="it-IT"/>
-          </a:p>
-        </p:txBody>
-      </p:sp>
-      <p:sp>
-        <p:nvSpPr>
-          <p:cNvPr id="4" name="Segnaposto numero diapositiva 3"/>
-          <p:cNvSpPr>
-            <a:spLocks noGrp="1"/>
-          </p:cNvSpPr>
-          <p:nvPr>
-            <p:ph type="sldNum" sz="quarter" idx="10"/>
-          </p:nvPr>
-        </p:nvSpPr>
-        <p:spPr/>
-        <p:txBody>
-          <a:bodyPr/>
-          <a:lstStyle/>
-          <a:p>
-            <a:fld id="{00FC836F-1977-4F79-94B7-B05073DDE4F0}" type="slidenum">
-              <a:rPr lang="it-IT"/>
-              <a:t>13</a:t>
-            </a:fld>
-            <a:endParaRPr lang="it-IT"/>
-          </a:p>
-        </p:txBody>
-      </p:sp>
-    </p:spTree>
-    <p:extLst>
-      <p:ext uri="{BB962C8B-B14F-4D97-AF65-F5344CB8AC3E}">
-        <p14:creationId xmlns:p14="http://schemas.microsoft.com/office/powerpoint/2010/main" val="2293383853"/>
-      </p:ext>
-    </p:extLst>
-  </p:cSld>
-  <p:clrMapOvr>
-    <a:masterClrMapping/>
-  </p:clrMapOvr>
-</p:notes>
-</file>
-
-<file path=ppt/notesSlides/notesSlide14.xml><?xml version="1.0" encoding="utf-8"?>
-<p:notes xmlns:a="http://schemas.openxmlformats.org/drawingml/2006/main" xmlns:r="http://schemas.openxmlformats.org/officeDocument/2006/relationships" xmlns:p="http://schemas.openxmlformats.org/presentationml/2006/main">
-  <p:cSld>
-    <p:spTree>
-      <p:nvGrpSpPr>
-        <p:cNvPr id="1" name=""/>
-        <p:cNvGrpSpPr/>
-        <p:nvPr/>
-      </p:nvGrpSpPr>
-      <p:grpSpPr>
-        <a:xfrm>
-          <a:off x="0" y="0"/>
-          <a:ext cx="0" cy="0"/>
-          <a:chOff x="0" y="0"/>
-          <a:chExt cx="0" cy="0"/>
-        </a:xfrm>
-      </p:grpSpPr>
-      <p:sp>
-        <p:nvSpPr>
-          <p:cNvPr id="2" name="Segnaposto immagine diapositiva 1"/>
-          <p:cNvSpPr>
-            <a:spLocks noGrp="1" noRot="1" noChangeAspect="1"/>
-          </p:cNvSpPr>
-          <p:nvPr>
-            <p:ph type="sldImg"/>
-          </p:nvPr>
-        </p:nvSpPr>
-        <p:spPr/>
-      </p:sp>
-      <p:sp>
-        <p:nvSpPr>
-          <p:cNvPr id="3" name="Segnaposto note 2"/>
-          <p:cNvSpPr>
-            <a:spLocks noGrp="1"/>
-          </p:cNvSpPr>
-          <p:nvPr>
-            <p:ph type="body" idx="1"/>
-          </p:nvPr>
-        </p:nvSpPr>
-        <p:spPr/>
-        <p:txBody>
-          <a:bodyPr/>
-          <a:lstStyle/>
-          <a:p>
-            <a:endParaRPr lang="it-IT"/>
-          </a:p>
-        </p:txBody>
-      </p:sp>
-      <p:sp>
-        <p:nvSpPr>
-          <p:cNvPr id="4" name="Segnaposto numero diapositiva 3"/>
-          <p:cNvSpPr>
-            <a:spLocks noGrp="1"/>
-          </p:cNvSpPr>
-          <p:nvPr>
-            <p:ph type="sldNum" sz="quarter" idx="10"/>
-          </p:nvPr>
-        </p:nvSpPr>
-        <p:spPr/>
-        <p:txBody>
-          <a:bodyPr/>
-          <a:lstStyle/>
-          <a:p>
-            <a:fld id="{00FC836F-1977-4F79-94B7-B05073DDE4F0}" type="slidenum">
-              <a:rPr lang="it-IT"/>
-              <a:t>14</a:t>
-            </a:fld>
-            <a:endParaRPr lang="it-IT"/>
-          </a:p>
-        </p:txBody>
-      </p:sp>
-    </p:spTree>
-    <p:extLst>
-      <p:ext uri="{BB962C8B-B14F-4D97-AF65-F5344CB8AC3E}">
-        <p14:creationId xmlns:p14="http://schemas.microsoft.com/office/powerpoint/2010/main" val="2456491811"/>
-      </p:ext>
-    </p:extLst>
-  </p:cSld>
-  <p:clrMapOvr>
-    <a:masterClrMapping/>
-  </p:clrMapOvr>
-</p:notes>
-</file>
-
-<file path=ppt/notesSlides/notesSlide15.xml><?xml version="1.0" encoding="utf-8"?>
-<p:notes xmlns:a="http://schemas.openxmlformats.org/drawingml/2006/main" xmlns:r="http://schemas.openxmlformats.org/officeDocument/2006/relationships" xmlns:p="http://schemas.openxmlformats.org/presentationml/2006/main">
-  <p:cSld>
-    <p:spTree>
-      <p:nvGrpSpPr>
-        <p:cNvPr id="1" name=""/>
-        <p:cNvGrpSpPr/>
-        <p:nvPr/>
-      </p:nvGrpSpPr>
-      <p:grpSpPr>
-        <a:xfrm>
-          <a:off x="0" y="0"/>
-          <a:ext cx="0" cy="0"/>
-          <a:chOff x="0" y="0"/>
-          <a:chExt cx="0" cy="0"/>
-        </a:xfrm>
-      </p:grpSpPr>
-      <p:sp>
-        <p:nvSpPr>
-          <p:cNvPr id="2" name="Segnaposto immagine diapositiva 1"/>
-          <p:cNvSpPr>
-            <a:spLocks noGrp="1" noRot="1" noChangeAspect="1"/>
-          </p:cNvSpPr>
-          <p:nvPr>
-            <p:ph type="sldImg"/>
-          </p:nvPr>
-        </p:nvSpPr>
-        <p:spPr/>
-      </p:sp>
-      <p:sp>
-        <p:nvSpPr>
-          <p:cNvPr id="3" name="Segnaposto note 2"/>
-          <p:cNvSpPr>
-            <a:spLocks noGrp="1"/>
-          </p:cNvSpPr>
-          <p:nvPr>
-            <p:ph type="body" idx="1"/>
-          </p:nvPr>
-        </p:nvSpPr>
-        <p:spPr/>
-        <p:txBody>
-          <a:bodyPr/>
-          <a:lstStyle/>
-          <a:p>
-            <a:endParaRPr lang="it-IT"/>
-          </a:p>
-        </p:txBody>
-      </p:sp>
-      <p:sp>
-        <p:nvSpPr>
-          <p:cNvPr id="4" name="Segnaposto numero diapositiva 3"/>
-          <p:cNvSpPr>
-            <a:spLocks noGrp="1"/>
-          </p:cNvSpPr>
-          <p:nvPr>
-            <p:ph type="sldNum" sz="quarter" idx="10"/>
-          </p:nvPr>
-        </p:nvSpPr>
-        <p:spPr/>
-        <p:txBody>
-          <a:bodyPr/>
-          <a:lstStyle/>
-          <a:p>
-            <a:fld id="{00FC836F-1977-4F79-94B7-B05073DDE4F0}" type="slidenum">
-              <a:rPr lang="it-IT"/>
-              <a:t>15</a:t>
-            </a:fld>
-            <a:endParaRPr lang="it-IT"/>
-          </a:p>
-        </p:txBody>
-      </p:sp>
-    </p:spTree>
-    <p:extLst>
-      <p:ext uri="{BB962C8B-B14F-4D97-AF65-F5344CB8AC3E}">
-        <p14:creationId xmlns:p14="http://schemas.microsoft.com/office/powerpoint/2010/main" val="3721506548"/>
-      </p:ext>
-    </p:extLst>
-  </p:cSld>
-  <p:clrMapOvr>
-    <a:masterClrMapping/>
-  </p:clrMapOvr>
-</p:notes>
-</file>
-
-<file path=ppt/notesSlides/notesSlide16.xml><?xml version="1.0" encoding="utf-8"?>
-<p:notes xmlns:a="http://schemas.openxmlformats.org/drawingml/2006/main" xmlns:r="http://schemas.openxmlformats.org/officeDocument/2006/relationships" xmlns:p="http://schemas.openxmlformats.org/presentationml/2006/main">
-  <p:cSld>
-    <p:spTree>
-      <p:nvGrpSpPr>
-        <p:cNvPr id="1" name=""/>
-        <p:cNvGrpSpPr/>
-        <p:nvPr/>
-      </p:nvGrpSpPr>
-      <p:grpSpPr>
-        <a:xfrm>
-          <a:off x="0" y="0"/>
-          <a:ext cx="0" cy="0"/>
-          <a:chOff x="0" y="0"/>
-          <a:chExt cx="0" cy="0"/>
-        </a:xfrm>
-      </p:grpSpPr>
-      <p:sp>
-        <p:nvSpPr>
-          <p:cNvPr id="2" name="Segnaposto immagine diapositiva 1"/>
-          <p:cNvSpPr>
-            <a:spLocks noGrp="1" noRot="1" noChangeAspect="1"/>
-          </p:cNvSpPr>
-          <p:nvPr>
-            <p:ph type="sldImg"/>
-          </p:nvPr>
-        </p:nvSpPr>
-        <p:spPr/>
-      </p:sp>
-      <p:sp>
-        <p:nvSpPr>
-          <p:cNvPr id="3" name="Segnaposto note 2"/>
-          <p:cNvSpPr>
-            <a:spLocks noGrp="1"/>
-          </p:cNvSpPr>
-          <p:nvPr>
-            <p:ph type="body" idx="1"/>
-          </p:nvPr>
-        </p:nvSpPr>
-        <p:spPr/>
-        <p:txBody>
-          <a:bodyPr/>
-          <a:lstStyle/>
-          <a:p>
-            <a:endParaRPr lang="it-IT"/>
-          </a:p>
-        </p:txBody>
-      </p:sp>
-      <p:sp>
-        <p:nvSpPr>
-          <p:cNvPr id="4" name="Segnaposto numero diapositiva 3"/>
-          <p:cNvSpPr>
-            <a:spLocks noGrp="1"/>
-          </p:cNvSpPr>
-          <p:nvPr>
-            <p:ph type="sldNum" sz="quarter" idx="10"/>
-          </p:nvPr>
-        </p:nvSpPr>
-        <p:spPr/>
-        <p:txBody>
-          <a:bodyPr/>
-          <a:lstStyle/>
-          <a:p>
-            <a:fld id="{00FC836F-1977-4F79-94B7-B05073DDE4F0}" type="slidenum">
-              <a:rPr lang="it-IT"/>
-              <a:t>16</a:t>
-            </a:fld>
-            <a:endParaRPr lang="it-IT"/>
-          </a:p>
-        </p:txBody>
-      </p:sp>
-    </p:spTree>
-    <p:extLst>
-      <p:ext uri="{BB962C8B-B14F-4D97-AF65-F5344CB8AC3E}">
-        <p14:creationId xmlns:p14="http://schemas.microsoft.com/office/powerpoint/2010/main" val="3796155701"/>
-      </p:ext>
-    </p:extLst>
-  </p:cSld>
-  <p:clrMapOvr>
-    <a:masterClrMapping/>
-  </p:clrMapOvr>
-</p:notes>
-</file>
-
-<file path=ppt/notesSlides/notesSlide17.xml><?xml version="1.0" encoding="utf-8"?>
-<p:notes xmlns:a="http://schemas.openxmlformats.org/drawingml/2006/main" xmlns:r="http://schemas.openxmlformats.org/officeDocument/2006/relationships" xmlns:p="http://schemas.openxmlformats.org/presentationml/2006/main">
-  <p:cSld>
-    <p:spTree>
-      <p:nvGrpSpPr>
-        <p:cNvPr id="1" name=""/>
-        <p:cNvGrpSpPr/>
-        <p:nvPr/>
-      </p:nvGrpSpPr>
-      <p:grpSpPr>
-        <a:xfrm>
-          <a:off x="0" y="0"/>
-          <a:ext cx="0" cy="0"/>
-          <a:chOff x="0" y="0"/>
-          <a:chExt cx="0" cy="0"/>
-        </a:xfrm>
-      </p:grpSpPr>
-      <p:sp>
-        <p:nvSpPr>
-          <p:cNvPr id="2" name="Segnaposto immagine diapositiva 1"/>
-          <p:cNvSpPr>
-            <a:spLocks noGrp="1" noRot="1" noChangeAspect="1"/>
-          </p:cNvSpPr>
-          <p:nvPr>
-            <p:ph type="sldImg"/>
-          </p:nvPr>
-        </p:nvSpPr>
-        <p:spPr/>
-      </p:sp>
-      <p:sp>
-        <p:nvSpPr>
-          <p:cNvPr id="3" name="Segnaposto note 2"/>
-          <p:cNvSpPr>
-            <a:spLocks noGrp="1"/>
-          </p:cNvSpPr>
-          <p:nvPr>
-            <p:ph type="body" idx="1"/>
-          </p:nvPr>
-        </p:nvSpPr>
-        <p:spPr/>
-        <p:txBody>
-          <a:bodyPr/>
-          <a:lstStyle/>
-          <a:p>
-            <a:endParaRPr lang="it-IT"/>
-          </a:p>
-        </p:txBody>
-      </p:sp>
-      <p:sp>
-        <p:nvSpPr>
-          <p:cNvPr id="4" name="Segnaposto numero diapositiva 3"/>
-          <p:cNvSpPr>
-            <a:spLocks noGrp="1"/>
-          </p:cNvSpPr>
-          <p:nvPr>
-            <p:ph type="sldNum" sz="quarter" idx="10"/>
-          </p:nvPr>
-        </p:nvSpPr>
-        <p:spPr/>
-        <p:txBody>
-          <a:bodyPr/>
-          <a:lstStyle/>
-          <a:p>
-            <a:fld id="{00FC836F-1977-4F79-94B7-B05073DDE4F0}" type="slidenum">
-              <a:rPr lang="it-IT"/>
-              <a:t>17</a:t>
-            </a:fld>
-            <a:endParaRPr lang="it-IT"/>
-          </a:p>
-        </p:txBody>
-      </p:sp>
-    </p:spTree>
-    <p:extLst>
-      <p:ext uri="{BB962C8B-B14F-4D97-AF65-F5344CB8AC3E}">
-        <p14:creationId xmlns:p14="http://schemas.microsoft.com/office/powerpoint/2010/main" val="1341233794"/>
-      </p:ext>
-    </p:extLst>
-  </p:cSld>
-  <p:clrMapOvr>
-    <a:masterClrMapping/>
-  </p:clrMapOvr>
-</p:notes>
-</file>
-
-<file path=ppt/notesSlides/notesSlide18.xml><?xml version="1.0" encoding="utf-8"?>
 <p:notes xmlns:a="http://schemas.openxmlformats.org/drawingml/2006/main" xmlns:r="http://schemas.openxmlformats.org/officeDocument/2006/relationships" xmlns:p="http://schemas.openxmlformats.org/presentationml/2006/main">
   <p:cSld>
     <p:bg>
@@ -1381,6 +878,563 @@
 </p:notes>
 </file>
 
+<file path=ppt/notesSlides/notesSlide13.xml><?xml version="1.0" encoding="utf-8"?>
+<p:notes xmlns:a="http://schemas.openxmlformats.org/drawingml/2006/main" xmlns:r="http://schemas.openxmlformats.org/officeDocument/2006/relationships" xmlns:p="http://schemas.openxmlformats.org/presentationml/2006/main">
+  <p:cSld>
+    <p:spTree>
+      <p:nvGrpSpPr>
+        <p:cNvPr id="1" name=""/>
+        <p:cNvGrpSpPr/>
+        <p:nvPr/>
+      </p:nvGrpSpPr>
+      <p:grpSpPr>
+        <a:xfrm>
+          <a:off x="0" y="0"/>
+          <a:ext cx="0" cy="0"/>
+          <a:chOff x="0" y="0"/>
+          <a:chExt cx="0" cy="0"/>
+        </a:xfrm>
+      </p:grpSpPr>
+      <p:sp>
+        <p:nvSpPr>
+          <p:cNvPr id="2" name="Segnaposto immagine diapositiva 1"/>
+          <p:cNvSpPr>
+            <a:spLocks noGrp="1" noRot="1" noChangeAspect="1"/>
+          </p:cNvSpPr>
+          <p:nvPr>
+            <p:ph type="sldImg"/>
+          </p:nvPr>
+        </p:nvSpPr>
+        <p:spPr/>
+      </p:sp>
+      <p:sp>
+        <p:nvSpPr>
+          <p:cNvPr id="3" name="Segnaposto note 2"/>
+          <p:cNvSpPr>
+            <a:spLocks noGrp="1"/>
+          </p:cNvSpPr>
+          <p:nvPr>
+            <p:ph type="body" idx="1"/>
+          </p:nvPr>
+        </p:nvSpPr>
+        <p:spPr/>
+        <p:txBody>
+          <a:bodyPr/>
+          <a:lstStyle/>
+          <a:p>
+            <a:endParaRPr lang="it-IT"/>
+          </a:p>
+        </p:txBody>
+      </p:sp>
+      <p:sp>
+        <p:nvSpPr>
+          <p:cNvPr id="4" name="Segnaposto numero diapositiva 3"/>
+          <p:cNvSpPr>
+            <a:spLocks noGrp="1"/>
+          </p:cNvSpPr>
+          <p:nvPr>
+            <p:ph type="sldNum" sz="quarter" idx="10"/>
+          </p:nvPr>
+        </p:nvSpPr>
+        <p:spPr/>
+        <p:txBody>
+          <a:bodyPr/>
+          <a:lstStyle/>
+          <a:p>
+            <a:fld id="{00FC836F-1977-4F79-94B7-B05073DDE4F0}" type="slidenum">
+              <a:rPr lang="it-IT"/>
+              <a:t>13</a:t>
+            </a:fld>
+            <a:endParaRPr lang="it-IT"/>
+          </a:p>
+        </p:txBody>
+      </p:sp>
+    </p:spTree>
+    <p:extLst>
+      <p:ext uri="{BB962C8B-B14F-4D97-AF65-F5344CB8AC3E}">
+        <p14:creationId xmlns:p14="http://schemas.microsoft.com/office/powerpoint/2010/main" val="2456722266"/>
+      </p:ext>
+    </p:extLst>
+  </p:cSld>
+  <p:clrMapOvr>
+    <a:masterClrMapping/>
+  </p:clrMapOvr>
+</p:notes>
+</file>
+
+<file path=ppt/notesSlides/notesSlide14.xml><?xml version="1.0" encoding="utf-8"?>
+<p:notes xmlns:a="http://schemas.openxmlformats.org/drawingml/2006/main" xmlns:r="http://schemas.openxmlformats.org/officeDocument/2006/relationships" xmlns:p="http://schemas.openxmlformats.org/presentationml/2006/main">
+  <p:cSld>
+    <p:bg>
+      <p:bgPr>
+        <a:solidFill>
+          <a:srgbClr val="FFFFFF"/>
+        </a:solidFill>
+        <a:effectLst/>
+      </p:bgPr>
+    </p:bg>
+    <p:spTree>
+      <p:nvGrpSpPr>
+        <p:cNvPr id="1" name=""/>
+        <p:cNvGrpSpPr/>
+        <p:nvPr/>
+      </p:nvGrpSpPr>
+      <p:grpSpPr>
+        <a:xfrm>
+          <a:off x="0" y="0"/>
+          <a:ext cx="0" cy="0"/>
+          <a:chOff x="0" y="0"/>
+          <a:chExt cx="0" cy="0"/>
+        </a:xfrm>
+      </p:grpSpPr>
+      <p:sp>
+        <p:nvSpPr>
+          <p:cNvPr id="23553" name="Rectangle 1"/>
+          <p:cNvSpPr txBox="1">
+            <a:spLocks noGrp="1" noRot="1" noChangeAspect="1" noChangeArrowheads="1"/>
+          </p:cNvSpPr>
+          <p:nvPr>
+            <p:ph type="sldImg"/>
+          </p:nvPr>
+        </p:nvSpPr>
+        <p:spPr bwMode="auto">
+          <a:xfrm>
+            <a:off x="490538" y="1027113"/>
+            <a:ext cx="6578600" cy="3700462"/>
+          </a:xfrm>
+          <a:prstGeom prst="rect">
+            <a:avLst/>
+          </a:prstGeom>
+          <a:solidFill>
+            <a:srgbClr val="FFFFFF"/>
+          </a:solidFill>
+          <a:ln>
+            <a:solidFill>
+              <a:srgbClr val="000000"/>
+            </a:solidFill>
+            <a:miter lim="800000"/>
+            <a:headEnd/>
+            <a:tailEnd/>
+          </a:ln>
+          <a:extLst>
+            <a:ext uri="{AF507438-7753-43E0-B8FC-AC1667EBCBE1}">
+              <a14:hiddenEffects xmlns:a14="http://schemas.microsoft.com/office/drawing/2010/main">
+                <a:effectLst>
+                  <a:outerShdw dist="35921" dir="2700000" algn="ctr" rotWithShape="0">
+                    <a:srgbClr val="808080"/>
+                  </a:outerShdw>
+                </a:effectLst>
+              </a14:hiddenEffects>
+            </a:ext>
+          </a:extLst>
+        </p:spPr>
+      </p:sp>
+      <p:sp>
+        <p:nvSpPr>
+          <p:cNvPr id="23554" name="Rectangle 2"/>
+          <p:cNvSpPr txBox="1">
+            <a:spLocks noGrp="1" noChangeArrowheads="1"/>
+          </p:cNvSpPr>
+          <p:nvPr>
+            <p:ph type="body" idx="1"/>
+          </p:nvPr>
+        </p:nvSpPr>
+        <p:spPr bwMode="auto">
+          <a:xfrm>
+            <a:off x="1169988" y="5086350"/>
+            <a:ext cx="5226050" cy="4106863"/>
+          </a:xfrm>
+          <a:prstGeom prst="rect">
+            <a:avLst/>
+          </a:prstGeom>
+          <a:noFill/>
+          <a:ln/>
+          <a:extLst>
+            <a:ext uri="{909E8E84-426E-40DD-AFC4-6F175D3DCCD1}">
+              <a14:hiddenFill xmlns:a14="http://schemas.microsoft.com/office/drawing/2010/main">
+                <a:solidFill>
+                  <a:srgbClr val="FFFFFF"/>
+                </a:solidFill>
+              </a14:hiddenFill>
+            </a:ext>
+            <a:ext uri="{91240B29-F687-4F45-9708-019B960494DF}">
+              <a14:hiddenLine xmlns:a14="http://schemas.microsoft.com/office/drawing/2010/main" w="9525" cap="flat">
+                <a:solidFill>
+                  <a:srgbClr val="808080"/>
+                </a:solidFill>
+                <a:round/>
+                <a:headEnd/>
+                <a:tailEnd/>
+              </a14:hiddenLine>
+            </a:ext>
+            <a:ext uri="{AF507438-7753-43E0-B8FC-AC1667EBCBE1}">
+              <a14:hiddenEffects xmlns:a14="http://schemas.microsoft.com/office/drawing/2010/main">
+                <a:effectLst>
+                  <a:outerShdw dist="35921" dir="2700000" algn="ctr" rotWithShape="0">
+                    <a:srgbClr val="808080"/>
+                  </a:outerShdw>
+                </a:effectLst>
+              </a14:hiddenEffects>
+            </a:ext>
+          </a:extLst>
+        </p:spPr>
+        <p:txBody>
+          <a:bodyPr wrap="none" anchor="ctr"/>
+          <a:lstStyle/>
+          <a:p>
+            <a:endParaRPr lang="it-IT" altLang="it-IT"/>
+          </a:p>
+        </p:txBody>
+      </p:sp>
+    </p:spTree>
+    <p:extLst>
+      <p:ext uri="{BB962C8B-B14F-4D97-AF65-F5344CB8AC3E}">
+        <p14:creationId xmlns:p14="http://schemas.microsoft.com/office/powerpoint/2010/main" val="3442337322"/>
+      </p:ext>
+    </p:extLst>
+  </p:cSld>
+  <p:clrMapOvr>
+    <a:masterClrMapping/>
+  </p:clrMapOvr>
+</p:notes>
+</file>
+
+<file path=ppt/notesSlides/notesSlide15.xml><?xml version="1.0" encoding="utf-8"?>
+<p:notes xmlns:a="http://schemas.openxmlformats.org/drawingml/2006/main" xmlns:r="http://schemas.openxmlformats.org/officeDocument/2006/relationships" xmlns:p="http://schemas.openxmlformats.org/presentationml/2006/main">
+  <p:cSld>
+    <p:spTree>
+      <p:nvGrpSpPr>
+        <p:cNvPr id="1" name=""/>
+        <p:cNvGrpSpPr/>
+        <p:nvPr/>
+      </p:nvGrpSpPr>
+      <p:grpSpPr>
+        <a:xfrm>
+          <a:off x="0" y="0"/>
+          <a:ext cx="0" cy="0"/>
+          <a:chOff x="0" y="0"/>
+          <a:chExt cx="0" cy="0"/>
+        </a:xfrm>
+      </p:grpSpPr>
+      <p:sp>
+        <p:nvSpPr>
+          <p:cNvPr id="2" name="Segnaposto immagine diapositiva 1"/>
+          <p:cNvSpPr>
+            <a:spLocks noGrp="1" noRot="1" noChangeAspect="1"/>
+          </p:cNvSpPr>
+          <p:nvPr>
+            <p:ph type="sldImg"/>
+          </p:nvPr>
+        </p:nvSpPr>
+        <p:spPr/>
+      </p:sp>
+      <p:sp>
+        <p:nvSpPr>
+          <p:cNvPr id="3" name="Segnaposto note 2"/>
+          <p:cNvSpPr>
+            <a:spLocks noGrp="1"/>
+          </p:cNvSpPr>
+          <p:nvPr>
+            <p:ph type="body" idx="1"/>
+          </p:nvPr>
+        </p:nvSpPr>
+        <p:spPr/>
+        <p:txBody>
+          <a:bodyPr/>
+          <a:lstStyle/>
+          <a:p>
+            <a:endParaRPr lang="it-IT"/>
+          </a:p>
+        </p:txBody>
+      </p:sp>
+      <p:sp>
+        <p:nvSpPr>
+          <p:cNvPr id="4" name="Segnaposto numero diapositiva 3"/>
+          <p:cNvSpPr>
+            <a:spLocks noGrp="1"/>
+          </p:cNvSpPr>
+          <p:nvPr>
+            <p:ph type="sldNum" sz="quarter" idx="10"/>
+          </p:nvPr>
+        </p:nvSpPr>
+        <p:spPr/>
+        <p:txBody>
+          <a:bodyPr/>
+          <a:lstStyle/>
+          <a:p>
+            <a:fld id="{00FC836F-1977-4F79-94B7-B05073DDE4F0}" type="slidenum">
+              <a:rPr lang="it-IT"/>
+              <a:t>15</a:t>
+            </a:fld>
+            <a:endParaRPr lang="it-IT"/>
+          </a:p>
+        </p:txBody>
+      </p:sp>
+    </p:spTree>
+    <p:extLst>
+      <p:ext uri="{BB962C8B-B14F-4D97-AF65-F5344CB8AC3E}">
+        <p14:creationId xmlns:p14="http://schemas.microsoft.com/office/powerpoint/2010/main" val="3323535162"/>
+      </p:ext>
+    </p:extLst>
+  </p:cSld>
+  <p:clrMapOvr>
+    <a:masterClrMapping/>
+  </p:clrMapOvr>
+</p:notes>
+</file>
+
+<file path=ppt/notesSlides/notesSlide16.xml><?xml version="1.0" encoding="utf-8"?>
+<p:notes xmlns:a="http://schemas.openxmlformats.org/drawingml/2006/main" xmlns:r="http://schemas.openxmlformats.org/officeDocument/2006/relationships" xmlns:p="http://schemas.openxmlformats.org/presentationml/2006/main">
+  <p:cSld>
+    <p:spTree>
+      <p:nvGrpSpPr>
+        <p:cNvPr id="1" name=""/>
+        <p:cNvGrpSpPr/>
+        <p:nvPr/>
+      </p:nvGrpSpPr>
+      <p:grpSpPr>
+        <a:xfrm>
+          <a:off x="0" y="0"/>
+          <a:ext cx="0" cy="0"/>
+          <a:chOff x="0" y="0"/>
+          <a:chExt cx="0" cy="0"/>
+        </a:xfrm>
+      </p:grpSpPr>
+      <p:sp>
+        <p:nvSpPr>
+          <p:cNvPr id="2" name="Segnaposto immagine diapositiva 1"/>
+          <p:cNvSpPr>
+            <a:spLocks noGrp="1" noRot="1" noChangeAspect="1"/>
+          </p:cNvSpPr>
+          <p:nvPr>
+            <p:ph type="sldImg"/>
+          </p:nvPr>
+        </p:nvSpPr>
+        <p:spPr/>
+      </p:sp>
+      <p:sp>
+        <p:nvSpPr>
+          <p:cNvPr id="3" name="Segnaposto note 2"/>
+          <p:cNvSpPr>
+            <a:spLocks noGrp="1"/>
+          </p:cNvSpPr>
+          <p:nvPr>
+            <p:ph type="body" idx="1"/>
+          </p:nvPr>
+        </p:nvSpPr>
+        <p:spPr/>
+        <p:txBody>
+          <a:bodyPr/>
+          <a:lstStyle/>
+          <a:p>
+            <a:endParaRPr lang="it-IT"/>
+          </a:p>
+        </p:txBody>
+      </p:sp>
+      <p:sp>
+        <p:nvSpPr>
+          <p:cNvPr id="4" name="Segnaposto numero diapositiva 3"/>
+          <p:cNvSpPr>
+            <a:spLocks noGrp="1"/>
+          </p:cNvSpPr>
+          <p:nvPr>
+            <p:ph type="sldNum" sz="quarter" idx="10"/>
+          </p:nvPr>
+        </p:nvSpPr>
+        <p:spPr/>
+        <p:txBody>
+          <a:bodyPr/>
+          <a:lstStyle/>
+          <a:p>
+            <a:fld id="{00FC836F-1977-4F79-94B7-B05073DDE4F0}" type="slidenum">
+              <a:rPr lang="it-IT"/>
+              <a:t>16</a:t>
+            </a:fld>
+            <a:endParaRPr lang="it-IT"/>
+          </a:p>
+        </p:txBody>
+      </p:sp>
+    </p:spTree>
+    <p:extLst>
+      <p:ext uri="{BB962C8B-B14F-4D97-AF65-F5344CB8AC3E}">
+        <p14:creationId xmlns:p14="http://schemas.microsoft.com/office/powerpoint/2010/main" val="578098424"/>
+      </p:ext>
+    </p:extLst>
+  </p:cSld>
+  <p:clrMapOvr>
+    <a:masterClrMapping/>
+  </p:clrMapOvr>
+</p:notes>
+</file>
+
+<file path=ppt/notesSlides/notesSlide17.xml><?xml version="1.0" encoding="utf-8"?>
+<p:notes xmlns:a="http://schemas.openxmlformats.org/drawingml/2006/main" xmlns:r="http://schemas.openxmlformats.org/officeDocument/2006/relationships" xmlns:p="http://schemas.openxmlformats.org/presentationml/2006/main">
+  <p:cSld>
+    <p:spTree>
+      <p:nvGrpSpPr>
+        <p:cNvPr id="1" name=""/>
+        <p:cNvGrpSpPr/>
+        <p:nvPr/>
+      </p:nvGrpSpPr>
+      <p:grpSpPr>
+        <a:xfrm>
+          <a:off x="0" y="0"/>
+          <a:ext cx="0" cy="0"/>
+          <a:chOff x="0" y="0"/>
+          <a:chExt cx="0" cy="0"/>
+        </a:xfrm>
+      </p:grpSpPr>
+      <p:sp>
+        <p:nvSpPr>
+          <p:cNvPr id="2" name="Segnaposto immagine diapositiva 1"/>
+          <p:cNvSpPr>
+            <a:spLocks noGrp="1" noRot="1" noChangeAspect="1"/>
+          </p:cNvSpPr>
+          <p:nvPr>
+            <p:ph type="sldImg"/>
+          </p:nvPr>
+        </p:nvSpPr>
+        <p:spPr/>
+      </p:sp>
+      <p:sp>
+        <p:nvSpPr>
+          <p:cNvPr id="3" name="Segnaposto note 2"/>
+          <p:cNvSpPr>
+            <a:spLocks noGrp="1"/>
+          </p:cNvSpPr>
+          <p:nvPr>
+            <p:ph type="body" idx="1"/>
+          </p:nvPr>
+        </p:nvSpPr>
+        <p:spPr/>
+        <p:txBody>
+          <a:bodyPr/>
+          <a:lstStyle/>
+          <a:p>
+            <a:endParaRPr lang="it-IT"/>
+          </a:p>
+        </p:txBody>
+      </p:sp>
+      <p:sp>
+        <p:nvSpPr>
+          <p:cNvPr id="4" name="Segnaposto numero diapositiva 3"/>
+          <p:cNvSpPr>
+            <a:spLocks noGrp="1"/>
+          </p:cNvSpPr>
+          <p:nvPr>
+            <p:ph type="sldNum" sz="quarter" idx="10"/>
+          </p:nvPr>
+        </p:nvSpPr>
+        <p:spPr/>
+        <p:txBody>
+          <a:bodyPr/>
+          <a:lstStyle/>
+          <a:p>
+            <a:fld id="{00FC836F-1977-4F79-94B7-B05073DDE4F0}" type="slidenum">
+              <a:rPr lang="it-IT"/>
+              <a:t>17</a:t>
+            </a:fld>
+            <a:endParaRPr lang="it-IT"/>
+          </a:p>
+        </p:txBody>
+      </p:sp>
+    </p:spTree>
+    <p:extLst>
+      <p:ext uri="{BB962C8B-B14F-4D97-AF65-F5344CB8AC3E}">
+        <p14:creationId xmlns:p14="http://schemas.microsoft.com/office/powerpoint/2010/main" val="3833883877"/>
+      </p:ext>
+    </p:extLst>
+  </p:cSld>
+  <p:clrMapOvr>
+    <a:masterClrMapping/>
+  </p:clrMapOvr>
+</p:notes>
+</file>
+
+<file path=ppt/notesSlides/notesSlide18.xml><?xml version="1.0" encoding="utf-8"?>
+<p:notes xmlns:a="http://schemas.openxmlformats.org/drawingml/2006/main" xmlns:r="http://schemas.openxmlformats.org/officeDocument/2006/relationships" xmlns:p="http://schemas.openxmlformats.org/presentationml/2006/main">
+  <p:cSld>
+    <p:spTree>
+      <p:nvGrpSpPr>
+        <p:cNvPr id="1" name=""/>
+        <p:cNvGrpSpPr/>
+        <p:nvPr/>
+      </p:nvGrpSpPr>
+      <p:grpSpPr>
+        <a:xfrm>
+          <a:off x="0" y="0"/>
+          <a:ext cx="0" cy="0"/>
+          <a:chOff x="0" y="0"/>
+          <a:chExt cx="0" cy="0"/>
+        </a:xfrm>
+      </p:grpSpPr>
+      <p:sp>
+        <p:nvSpPr>
+          <p:cNvPr id="2" name="Segnaposto immagine diapositiva 1"/>
+          <p:cNvSpPr>
+            <a:spLocks noGrp="1" noRot="1" noChangeAspect="1"/>
+          </p:cNvSpPr>
+          <p:nvPr>
+            <p:ph type="sldImg"/>
+          </p:nvPr>
+        </p:nvSpPr>
+        <p:spPr/>
+      </p:sp>
+      <p:sp>
+        <p:nvSpPr>
+          <p:cNvPr id="3" name="Segnaposto note 2"/>
+          <p:cNvSpPr>
+            <a:spLocks noGrp="1"/>
+          </p:cNvSpPr>
+          <p:nvPr>
+            <p:ph type="body" idx="1"/>
+          </p:nvPr>
+        </p:nvSpPr>
+        <p:spPr/>
+        <p:txBody>
+          <a:bodyPr/>
+          <a:lstStyle/>
+          <a:p>
+            <a:endParaRPr lang="it-IT"/>
+          </a:p>
+        </p:txBody>
+      </p:sp>
+      <p:sp>
+        <p:nvSpPr>
+          <p:cNvPr id="4" name="Segnaposto numero diapositiva 3"/>
+          <p:cNvSpPr>
+            <a:spLocks noGrp="1"/>
+          </p:cNvSpPr>
+          <p:nvPr>
+            <p:ph type="sldNum" sz="quarter" idx="10"/>
+          </p:nvPr>
+        </p:nvSpPr>
+        <p:spPr/>
+        <p:txBody>
+          <a:bodyPr/>
+          <a:lstStyle/>
+          <a:p>
+            <a:fld id="{00FC836F-1977-4F79-94B7-B05073DDE4F0}" type="slidenum">
+              <a:rPr lang="it-IT"/>
+              <a:t>18</a:t>
+            </a:fld>
+            <a:endParaRPr lang="it-IT"/>
+          </a:p>
+        </p:txBody>
+      </p:sp>
+    </p:spTree>
+    <p:extLst>
+      <p:ext uri="{BB962C8B-B14F-4D97-AF65-F5344CB8AC3E}">
+        <p14:creationId xmlns:p14="http://schemas.microsoft.com/office/powerpoint/2010/main" val="1386100467"/>
+      </p:ext>
+    </p:extLst>
+  </p:cSld>
+  <p:clrMapOvr>
+    <a:masterClrMapping/>
+  </p:clrMapOvr>
+</p:notes>
+</file>
+
 <file path=ppt/notesSlides/notesSlide19.xml><?xml version="1.0" encoding="utf-8"?>
 <p:notes xmlns:a="http://schemas.openxmlformats.org/drawingml/2006/main" xmlns:r="http://schemas.openxmlformats.org/officeDocument/2006/relationships" xmlns:p="http://schemas.openxmlformats.org/presentationml/2006/main">
   <p:cSld>
@@ -1455,7 +1509,7 @@
     </p:spTree>
     <p:extLst>
       <p:ext uri="{BB962C8B-B14F-4D97-AF65-F5344CB8AC3E}">
-        <p14:creationId xmlns:p14="http://schemas.microsoft.com/office/powerpoint/2010/main" val="2456722266"/>
+        <p14:creationId xmlns:p14="http://schemas.microsoft.com/office/powerpoint/2010/main" val="4033425311"/>
       </p:ext>
     </p:extLst>
   </p:cSld>
@@ -1623,7 +1677,7 @@
     </p:spTree>
     <p:extLst>
       <p:ext uri="{BB962C8B-B14F-4D97-AF65-F5344CB8AC3E}">
-        <p14:creationId xmlns:p14="http://schemas.microsoft.com/office/powerpoint/2010/main" val="59867146"/>
+        <p14:creationId xmlns:p14="http://schemas.microsoft.com/office/powerpoint/2010/main" val="1565742636"/>
       </p:ext>
     </p:extLst>
   </p:cSld>
@@ -1791,7 +1845,7 @@
     </p:spTree>
     <p:extLst>
       <p:ext uri="{BB962C8B-B14F-4D97-AF65-F5344CB8AC3E}">
-        <p14:creationId xmlns:p14="http://schemas.microsoft.com/office/powerpoint/2010/main" val="3430558916"/>
+        <p14:creationId xmlns:p14="http://schemas.microsoft.com/office/powerpoint/2010/main" val="59867146"/>
       </p:ext>
     </p:extLst>
   </p:cSld>
@@ -1875,7 +1929,7 @@
     </p:spTree>
     <p:extLst>
       <p:ext uri="{BB962C8B-B14F-4D97-AF65-F5344CB8AC3E}">
-        <p14:creationId xmlns:p14="http://schemas.microsoft.com/office/powerpoint/2010/main" val="3883971164"/>
+        <p14:creationId xmlns:p14="http://schemas.microsoft.com/office/powerpoint/2010/main" val="3430558916"/>
       </p:ext>
     </p:extLst>
   </p:cSld>
@@ -1951,6 +2005,90 @@
             <a:fld id="{00FC836F-1977-4F79-94B7-B05073DDE4F0}" type="slidenum">
               <a:rPr lang="it-IT"/>
               <a:t>24</a:t>
+            </a:fld>
+            <a:endParaRPr lang="it-IT"/>
+          </a:p>
+        </p:txBody>
+      </p:sp>
+    </p:spTree>
+    <p:extLst>
+      <p:ext uri="{BB962C8B-B14F-4D97-AF65-F5344CB8AC3E}">
+        <p14:creationId xmlns:p14="http://schemas.microsoft.com/office/powerpoint/2010/main" val="3883971164"/>
+      </p:ext>
+    </p:extLst>
+  </p:cSld>
+  <p:clrMapOvr>
+    <a:masterClrMapping/>
+  </p:clrMapOvr>
+</p:notes>
+</file>
+
+<file path=ppt/notesSlides/notesSlide25.xml><?xml version="1.0" encoding="utf-8"?>
+<p:notes xmlns:a="http://schemas.openxmlformats.org/drawingml/2006/main" xmlns:r="http://schemas.openxmlformats.org/officeDocument/2006/relationships" xmlns:p="http://schemas.openxmlformats.org/presentationml/2006/main">
+  <p:cSld>
+    <p:spTree>
+      <p:nvGrpSpPr>
+        <p:cNvPr id="1" name=""/>
+        <p:cNvGrpSpPr/>
+        <p:nvPr/>
+      </p:nvGrpSpPr>
+      <p:grpSpPr>
+        <a:xfrm>
+          <a:off x="0" y="0"/>
+          <a:ext cx="0" cy="0"/>
+          <a:chOff x="0" y="0"/>
+          <a:chExt cx="0" cy="0"/>
+        </a:xfrm>
+      </p:grpSpPr>
+      <p:sp>
+        <p:nvSpPr>
+          <p:cNvPr id="2" name="Segnaposto immagine diapositiva 1"/>
+          <p:cNvSpPr>
+            <a:spLocks noGrp="1" noRot="1" noChangeAspect="1"/>
+          </p:cNvSpPr>
+          <p:nvPr>
+            <p:ph type="sldImg"/>
+          </p:nvPr>
+        </p:nvSpPr>
+        <p:spPr/>
+      </p:sp>
+      <p:sp>
+        <p:nvSpPr>
+          <p:cNvPr id="3" name="Segnaposto note 2"/>
+          <p:cNvSpPr>
+            <a:spLocks noGrp="1"/>
+          </p:cNvSpPr>
+          <p:nvPr>
+            <p:ph type="body" idx="1"/>
+          </p:nvPr>
+        </p:nvSpPr>
+        <p:spPr/>
+        <p:txBody>
+          <a:bodyPr/>
+          <a:lstStyle/>
+          <a:p>
+            <a:endParaRPr lang="it-IT"/>
+          </a:p>
+        </p:txBody>
+      </p:sp>
+      <p:sp>
+        <p:nvSpPr>
+          <p:cNvPr id="4" name="Segnaposto numero diapositiva 3"/>
+          <p:cNvSpPr>
+            <a:spLocks noGrp="1"/>
+          </p:cNvSpPr>
+          <p:nvPr>
+            <p:ph type="sldNum" sz="quarter" idx="10"/>
+          </p:nvPr>
+        </p:nvSpPr>
+        <p:spPr/>
+        <p:txBody>
+          <a:bodyPr/>
+          <a:lstStyle/>
+          <a:p>
+            <a:fld id="{00FC836F-1977-4F79-94B7-B05073DDE4F0}" type="slidenum">
+              <a:rPr lang="it-IT"/>
+              <a:t>25</a:t>
             </a:fld>
             <a:endParaRPr lang="it-IT"/>
           </a:p>
@@ -2547,7 +2685,7 @@
     </p:spTree>
     <p:extLst>
       <p:ext uri="{BB962C8B-B14F-4D97-AF65-F5344CB8AC3E}">
-        <p14:creationId xmlns:p14="http://schemas.microsoft.com/office/powerpoint/2010/main" val="2906715050"/>
+        <p14:creationId xmlns:p14="http://schemas.microsoft.com/office/powerpoint/2010/main" val="3699799261"/>
       </p:ext>
     </p:extLst>
   </p:cSld>
@@ -10182,1191 +10320,6 @@
         </p:nvSpPr>
         <p:spPr>
           <a:xfrm>
-            <a:off x="332637" y="729981"/>
-            <a:ext cx="9613861" cy="1080938"/>
-          </a:xfrm>
-        </p:spPr>
-        <p:txBody>
-          <a:bodyPr/>
-          <a:lstStyle/>
-          <a:p>
-            <a:r>
-              <a:rPr lang="it-IT" dirty="0">
-                <a:latin typeface="Trebuchet MS" charset="0"/>
-              </a:rPr>
-              <a:t>Fronte/retro del traslatore di </a:t>
-            </a:r>
-            <a:r>
-              <a:rPr lang="it-IT" dirty="0" smtClean="0">
-                <a:latin typeface="Trebuchet MS" charset="0"/>
-              </a:rPr>
-              <a:t>livello fai-da-te a 2 canali</a:t>
-            </a:r>
-            <a:endParaRPr lang="it-IT" dirty="0">
-              <a:latin typeface="Trebuchet MS" charset="0"/>
-            </a:endParaRPr>
-          </a:p>
-        </p:txBody>
-      </p:sp>
-      <p:pic>
-        <p:nvPicPr>
-          <p:cNvPr id="5" name="Segnaposto contenuto 4" descr="4726e03b-b03b-40cc-b468-6d3218393c0e (1).jpg"/>
-          <p:cNvPicPr>
-            <a:picLocks noGrp="1" noChangeAspect="1"/>
-          </p:cNvPicPr>
-          <p:nvPr>
-            <p:ph sz="half" idx="1"/>
-          </p:nvPr>
-        </p:nvPicPr>
-        <p:blipFill>
-          <a:blip r:embed="rId3"/>
-          <a:stretch>
-            <a:fillRect/>
-          </a:stretch>
-        </p:blipFill>
-        <p:spPr>
-          <a:xfrm>
-            <a:off x="332637" y="2814638"/>
-            <a:ext cx="5045813" cy="3303587"/>
-          </a:xfrm>
-        </p:spPr>
-      </p:pic>
-      <p:pic>
-        <p:nvPicPr>
-          <p:cNvPr id="6" name="Segnaposto contenuto 5" descr="5844a573-7745-426d-ba56-316efb30bdce.jpg"/>
-          <p:cNvPicPr>
-            <a:picLocks noGrp="1" noChangeAspect="1"/>
-          </p:cNvPicPr>
-          <p:nvPr>
-            <p:ph sz="half" idx="2"/>
-          </p:nvPr>
-        </p:nvPicPr>
-        <p:blipFill>
-          <a:blip r:embed="rId4"/>
-          <a:stretch>
-            <a:fillRect/>
-          </a:stretch>
-        </p:blipFill>
-        <p:spPr>
-          <a:xfrm>
-            <a:off x="5594350" y="2814638"/>
-            <a:ext cx="6094667" cy="3248025"/>
-          </a:xfrm>
-        </p:spPr>
-      </p:pic>
-    </p:spTree>
-    <p:extLst>
-      <p:ext uri="{BB962C8B-B14F-4D97-AF65-F5344CB8AC3E}">
-        <p14:creationId xmlns:p14="http://schemas.microsoft.com/office/powerpoint/2010/main" val="3402262076"/>
-      </p:ext>
-    </p:extLst>
-  </p:cSld>
-  <p:clrMapOvr>
-    <a:masterClrMapping/>
-  </p:clrMapOvr>
-  <p:timing>
-    <p:tnLst>
-      <p:par>
-        <p:cTn id="1" dur="indefinite" restart="never" nodeType="tmRoot"/>
-      </p:par>
-    </p:tnLst>
-  </p:timing>
-</p:sld>
-</file>
-
-<file path=ppt/slides/slide11.xml><?xml version="1.0" encoding="utf-8"?>
-<p:sld xmlns:a="http://schemas.openxmlformats.org/drawingml/2006/main" xmlns:r="http://schemas.openxmlformats.org/officeDocument/2006/relationships" xmlns:p="http://schemas.openxmlformats.org/presentationml/2006/main">
-  <p:cSld>
-    <p:spTree>
-      <p:nvGrpSpPr>
-        <p:cNvPr id="1" name=""/>
-        <p:cNvGrpSpPr/>
-        <p:nvPr/>
-      </p:nvGrpSpPr>
-      <p:grpSpPr>
-        <a:xfrm>
-          <a:off x="0" y="0"/>
-          <a:ext cx="0" cy="0"/>
-          <a:chOff x="0" y="0"/>
-          <a:chExt cx="0" cy="0"/>
-        </a:xfrm>
-      </p:grpSpPr>
-      <p:sp>
-        <p:nvSpPr>
-          <p:cNvPr id="2" name="Titolo 1"/>
-          <p:cNvSpPr>
-            <a:spLocks noGrp="1"/>
-          </p:cNvSpPr>
-          <p:nvPr>
-            <p:ph type="title"/>
-          </p:nvPr>
-        </p:nvSpPr>
-        <p:spPr>
-          <a:xfrm>
-            <a:off x="90525" y="833438"/>
-            <a:ext cx="10316667" cy="1890908"/>
-          </a:xfrm>
-        </p:spPr>
-        <p:txBody>
-          <a:bodyPr>
-            <a:normAutofit fontScale="90000"/>
-          </a:bodyPr>
-          <a:lstStyle/>
-          <a:p>
-            <a:r>
-              <a:rPr lang="it-IT" b="1" dirty="0" smtClean="0">
-                <a:solidFill>
-                  <a:srgbClr val="FFFFFF"/>
-                </a:solidFill>
-                <a:latin typeface="Trebuchet MS" charset="0"/>
-              </a:rPr>
-              <a:t>Traslatore bidirezionale di livello logico realizzato con due BJT</a:t>
-            </a:r>
-            <a:r>
-              <a:rPr lang="it-IT" dirty="0"/>
-              <a:t/>
-            </a:r>
-            <a:br>
-              <a:rPr lang="it-IT" dirty="0"/>
-            </a:br>
-            <a:r>
-              <a:rPr lang="it-IT" dirty="0"/>
-              <a:t/>
-            </a:r>
-            <a:br>
-              <a:rPr lang="it-IT" dirty="0"/>
-            </a:br>
-            <a:endParaRPr lang="it-IT" dirty="0"/>
-          </a:p>
-        </p:txBody>
-      </p:sp>
-      <p:pic>
-        <p:nvPicPr>
-          <p:cNvPr id="5" name="Segnaposto contenuto 4" descr="circuito.png"/>
-          <p:cNvPicPr>
-            <a:picLocks noGrp="1" noChangeAspect="1"/>
-          </p:cNvPicPr>
-          <p:nvPr>
-            <p:ph sz="half" idx="1"/>
-          </p:nvPr>
-        </p:nvPicPr>
-        <p:blipFill>
-          <a:blip r:embed="rId3"/>
-          <a:stretch>
-            <a:fillRect/>
-          </a:stretch>
-        </p:blipFill>
-        <p:spPr>
-          <a:xfrm>
-            <a:off x="0" y="2252532"/>
-            <a:ext cx="6586413" cy="3328136"/>
-          </a:xfrm>
-        </p:spPr>
-      </p:pic>
-      <p:sp>
-        <p:nvSpPr>
-          <p:cNvPr id="8" name="CasellaDiTesto 7"/>
-          <p:cNvSpPr txBox="1"/>
-          <p:nvPr/>
-        </p:nvSpPr>
-        <p:spPr>
-          <a:xfrm>
-            <a:off x="6676938" y="2613876"/>
-            <a:ext cx="5319701" cy="3416320"/>
-          </a:xfrm>
-          <a:prstGeom prst="rect">
-            <a:avLst/>
-          </a:prstGeom>
-        </p:spPr>
-        <p:txBody>
-          <a:bodyPr wrap="square" rtlCol="0" anchor="t">
-            <a:spAutoFit/>
-          </a:bodyPr>
-          <a:lstStyle/>
-          <a:p>
-            <a:pPr algn="ctr"/>
-            <a:r>
-              <a:rPr lang="it-IT" dirty="0">
-                <a:solidFill>
-                  <a:srgbClr val="212121"/>
-                </a:solidFill>
-                <a:latin typeface="Arial" charset="0"/>
-              </a:rPr>
-              <a:t/>
-            </a:r>
-            <a:br>
-              <a:rPr lang="it-IT" dirty="0">
-                <a:solidFill>
-                  <a:srgbClr val="212121"/>
-                </a:solidFill>
-                <a:latin typeface="Arial" charset="0"/>
-              </a:rPr>
-            </a:br>
-            <a:endParaRPr lang="it-IT" dirty="0">
-              <a:solidFill>
-                <a:srgbClr val="212121"/>
-              </a:solidFill>
-              <a:latin typeface="Arial" charset="0"/>
-            </a:endParaRPr>
-          </a:p>
-          <a:p>
-            <a:pPr marL="342900" indent="-342900">
-              <a:buFont typeface="Arial" panose="020B0604020202020204" pitchFamily="34" charset="0"/>
-              <a:buChar char="•"/>
-            </a:pPr>
-            <a:r>
-              <a:rPr lang="it-IT" sz="2400" dirty="0" smtClean="0">
-                <a:solidFill>
-                  <a:srgbClr val="FFFFFF"/>
-                </a:solidFill>
-                <a:latin typeface="Arial" charset="0"/>
-              </a:rPr>
-              <a:t>Configurato </a:t>
-            </a:r>
-            <a:r>
-              <a:rPr lang="it-IT" sz="2400" dirty="0">
-                <a:solidFill>
-                  <a:srgbClr val="FFFFFF"/>
-                </a:solidFill>
-                <a:latin typeface="Arial" charset="0"/>
-              </a:rPr>
-              <a:t>come due cani che si mordono la coda a </a:t>
-            </a:r>
-            <a:r>
-              <a:rPr lang="it-IT" sz="2400" dirty="0" smtClean="0">
-                <a:solidFill>
-                  <a:srgbClr val="FFFFFF"/>
-                </a:solidFill>
-                <a:latin typeface="Arial" charset="0"/>
-              </a:rPr>
-              <a:t>vicenda</a:t>
-            </a:r>
-          </a:p>
-          <a:p>
-            <a:pPr marL="342900" indent="-342900">
-              <a:buFont typeface="Arial" panose="020B0604020202020204" pitchFamily="34" charset="0"/>
-              <a:buChar char="•"/>
-            </a:pPr>
-            <a:r>
-              <a:rPr lang="it-IT" sz="2400" dirty="0" smtClean="0">
-                <a:solidFill>
-                  <a:srgbClr val="FFFFFF"/>
-                </a:solidFill>
-                <a:latin typeface="Arial" charset="0"/>
-              </a:rPr>
-              <a:t>collegamento </a:t>
-            </a:r>
-            <a:r>
-              <a:rPr lang="it-IT" sz="2400" dirty="0">
-                <a:solidFill>
-                  <a:srgbClr val="FFFFFF"/>
-                </a:solidFill>
-                <a:latin typeface="Arial" charset="0"/>
-              </a:rPr>
-              <a:t>di due </a:t>
-            </a:r>
-            <a:r>
-              <a:rPr lang="it-IT" sz="2400" dirty="0" smtClean="0">
-                <a:solidFill>
-                  <a:srgbClr val="FFFFFF"/>
-                </a:solidFill>
-                <a:latin typeface="Arial" charset="0"/>
-              </a:rPr>
-              <a:t>transistor che </a:t>
-            </a:r>
-            <a:r>
-              <a:rPr lang="it-IT" sz="2400" dirty="0">
-                <a:solidFill>
-                  <a:srgbClr val="FFFFFF"/>
-                </a:solidFill>
-                <a:latin typeface="Arial" charset="0"/>
-              </a:rPr>
-              <a:t>fornisce una variazione bidirezionale del livello </a:t>
-            </a:r>
-            <a:r>
-              <a:rPr lang="it-IT" sz="2400" dirty="0" smtClean="0">
-                <a:solidFill>
-                  <a:srgbClr val="FFFFFF"/>
-                </a:solidFill>
-                <a:latin typeface="Arial" charset="0"/>
-              </a:rPr>
-              <a:t>logico</a:t>
-            </a:r>
-            <a:r>
-              <a:rPr lang="it-IT" sz="2400" dirty="0">
-                <a:solidFill>
-                  <a:srgbClr val="FFFFFF"/>
-                </a:solidFill>
-                <a:latin typeface="Arial" charset="0"/>
-              </a:rPr>
-              <a:t> </a:t>
-            </a:r>
-            <a:r>
-              <a:rPr lang="it-IT" sz="2400" dirty="0" smtClean="0">
-                <a:solidFill>
-                  <a:srgbClr val="FFFFFF"/>
-                </a:solidFill>
-                <a:latin typeface="Arial" charset="0"/>
-              </a:rPr>
-              <a:t>(canale bidirezionale)</a:t>
-            </a:r>
-            <a:r>
-              <a:rPr lang="it-IT" dirty="0"/>
-              <a:t/>
-            </a:r>
-            <a:br>
-              <a:rPr lang="it-IT" dirty="0"/>
-            </a:br>
-            <a:endParaRPr lang="it-IT" dirty="0"/>
-          </a:p>
-          <a:p>
-            <a:pPr algn="ctr"/>
-            <a:endParaRPr lang="it-IT" dirty="0"/>
-          </a:p>
-        </p:txBody>
-      </p:sp>
-      <p:sp>
-        <p:nvSpPr>
-          <p:cNvPr id="6" name="CasellaDiTesto 5"/>
-          <p:cNvSpPr txBox="1"/>
-          <p:nvPr/>
-        </p:nvSpPr>
-        <p:spPr>
-          <a:xfrm>
-            <a:off x="184793" y="5818834"/>
-            <a:ext cx="2743200" cy="369332"/>
-          </a:xfrm>
-          <a:prstGeom prst="rect">
-            <a:avLst/>
-          </a:prstGeom>
-        </p:spPr>
-        <p:txBody>
-          <a:bodyPr rtlCol="0">
-            <a:spAutoFit/>
-          </a:bodyPr>
-          <a:lstStyle/>
-          <a:p>
-            <a:r>
-              <a:rPr lang="it-IT" dirty="0"/>
-              <a:t>Figura 1</a:t>
-            </a:r>
-          </a:p>
-        </p:txBody>
-      </p:sp>
-    </p:spTree>
-    <p:extLst>
-      <p:ext uri="{BB962C8B-B14F-4D97-AF65-F5344CB8AC3E}">
-        <p14:creationId xmlns:p14="http://schemas.microsoft.com/office/powerpoint/2010/main" val="2043180199"/>
-      </p:ext>
-    </p:extLst>
-  </p:cSld>
-  <p:clrMapOvr>
-    <a:masterClrMapping/>
-  </p:clrMapOvr>
-  <p:timing>
-    <p:tnLst>
-      <p:par>
-        <p:cTn id="1" dur="indefinite" restart="never" nodeType="tmRoot"/>
-      </p:par>
-    </p:tnLst>
-  </p:timing>
-</p:sld>
-</file>
-
-<file path=ppt/slides/slide12.xml><?xml version="1.0" encoding="utf-8"?>
-<p:sld xmlns:a="http://schemas.openxmlformats.org/drawingml/2006/main" xmlns:r="http://schemas.openxmlformats.org/officeDocument/2006/relationships" xmlns:p="http://schemas.openxmlformats.org/presentationml/2006/main">
-  <p:cSld>
-    <p:spTree>
-      <p:nvGrpSpPr>
-        <p:cNvPr id="1" name=""/>
-        <p:cNvGrpSpPr/>
-        <p:nvPr/>
-      </p:nvGrpSpPr>
-      <p:grpSpPr>
-        <a:xfrm>
-          <a:off x="0" y="0"/>
-          <a:ext cx="0" cy="0"/>
-          <a:chOff x="0" y="0"/>
-          <a:chExt cx="0" cy="0"/>
-        </a:xfrm>
-      </p:grpSpPr>
-      <p:pic>
-        <p:nvPicPr>
-          <p:cNvPr id="2" name="Immagine 1" descr="circuito 2.png"/>
-          <p:cNvPicPr>
-            <a:picLocks noChangeAspect="1"/>
-          </p:cNvPicPr>
-          <p:nvPr/>
-        </p:nvPicPr>
-        <p:blipFill>
-          <a:blip r:embed="rId3"/>
-          <a:stretch>
-            <a:fillRect/>
-          </a:stretch>
-        </p:blipFill>
-        <p:spPr>
-          <a:xfrm>
-            <a:off x="-14377" y="0"/>
-            <a:ext cx="8467858" cy="4776454"/>
-          </a:xfrm>
-          <a:prstGeom prst="rect">
-            <a:avLst/>
-          </a:prstGeom>
-        </p:spPr>
-      </p:pic>
-      <p:sp>
-        <p:nvSpPr>
-          <p:cNvPr id="3" name="CasellaDiTesto 2"/>
-          <p:cNvSpPr txBox="1"/>
-          <p:nvPr/>
-        </p:nvSpPr>
-        <p:spPr>
-          <a:xfrm>
-            <a:off x="202699" y="5017698"/>
-            <a:ext cx="11700384" cy="1200329"/>
-          </a:xfrm>
-          <a:prstGeom prst="rect">
-            <a:avLst/>
-          </a:prstGeom>
-        </p:spPr>
-        <p:txBody>
-          <a:bodyPr rtlCol="0">
-            <a:spAutoFit/>
-          </a:bodyPr>
-          <a:lstStyle/>
-          <a:p>
-            <a:r>
-              <a:rPr lang="it" sz="2400" dirty="0">
-                <a:solidFill>
-                  <a:srgbClr val="FFFFFF"/>
-                </a:solidFill>
-                <a:latin typeface="Arial" charset="0"/>
-              </a:rPr>
-              <a:t>Un ritardo nell’uscita dalla saturazione dei BJT
-provoca un </a:t>
-            </a:r>
-            <a:r>
-              <a:rPr lang="it" sz="2400" dirty="0" smtClean="0">
-                <a:solidFill>
-                  <a:srgbClr val="FFFFFF"/>
-                </a:solidFill>
-                <a:latin typeface="Arial" charset="0"/>
-              </a:rPr>
-              <a:t>rallentamento sul </a:t>
-            </a:r>
-            <a:r>
-              <a:rPr lang="it" sz="2400" dirty="0">
-                <a:solidFill>
-                  <a:srgbClr val="FFFFFF"/>
-                </a:solidFill>
-                <a:latin typeface="Arial" charset="0"/>
-              </a:rPr>
-              <a:t>fronte di discesa ,
-creando quindi un limite di prestazione sulla velocità di commutazione</a:t>
-            </a:r>
-            <a:endParaRPr lang="it-IT" dirty="0"/>
-          </a:p>
-        </p:txBody>
-      </p:sp>
-      <p:sp>
-        <p:nvSpPr>
-          <p:cNvPr id="6" name="CasellaDiTesto 5"/>
-          <p:cNvSpPr txBox="1"/>
-          <p:nvPr/>
-        </p:nvSpPr>
-        <p:spPr>
-          <a:xfrm>
-            <a:off x="8612788" y="312742"/>
-            <a:ext cx="2743200" cy="369332"/>
-          </a:xfrm>
-          <a:prstGeom prst="rect">
-            <a:avLst/>
-          </a:prstGeom>
-        </p:spPr>
-        <p:txBody>
-          <a:bodyPr rtlCol="0">
-            <a:spAutoFit/>
-          </a:bodyPr>
-          <a:lstStyle/>
-          <a:p>
-            <a:r>
-              <a:rPr lang="it-IT" dirty="0"/>
-              <a:t>Figura 2</a:t>
-            </a:r>
-          </a:p>
-        </p:txBody>
-      </p:sp>
-    </p:spTree>
-    <p:extLst>
-      <p:ext uri="{BB962C8B-B14F-4D97-AF65-F5344CB8AC3E}">
-        <p14:creationId xmlns:p14="http://schemas.microsoft.com/office/powerpoint/2010/main" val="429599878"/>
-      </p:ext>
-    </p:extLst>
-  </p:cSld>
-  <p:clrMapOvr>
-    <a:masterClrMapping/>
-  </p:clrMapOvr>
-  <p:timing>
-    <p:tnLst>
-      <p:par>
-        <p:cTn id="1" dur="indefinite" restart="never" nodeType="tmRoot"/>
-      </p:par>
-    </p:tnLst>
-  </p:timing>
-</p:sld>
-</file>
-
-<file path=ppt/slides/slide13.xml><?xml version="1.0" encoding="utf-8"?>
-<p:sld xmlns:a="http://schemas.openxmlformats.org/drawingml/2006/main" xmlns:r="http://schemas.openxmlformats.org/officeDocument/2006/relationships" xmlns:p="http://schemas.openxmlformats.org/presentationml/2006/main">
-  <p:cSld>
-    <p:spTree>
-      <p:nvGrpSpPr>
-        <p:cNvPr id="1" name=""/>
-        <p:cNvGrpSpPr/>
-        <p:nvPr/>
-      </p:nvGrpSpPr>
-      <p:grpSpPr>
-        <a:xfrm>
-          <a:off x="0" y="0"/>
-          <a:ext cx="0" cy="0"/>
-          <a:chOff x="0" y="0"/>
-          <a:chExt cx="0" cy="0"/>
-        </a:xfrm>
-      </p:grpSpPr>
-      <p:sp>
-        <p:nvSpPr>
-          <p:cNvPr id="2" name="Titolo 1"/>
-          <p:cNvSpPr>
-            <a:spLocks noGrp="1"/>
-          </p:cNvSpPr>
-          <p:nvPr>
-            <p:ph type="title"/>
-          </p:nvPr>
-        </p:nvSpPr>
-        <p:spPr>
-          <a:xfrm>
-            <a:off x="90525" y="833438"/>
-            <a:ext cx="10253625" cy="1890908"/>
-          </a:xfrm>
-        </p:spPr>
-        <p:txBody>
-          <a:bodyPr>
-            <a:normAutofit/>
-          </a:bodyPr>
-          <a:lstStyle/>
-          <a:p>
-            <a:r>
-              <a:rPr lang="it-IT" b="1" dirty="0" smtClean="0">
-                <a:solidFill>
-                  <a:srgbClr val="FFFFFF"/>
-                </a:solidFill>
-                <a:latin typeface="Trebuchet MS" charset="0"/>
-              </a:rPr>
-              <a:t>Moduli traslatori bidirezionali a più canali</a:t>
-            </a:r>
-            <a:r>
-              <a:rPr lang="it-IT" dirty="0"/>
-              <a:t/>
-            </a:r>
-            <a:br>
-              <a:rPr lang="it-IT" dirty="0"/>
-            </a:br>
-            <a:r>
-              <a:rPr lang="it-IT" dirty="0"/>
-              <a:t/>
-            </a:r>
-            <a:br>
-              <a:rPr lang="it-IT" dirty="0"/>
-            </a:br>
-            <a:endParaRPr lang="it-IT" dirty="0"/>
-          </a:p>
-        </p:txBody>
-      </p:sp>
-      <p:sp>
-        <p:nvSpPr>
-          <p:cNvPr id="8" name="CasellaDiTesto 7"/>
-          <p:cNvSpPr txBox="1"/>
-          <p:nvPr/>
-        </p:nvSpPr>
-        <p:spPr>
-          <a:xfrm>
-            <a:off x="4184542" y="2066279"/>
-            <a:ext cx="7812097" cy="2215991"/>
-          </a:xfrm>
-          <a:prstGeom prst="rect">
-            <a:avLst/>
-          </a:prstGeom>
-        </p:spPr>
-        <p:txBody>
-          <a:bodyPr wrap="square" rtlCol="0" anchor="t">
-            <a:spAutoFit/>
-          </a:bodyPr>
-          <a:lstStyle/>
-          <a:p>
-            <a:pPr marL="342900" indent="-342900">
-              <a:buFont typeface="Arial" panose="020B0604020202020204" pitchFamily="34" charset="0"/>
-              <a:buChar char="•"/>
-            </a:pPr>
-            <a:r>
-              <a:rPr lang="it-IT" sz="2400" dirty="0" smtClean="0">
-                <a:solidFill>
-                  <a:srgbClr val="FFFFFF"/>
-                </a:solidFill>
-                <a:latin typeface="Arial" charset="0"/>
-              </a:rPr>
-              <a:t>Si basano sui transistor MOS BSS138</a:t>
-            </a:r>
-          </a:p>
-          <a:p>
-            <a:pPr marL="342900" indent="-342900">
-              <a:buFont typeface="Arial" panose="020B0604020202020204" pitchFamily="34" charset="0"/>
-              <a:buChar char="•"/>
-            </a:pPr>
-            <a:r>
-              <a:rPr lang="it-IT" sz="2400" dirty="0" smtClean="0">
-                <a:solidFill>
-                  <a:srgbClr val="FFFFFF"/>
-                </a:solidFill>
-                <a:latin typeface="Arial" charset="0"/>
-              </a:rPr>
-              <a:t>Sono moduli che si acquistano già pronti</a:t>
-            </a:r>
-          </a:p>
-          <a:p>
-            <a:pPr marL="342900" indent="-342900">
-              <a:buFont typeface="Arial" panose="020B0604020202020204" pitchFamily="34" charset="0"/>
-              <a:buChar char="•"/>
-            </a:pPr>
-            <a:r>
-              <a:rPr lang="it-IT" sz="2400" dirty="0" smtClean="0">
-                <a:solidFill>
-                  <a:srgbClr val="FFFFFF"/>
-                </a:solidFill>
-                <a:latin typeface="Arial" charset="0"/>
-              </a:rPr>
-              <a:t>Si devono solo saldare i piedini o i fili</a:t>
-            </a:r>
-          </a:p>
-          <a:p>
-            <a:pPr marL="342900" indent="-342900">
-              <a:buFont typeface="Arial" panose="020B0604020202020204" pitchFamily="34" charset="0"/>
-              <a:buChar char="•"/>
-            </a:pPr>
-            <a:r>
-              <a:rPr lang="it-IT" sz="2400" dirty="0" smtClean="0">
-                <a:solidFill>
-                  <a:srgbClr val="FFFFFF"/>
-                </a:solidFill>
-                <a:latin typeface="Arial" charset="0"/>
-              </a:rPr>
-              <a:t>Hanno la </a:t>
-            </a:r>
-            <a:r>
-              <a:rPr lang="it-IT" sz="2400" dirty="0" err="1" smtClean="0">
-                <a:solidFill>
-                  <a:srgbClr val="FFFFFF"/>
-                </a:solidFill>
-                <a:latin typeface="Arial" charset="0"/>
-              </a:rPr>
-              <a:t>pedinatura</a:t>
-            </a:r>
-            <a:r>
-              <a:rPr lang="it-IT" sz="2400" dirty="0" smtClean="0">
-                <a:solidFill>
-                  <a:srgbClr val="FFFFFF"/>
-                </a:solidFill>
-                <a:latin typeface="Arial" charset="0"/>
-              </a:rPr>
-              <a:t> che permette l’inserimento a pressione in una </a:t>
-            </a:r>
-            <a:r>
-              <a:rPr lang="it-IT" sz="2400" dirty="0" err="1" smtClean="0">
-                <a:solidFill>
-                  <a:srgbClr val="FFFFFF"/>
-                </a:solidFill>
-                <a:latin typeface="Arial" charset="0"/>
-              </a:rPr>
-              <a:t>breadboard</a:t>
-            </a:r>
-            <a:endParaRPr lang="it-IT" sz="2400" dirty="0" smtClean="0">
-              <a:solidFill>
-                <a:srgbClr val="FFFFFF"/>
-              </a:solidFill>
-              <a:latin typeface="Arial" charset="0"/>
-            </a:endParaRPr>
-          </a:p>
-          <a:p>
-            <a:pPr marL="342900" indent="-342900">
-              <a:buFont typeface="Arial" panose="020B0604020202020204" pitchFamily="34" charset="0"/>
-              <a:buChar char="•"/>
-            </a:pPr>
-            <a:endParaRPr lang="it-IT" dirty="0"/>
-          </a:p>
-        </p:txBody>
-      </p:sp>
-      <p:pic>
-        <p:nvPicPr>
-          <p:cNvPr id="7" name="Picture 4" descr="http://files.hwkitchen.com/200000272-033f904397/LevelConverter-L.jpg"/>
-          <p:cNvPicPr>
-            <a:picLocks noChangeAspect="1" noChangeArrowheads="1"/>
-          </p:cNvPicPr>
-          <p:nvPr/>
-        </p:nvPicPr>
-        <p:blipFill>
-          <a:blip r:embed="rId3">
-            <a:extLst>
-              <a:ext uri="{28A0092B-C50C-407E-A947-70E740481C1C}">
-                <a14:useLocalDpi xmlns:a14="http://schemas.microsoft.com/office/drawing/2010/main" val="0"/>
-              </a:ext>
-            </a:extLst>
-          </a:blip>
-          <a:srcRect/>
-          <a:stretch>
-            <a:fillRect/>
-          </a:stretch>
-        </p:blipFill>
-        <p:spPr bwMode="auto">
-          <a:xfrm>
-            <a:off x="218246" y="2404741"/>
-            <a:ext cx="3838575" cy="3838576"/>
-          </a:xfrm>
-          <a:prstGeom prst="rect">
-            <a:avLst/>
-          </a:prstGeom>
-          <a:noFill/>
-          <a:extLst>
-            <a:ext uri="{909E8E84-426E-40DD-AFC4-6F175D3DCCD1}">
-              <a14:hiddenFill xmlns:a14="http://schemas.microsoft.com/office/drawing/2010/main">
-                <a:solidFill>
-                  <a:srgbClr val="FFFFFF"/>
-                </a:solidFill>
-              </a14:hiddenFill>
-            </a:ext>
-          </a:extLst>
-        </p:spPr>
-      </p:pic>
-      <p:pic>
-        <p:nvPicPr>
-          <p:cNvPr id="9" name="Picture 2" descr="https://a.pololu-files.com/picture/0J5318.599.jpg?4ce17f799e5cb02c5ea337b6d0f63de5"/>
-          <p:cNvPicPr>
-            <a:picLocks noChangeAspect="1" noChangeArrowheads="1"/>
-          </p:cNvPicPr>
-          <p:nvPr/>
-        </p:nvPicPr>
-        <p:blipFill>
-          <a:blip r:embed="rId4">
-            <a:extLst>
-              <a:ext uri="{28A0092B-C50C-407E-A947-70E740481C1C}">
-                <a14:useLocalDpi xmlns:a14="http://schemas.microsoft.com/office/drawing/2010/main" val="0"/>
-              </a:ext>
-            </a:extLst>
-          </a:blip>
-          <a:srcRect/>
-          <a:stretch>
-            <a:fillRect/>
-          </a:stretch>
-        </p:blipFill>
-        <p:spPr bwMode="auto">
-          <a:xfrm>
-            <a:off x="4253072" y="4045059"/>
-            <a:ext cx="7743567" cy="2727702"/>
-          </a:xfrm>
-          <a:prstGeom prst="rect">
-            <a:avLst/>
-          </a:prstGeom>
-          <a:noFill/>
-          <a:extLst>
-            <a:ext uri="{909E8E84-426E-40DD-AFC4-6F175D3DCCD1}">
-              <a14:hiddenFill xmlns:a14="http://schemas.microsoft.com/office/drawing/2010/main">
-                <a:solidFill>
-                  <a:srgbClr val="FFFFFF"/>
-                </a:solidFill>
-              </a14:hiddenFill>
-            </a:ext>
-          </a:extLst>
-        </p:spPr>
-      </p:pic>
-    </p:spTree>
-    <p:extLst>
-      <p:ext uri="{BB962C8B-B14F-4D97-AF65-F5344CB8AC3E}">
-        <p14:creationId xmlns:p14="http://schemas.microsoft.com/office/powerpoint/2010/main" val="3392952813"/>
-      </p:ext>
-    </p:extLst>
-  </p:cSld>
-  <p:clrMapOvr>
-    <a:masterClrMapping/>
-  </p:clrMapOvr>
-  <p:timing>
-    <p:tnLst>
-      <p:par>
-        <p:cTn id="1" dur="indefinite" restart="never" nodeType="tmRoot"/>
-      </p:par>
-    </p:tnLst>
-  </p:timing>
-</p:sld>
-</file>
-
-<file path=ppt/slides/slide14.xml><?xml version="1.0" encoding="utf-8"?>
-<p:sld xmlns:a="http://schemas.openxmlformats.org/drawingml/2006/main" xmlns:r="http://schemas.openxmlformats.org/officeDocument/2006/relationships" xmlns:p="http://schemas.openxmlformats.org/presentationml/2006/main">
-  <p:cSld>
-    <p:spTree>
-      <p:nvGrpSpPr>
-        <p:cNvPr id="1" name=""/>
-        <p:cNvGrpSpPr/>
-        <p:nvPr/>
-      </p:nvGrpSpPr>
-      <p:grpSpPr>
-        <a:xfrm>
-          <a:off x="0" y="0"/>
-          <a:ext cx="0" cy="0"/>
-          <a:chOff x="0" y="0"/>
-          <a:chExt cx="0" cy="0"/>
-        </a:xfrm>
-      </p:grpSpPr>
-      <p:sp>
-        <p:nvSpPr>
-          <p:cNvPr id="2" name="Titolo 1"/>
-          <p:cNvSpPr>
-            <a:spLocks noGrp="1"/>
-          </p:cNvSpPr>
-          <p:nvPr>
-            <p:ph type="title"/>
-          </p:nvPr>
-        </p:nvSpPr>
-        <p:spPr>
-          <a:xfrm>
-            <a:off x="89680" y="786041"/>
-            <a:ext cx="9613861" cy="1080938"/>
-          </a:xfrm>
-        </p:spPr>
-        <p:txBody>
-          <a:bodyPr/>
-          <a:lstStyle/>
-          <a:p>
-            <a:r>
-              <a:rPr lang="it-IT" sz="5400" dirty="0">
-                <a:latin typeface="Trebuchet MS" charset="0"/>
-              </a:rPr>
-              <a:t>Modulo adp-01</a:t>
-            </a:r>
-          </a:p>
-        </p:txBody>
-      </p:sp>
-      <p:sp>
-        <p:nvSpPr>
-          <p:cNvPr id="3" name="CasellaDiTesto 2"/>
-          <p:cNvSpPr txBox="1"/>
-          <p:nvPr/>
-        </p:nvSpPr>
-        <p:spPr>
-          <a:xfrm>
-            <a:off x="89680" y="2006583"/>
-            <a:ext cx="11967202" cy="2616101"/>
-          </a:xfrm>
-          <a:prstGeom prst="rect">
-            <a:avLst/>
-          </a:prstGeom>
-        </p:spPr>
-        <p:txBody>
-          <a:bodyPr wrap="square" rtlCol="0">
-            <a:spAutoFit/>
-          </a:bodyPr>
-          <a:lstStyle/>
-          <a:p>
-            <a:pPr marL="457200" indent="-457200">
-              <a:buFont typeface="Arial" panose="020B0604020202020204" pitchFamily="34" charset="0"/>
-              <a:buChar char="•"/>
-            </a:pPr>
-            <a:r>
-              <a:rPr lang="it-IT" sz="2800" dirty="0" smtClean="0">
-                <a:solidFill>
-                  <a:srgbClr val="FFFFFF"/>
-                </a:solidFill>
-                <a:latin typeface="Consolas" charset="0"/>
-              </a:rPr>
-              <a:t>O</a:t>
-            </a:r>
-            <a:r>
-              <a:rPr lang="it" sz="2800" dirty="0" smtClean="0">
-                <a:solidFill>
-                  <a:srgbClr val="FFFFFF"/>
-                </a:solidFill>
-                <a:latin typeface="Consolas" charset="0"/>
-              </a:rPr>
-              <a:t>spita il modulo WiFi ESP8266</a:t>
-            </a:r>
-          </a:p>
-          <a:p>
-            <a:pPr marL="457200" indent="-457200">
-              <a:buFont typeface="Arial" panose="020B0604020202020204" pitchFamily="34" charset="0"/>
-              <a:buChar char="•"/>
-            </a:pPr>
-            <a:r>
-              <a:rPr lang="it-IT" sz="2800" dirty="0" smtClean="0">
-                <a:solidFill>
-                  <a:srgbClr val="FFFFFF"/>
-                </a:solidFill>
-                <a:latin typeface="Consolas" charset="0"/>
-              </a:rPr>
-              <a:t>È alimentato </a:t>
-            </a:r>
-            <a:r>
-              <a:rPr lang="it" sz="2800" dirty="0" smtClean="0">
-                <a:solidFill>
-                  <a:srgbClr val="FFFFFF"/>
-                </a:solidFill>
-                <a:latin typeface="Consolas" charset="0"/>
-              </a:rPr>
-              <a:t>con </a:t>
-            </a:r>
-            <a:r>
-              <a:rPr lang="it" sz="2800" dirty="0">
-                <a:solidFill>
-                  <a:srgbClr val="FFFFFF"/>
-                </a:solidFill>
-                <a:latin typeface="Consolas" charset="0"/>
-              </a:rPr>
-              <a:t>5 V </a:t>
-            </a:r>
-            <a:r>
-              <a:rPr lang="it" sz="2800" dirty="0" smtClean="0">
-                <a:solidFill>
-                  <a:srgbClr val="FFFFFF"/>
-                </a:solidFill>
-                <a:latin typeface="Consolas" charset="0"/>
-              </a:rPr>
-              <a:t>e fornisce i </a:t>
-            </a:r>
-            <a:r>
-              <a:rPr lang="it" sz="2800" dirty="0">
-                <a:solidFill>
-                  <a:srgbClr val="FFFFFF"/>
-                </a:solidFill>
-                <a:latin typeface="Consolas" charset="0"/>
-              </a:rPr>
-              <a:t>3,3 V </a:t>
-            </a:r>
-            <a:r>
-              <a:rPr lang="it" sz="2800" dirty="0" smtClean="0">
-                <a:solidFill>
-                  <a:srgbClr val="FFFFFF"/>
-                </a:solidFill>
-                <a:latin typeface="Consolas" charset="0"/>
-              </a:rPr>
-              <a:t>richiesti </a:t>
-            </a:r>
-            <a:r>
-              <a:rPr lang="it" sz="2800" dirty="0">
-                <a:solidFill>
-                  <a:srgbClr val="FFFFFF"/>
-                </a:solidFill>
-                <a:latin typeface="Consolas" charset="0"/>
-              </a:rPr>
-              <a:t>dal modulo </a:t>
-            </a:r>
-            <a:r>
-              <a:rPr lang="it" sz="2800" dirty="0" smtClean="0">
-                <a:solidFill>
-                  <a:srgbClr val="FFFFFF"/>
-                </a:solidFill>
-                <a:latin typeface="Consolas" charset="0"/>
-              </a:rPr>
-              <a:t>WiFi (regolatore di tensione lineare). </a:t>
-            </a:r>
-          </a:p>
-          <a:p>
-            <a:pPr marL="457200" indent="-457200">
-              <a:buFont typeface="Arial" panose="020B0604020202020204" pitchFamily="34" charset="0"/>
-              <a:buChar char="•"/>
-            </a:pPr>
-            <a:r>
-              <a:rPr lang="it-IT" sz="2800" dirty="0" smtClean="0">
-                <a:solidFill>
-                  <a:srgbClr val="FFFFFF"/>
-                </a:solidFill>
-                <a:latin typeface="Consolas" charset="0"/>
-              </a:rPr>
-              <a:t>T</a:t>
-            </a:r>
-            <a:r>
-              <a:rPr lang="it" sz="2800" dirty="0" smtClean="0">
-                <a:solidFill>
-                  <a:srgbClr val="FFFFFF"/>
-                </a:solidFill>
-                <a:latin typeface="Consolas" charset="0"/>
-              </a:rPr>
-              <a:t>rasla i livelli di porte seriali e porte I2C del modulo</a:t>
-            </a:r>
-          </a:p>
-          <a:p>
-            <a:pPr marL="457200" indent="-457200">
-              <a:buFont typeface="Arial" panose="020B0604020202020204" pitchFamily="34" charset="0"/>
-              <a:buChar char="•"/>
-            </a:pPr>
-            <a:r>
-              <a:rPr lang="it-IT" sz="2800" dirty="0" smtClean="0">
-                <a:solidFill>
-                  <a:srgbClr val="FFFFFF"/>
-                </a:solidFill>
-                <a:latin typeface="Consolas" charset="0"/>
-              </a:rPr>
-              <a:t>P</a:t>
-            </a:r>
-            <a:r>
-              <a:rPr lang="it" sz="2800" dirty="0" smtClean="0">
-                <a:solidFill>
-                  <a:srgbClr val="FFFFFF"/>
-                </a:solidFill>
-                <a:latin typeface="Consolas" charset="0"/>
-              </a:rPr>
-              <a:t>ossiede pedinature compatibili con una breadboard</a:t>
-            </a:r>
-            <a:endParaRPr lang="it-IT" sz="2800" dirty="0">
-              <a:solidFill>
-                <a:srgbClr val="444444"/>
-              </a:solidFill>
-              <a:latin typeface="Arial" charset="0"/>
-            </a:endParaRPr>
-          </a:p>
-          <a:p>
-            <a:endParaRPr lang="it-IT" sz="2400" dirty="0"/>
-          </a:p>
-        </p:txBody>
-      </p:sp>
-      <p:pic>
-        <p:nvPicPr>
-          <p:cNvPr id="4" name="Immagine 3" descr="ADP-01.png"/>
-          <p:cNvPicPr>
-            <a:picLocks noChangeAspect="1"/>
-          </p:cNvPicPr>
-          <p:nvPr/>
-        </p:nvPicPr>
-        <p:blipFill>
-          <a:blip r:embed="rId3"/>
-          <a:stretch>
-            <a:fillRect/>
-          </a:stretch>
-        </p:blipFill>
-        <p:spPr>
-          <a:xfrm>
-            <a:off x="2912822" y="4014510"/>
-            <a:ext cx="5384800" cy="2946493"/>
-          </a:xfrm>
-          <a:prstGeom prst="rect">
-            <a:avLst/>
-          </a:prstGeom>
-        </p:spPr>
-      </p:pic>
-    </p:spTree>
-    <p:extLst>
-      <p:ext uri="{BB962C8B-B14F-4D97-AF65-F5344CB8AC3E}">
-        <p14:creationId xmlns:p14="http://schemas.microsoft.com/office/powerpoint/2010/main" val="3637849076"/>
-      </p:ext>
-    </p:extLst>
-  </p:cSld>
-  <p:clrMapOvr>
-    <a:masterClrMapping/>
-  </p:clrMapOvr>
-  <p:timing>
-    <p:tnLst>
-      <p:par>
-        <p:cTn id="1" dur="indefinite" restart="never" nodeType="tmRoot"/>
-      </p:par>
-    </p:tnLst>
-  </p:timing>
-</p:sld>
-</file>
-
-<file path=ppt/slides/slide15.xml><?xml version="1.0" encoding="utf-8"?>
-<p:sld xmlns:a="http://schemas.openxmlformats.org/drawingml/2006/main" xmlns:r="http://schemas.openxmlformats.org/officeDocument/2006/relationships" xmlns:p="http://schemas.openxmlformats.org/presentationml/2006/main">
-  <p:cSld>
-    <p:spTree>
-      <p:nvGrpSpPr>
-        <p:cNvPr id="1" name=""/>
-        <p:cNvGrpSpPr/>
-        <p:nvPr/>
-      </p:nvGrpSpPr>
-      <p:grpSpPr>
-        <a:xfrm>
-          <a:off x="0" y="0"/>
-          <a:ext cx="0" cy="0"/>
-          <a:chOff x="0" y="0"/>
-          <a:chExt cx="0" cy="0"/>
-        </a:xfrm>
-      </p:grpSpPr>
-      <p:pic>
-        <p:nvPicPr>
-          <p:cNvPr id="2" name="Immagine 1" descr="schematic ADP-01 (1).png"/>
-          <p:cNvPicPr>
-            <a:picLocks noChangeAspect="1"/>
-          </p:cNvPicPr>
-          <p:nvPr/>
-        </p:nvPicPr>
-        <p:blipFill>
-          <a:blip r:embed="rId3"/>
-          <a:stretch>
-            <a:fillRect/>
-          </a:stretch>
-        </p:blipFill>
-        <p:spPr>
-          <a:xfrm>
-            <a:off x="1036949" y="612866"/>
-            <a:ext cx="10284643" cy="5769326"/>
-          </a:xfrm>
-          <a:prstGeom prst="rect">
-            <a:avLst/>
-          </a:prstGeom>
-        </p:spPr>
-      </p:pic>
-    </p:spTree>
-    <p:extLst>
-      <p:ext uri="{BB962C8B-B14F-4D97-AF65-F5344CB8AC3E}">
-        <p14:creationId xmlns:p14="http://schemas.microsoft.com/office/powerpoint/2010/main" val="2037541562"/>
-      </p:ext>
-    </p:extLst>
-  </p:cSld>
-  <p:clrMapOvr>
-    <a:masterClrMapping/>
-  </p:clrMapOvr>
-  <p:timing>
-    <p:tnLst>
-      <p:par>
-        <p:cTn id="1" dur="indefinite" restart="never" nodeType="tmRoot"/>
-      </p:par>
-    </p:tnLst>
-  </p:timing>
-</p:sld>
-</file>
-
-<file path=ppt/slides/slide16.xml><?xml version="1.0" encoding="utf-8"?>
-<p:sld xmlns:a="http://schemas.openxmlformats.org/drawingml/2006/main" xmlns:r="http://schemas.openxmlformats.org/officeDocument/2006/relationships" xmlns:p="http://schemas.openxmlformats.org/presentationml/2006/main">
-  <p:cSld>
-    <p:spTree>
-      <p:nvGrpSpPr>
-        <p:cNvPr id="1" name=""/>
-        <p:cNvGrpSpPr/>
-        <p:nvPr/>
-      </p:nvGrpSpPr>
-      <p:grpSpPr>
-        <a:xfrm>
-          <a:off x="0" y="0"/>
-          <a:ext cx="0" cy="0"/>
-          <a:chOff x="0" y="0"/>
-          <a:chExt cx="0" cy="0"/>
-        </a:xfrm>
-      </p:grpSpPr>
-      <p:sp>
-        <p:nvSpPr>
-          <p:cNvPr id="2" name="Titolo 1"/>
-          <p:cNvSpPr>
-            <a:spLocks noGrp="1"/>
-          </p:cNvSpPr>
-          <p:nvPr>
-            <p:ph type="title"/>
-          </p:nvPr>
-        </p:nvSpPr>
-        <p:spPr>
-          <a:xfrm>
             <a:off x="57584" y="752475"/>
             <a:ext cx="10237354" cy="1081088"/>
           </a:xfrm>
@@ -11586,7 +10539,7 @@
 </p:sld>
 </file>
 
-<file path=ppt/slides/slide17.xml><?xml version="1.0" encoding="utf-8"?>
+<file path=ppt/slides/slide11.xml><?xml version="1.0" encoding="utf-8"?>
 <p:sld xmlns:a="http://schemas.openxmlformats.org/drawingml/2006/main" xmlns:r="http://schemas.openxmlformats.org/officeDocument/2006/relationships" xmlns:p="http://schemas.openxmlformats.org/presentationml/2006/main">
   <p:cSld>
     <p:spTree>
@@ -12522,7 +11475,7 @@
 </p:sld>
 </file>
 
-<file path=ppt/slides/slide18.xml><?xml version="1.0" encoding="utf-8"?>
+<file path=ppt/slides/slide12.xml><?xml version="1.0" encoding="utf-8"?>
 <p:sld xmlns:a="http://schemas.openxmlformats.org/drawingml/2006/main" xmlns:r="http://schemas.openxmlformats.org/officeDocument/2006/relationships" xmlns:p="http://schemas.openxmlformats.org/presentationml/2006/main">
   <p:cSld>
     <p:spTree>
@@ -13110,6 +12063,2377 @@
 </p:sld>
 </file>
 
+<file path=ppt/slides/slide13.xml><?xml version="1.0" encoding="utf-8"?>
+<p:sld xmlns:a="http://schemas.openxmlformats.org/drawingml/2006/main" xmlns:r="http://schemas.openxmlformats.org/officeDocument/2006/relationships" xmlns:p="http://schemas.openxmlformats.org/presentationml/2006/main">
+  <p:cSld>
+    <p:spTree>
+      <p:nvGrpSpPr>
+        <p:cNvPr id="1" name=""/>
+        <p:cNvGrpSpPr/>
+        <p:nvPr/>
+      </p:nvGrpSpPr>
+      <p:grpSpPr>
+        <a:xfrm>
+          <a:off x="0" y="0"/>
+          <a:ext cx="0" cy="0"/>
+          <a:chOff x="0" y="0"/>
+          <a:chExt cx="0" cy="0"/>
+        </a:xfrm>
+      </p:grpSpPr>
+      <p:sp>
+        <p:nvSpPr>
+          <p:cNvPr id="3" name="Rettangolo 2"/>
+          <p:cNvSpPr/>
+          <p:nvPr/>
+        </p:nvSpPr>
+        <p:spPr>
+          <a:xfrm>
+            <a:off x="707008" y="509047"/>
+            <a:ext cx="8352149" cy="6247864"/>
+          </a:xfrm>
+          <a:prstGeom prst="rect">
+            <a:avLst/>
+          </a:prstGeom>
+        </p:spPr>
+        <p:txBody>
+          <a:bodyPr wrap="square">
+            <a:spAutoFit/>
+          </a:bodyPr>
+          <a:lstStyle/>
+          <a:p>
+            <a:r>
+              <a:rPr lang="it-IT" sz="2000" dirty="0"/>
+              <a:t>/* </a:t>
+            </a:r>
+            <a:r>
+              <a:rPr lang="it-IT" sz="2000" dirty="0" smtClean="0"/>
+              <a:t>Invia i comandi AT su monitor seriale  sulla UART del modulo ESP8266*/</a:t>
+            </a:r>
+            <a:r>
+              <a:rPr lang="it-IT" sz="2000" dirty="0"/>
+              <a:t> </a:t>
+            </a:r>
+          </a:p>
+          <a:p>
+            <a:r>
+              <a:rPr lang="it-IT" sz="2000" dirty="0" err="1"/>
+              <a:t>void</a:t>
+            </a:r>
+            <a:r>
+              <a:rPr lang="it-IT" sz="2000" dirty="0"/>
+              <a:t> setup() </a:t>
+            </a:r>
+          </a:p>
+          <a:p>
+            <a:r>
+              <a:rPr lang="it-IT" sz="2000" dirty="0"/>
+              <a:t>{ </a:t>
+            </a:r>
+          </a:p>
+          <a:p>
+            <a:r>
+              <a:rPr lang="it-IT" sz="2000" dirty="0"/>
+              <a:t>  delay(5000); </a:t>
+            </a:r>
+          </a:p>
+          <a:p>
+            <a:r>
+              <a:rPr lang="it-IT" sz="2000" dirty="0"/>
+              <a:t>  </a:t>
+            </a:r>
+            <a:r>
+              <a:rPr lang="it-IT" sz="2000" dirty="0" err="1"/>
+              <a:t>Serial.begin</a:t>
+            </a:r>
+            <a:r>
+              <a:rPr lang="it-IT" sz="2000" dirty="0"/>
+              <a:t>(115200); </a:t>
+            </a:r>
+          </a:p>
+          <a:p>
+            <a:r>
+              <a:rPr lang="it-IT" sz="2000" dirty="0"/>
+              <a:t>  Serial1.begin(115200); </a:t>
+            </a:r>
+          </a:p>
+          <a:p>
+            <a:r>
+              <a:rPr lang="it-IT" sz="2000" dirty="0"/>
+              <a:t>} </a:t>
+            </a:r>
+          </a:p>
+          <a:p>
+            <a:r>
+              <a:rPr lang="it-IT" sz="2000" dirty="0" err="1"/>
+              <a:t>void</a:t>
+            </a:r>
+            <a:r>
+              <a:rPr lang="it-IT" sz="2000" dirty="0"/>
+              <a:t> </a:t>
+            </a:r>
+            <a:r>
+              <a:rPr lang="it-IT" sz="2000" dirty="0" err="1"/>
+              <a:t>loop</a:t>
+            </a:r>
+            <a:r>
+              <a:rPr lang="it-IT" sz="2000" dirty="0"/>
+              <a:t>() </a:t>
+            </a:r>
+          </a:p>
+          <a:p>
+            <a:r>
+              <a:rPr lang="it-IT" sz="2000" dirty="0"/>
+              <a:t>{ </a:t>
+            </a:r>
+          </a:p>
+          <a:p>
+            <a:r>
+              <a:rPr lang="it-IT" sz="2000" dirty="0"/>
+              <a:t>  /* </a:t>
+            </a:r>
+            <a:r>
+              <a:rPr lang="it-IT" sz="2000" dirty="0" smtClean="0"/>
+              <a:t>manda tutto ciò che riceve  dalla UART HW sulla seriale</a:t>
+            </a:r>
+            <a:r>
+              <a:rPr lang="it-IT" sz="2000" dirty="0"/>
+              <a:t> */ </a:t>
+            </a:r>
+          </a:p>
+          <a:p>
+            <a:r>
+              <a:rPr lang="it-IT" sz="2000" dirty="0"/>
+              <a:t>  </a:t>
+            </a:r>
+            <a:r>
+              <a:rPr lang="it-IT" sz="2000" dirty="0" err="1"/>
+              <a:t>if</a:t>
+            </a:r>
+            <a:r>
+              <a:rPr lang="it-IT" sz="2000" dirty="0"/>
+              <a:t> (</a:t>
+            </a:r>
+            <a:r>
+              <a:rPr lang="it-IT" sz="2000" dirty="0" err="1"/>
+              <a:t>Serial.available</a:t>
+            </a:r>
+            <a:r>
+              <a:rPr lang="it-IT" sz="2000" dirty="0"/>
+              <a:t>() &gt; 0) { </a:t>
+            </a:r>
+          </a:p>
+          <a:p>
+            <a:r>
+              <a:rPr lang="it-IT" sz="2000" dirty="0"/>
+              <a:t>    </a:t>
+            </a:r>
+            <a:r>
+              <a:rPr lang="it-IT" sz="2000" dirty="0" err="1"/>
+              <a:t>char</a:t>
+            </a:r>
+            <a:r>
+              <a:rPr lang="it-IT" sz="2000" dirty="0"/>
+              <a:t> </a:t>
+            </a:r>
+            <a:r>
+              <a:rPr lang="it-IT" sz="2000" dirty="0" err="1"/>
+              <a:t>ch</a:t>
+            </a:r>
+            <a:r>
+              <a:rPr lang="it-IT" sz="2000" dirty="0"/>
+              <a:t> = </a:t>
+            </a:r>
+            <a:r>
+              <a:rPr lang="it-IT" sz="2000" dirty="0" err="1"/>
+              <a:t>Serial.read</a:t>
+            </a:r>
+            <a:r>
+              <a:rPr lang="it-IT" sz="2000" dirty="0"/>
+              <a:t>(); </a:t>
+            </a:r>
+          </a:p>
+          <a:p>
+            <a:r>
+              <a:rPr lang="it-IT" sz="2000" dirty="0"/>
+              <a:t>    Serial1.print(</a:t>
+            </a:r>
+            <a:r>
+              <a:rPr lang="it-IT" sz="2000" dirty="0" err="1"/>
+              <a:t>ch</a:t>
+            </a:r>
+            <a:r>
+              <a:rPr lang="it-IT" sz="2000" dirty="0"/>
+              <a:t>); </a:t>
+            </a:r>
+          </a:p>
+          <a:p>
+            <a:r>
+              <a:rPr lang="it-IT" sz="2000" dirty="0"/>
+              <a:t>  } </a:t>
+            </a:r>
+          </a:p>
+          <a:p>
+            <a:r>
+              <a:rPr lang="it-IT" sz="2000" dirty="0"/>
+              <a:t>  </a:t>
+            </a:r>
+            <a:r>
+              <a:rPr lang="it-IT" sz="2000" dirty="0" err="1"/>
+              <a:t>if</a:t>
+            </a:r>
+            <a:r>
+              <a:rPr lang="it-IT" sz="2000" dirty="0"/>
+              <a:t> (Serial1.available() &gt; 0) { </a:t>
+            </a:r>
+          </a:p>
+          <a:p>
+            <a:r>
+              <a:rPr lang="it-IT" sz="2000" dirty="0"/>
+              <a:t>    </a:t>
+            </a:r>
+            <a:r>
+              <a:rPr lang="it-IT" sz="2000" dirty="0" err="1"/>
+              <a:t>char</a:t>
+            </a:r>
+            <a:r>
+              <a:rPr lang="it-IT" sz="2000" dirty="0"/>
+              <a:t> </a:t>
+            </a:r>
+            <a:r>
+              <a:rPr lang="it-IT" sz="2000" dirty="0" err="1"/>
+              <a:t>ch</a:t>
+            </a:r>
+            <a:r>
+              <a:rPr lang="it-IT" sz="2000" dirty="0"/>
+              <a:t> = Serial1.read(); </a:t>
+            </a:r>
+          </a:p>
+          <a:p>
+            <a:r>
+              <a:rPr lang="it-IT" sz="2000" dirty="0"/>
+              <a:t>    </a:t>
+            </a:r>
+            <a:r>
+              <a:rPr lang="it-IT" sz="2000" dirty="0" err="1"/>
+              <a:t>Serial.print</a:t>
+            </a:r>
+            <a:r>
+              <a:rPr lang="it-IT" sz="2000" dirty="0"/>
+              <a:t>(</a:t>
+            </a:r>
+            <a:r>
+              <a:rPr lang="it-IT" sz="2000" dirty="0" err="1"/>
+              <a:t>ch</a:t>
+            </a:r>
+            <a:r>
+              <a:rPr lang="it-IT" sz="2000" dirty="0"/>
+              <a:t>); </a:t>
+            </a:r>
+          </a:p>
+          <a:p>
+            <a:r>
+              <a:rPr lang="it-IT" sz="2000" dirty="0"/>
+              <a:t>  } </a:t>
+            </a:r>
+          </a:p>
+          <a:p>
+            <a:r>
+              <a:rPr lang="it-IT" sz="2000" dirty="0"/>
+              <a:t>} </a:t>
+            </a:r>
+          </a:p>
+        </p:txBody>
+      </p:sp>
+      <p:sp>
+        <p:nvSpPr>
+          <p:cNvPr id="4" name="CasellaDiTesto 3"/>
+          <p:cNvSpPr txBox="1"/>
+          <p:nvPr/>
+        </p:nvSpPr>
+        <p:spPr>
+          <a:xfrm>
+            <a:off x="5524107" y="1168821"/>
+            <a:ext cx="4825609" cy="1569660"/>
+          </a:xfrm>
+          <a:prstGeom prst="rect">
+            <a:avLst/>
+          </a:prstGeom>
+          <a:noFill/>
+        </p:spPr>
+        <p:txBody>
+          <a:bodyPr wrap="square" rtlCol="0">
+            <a:spAutoFit/>
+          </a:bodyPr>
+          <a:lstStyle/>
+          <a:p>
+            <a:r>
+              <a:rPr lang="it-IT" sz="2400" dirty="0" smtClean="0"/>
+              <a:t>Esempio di sketch Arduino per la configurazione diretta del modem tramite comandi AT impartiti da console</a:t>
+            </a:r>
+            <a:endParaRPr lang="it-IT" sz="2400" dirty="0"/>
+          </a:p>
+        </p:txBody>
+      </p:sp>
+      <p:sp>
+        <p:nvSpPr>
+          <p:cNvPr id="5" name="CasellaDiTesto 4"/>
+          <p:cNvSpPr txBox="1"/>
+          <p:nvPr/>
+        </p:nvSpPr>
+        <p:spPr>
+          <a:xfrm>
+            <a:off x="5898038" y="4252608"/>
+            <a:ext cx="6293962" cy="2893100"/>
+          </a:xfrm>
+          <a:prstGeom prst="rect">
+            <a:avLst/>
+          </a:prstGeom>
+          <a:noFill/>
+        </p:spPr>
+        <p:txBody>
+          <a:bodyPr wrap="square" rtlCol="0">
+            <a:spAutoFit/>
+          </a:bodyPr>
+          <a:lstStyle/>
+          <a:p>
+            <a:r>
+              <a:rPr lang="it-IT" sz="2400" dirty="0" smtClean="0"/>
+              <a:t>In genere i comandi AT vengono inviati da programma sotto forma di:</a:t>
+            </a:r>
+          </a:p>
+          <a:p>
+            <a:pPr marL="457200" indent="-457200">
+              <a:spcBef>
+                <a:spcPts val="600"/>
+              </a:spcBef>
+              <a:buFont typeface="Arial" panose="020B0604020202020204" pitchFamily="34" charset="0"/>
+              <a:buChar char="•"/>
+            </a:pPr>
+            <a:r>
+              <a:rPr lang="it-IT" sz="2400" dirty="0" smtClean="0"/>
+              <a:t>Stringhe affogate nel </a:t>
+            </a:r>
+            <a:r>
+              <a:rPr lang="it-IT" sz="2400" dirty="0" err="1" smtClean="0"/>
+              <a:t>main</a:t>
+            </a:r>
+            <a:r>
+              <a:rPr lang="it-IT" sz="2400" dirty="0" smtClean="0"/>
+              <a:t> dello sketch</a:t>
+            </a:r>
+          </a:p>
+          <a:p>
+            <a:pPr marL="457200" indent="-457200">
+              <a:spcBef>
+                <a:spcPts val="600"/>
+              </a:spcBef>
+              <a:buFont typeface="Arial" panose="020B0604020202020204" pitchFamily="34" charset="0"/>
+              <a:buChar char="•"/>
+            </a:pPr>
+            <a:r>
+              <a:rPr lang="it-IT" sz="2400" dirty="0" smtClean="0"/>
+              <a:t>Librerie di funzioni apposite che li includono e che vengono richiamate nel </a:t>
+            </a:r>
+            <a:r>
+              <a:rPr lang="it-IT" sz="2400" dirty="0" err="1" smtClean="0"/>
+              <a:t>main</a:t>
+            </a:r>
+            <a:r>
+              <a:rPr lang="it-IT" sz="2400" dirty="0" smtClean="0"/>
+              <a:t> dello sketch</a:t>
+            </a:r>
+            <a:endParaRPr lang="it-IT" sz="2400" dirty="0" smtClean="0"/>
+          </a:p>
+          <a:p>
+            <a:pPr marL="457200" indent="-457200">
+              <a:buFont typeface="Arial" panose="020B0604020202020204" pitchFamily="34" charset="0"/>
+              <a:buChar char="•"/>
+            </a:pPr>
+            <a:endParaRPr lang="it-IT" sz="2800" dirty="0"/>
+          </a:p>
+        </p:txBody>
+      </p:sp>
+    </p:spTree>
+    <p:extLst>
+      <p:ext uri="{BB962C8B-B14F-4D97-AF65-F5344CB8AC3E}">
+        <p14:creationId xmlns:p14="http://schemas.microsoft.com/office/powerpoint/2010/main" val="2517890914"/>
+      </p:ext>
+    </p:extLst>
+  </p:cSld>
+  <p:clrMapOvr>
+    <a:masterClrMapping/>
+  </p:clrMapOvr>
+  <p:timing>
+    <p:tnLst>
+      <p:par>
+        <p:cTn id="1" dur="indefinite" restart="never" nodeType="tmRoot"/>
+      </p:par>
+    </p:tnLst>
+  </p:timing>
+</p:sld>
+</file>
+
+<file path=ppt/slides/slide14.xml><?xml version="1.0" encoding="utf-8"?>
+<p:sld xmlns:a="http://schemas.openxmlformats.org/drawingml/2006/main" xmlns:r="http://schemas.openxmlformats.org/officeDocument/2006/relationships" xmlns:p="http://schemas.openxmlformats.org/presentationml/2006/main">
+  <p:cSld>
+    <p:spTree>
+      <p:nvGrpSpPr>
+        <p:cNvPr id="1" name=""/>
+        <p:cNvGrpSpPr/>
+        <p:nvPr/>
+      </p:nvGrpSpPr>
+      <p:grpSpPr>
+        <a:xfrm>
+          <a:off x="0" y="0"/>
+          <a:ext cx="0" cy="0"/>
+          <a:chOff x="0" y="0"/>
+          <a:chExt cx="0" cy="0"/>
+        </a:xfrm>
+      </p:grpSpPr>
+      <p:sp>
+        <p:nvSpPr>
+          <p:cNvPr id="7169" name="Rectangle 1"/>
+          <p:cNvSpPr>
+            <a:spLocks noGrp="1" noChangeArrowheads="1"/>
+          </p:cNvSpPr>
+          <p:nvPr>
+            <p:ph type="title"/>
+          </p:nvPr>
+        </p:nvSpPr>
+        <p:spPr>
+          <a:xfrm>
+            <a:off x="452113" y="744718"/>
+            <a:ext cx="9851384" cy="989815"/>
+          </a:xfrm>
+          <a:ln/>
+        </p:spPr>
+        <p:txBody>
+          <a:bodyPr vert="horz" lIns="91440" tIns="32005" rIns="91440" bIns="45720" rtlCol="0" anchor="ctr">
+            <a:normAutofit fontScale="90000"/>
+          </a:bodyPr>
+          <a:lstStyle/>
+          <a:p>
+            <a:pPr algn="ctr">
+              <a:tabLst>
+                <a:tab pos="0" algn="l"/>
+                <a:tab pos="406131" algn="l"/>
+                <a:tab pos="813702" algn="l"/>
+                <a:tab pos="1221273" algn="l"/>
+                <a:tab pos="1628844" algn="l"/>
+                <a:tab pos="2036415" algn="l"/>
+                <a:tab pos="2443986" algn="l"/>
+                <a:tab pos="2851556" algn="l"/>
+                <a:tab pos="3259128" algn="l"/>
+                <a:tab pos="3666698" algn="l"/>
+                <a:tab pos="4074270" algn="l"/>
+                <a:tab pos="4481840" algn="l"/>
+                <a:tab pos="4889412" algn="l"/>
+                <a:tab pos="5296982" algn="l"/>
+                <a:tab pos="5704553" algn="l"/>
+                <a:tab pos="6112124" algn="l"/>
+                <a:tab pos="6519695" algn="l"/>
+                <a:tab pos="6927266" algn="l"/>
+                <a:tab pos="7334837" algn="l"/>
+                <a:tab pos="7742408" algn="l"/>
+                <a:tab pos="8149979" algn="l"/>
+              </a:tabLst>
+            </a:pPr>
+            <a:r>
+              <a:rPr lang="en-GB" altLang="it-IT" sz="4400" i="0" dirty="0" err="1" smtClean="0"/>
+              <a:t>Problema</a:t>
+            </a:r>
+            <a:r>
+              <a:rPr lang="en-GB" altLang="it-IT" sz="4400" i="0" dirty="0" smtClean="0"/>
+              <a:t> </a:t>
+            </a:r>
+            <a:r>
+              <a:rPr lang="en-GB" altLang="it-IT" sz="4400" i="0" dirty="0" err="1" smtClean="0"/>
+              <a:t>tecnico</a:t>
+            </a:r>
+            <a:r>
+              <a:rPr lang="en-GB" altLang="it-IT" sz="4400" i="0" dirty="0" smtClean="0"/>
+              <a:t>: la </a:t>
+            </a:r>
+            <a:r>
+              <a:rPr lang="en-GB" altLang="it-IT" sz="4400" i="0" dirty="0" err="1" smtClean="0"/>
+              <a:t>traslazione</a:t>
+            </a:r>
+            <a:r>
+              <a:rPr lang="en-GB" altLang="it-IT" sz="4400" i="0" dirty="0" smtClean="0"/>
+              <a:t> </a:t>
+            </a:r>
+            <a:r>
+              <a:rPr lang="en-GB" altLang="it-IT" sz="4400" i="0" dirty="0" err="1" smtClean="0"/>
+              <a:t>dei</a:t>
+            </a:r>
+            <a:r>
+              <a:rPr lang="en-GB" altLang="it-IT" sz="4400" i="0" dirty="0" smtClean="0"/>
+              <a:t> </a:t>
+            </a:r>
+            <a:r>
+              <a:rPr lang="en-GB" altLang="it-IT" sz="4400" i="0" dirty="0" err="1" smtClean="0"/>
+              <a:t>livelli</a:t>
+            </a:r>
+            <a:endParaRPr lang="en-GB" altLang="it-IT" sz="4400" i="0" dirty="0"/>
+          </a:p>
+        </p:txBody>
+      </p:sp>
+      <p:sp>
+        <p:nvSpPr>
+          <p:cNvPr id="7170" name="Rectangle 2"/>
+          <p:cNvSpPr>
+            <a:spLocks noGrp="1" noChangeArrowheads="1"/>
+          </p:cNvSpPr>
+          <p:nvPr>
+            <p:ph type="body" idx="1"/>
+          </p:nvPr>
+        </p:nvSpPr>
+        <p:spPr>
+          <a:xfrm>
+            <a:off x="273377" y="2158738"/>
+            <a:ext cx="11321591" cy="4468305"/>
+          </a:xfrm>
+          <a:ln/>
+        </p:spPr>
+        <p:txBody>
+          <a:bodyPr vert="horz" lIns="91440" tIns="25474" rIns="91440" bIns="45720" rtlCol="0">
+            <a:noAutofit/>
+          </a:bodyPr>
+          <a:lstStyle/>
+          <a:p>
+            <a:pPr marL="95052" indent="0">
+              <a:lnSpc>
+                <a:spcPct val="100000"/>
+              </a:lnSpc>
+              <a:spcBef>
+                <a:spcPts val="1200"/>
+              </a:spcBef>
+              <a:buClr>
+                <a:srgbClr val="E6E6E6"/>
+              </a:buClr>
+              <a:buSzPct val="45000"/>
+              <a:buNone/>
+              <a:tabLst>
+                <a:tab pos="385968" algn="l"/>
+                <a:tab pos="481020" algn="l"/>
+                <a:tab pos="888592" algn="l"/>
+                <a:tab pos="1296162" algn="l"/>
+                <a:tab pos="1703733" algn="l"/>
+                <a:tab pos="2111304" algn="l"/>
+                <a:tab pos="2518875" algn="l"/>
+                <a:tab pos="2926446" algn="l"/>
+                <a:tab pos="3334017" algn="l"/>
+                <a:tab pos="3741588" algn="l"/>
+                <a:tab pos="4149159" algn="l"/>
+                <a:tab pos="4556730" algn="l"/>
+                <a:tab pos="4964301" algn="l"/>
+                <a:tab pos="5371871" algn="l"/>
+                <a:tab pos="5779443" algn="l"/>
+                <a:tab pos="6187013" algn="l"/>
+                <a:tab pos="6594585" algn="l"/>
+                <a:tab pos="7002155" algn="l"/>
+                <a:tab pos="7409727" algn="l"/>
+                <a:tab pos="7817297" algn="l"/>
+                <a:tab pos="8224868" algn="l"/>
+              </a:tabLst>
+            </a:pPr>
+            <a:r>
+              <a:rPr lang="en-GB" altLang="it-IT" sz="2200" dirty="0" err="1" smtClean="0">
+                <a:latin typeface="Arial" panose="020B0604020202020204" pitchFamily="34" charset="0"/>
+              </a:rPr>
+              <a:t>Nell’interfacciare</a:t>
+            </a:r>
+            <a:r>
+              <a:rPr lang="en-GB" altLang="it-IT" sz="2200" dirty="0" smtClean="0">
+                <a:latin typeface="Arial" panose="020B0604020202020204" pitchFamily="34" charset="0"/>
+              </a:rPr>
+              <a:t> moduli con diverse </a:t>
+            </a:r>
+            <a:r>
+              <a:rPr lang="en-GB" altLang="it-IT" sz="2200" dirty="0" err="1" smtClean="0">
+                <a:latin typeface="Arial" panose="020B0604020202020204" pitchFamily="34" charset="0"/>
+              </a:rPr>
+              <a:t>funzioni</a:t>
+            </a:r>
+            <a:r>
+              <a:rPr lang="en-GB" altLang="it-IT" sz="2200" dirty="0" smtClean="0">
+                <a:latin typeface="Arial" panose="020B0604020202020204" pitchFamily="34" charset="0"/>
+              </a:rPr>
+              <a:t> </a:t>
+            </a:r>
+            <a:r>
+              <a:rPr lang="en-GB" altLang="it-IT" sz="2200" dirty="0" err="1" smtClean="0">
+                <a:latin typeface="Arial" panose="020B0604020202020204" pitchFamily="34" charset="0"/>
+              </a:rPr>
+              <a:t>si</a:t>
+            </a:r>
+            <a:r>
+              <a:rPr lang="en-GB" altLang="it-IT" sz="2200" dirty="0" smtClean="0">
+                <a:latin typeface="Arial" panose="020B0604020202020204" pitchFamily="34" charset="0"/>
+              </a:rPr>
+              <a:t> </a:t>
+            </a:r>
+            <a:r>
+              <a:rPr lang="en-GB" altLang="it-IT" sz="2200" dirty="0" err="1" smtClean="0">
+                <a:latin typeface="Arial" panose="020B0604020202020204" pitchFamily="34" charset="0"/>
+              </a:rPr>
+              <a:t>incorre</a:t>
+            </a:r>
+            <a:r>
+              <a:rPr lang="en-GB" altLang="it-IT" sz="2200" dirty="0" smtClean="0">
+                <a:latin typeface="Arial" panose="020B0604020202020204" pitchFamily="34" charset="0"/>
+              </a:rPr>
+              <a:t> </a:t>
+            </a:r>
+            <a:r>
+              <a:rPr lang="en-GB" altLang="it-IT" sz="2200" dirty="0" err="1" smtClean="0">
+                <a:latin typeface="Arial" panose="020B0604020202020204" pitchFamily="34" charset="0"/>
+              </a:rPr>
+              <a:t>spesso</a:t>
+            </a:r>
+            <a:r>
+              <a:rPr lang="en-GB" altLang="it-IT" sz="2200" dirty="0" smtClean="0">
+                <a:latin typeface="Arial" panose="020B0604020202020204" pitchFamily="34" charset="0"/>
+              </a:rPr>
+              <a:t> </a:t>
+            </a:r>
+            <a:r>
+              <a:rPr lang="en-GB" altLang="it-IT" sz="2200" dirty="0" err="1" smtClean="0">
+                <a:latin typeface="Arial" panose="020B0604020202020204" pitchFamily="34" charset="0"/>
+              </a:rPr>
+              <a:t>nei</a:t>
+            </a:r>
+            <a:r>
+              <a:rPr lang="en-GB" altLang="it-IT" sz="2200" dirty="0" smtClean="0">
+                <a:latin typeface="Arial" panose="020B0604020202020204" pitchFamily="34" charset="0"/>
+              </a:rPr>
+              <a:t> </a:t>
+            </a:r>
+            <a:r>
+              <a:rPr lang="en-GB" altLang="it-IT" sz="2200" dirty="0" err="1" smtClean="0">
+                <a:latin typeface="Arial" panose="020B0604020202020204" pitchFamily="34" charset="0"/>
+              </a:rPr>
+              <a:t>seguenti</a:t>
+            </a:r>
+            <a:r>
+              <a:rPr lang="en-GB" altLang="it-IT" sz="2200" dirty="0" smtClean="0">
+                <a:latin typeface="Arial" panose="020B0604020202020204" pitchFamily="34" charset="0"/>
+              </a:rPr>
+              <a:t> </a:t>
+            </a:r>
+            <a:r>
+              <a:rPr lang="en-GB" altLang="it-IT" sz="2200" dirty="0" err="1" smtClean="0">
+                <a:latin typeface="Arial" panose="020B0604020202020204" pitchFamily="34" charset="0"/>
+              </a:rPr>
+              <a:t>problemi</a:t>
+            </a:r>
+            <a:r>
+              <a:rPr lang="en-GB" altLang="it-IT" sz="2200" dirty="0" smtClean="0">
+                <a:latin typeface="Arial" panose="020B0604020202020204" pitchFamily="34" charset="0"/>
+              </a:rPr>
+              <a:t>:</a:t>
+            </a:r>
+          </a:p>
+          <a:p>
+            <a:pPr marL="552252" indent="-457200">
+              <a:lnSpc>
+                <a:spcPct val="100000"/>
+              </a:lnSpc>
+              <a:spcBef>
+                <a:spcPts val="1200"/>
+              </a:spcBef>
+              <a:buClr>
+                <a:srgbClr val="E6E6E6"/>
+              </a:buClr>
+              <a:buSzPct val="45000"/>
+              <a:tabLst>
+                <a:tab pos="385968" algn="l"/>
+                <a:tab pos="481020" algn="l"/>
+                <a:tab pos="888592" algn="l"/>
+                <a:tab pos="1296162" algn="l"/>
+                <a:tab pos="1703733" algn="l"/>
+                <a:tab pos="2111304" algn="l"/>
+                <a:tab pos="2518875" algn="l"/>
+                <a:tab pos="2926446" algn="l"/>
+                <a:tab pos="3334017" algn="l"/>
+                <a:tab pos="3741588" algn="l"/>
+                <a:tab pos="4149159" algn="l"/>
+                <a:tab pos="4556730" algn="l"/>
+                <a:tab pos="4964301" algn="l"/>
+                <a:tab pos="5371871" algn="l"/>
+                <a:tab pos="5779443" algn="l"/>
+                <a:tab pos="6187013" algn="l"/>
+                <a:tab pos="6594585" algn="l"/>
+                <a:tab pos="7002155" algn="l"/>
+                <a:tab pos="7409727" algn="l"/>
+                <a:tab pos="7817297" algn="l"/>
+                <a:tab pos="8224868" algn="l"/>
+              </a:tabLst>
+            </a:pPr>
+            <a:r>
+              <a:rPr lang="en-GB" altLang="it-IT" sz="2200" dirty="0" err="1" smtClean="0">
+                <a:latin typeface="Arial" panose="020B0604020202020204" pitchFamily="34" charset="0"/>
+              </a:rPr>
+              <a:t>Alimentare</a:t>
+            </a:r>
+            <a:r>
+              <a:rPr lang="en-GB" altLang="it-IT" sz="2200" dirty="0" smtClean="0">
+                <a:latin typeface="Arial" panose="020B0604020202020204" pitchFamily="34" charset="0"/>
+              </a:rPr>
+              <a:t> </a:t>
+            </a:r>
+            <a:r>
+              <a:rPr lang="en-GB" altLang="it-IT" sz="2200" dirty="0" err="1" smtClean="0">
+                <a:latin typeface="Arial" panose="020B0604020202020204" pitchFamily="34" charset="0"/>
+              </a:rPr>
+              <a:t>dispositivi</a:t>
+            </a:r>
+            <a:r>
+              <a:rPr lang="en-GB" altLang="it-IT" sz="2200" dirty="0" smtClean="0">
+                <a:latin typeface="Arial" panose="020B0604020202020204" pitchFamily="34" charset="0"/>
+              </a:rPr>
+              <a:t> </a:t>
+            </a:r>
+            <a:r>
+              <a:rPr lang="en-GB" altLang="it-IT" sz="2200" dirty="0" err="1" smtClean="0">
+                <a:latin typeface="Arial" panose="020B0604020202020204" pitchFamily="34" charset="0"/>
+              </a:rPr>
+              <a:t>diversi</a:t>
+            </a:r>
+            <a:r>
+              <a:rPr lang="en-GB" altLang="it-IT" sz="2200" dirty="0" smtClean="0">
+                <a:latin typeface="Arial" panose="020B0604020202020204" pitchFamily="34" charset="0"/>
+              </a:rPr>
+              <a:t> con </a:t>
+            </a:r>
+            <a:r>
+              <a:rPr lang="en-GB" altLang="it-IT" sz="2200" dirty="0" err="1" smtClean="0">
+                <a:latin typeface="Arial" panose="020B0604020202020204" pitchFamily="34" charset="0"/>
+              </a:rPr>
+              <a:t>alimentazioni</a:t>
+            </a:r>
+            <a:r>
+              <a:rPr lang="en-GB" altLang="it-IT" sz="2200" dirty="0" smtClean="0">
+                <a:latin typeface="Arial" panose="020B0604020202020204" pitchFamily="34" charset="0"/>
+              </a:rPr>
+              <a:t> diverse (ad </a:t>
+            </a:r>
+            <a:r>
+              <a:rPr lang="en-GB" altLang="it-IT" sz="2200" dirty="0" err="1" smtClean="0">
+                <a:latin typeface="Arial" panose="020B0604020202020204" pitchFamily="34" charset="0"/>
+              </a:rPr>
+              <a:t>es</a:t>
+            </a:r>
+            <a:r>
+              <a:rPr lang="en-GB" altLang="it-IT" sz="2200" dirty="0" smtClean="0">
+                <a:latin typeface="Arial" panose="020B0604020202020204" pitchFamily="34" charset="0"/>
+              </a:rPr>
+              <a:t>. Arduino </a:t>
+            </a:r>
+            <a:r>
+              <a:rPr lang="en-GB" altLang="it-IT" sz="2200" dirty="0" err="1" smtClean="0">
+                <a:latin typeface="Arial" panose="020B0604020202020204" pitchFamily="34" charset="0"/>
+              </a:rPr>
+              <a:t>fornisce</a:t>
+            </a:r>
+            <a:r>
+              <a:rPr lang="en-GB" altLang="it-IT" sz="2200" dirty="0" smtClean="0">
+                <a:latin typeface="Arial" panose="020B0604020202020204" pitchFamily="34" charset="0"/>
+              </a:rPr>
+              <a:t> </a:t>
+            </a:r>
+            <a:r>
+              <a:rPr lang="en-GB" altLang="it-IT" sz="2200" dirty="0" err="1" smtClean="0">
+                <a:latin typeface="Arial" panose="020B0604020202020204" pitchFamily="34" charset="0"/>
+              </a:rPr>
+              <a:t>sia</a:t>
+            </a:r>
+            <a:r>
+              <a:rPr lang="en-GB" altLang="it-IT" sz="2200" dirty="0" smtClean="0">
+                <a:latin typeface="Arial" panose="020B0604020202020204" pitchFamily="34" charset="0"/>
+              </a:rPr>
+              <a:t> </a:t>
+            </a:r>
+            <a:r>
+              <a:rPr lang="en-GB" altLang="it-IT" sz="2200" dirty="0" err="1" smtClean="0">
+                <a:latin typeface="Arial" panose="020B0604020202020204" pitchFamily="34" charset="0"/>
+              </a:rPr>
+              <a:t>i</a:t>
+            </a:r>
+            <a:r>
+              <a:rPr lang="en-GB" altLang="it-IT" sz="2200" dirty="0" smtClean="0">
+                <a:latin typeface="Arial" panose="020B0604020202020204" pitchFamily="34" charset="0"/>
+              </a:rPr>
+              <a:t> 5V </a:t>
+            </a:r>
+            <a:r>
+              <a:rPr lang="en-GB" altLang="it-IT" sz="2200" dirty="0" err="1" smtClean="0">
+                <a:latin typeface="Arial" panose="020B0604020202020204" pitchFamily="34" charset="0"/>
+              </a:rPr>
+              <a:t>che</a:t>
+            </a:r>
+            <a:r>
+              <a:rPr lang="en-GB" altLang="it-IT" sz="2200" dirty="0" smtClean="0">
+                <a:latin typeface="Arial" panose="020B0604020202020204" pitchFamily="34" charset="0"/>
+              </a:rPr>
+              <a:t> I 3.3V ma </a:t>
+            </a:r>
+            <a:r>
+              <a:rPr lang="en-GB" altLang="it-IT" sz="2200" dirty="0" err="1" smtClean="0">
+                <a:latin typeface="Arial" panose="020B0604020202020204" pitchFamily="34" charset="0"/>
+              </a:rPr>
+              <a:t>quest’ultimi</a:t>
+            </a:r>
+            <a:r>
+              <a:rPr lang="en-GB" altLang="it-IT" sz="2200" dirty="0" smtClean="0">
+                <a:latin typeface="Arial" panose="020B0604020202020204" pitchFamily="34" charset="0"/>
+              </a:rPr>
+              <a:t> solo con </a:t>
+            </a:r>
+            <a:r>
+              <a:rPr lang="en-GB" altLang="it-IT" sz="2200" dirty="0" err="1" smtClean="0">
+                <a:latin typeface="Arial" panose="020B0604020202020204" pitchFamily="34" charset="0"/>
+              </a:rPr>
+              <a:t>pochissima</a:t>
+            </a:r>
+            <a:r>
+              <a:rPr lang="en-GB" altLang="it-IT" sz="2200" dirty="0" smtClean="0">
+                <a:latin typeface="Arial" panose="020B0604020202020204" pitchFamily="34" charset="0"/>
+              </a:rPr>
+              <a:t> </a:t>
+            </a:r>
+            <a:r>
+              <a:rPr lang="en-GB" altLang="it-IT" sz="2200" dirty="0" err="1" smtClean="0">
+                <a:latin typeface="Arial" panose="020B0604020202020204" pitchFamily="34" charset="0"/>
+              </a:rPr>
+              <a:t>corrente</a:t>
+            </a:r>
+            <a:r>
+              <a:rPr lang="en-GB" altLang="it-IT" sz="2200" dirty="0" smtClean="0">
+                <a:latin typeface="Arial" panose="020B0604020202020204" pitchFamily="34" charset="0"/>
+              </a:rPr>
+              <a:t>) </a:t>
+            </a:r>
+          </a:p>
+          <a:p>
+            <a:pPr marL="552252" indent="-457200">
+              <a:lnSpc>
+                <a:spcPct val="100000"/>
+              </a:lnSpc>
+              <a:spcBef>
+                <a:spcPts val="1200"/>
+              </a:spcBef>
+              <a:buClr>
+                <a:srgbClr val="E6E6E6"/>
+              </a:buClr>
+              <a:buSzPct val="45000"/>
+              <a:tabLst>
+                <a:tab pos="385968" algn="l"/>
+                <a:tab pos="481020" algn="l"/>
+                <a:tab pos="888592" algn="l"/>
+                <a:tab pos="1296162" algn="l"/>
+                <a:tab pos="1703733" algn="l"/>
+                <a:tab pos="2111304" algn="l"/>
+                <a:tab pos="2518875" algn="l"/>
+                <a:tab pos="2926446" algn="l"/>
+                <a:tab pos="3334017" algn="l"/>
+                <a:tab pos="3741588" algn="l"/>
+                <a:tab pos="4149159" algn="l"/>
+                <a:tab pos="4556730" algn="l"/>
+                <a:tab pos="4964301" algn="l"/>
+                <a:tab pos="5371871" algn="l"/>
+                <a:tab pos="5779443" algn="l"/>
+                <a:tab pos="6187013" algn="l"/>
+                <a:tab pos="6594585" algn="l"/>
+                <a:tab pos="7002155" algn="l"/>
+                <a:tab pos="7409727" algn="l"/>
+                <a:tab pos="7817297" algn="l"/>
+                <a:tab pos="8224868" algn="l"/>
+              </a:tabLst>
+            </a:pPr>
+            <a:r>
+              <a:rPr lang="en-GB" altLang="it-IT" sz="2200" dirty="0" err="1" smtClean="0">
+                <a:latin typeface="Arial" panose="020B0604020202020204" pitchFamily="34" charset="0"/>
+              </a:rPr>
+              <a:t>Collegare</a:t>
+            </a:r>
+            <a:r>
+              <a:rPr lang="en-GB" altLang="it-IT" sz="2200" dirty="0" smtClean="0">
+                <a:latin typeface="Arial" panose="020B0604020202020204" pitchFamily="34" charset="0"/>
+              </a:rPr>
+              <a:t> </a:t>
+            </a:r>
+            <a:r>
+              <a:rPr lang="en-GB" altLang="it-IT" sz="2200" dirty="0" err="1" smtClean="0">
+                <a:latin typeface="Arial" panose="020B0604020202020204" pitchFamily="34" charset="0"/>
+              </a:rPr>
+              <a:t>porte</a:t>
+            </a:r>
+            <a:r>
+              <a:rPr lang="en-GB" altLang="it-IT" sz="2200" dirty="0" smtClean="0">
+                <a:latin typeface="Arial" panose="020B0604020202020204" pitchFamily="34" charset="0"/>
+              </a:rPr>
+              <a:t> </a:t>
+            </a:r>
+            <a:r>
+              <a:rPr lang="en-GB" altLang="it-IT" sz="2200" dirty="0" err="1" smtClean="0">
+                <a:latin typeface="Arial" panose="020B0604020202020204" pitchFamily="34" charset="0"/>
+              </a:rPr>
+              <a:t>seriali</a:t>
+            </a:r>
+            <a:r>
+              <a:rPr lang="en-GB" altLang="it-IT" sz="2200" dirty="0" smtClean="0">
+                <a:latin typeface="Arial" panose="020B0604020202020204" pitchFamily="34" charset="0"/>
+              </a:rPr>
+              <a:t> </a:t>
+            </a:r>
+            <a:r>
+              <a:rPr lang="en-GB" altLang="it-IT" sz="2200" dirty="0" err="1" smtClean="0">
+                <a:latin typeface="Arial" panose="020B0604020202020204" pitchFamily="34" charset="0"/>
+              </a:rPr>
+              <a:t>aventi</a:t>
+            </a:r>
+            <a:r>
+              <a:rPr lang="en-GB" altLang="it-IT" sz="2200" dirty="0" smtClean="0">
+                <a:latin typeface="Arial" panose="020B0604020202020204" pitchFamily="34" charset="0"/>
+              </a:rPr>
+              <a:t> </a:t>
+            </a:r>
+            <a:r>
+              <a:rPr lang="en-GB" altLang="it-IT" sz="2200" dirty="0" err="1" smtClean="0">
+                <a:latin typeface="Arial" panose="020B0604020202020204" pitchFamily="34" charset="0"/>
+              </a:rPr>
+              <a:t>il</a:t>
+            </a:r>
+            <a:r>
+              <a:rPr lang="en-GB" altLang="it-IT" sz="2200" dirty="0" smtClean="0">
+                <a:latin typeface="Arial" panose="020B0604020202020204" pitchFamily="34" charset="0"/>
+              </a:rPr>
+              <a:t> </a:t>
+            </a:r>
+            <a:r>
+              <a:rPr lang="en-GB" altLang="it-IT" sz="2200" dirty="0" err="1" smtClean="0">
+                <a:latin typeface="Arial" panose="020B0604020202020204" pitchFamily="34" charset="0"/>
+              </a:rPr>
+              <a:t>medesimo</a:t>
+            </a:r>
+            <a:r>
+              <a:rPr lang="en-GB" altLang="it-IT" sz="2200" dirty="0" smtClean="0">
+                <a:latin typeface="Arial" panose="020B0604020202020204" pitchFamily="34" charset="0"/>
+              </a:rPr>
+              <a:t> </a:t>
+            </a:r>
+            <a:r>
+              <a:rPr lang="en-GB" altLang="it-IT" sz="2200" dirty="0" err="1" smtClean="0">
+                <a:latin typeface="Arial" panose="020B0604020202020204" pitchFamily="34" charset="0"/>
+              </a:rPr>
+              <a:t>protocollo</a:t>
+            </a:r>
+            <a:r>
+              <a:rPr lang="en-GB" altLang="it-IT" sz="2200" dirty="0" smtClean="0">
+                <a:latin typeface="Arial" panose="020B0604020202020204" pitchFamily="34" charset="0"/>
+              </a:rPr>
+              <a:t> di </a:t>
+            </a:r>
+            <a:r>
+              <a:rPr lang="en-GB" altLang="it-IT" sz="2200" dirty="0" err="1" smtClean="0">
+                <a:latin typeface="Arial" panose="020B0604020202020204" pitchFamily="34" charset="0"/>
+              </a:rPr>
+              <a:t>comunicazione</a:t>
+            </a:r>
+            <a:r>
+              <a:rPr lang="en-GB" altLang="it-IT" sz="2200" dirty="0" smtClean="0">
+                <a:latin typeface="Arial" panose="020B0604020202020204" pitchFamily="34" charset="0"/>
+              </a:rPr>
+              <a:t> ma con </a:t>
+            </a:r>
+            <a:r>
+              <a:rPr lang="en-GB" altLang="it-IT" sz="2200" dirty="0" err="1" smtClean="0">
+                <a:latin typeface="Arial" panose="020B0604020202020204" pitchFamily="34" charset="0"/>
+              </a:rPr>
+              <a:t>livelli</a:t>
+            </a:r>
+            <a:r>
+              <a:rPr lang="en-GB" altLang="it-IT" sz="2200" dirty="0" smtClean="0">
+                <a:latin typeface="Arial" panose="020B0604020202020204" pitchFamily="34" charset="0"/>
+              </a:rPr>
+              <a:t> </a:t>
+            </a:r>
+            <a:r>
+              <a:rPr lang="en-GB" altLang="it-IT" sz="2200" dirty="0" err="1" smtClean="0">
+                <a:latin typeface="Arial" panose="020B0604020202020204" pitchFamily="34" charset="0"/>
+              </a:rPr>
+              <a:t>logici</a:t>
+            </a:r>
+            <a:r>
+              <a:rPr lang="en-GB" altLang="it-IT" sz="2200" dirty="0" smtClean="0">
+                <a:latin typeface="Arial" panose="020B0604020202020204" pitchFamily="34" charset="0"/>
+              </a:rPr>
+              <a:t> di </a:t>
+            </a:r>
+            <a:r>
+              <a:rPr lang="en-GB" altLang="it-IT" sz="2200" dirty="0" err="1" smtClean="0">
+                <a:latin typeface="Arial" panose="020B0604020202020204" pitchFamily="34" charset="0"/>
+              </a:rPr>
+              <a:t>tensione</a:t>
+            </a:r>
+            <a:r>
+              <a:rPr lang="en-GB" altLang="it-IT" sz="2200" dirty="0" smtClean="0">
+                <a:latin typeface="Arial" panose="020B0604020202020204" pitchFamily="34" charset="0"/>
+              </a:rPr>
+              <a:t> </a:t>
+            </a:r>
+            <a:r>
+              <a:rPr lang="en-GB" altLang="it-IT" sz="2200" dirty="0" err="1" smtClean="0">
+                <a:latin typeface="Arial" panose="020B0604020202020204" pitchFamily="34" charset="0"/>
+              </a:rPr>
+              <a:t>differenti</a:t>
+            </a:r>
+            <a:r>
+              <a:rPr lang="en-GB" altLang="it-IT" sz="2200" dirty="0" smtClean="0">
+                <a:latin typeface="Arial" panose="020B0604020202020204" pitchFamily="34" charset="0"/>
+              </a:rPr>
+              <a:t> (ad. </a:t>
+            </a:r>
+            <a:r>
+              <a:rPr lang="en-GB" altLang="it-IT" sz="2200" dirty="0" err="1" smtClean="0">
+                <a:latin typeface="Arial" panose="020B0604020202020204" pitchFamily="34" charset="0"/>
+              </a:rPr>
+              <a:t>es</a:t>
+            </a:r>
+            <a:r>
+              <a:rPr lang="en-GB" altLang="it-IT" sz="2200" dirty="0" smtClean="0">
+                <a:latin typeface="Arial" panose="020B0604020202020204" pitchFamily="34" charset="0"/>
+              </a:rPr>
+              <a:t> Arduino </a:t>
+            </a:r>
+            <a:r>
+              <a:rPr lang="en-GB" altLang="it-IT" sz="2200" dirty="0" err="1" smtClean="0">
+                <a:latin typeface="Arial" panose="020B0604020202020204" pitchFamily="34" charset="0"/>
+              </a:rPr>
+              <a:t>possiede</a:t>
+            </a:r>
+            <a:r>
+              <a:rPr lang="en-GB" altLang="it-IT" sz="2200" dirty="0" smtClean="0">
+                <a:latin typeface="Arial" panose="020B0604020202020204" pitchFamily="34" charset="0"/>
+              </a:rPr>
+              <a:t> solo </a:t>
+            </a:r>
+            <a:r>
+              <a:rPr lang="en-GB" altLang="it-IT" sz="2200" dirty="0" err="1" smtClean="0">
+                <a:latin typeface="Arial" panose="020B0604020202020204" pitchFamily="34" charset="0"/>
+              </a:rPr>
+              <a:t>porte</a:t>
+            </a:r>
+            <a:r>
+              <a:rPr lang="en-GB" altLang="it-IT" sz="2200" dirty="0" smtClean="0">
+                <a:latin typeface="Arial" panose="020B0604020202020204" pitchFamily="34" charset="0"/>
+              </a:rPr>
+              <a:t> in </a:t>
+            </a:r>
+            <a:r>
+              <a:rPr lang="en-GB" altLang="it-IT" sz="2200" dirty="0" err="1" smtClean="0">
+                <a:latin typeface="Arial" panose="020B0604020202020204" pitchFamily="34" charset="0"/>
+              </a:rPr>
+              <a:t>logica</a:t>
+            </a:r>
+            <a:r>
+              <a:rPr lang="en-GB" altLang="it-IT" sz="2200" dirty="0" smtClean="0">
+                <a:latin typeface="Arial" panose="020B0604020202020204" pitchFamily="34" charset="0"/>
+              </a:rPr>
+              <a:t> TTL a 5 V </a:t>
+            </a:r>
+            <a:r>
+              <a:rPr lang="en-GB" altLang="it-IT" sz="2200" dirty="0" err="1" smtClean="0">
+                <a:latin typeface="Arial" panose="020B0604020202020204" pitchFamily="34" charset="0"/>
+              </a:rPr>
+              <a:t>mentre</a:t>
+            </a:r>
+            <a:r>
+              <a:rPr lang="en-GB" altLang="it-IT" sz="2200" dirty="0" smtClean="0">
+                <a:latin typeface="Arial" panose="020B0604020202020204" pitchFamily="34" charset="0"/>
+              </a:rPr>
+              <a:t> </a:t>
+            </a:r>
+            <a:r>
+              <a:rPr lang="en-GB" altLang="it-IT" sz="2200" dirty="0" err="1" smtClean="0">
+                <a:latin typeface="Arial" panose="020B0604020202020204" pitchFamily="34" charset="0"/>
+              </a:rPr>
+              <a:t>molte</a:t>
+            </a:r>
+            <a:r>
+              <a:rPr lang="en-GB" altLang="it-IT" sz="2200" dirty="0" smtClean="0">
+                <a:latin typeface="Arial" panose="020B0604020202020204" pitchFamily="34" charset="0"/>
+              </a:rPr>
+              <a:t> </a:t>
+            </a:r>
+            <a:r>
+              <a:rPr lang="en-GB" altLang="it-IT" sz="2200" dirty="0" err="1" smtClean="0">
+                <a:latin typeface="Arial" panose="020B0604020202020204" pitchFamily="34" charset="0"/>
+              </a:rPr>
+              <a:t>periferiche</a:t>
+            </a:r>
+            <a:r>
+              <a:rPr lang="en-GB" altLang="it-IT" sz="2200" dirty="0" smtClean="0">
+                <a:latin typeface="Arial" panose="020B0604020202020204" pitchFamily="34" charset="0"/>
+              </a:rPr>
+              <a:t> </a:t>
+            </a:r>
+            <a:r>
+              <a:rPr lang="en-GB" altLang="it-IT" sz="2200" dirty="0" err="1" smtClean="0">
+                <a:latin typeface="Arial" panose="020B0604020202020204" pitchFamily="34" charset="0"/>
+              </a:rPr>
+              <a:t>comunicano</a:t>
+            </a:r>
+            <a:r>
+              <a:rPr lang="en-GB" altLang="it-IT" sz="2200" dirty="0" smtClean="0">
+                <a:latin typeface="Arial" panose="020B0604020202020204" pitchFamily="34" charset="0"/>
+              </a:rPr>
+              <a:t> a 3.3V o 1.8V)</a:t>
+            </a:r>
+          </a:p>
+          <a:p>
+            <a:pPr marL="95052" indent="0">
+              <a:lnSpc>
+                <a:spcPct val="100000"/>
+              </a:lnSpc>
+              <a:spcBef>
+                <a:spcPts val="1200"/>
+              </a:spcBef>
+              <a:buClr>
+                <a:srgbClr val="E6E6E6"/>
+              </a:buClr>
+              <a:buSzPct val="45000"/>
+              <a:buNone/>
+              <a:tabLst>
+                <a:tab pos="385968" algn="l"/>
+                <a:tab pos="481020" algn="l"/>
+                <a:tab pos="888592" algn="l"/>
+                <a:tab pos="1296162" algn="l"/>
+                <a:tab pos="1703733" algn="l"/>
+                <a:tab pos="2111304" algn="l"/>
+                <a:tab pos="2518875" algn="l"/>
+                <a:tab pos="2926446" algn="l"/>
+                <a:tab pos="3334017" algn="l"/>
+                <a:tab pos="3741588" algn="l"/>
+                <a:tab pos="4149159" algn="l"/>
+                <a:tab pos="4556730" algn="l"/>
+                <a:tab pos="4964301" algn="l"/>
+                <a:tab pos="5371871" algn="l"/>
+                <a:tab pos="5779443" algn="l"/>
+                <a:tab pos="6187013" algn="l"/>
+                <a:tab pos="6594585" algn="l"/>
+                <a:tab pos="7002155" algn="l"/>
+                <a:tab pos="7409727" algn="l"/>
+                <a:tab pos="7817297" algn="l"/>
+                <a:tab pos="8224868" algn="l"/>
+              </a:tabLst>
+            </a:pPr>
+            <a:r>
+              <a:rPr lang="en-GB" altLang="it-IT" sz="2200" dirty="0" smtClean="0">
+                <a:latin typeface="Arial" panose="020B0604020202020204" pitchFamily="34" charset="0"/>
+              </a:rPr>
+              <a:t>SOLUZIONE:</a:t>
+            </a:r>
+          </a:p>
+          <a:p>
+            <a:pPr marL="437952" indent="-342900">
+              <a:lnSpc>
+                <a:spcPct val="100000"/>
+              </a:lnSpc>
+              <a:spcBef>
+                <a:spcPts val="1200"/>
+              </a:spcBef>
+              <a:buClr>
+                <a:srgbClr val="E6E6E6"/>
+              </a:buClr>
+              <a:buSzPct val="45000"/>
+              <a:tabLst>
+                <a:tab pos="385968" algn="l"/>
+                <a:tab pos="481020" algn="l"/>
+                <a:tab pos="888592" algn="l"/>
+                <a:tab pos="1296162" algn="l"/>
+                <a:tab pos="1703733" algn="l"/>
+                <a:tab pos="2111304" algn="l"/>
+                <a:tab pos="2518875" algn="l"/>
+                <a:tab pos="2926446" algn="l"/>
+                <a:tab pos="3334017" algn="l"/>
+                <a:tab pos="3741588" algn="l"/>
+                <a:tab pos="4149159" algn="l"/>
+                <a:tab pos="4556730" algn="l"/>
+                <a:tab pos="4964301" algn="l"/>
+                <a:tab pos="5371871" algn="l"/>
+                <a:tab pos="5779443" algn="l"/>
+                <a:tab pos="6187013" algn="l"/>
+                <a:tab pos="6594585" algn="l"/>
+                <a:tab pos="7002155" algn="l"/>
+                <a:tab pos="7409727" algn="l"/>
+                <a:tab pos="7817297" algn="l"/>
+                <a:tab pos="8224868" algn="l"/>
+              </a:tabLst>
+            </a:pPr>
+            <a:r>
+              <a:rPr lang="en-GB" altLang="it-IT" sz="2200" dirty="0" smtClean="0">
+                <a:latin typeface="Arial" panose="020B0604020202020204" pitchFamily="34" charset="0"/>
+              </a:rPr>
+              <a:t>Moduli </a:t>
+            </a:r>
+            <a:r>
+              <a:rPr lang="en-GB" altLang="it-IT" sz="2200" dirty="0" err="1" smtClean="0">
+                <a:latin typeface="Arial" panose="020B0604020202020204" pitchFamily="34" charset="0"/>
+              </a:rPr>
+              <a:t>alimentatori</a:t>
+            </a:r>
+            <a:r>
+              <a:rPr lang="en-GB" altLang="it-IT" sz="2200" dirty="0" smtClean="0">
+                <a:latin typeface="Arial" panose="020B0604020202020204" pitchFamily="34" charset="0"/>
+              </a:rPr>
+              <a:t> </a:t>
+            </a:r>
+            <a:r>
+              <a:rPr lang="en-GB" altLang="it-IT" sz="2200" dirty="0" err="1" smtClean="0">
+                <a:latin typeface="Arial" panose="020B0604020202020204" pitchFamily="34" charset="0"/>
+              </a:rPr>
+              <a:t>esterni</a:t>
+            </a:r>
+            <a:r>
+              <a:rPr lang="en-GB" altLang="it-IT" sz="2200" dirty="0" smtClean="0">
+                <a:latin typeface="Arial" panose="020B0604020202020204" pitchFamily="34" charset="0"/>
+              </a:rPr>
+              <a:t> ad Arduino per le </a:t>
+            </a:r>
+            <a:r>
+              <a:rPr lang="en-GB" altLang="it-IT" sz="2200" dirty="0" err="1" smtClean="0">
+                <a:latin typeface="Arial" panose="020B0604020202020204" pitchFamily="34" charset="0"/>
+              </a:rPr>
+              <a:t>alimentazioni</a:t>
+            </a:r>
+            <a:r>
+              <a:rPr lang="en-GB" altLang="it-IT" sz="2200" dirty="0" smtClean="0">
+                <a:latin typeface="Arial" panose="020B0604020202020204" pitchFamily="34" charset="0"/>
+              </a:rPr>
+              <a:t> (step down o </a:t>
+            </a:r>
+            <a:r>
+              <a:rPr lang="en-GB" altLang="it-IT" sz="2200" dirty="0" err="1" smtClean="0">
+                <a:latin typeface="Arial" panose="020B0604020202020204" pitchFamily="34" charset="0"/>
+              </a:rPr>
+              <a:t>regolatori</a:t>
+            </a:r>
+            <a:r>
+              <a:rPr lang="en-GB" altLang="it-IT" sz="2200" dirty="0" smtClean="0">
+                <a:latin typeface="Arial" panose="020B0604020202020204" pitchFamily="34" charset="0"/>
+              </a:rPr>
+              <a:t> </a:t>
+            </a:r>
+            <a:r>
+              <a:rPr lang="en-GB" altLang="it-IT" sz="2200" dirty="0" err="1" smtClean="0">
+                <a:latin typeface="Arial" panose="020B0604020202020204" pitchFamily="34" charset="0"/>
+              </a:rPr>
+              <a:t>lineari</a:t>
+            </a:r>
+            <a:r>
+              <a:rPr lang="en-GB" altLang="it-IT" sz="2200" dirty="0" smtClean="0">
+                <a:latin typeface="Arial" panose="020B0604020202020204" pitchFamily="34" charset="0"/>
+              </a:rPr>
+              <a:t>)</a:t>
+            </a:r>
+          </a:p>
+          <a:p>
+            <a:pPr marL="437952" indent="-342900">
+              <a:lnSpc>
+                <a:spcPct val="100000"/>
+              </a:lnSpc>
+              <a:spcBef>
+                <a:spcPts val="1200"/>
+              </a:spcBef>
+              <a:buClr>
+                <a:srgbClr val="E6E6E6"/>
+              </a:buClr>
+              <a:buSzPct val="45000"/>
+              <a:tabLst>
+                <a:tab pos="385968" algn="l"/>
+                <a:tab pos="481020" algn="l"/>
+                <a:tab pos="888592" algn="l"/>
+                <a:tab pos="1296162" algn="l"/>
+                <a:tab pos="1703733" algn="l"/>
+                <a:tab pos="2111304" algn="l"/>
+                <a:tab pos="2518875" algn="l"/>
+                <a:tab pos="2926446" algn="l"/>
+                <a:tab pos="3334017" algn="l"/>
+                <a:tab pos="3741588" algn="l"/>
+                <a:tab pos="4149159" algn="l"/>
+                <a:tab pos="4556730" algn="l"/>
+                <a:tab pos="4964301" algn="l"/>
+                <a:tab pos="5371871" algn="l"/>
+                <a:tab pos="5779443" algn="l"/>
+                <a:tab pos="6187013" algn="l"/>
+                <a:tab pos="6594585" algn="l"/>
+                <a:tab pos="7002155" algn="l"/>
+                <a:tab pos="7409727" algn="l"/>
+                <a:tab pos="7817297" algn="l"/>
+                <a:tab pos="8224868" algn="l"/>
+              </a:tabLst>
+            </a:pPr>
+            <a:r>
+              <a:rPr lang="en-GB" altLang="it-IT" sz="2200" dirty="0" smtClean="0">
+                <a:latin typeface="Arial" panose="020B0604020202020204" pitchFamily="34" charset="0"/>
+              </a:rPr>
+              <a:t>Moduli </a:t>
+            </a:r>
+            <a:r>
+              <a:rPr lang="en-GB" altLang="it-IT" sz="2200" dirty="0" err="1" smtClean="0">
+                <a:latin typeface="Arial" panose="020B0604020202020204" pitchFamily="34" charset="0"/>
+              </a:rPr>
+              <a:t>convertitori</a:t>
+            </a:r>
+            <a:r>
+              <a:rPr lang="en-GB" altLang="it-IT" sz="2200" dirty="0" smtClean="0">
+                <a:latin typeface="Arial" panose="020B0604020202020204" pitchFamily="34" charset="0"/>
+              </a:rPr>
+              <a:t>  di </a:t>
+            </a:r>
+            <a:r>
+              <a:rPr lang="en-GB" altLang="it-IT" sz="2200" dirty="0" err="1" smtClean="0">
+                <a:latin typeface="Arial" panose="020B0604020202020204" pitchFamily="34" charset="0"/>
+              </a:rPr>
+              <a:t>livello</a:t>
+            </a:r>
+            <a:r>
+              <a:rPr lang="en-GB" altLang="it-IT" sz="2200" dirty="0" smtClean="0">
+                <a:latin typeface="Arial" panose="020B0604020202020204" pitchFamily="34" charset="0"/>
+              </a:rPr>
+              <a:t> per le </a:t>
+            </a:r>
+            <a:r>
+              <a:rPr lang="en-GB" altLang="it-IT" sz="2200" dirty="0" err="1" smtClean="0">
+                <a:latin typeface="Arial" panose="020B0604020202020204" pitchFamily="34" charset="0"/>
+              </a:rPr>
+              <a:t>porte</a:t>
+            </a:r>
+            <a:r>
+              <a:rPr lang="en-GB" altLang="it-IT" sz="2200" dirty="0" smtClean="0">
+                <a:latin typeface="Arial" panose="020B0604020202020204" pitchFamily="34" charset="0"/>
+              </a:rPr>
+              <a:t> di </a:t>
+            </a:r>
+            <a:r>
+              <a:rPr lang="en-GB" altLang="it-IT" sz="2200" dirty="0" err="1" smtClean="0">
+                <a:latin typeface="Arial" panose="020B0604020202020204" pitchFamily="34" charset="0"/>
+              </a:rPr>
+              <a:t>comunicazione</a:t>
+            </a:r>
+            <a:r>
+              <a:rPr lang="en-GB" altLang="it-IT" sz="2200" dirty="0" smtClean="0">
+                <a:latin typeface="Arial" panose="020B0604020202020204" pitchFamily="34" charset="0"/>
+              </a:rPr>
+              <a:t> (</a:t>
+            </a:r>
+            <a:r>
+              <a:rPr lang="en-GB" altLang="it-IT" sz="2200" dirty="0" err="1" smtClean="0">
+                <a:latin typeface="Arial" panose="020B0604020202020204" pitchFamily="34" charset="0"/>
+              </a:rPr>
+              <a:t>traslatori</a:t>
+            </a:r>
+            <a:r>
+              <a:rPr lang="en-GB" altLang="it-IT" sz="2200" dirty="0" smtClean="0">
+                <a:latin typeface="Arial" panose="020B0604020202020204" pitchFamily="34" charset="0"/>
+              </a:rPr>
+              <a:t> mono o </a:t>
+            </a:r>
+            <a:r>
+              <a:rPr lang="en-GB" altLang="it-IT" sz="2200" dirty="0" err="1" smtClean="0">
+                <a:latin typeface="Arial" panose="020B0604020202020204" pitchFamily="34" charset="0"/>
+              </a:rPr>
+              <a:t>bidirezionali</a:t>
+            </a:r>
+            <a:r>
+              <a:rPr lang="en-GB" altLang="it-IT" sz="2200" dirty="0" smtClean="0">
+                <a:latin typeface="Arial" panose="020B0604020202020204" pitchFamily="34" charset="0"/>
+              </a:rPr>
+              <a:t>)</a:t>
+            </a:r>
+          </a:p>
+          <a:p>
+            <a:pPr marL="385968" indent="-290916">
+              <a:lnSpc>
+                <a:spcPct val="100000"/>
+              </a:lnSpc>
+              <a:spcBef>
+                <a:spcPts val="1200"/>
+              </a:spcBef>
+              <a:buClr>
+                <a:srgbClr val="E6E6E6"/>
+              </a:buClr>
+              <a:buSzPct val="45000"/>
+              <a:buFont typeface="Wingdings" panose="05000000000000000000" pitchFamily="2" charset="2"/>
+              <a:buChar char=""/>
+              <a:tabLst>
+                <a:tab pos="385968" algn="l"/>
+                <a:tab pos="481020" algn="l"/>
+                <a:tab pos="888592" algn="l"/>
+                <a:tab pos="1296162" algn="l"/>
+                <a:tab pos="1703733" algn="l"/>
+                <a:tab pos="2111304" algn="l"/>
+                <a:tab pos="2518875" algn="l"/>
+                <a:tab pos="2926446" algn="l"/>
+                <a:tab pos="3334017" algn="l"/>
+                <a:tab pos="3741588" algn="l"/>
+                <a:tab pos="4149159" algn="l"/>
+                <a:tab pos="4556730" algn="l"/>
+                <a:tab pos="4964301" algn="l"/>
+                <a:tab pos="5371871" algn="l"/>
+                <a:tab pos="5779443" algn="l"/>
+                <a:tab pos="6187013" algn="l"/>
+                <a:tab pos="6594585" algn="l"/>
+                <a:tab pos="7002155" algn="l"/>
+                <a:tab pos="7409727" algn="l"/>
+                <a:tab pos="7817297" algn="l"/>
+                <a:tab pos="8224868" algn="l"/>
+              </a:tabLst>
+            </a:pPr>
+            <a:endParaRPr lang="en-GB" altLang="it-IT" sz="2800" dirty="0">
+              <a:latin typeface="Arial" panose="020B0604020202020204" pitchFamily="34" charset="0"/>
+            </a:endParaRPr>
+          </a:p>
+          <a:p>
+            <a:pPr marL="385968" indent="-290916">
+              <a:lnSpc>
+                <a:spcPct val="100000"/>
+              </a:lnSpc>
+              <a:spcBef>
+                <a:spcPts val="1200"/>
+              </a:spcBef>
+              <a:buClr>
+                <a:srgbClr val="E6E6E6"/>
+              </a:buClr>
+              <a:buSzPct val="45000"/>
+              <a:buFont typeface="Wingdings" panose="05000000000000000000" pitchFamily="2" charset="2"/>
+              <a:buChar char=""/>
+              <a:tabLst>
+                <a:tab pos="385968" algn="l"/>
+                <a:tab pos="481020" algn="l"/>
+                <a:tab pos="888592" algn="l"/>
+                <a:tab pos="1296162" algn="l"/>
+                <a:tab pos="1703733" algn="l"/>
+                <a:tab pos="2111304" algn="l"/>
+                <a:tab pos="2518875" algn="l"/>
+                <a:tab pos="2926446" algn="l"/>
+                <a:tab pos="3334017" algn="l"/>
+                <a:tab pos="3741588" algn="l"/>
+                <a:tab pos="4149159" algn="l"/>
+                <a:tab pos="4556730" algn="l"/>
+                <a:tab pos="4964301" algn="l"/>
+                <a:tab pos="5371871" algn="l"/>
+                <a:tab pos="5779443" algn="l"/>
+                <a:tab pos="6187013" algn="l"/>
+                <a:tab pos="6594585" algn="l"/>
+                <a:tab pos="7002155" algn="l"/>
+                <a:tab pos="7409727" algn="l"/>
+                <a:tab pos="7817297" algn="l"/>
+                <a:tab pos="8224868" algn="l"/>
+              </a:tabLst>
+            </a:pPr>
+            <a:endParaRPr lang="en-GB" altLang="it-IT" sz="2800" dirty="0">
+              <a:latin typeface="Arial" panose="020B0604020202020204" pitchFamily="34" charset="0"/>
+            </a:endParaRPr>
+          </a:p>
+        </p:txBody>
+      </p:sp>
+    </p:spTree>
+    <p:extLst>
+      <p:ext uri="{BB962C8B-B14F-4D97-AF65-F5344CB8AC3E}">
+        <p14:creationId xmlns:p14="http://schemas.microsoft.com/office/powerpoint/2010/main" val="1756536243"/>
+      </p:ext>
+    </p:extLst>
+  </p:cSld>
+  <p:clrMapOvr>
+    <a:masterClrMapping/>
+  </p:clrMapOvr>
+  <p:transition spd="med"/>
+  <p:timing>
+    <p:tnLst>
+      <p:par>
+        <p:cTn id="1" dur="indefinite" restart="never" nodeType="tmRoot">
+          <p:childTnLst>
+            <p:seq concurrent="1" nextAc="seek">
+              <p:cTn id="2" dur="indefinite" nodeType="mainSeq"/>
+              <p:prevCondLst>
+                <p:cond evt="onPrev" delay="0">
+                  <p:tgtEl>
+                    <p:sldTgt/>
+                  </p:tgtEl>
+                </p:cond>
+              </p:prevCondLst>
+              <p:nextCondLst>
+                <p:cond evt="onNext" delay="0">
+                  <p:tgtEl>
+                    <p:sldTgt/>
+                  </p:tgtEl>
+                </p:cond>
+              </p:nextCondLst>
+            </p:seq>
+          </p:childTnLst>
+        </p:cTn>
+      </p:par>
+    </p:tnLst>
+  </p:timing>
+</p:sld>
+</file>
+
+<file path=ppt/slides/slide15.xml><?xml version="1.0" encoding="utf-8"?>
+<p:sld xmlns:a="http://schemas.openxmlformats.org/drawingml/2006/main" xmlns:r="http://schemas.openxmlformats.org/officeDocument/2006/relationships" xmlns:p="http://schemas.openxmlformats.org/presentationml/2006/main">
+  <p:cSld>
+    <p:spTree>
+      <p:nvGrpSpPr>
+        <p:cNvPr id="1" name=""/>
+        <p:cNvGrpSpPr/>
+        <p:nvPr/>
+      </p:nvGrpSpPr>
+      <p:grpSpPr>
+        <a:xfrm>
+          <a:off x="0" y="0"/>
+          <a:ext cx="0" cy="0"/>
+          <a:chOff x="0" y="0"/>
+          <a:chExt cx="0" cy="0"/>
+        </a:xfrm>
+      </p:grpSpPr>
+      <p:sp>
+        <p:nvSpPr>
+          <p:cNvPr id="2" name="Titolo 1"/>
+          <p:cNvSpPr>
+            <a:spLocks noGrp="1"/>
+          </p:cNvSpPr>
+          <p:nvPr>
+            <p:ph type="title"/>
+          </p:nvPr>
+        </p:nvSpPr>
+        <p:spPr>
+          <a:xfrm>
+            <a:off x="332637" y="729981"/>
+            <a:ext cx="9613861" cy="1080938"/>
+          </a:xfrm>
+        </p:spPr>
+        <p:txBody>
+          <a:bodyPr/>
+          <a:lstStyle/>
+          <a:p>
+            <a:r>
+              <a:rPr lang="it-IT" dirty="0">
+                <a:latin typeface="Trebuchet MS" charset="0"/>
+              </a:rPr>
+              <a:t>Fronte/retro del traslatore di </a:t>
+            </a:r>
+            <a:r>
+              <a:rPr lang="it-IT" dirty="0" smtClean="0">
+                <a:latin typeface="Trebuchet MS" charset="0"/>
+              </a:rPr>
+              <a:t>livello fai-da-te a 2 canali</a:t>
+            </a:r>
+            <a:endParaRPr lang="it-IT" dirty="0">
+              <a:latin typeface="Trebuchet MS" charset="0"/>
+            </a:endParaRPr>
+          </a:p>
+        </p:txBody>
+      </p:sp>
+      <p:pic>
+        <p:nvPicPr>
+          <p:cNvPr id="5" name="Segnaposto contenuto 4" descr="4726e03b-b03b-40cc-b468-6d3218393c0e (1).jpg"/>
+          <p:cNvPicPr>
+            <a:picLocks noGrp="1" noChangeAspect="1"/>
+          </p:cNvPicPr>
+          <p:nvPr>
+            <p:ph sz="half" idx="1"/>
+          </p:nvPr>
+        </p:nvPicPr>
+        <p:blipFill>
+          <a:blip r:embed="rId3"/>
+          <a:stretch>
+            <a:fillRect/>
+          </a:stretch>
+        </p:blipFill>
+        <p:spPr>
+          <a:xfrm>
+            <a:off x="332637" y="2814638"/>
+            <a:ext cx="5045813" cy="3303587"/>
+          </a:xfrm>
+        </p:spPr>
+      </p:pic>
+      <p:pic>
+        <p:nvPicPr>
+          <p:cNvPr id="6" name="Segnaposto contenuto 5" descr="5844a573-7745-426d-ba56-316efb30bdce.jpg"/>
+          <p:cNvPicPr>
+            <a:picLocks noGrp="1" noChangeAspect="1"/>
+          </p:cNvPicPr>
+          <p:nvPr>
+            <p:ph sz="half" idx="2"/>
+          </p:nvPr>
+        </p:nvPicPr>
+        <p:blipFill>
+          <a:blip r:embed="rId4"/>
+          <a:stretch>
+            <a:fillRect/>
+          </a:stretch>
+        </p:blipFill>
+        <p:spPr>
+          <a:xfrm>
+            <a:off x="5594350" y="2814638"/>
+            <a:ext cx="6094667" cy="3248025"/>
+          </a:xfrm>
+        </p:spPr>
+      </p:pic>
+    </p:spTree>
+    <p:extLst>
+      <p:ext uri="{BB962C8B-B14F-4D97-AF65-F5344CB8AC3E}">
+        <p14:creationId xmlns:p14="http://schemas.microsoft.com/office/powerpoint/2010/main" val="2930735995"/>
+      </p:ext>
+    </p:extLst>
+  </p:cSld>
+  <p:clrMapOvr>
+    <a:masterClrMapping/>
+  </p:clrMapOvr>
+  <p:timing>
+    <p:tnLst>
+      <p:par>
+        <p:cTn id="1" dur="indefinite" restart="never" nodeType="tmRoot"/>
+      </p:par>
+    </p:tnLst>
+  </p:timing>
+</p:sld>
+</file>
+
+<file path=ppt/slides/slide16.xml><?xml version="1.0" encoding="utf-8"?>
+<p:sld xmlns:a="http://schemas.openxmlformats.org/drawingml/2006/main" xmlns:r="http://schemas.openxmlformats.org/officeDocument/2006/relationships" xmlns:p="http://schemas.openxmlformats.org/presentationml/2006/main">
+  <p:cSld>
+    <p:spTree>
+      <p:nvGrpSpPr>
+        <p:cNvPr id="1" name=""/>
+        <p:cNvGrpSpPr/>
+        <p:nvPr/>
+      </p:nvGrpSpPr>
+      <p:grpSpPr>
+        <a:xfrm>
+          <a:off x="0" y="0"/>
+          <a:ext cx="0" cy="0"/>
+          <a:chOff x="0" y="0"/>
+          <a:chExt cx="0" cy="0"/>
+        </a:xfrm>
+      </p:grpSpPr>
+      <p:sp>
+        <p:nvSpPr>
+          <p:cNvPr id="2" name="Titolo 1"/>
+          <p:cNvSpPr>
+            <a:spLocks noGrp="1"/>
+          </p:cNvSpPr>
+          <p:nvPr>
+            <p:ph type="title"/>
+          </p:nvPr>
+        </p:nvSpPr>
+        <p:spPr>
+          <a:xfrm>
+            <a:off x="90525" y="833438"/>
+            <a:ext cx="10316667" cy="1890908"/>
+          </a:xfrm>
+        </p:spPr>
+        <p:txBody>
+          <a:bodyPr>
+            <a:normAutofit fontScale="90000"/>
+          </a:bodyPr>
+          <a:lstStyle/>
+          <a:p>
+            <a:r>
+              <a:rPr lang="it-IT" b="1" dirty="0" smtClean="0">
+                <a:solidFill>
+                  <a:srgbClr val="FFFFFF"/>
+                </a:solidFill>
+                <a:latin typeface="Trebuchet MS" charset="0"/>
+              </a:rPr>
+              <a:t>Traslatore bidirezionale di livello logico realizzato con due BJT</a:t>
+            </a:r>
+            <a:r>
+              <a:rPr lang="it-IT" dirty="0"/>
+              <a:t/>
+            </a:r>
+            <a:br>
+              <a:rPr lang="it-IT" dirty="0"/>
+            </a:br>
+            <a:r>
+              <a:rPr lang="it-IT" dirty="0"/>
+              <a:t/>
+            </a:r>
+            <a:br>
+              <a:rPr lang="it-IT" dirty="0"/>
+            </a:br>
+            <a:endParaRPr lang="it-IT" dirty="0"/>
+          </a:p>
+        </p:txBody>
+      </p:sp>
+      <p:pic>
+        <p:nvPicPr>
+          <p:cNvPr id="5" name="Segnaposto contenuto 4" descr="circuito.png"/>
+          <p:cNvPicPr>
+            <a:picLocks noGrp="1" noChangeAspect="1"/>
+          </p:cNvPicPr>
+          <p:nvPr>
+            <p:ph sz="half" idx="1"/>
+          </p:nvPr>
+        </p:nvPicPr>
+        <p:blipFill>
+          <a:blip r:embed="rId3"/>
+          <a:stretch>
+            <a:fillRect/>
+          </a:stretch>
+        </p:blipFill>
+        <p:spPr>
+          <a:xfrm>
+            <a:off x="0" y="2252532"/>
+            <a:ext cx="6586413" cy="3328136"/>
+          </a:xfrm>
+        </p:spPr>
+      </p:pic>
+      <p:sp>
+        <p:nvSpPr>
+          <p:cNvPr id="8" name="CasellaDiTesto 7"/>
+          <p:cNvSpPr txBox="1"/>
+          <p:nvPr/>
+        </p:nvSpPr>
+        <p:spPr>
+          <a:xfrm>
+            <a:off x="6676938" y="2613876"/>
+            <a:ext cx="5319701" cy="3416320"/>
+          </a:xfrm>
+          <a:prstGeom prst="rect">
+            <a:avLst/>
+          </a:prstGeom>
+        </p:spPr>
+        <p:txBody>
+          <a:bodyPr wrap="square" rtlCol="0" anchor="t">
+            <a:spAutoFit/>
+          </a:bodyPr>
+          <a:lstStyle/>
+          <a:p>
+            <a:pPr algn="ctr"/>
+            <a:r>
+              <a:rPr lang="it-IT" dirty="0">
+                <a:solidFill>
+                  <a:srgbClr val="212121"/>
+                </a:solidFill>
+                <a:latin typeface="Arial" charset="0"/>
+              </a:rPr>
+              <a:t/>
+            </a:r>
+            <a:br>
+              <a:rPr lang="it-IT" dirty="0">
+                <a:solidFill>
+                  <a:srgbClr val="212121"/>
+                </a:solidFill>
+                <a:latin typeface="Arial" charset="0"/>
+              </a:rPr>
+            </a:br>
+            <a:endParaRPr lang="it-IT" dirty="0">
+              <a:solidFill>
+                <a:srgbClr val="212121"/>
+              </a:solidFill>
+              <a:latin typeface="Arial" charset="0"/>
+            </a:endParaRPr>
+          </a:p>
+          <a:p>
+            <a:pPr marL="342900" indent="-342900">
+              <a:buFont typeface="Arial" panose="020B0604020202020204" pitchFamily="34" charset="0"/>
+              <a:buChar char="•"/>
+            </a:pPr>
+            <a:r>
+              <a:rPr lang="it-IT" sz="2400" dirty="0" smtClean="0">
+                <a:solidFill>
+                  <a:srgbClr val="FFFFFF"/>
+                </a:solidFill>
+                <a:latin typeface="Arial" charset="0"/>
+              </a:rPr>
+              <a:t>Configurato </a:t>
+            </a:r>
+            <a:r>
+              <a:rPr lang="it-IT" sz="2400" dirty="0">
+                <a:solidFill>
+                  <a:srgbClr val="FFFFFF"/>
+                </a:solidFill>
+                <a:latin typeface="Arial" charset="0"/>
+              </a:rPr>
+              <a:t>come due cani che si mordono la coda a </a:t>
+            </a:r>
+            <a:r>
+              <a:rPr lang="it-IT" sz="2400" dirty="0" smtClean="0">
+                <a:solidFill>
+                  <a:srgbClr val="FFFFFF"/>
+                </a:solidFill>
+                <a:latin typeface="Arial" charset="0"/>
+              </a:rPr>
+              <a:t>vicenda</a:t>
+            </a:r>
+          </a:p>
+          <a:p>
+            <a:pPr marL="342900" indent="-342900">
+              <a:buFont typeface="Arial" panose="020B0604020202020204" pitchFamily="34" charset="0"/>
+              <a:buChar char="•"/>
+            </a:pPr>
+            <a:r>
+              <a:rPr lang="it-IT" sz="2400" dirty="0" smtClean="0">
+                <a:solidFill>
+                  <a:srgbClr val="FFFFFF"/>
+                </a:solidFill>
+                <a:latin typeface="Arial" charset="0"/>
+              </a:rPr>
+              <a:t>collegamento </a:t>
+            </a:r>
+            <a:r>
+              <a:rPr lang="it-IT" sz="2400" dirty="0">
+                <a:solidFill>
+                  <a:srgbClr val="FFFFFF"/>
+                </a:solidFill>
+                <a:latin typeface="Arial" charset="0"/>
+              </a:rPr>
+              <a:t>di due </a:t>
+            </a:r>
+            <a:r>
+              <a:rPr lang="it-IT" sz="2400" dirty="0" smtClean="0">
+                <a:solidFill>
+                  <a:srgbClr val="FFFFFF"/>
+                </a:solidFill>
+                <a:latin typeface="Arial" charset="0"/>
+              </a:rPr>
+              <a:t>transistor che </a:t>
+            </a:r>
+            <a:r>
+              <a:rPr lang="it-IT" sz="2400" dirty="0">
+                <a:solidFill>
+                  <a:srgbClr val="FFFFFF"/>
+                </a:solidFill>
+                <a:latin typeface="Arial" charset="0"/>
+              </a:rPr>
+              <a:t>fornisce una variazione bidirezionale del livello </a:t>
+            </a:r>
+            <a:r>
+              <a:rPr lang="it-IT" sz="2400" dirty="0" smtClean="0">
+                <a:solidFill>
+                  <a:srgbClr val="FFFFFF"/>
+                </a:solidFill>
+                <a:latin typeface="Arial" charset="0"/>
+              </a:rPr>
+              <a:t>logico</a:t>
+            </a:r>
+            <a:r>
+              <a:rPr lang="it-IT" sz="2400" dirty="0">
+                <a:solidFill>
+                  <a:srgbClr val="FFFFFF"/>
+                </a:solidFill>
+                <a:latin typeface="Arial" charset="0"/>
+              </a:rPr>
+              <a:t> </a:t>
+            </a:r>
+            <a:r>
+              <a:rPr lang="it-IT" sz="2400" dirty="0" smtClean="0">
+                <a:solidFill>
+                  <a:srgbClr val="FFFFFF"/>
+                </a:solidFill>
+                <a:latin typeface="Arial" charset="0"/>
+              </a:rPr>
+              <a:t>(canale bidirezionale)</a:t>
+            </a:r>
+            <a:r>
+              <a:rPr lang="it-IT" dirty="0"/>
+              <a:t/>
+            </a:r>
+            <a:br>
+              <a:rPr lang="it-IT" dirty="0"/>
+            </a:br>
+            <a:endParaRPr lang="it-IT" dirty="0"/>
+          </a:p>
+          <a:p>
+            <a:pPr algn="ctr"/>
+            <a:endParaRPr lang="it-IT" dirty="0"/>
+          </a:p>
+        </p:txBody>
+      </p:sp>
+      <p:sp>
+        <p:nvSpPr>
+          <p:cNvPr id="6" name="CasellaDiTesto 5"/>
+          <p:cNvSpPr txBox="1"/>
+          <p:nvPr/>
+        </p:nvSpPr>
+        <p:spPr>
+          <a:xfrm>
+            <a:off x="184793" y="5818834"/>
+            <a:ext cx="2743200" cy="369332"/>
+          </a:xfrm>
+          <a:prstGeom prst="rect">
+            <a:avLst/>
+          </a:prstGeom>
+        </p:spPr>
+        <p:txBody>
+          <a:bodyPr rtlCol="0">
+            <a:spAutoFit/>
+          </a:bodyPr>
+          <a:lstStyle/>
+          <a:p>
+            <a:r>
+              <a:rPr lang="it-IT" dirty="0"/>
+              <a:t>Figura 1</a:t>
+            </a:r>
+          </a:p>
+        </p:txBody>
+      </p:sp>
+    </p:spTree>
+    <p:extLst>
+      <p:ext uri="{BB962C8B-B14F-4D97-AF65-F5344CB8AC3E}">
+        <p14:creationId xmlns:p14="http://schemas.microsoft.com/office/powerpoint/2010/main" val="1029456391"/>
+      </p:ext>
+    </p:extLst>
+  </p:cSld>
+  <p:clrMapOvr>
+    <a:masterClrMapping/>
+  </p:clrMapOvr>
+  <p:timing>
+    <p:tnLst>
+      <p:par>
+        <p:cTn id="1" dur="indefinite" restart="never" nodeType="tmRoot"/>
+      </p:par>
+    </p:tnLst>
+  </p:timing>
+</p:sld>
+</file>
+
+<file path=ppt/slides/slide17.xml><?xml version="1.0" encoding="utf-8"?>
+<p:sld xmlns:a="http://schemas.openxmlformats.org/drawingml/2006/main" xmlns:r="http://schemas.openxmlformats.org/officeDocument/2006/relationships" xmlns:p="http://schemas.openxmlformats.org/presentationml/2006/main">
+  <p:cSld>
+    <p:spTree>
+      <p:nvGrpSpPr>
+        <p:cNvPr id="1" name=""/>
+        <p:cNvGrpSpPr/>
+        <p:nvPr/>
+      </p:nvGrpSpPr>
+      <p:grpSpPr>
+        <a:xfrm>
+          <a:off x="0" y="0"/>
+          <a:ext cx="0" cy="0"/>
+          <a:chOff x="0" y="0"/>
+          <a:chExt cx="0" cy="0"/>
+        </a:xfrm>
+      </p:grpSpPr>
+      <p:pic>
+        <p:nvPicPr>
+          <p:cNvPr id="2" name="Immagine 1" descr="circuito 2.png"/>
+          <p:cNvPicPr>
+            <a:picLocks noChangeAspect="1"/>
+          </p:cNvPicPr>
+          <p:nvPr/>
+        </p:nvPicPr>
+        <p:blipFill>
+          <a:blip r:embed="rId3"/>
+          <a:stretch>
+            <a:fillRect/>
+          </a:stretch>
+        </p:blipFill>
+        <p:spPr>
+          <a:xfrm>
+            <a:off x="-14377" y="0"/>
+            <a:ext cx="8467858" cy="4776454"/>
+          </a:xfrm>
+          <a:prstGeom prst="rect">
+            <a:avLst/>
+          </a:prstGeom>
+        </p:spPr>
+      </p:pic>
+      <p:sp>
+        <p:nvSpPr>
+          <p:cNvPr id="3" name="CasellaDiTesto 2"/>
+          <p:cNvSpPr txBox="1"/>
+          <p:nvPr/>
+        </p:nvSpPr>
+        <p:spPr>
+          <a:xfrm>
+            <a:off x="202699" y="5017698"/>
+            <a:ext cx="11700384" cy="1200329"/>
+          </a:xfrm>
+          <a:prstGeom prst="rect">
+            <a:avLst/>
+          </a:prstGeom>
+        </p:spPr>
+        <p:txBody>
+          <a:bodyPr rtlCol="0">
+            <a:spAutoFit/>
+          </a:bodyPr>
+          <a:lstStyle/>
+          <a:p>
+            <a:r>
+              <a:rPr lang="it" sz="2400" dirty="0">
+                <a:solidFill>
+                  <a:srgbClr val="FFFFFF"/>
+                </a:solidFill>
+                <a:latin typeface="Arial" charset="0"/>
+              </a:rPr>
+              <a:t>Un ritardo nell’uscita dalla saturazione dei BJT
+provoca un </a:t>
+            </a:r>
+            <a:r>
+              <a:rPr lang="it" sz="2400" dirty="0" smtClean="0">
+                <a:solidFill>
+                  <a:srgbClr val="FFFFFF"/>
+                </a:solidFill>
+                <a:latin typeface="Arial" charset="0"/>
+              </a:rPr>
+              <a:t>rallentamento sul </a:t>
+            </a:r>
+            <a:r>
+              <a:rPr lang="it" sz="2400" dirty="0">
+                <a:solidFill>
+                  <a:srgbClr val="FFFFFF"/>
+                </a:solidFill>
+                <a:latin typeface="Arial" charset="0"/>
+              </a:rPr>
+              <a:t>fronte di discesa ,
+creando quindi un limite di prestazione sulla velocità di commutazione</a:t>
+            </a:r>
+            <a:endParaRPr lang="it-IT" dirty="0"/>
+          </a:p>
+        </p:txBody>
+      </p:sp>
+      <p:sp>
+        <p:nvSpPr>
+          <p:cNvPr id="6" name="CasellaDiTesto 5"/>
+          <p:cNvSpPr txBox="1"/>
+          <p:nvPr/>
+        </p:nvSpPr>
+        <p:spPr>
+          <a:xfrm>
+            <a:off x="8612788" y="312742"/>
+            <a:ext cx="2743200" cy="369332"/>
+          </a:xfrm>
+          <a:prstGeom prst="rect">
+            <a:avLst/>
+          </a:prstGeom>
+        </p:spPr>
+        <p:txBody>
+          <a:bodyPr rtlCol="0">
+            <a:spAutoFit/>
+          </a:bodyPr>
+          <a:lstStyle/>
+          <a:p>
+            <a:r>
+              <a:rPr lang="it-IT" dirty="0"/>
+              <a:t>Figura 2</a:t>
+            </a:r>
+          </a:p>
+        </p:txBody>
+      </p:sp>
+    </p:spTree>
+    <p:extLst>
+      <p:ext uri="{BB962C8B-B14F-4D97-AF65-F5344CB8AC3E}">
+        <p14:creationId xmlns:p14="http://schemas.microsoft.com/office/powerpoint/2010/main" val="3504288333"/>
+      </p:ext>
+    </p:extLst>
+  </p:cSld>
+  <p:clrMapOvr>
+    <a:masterClrMapping/>
+  </p:clrMapOvr>
+  <p:timing>
+    <p:tnLst>
+      <p:par>
+        <p:cTn id="1" dur="indefinite" restart="never" nodeType="tmRoot"/>
+      </p:par>
+    </p:tnLst>
+  </p:timing>
+</p:sld>
+</file>
+
+<file path=ppt/slides/slide18.xml><?xml version="1.0" encoding="utf-8"?>
+<p:sld xmlns:a="http://schemas.openxmlformats.org/drawingml/2006/main" xmlns:r="http://schemas.openxmlformats.org/officeDocument/2006/relationships" xmlns:p="http://schemas.openxmlformats.org/presentationml/2006/main">
+  <p:cSld>
+    <p:spTree>
+      <p:nvGrpSpPr>
+        <p:cNvPr id="1" name=""/>
+        <p:cNvGrpSpPr/>
+        <p:nvPr/>
+      </p:nvGrpSpPr>
+      <p:grpSpPr>
+        <a:xfrm>
+          <a:off x="0" y="0"/>
+          <a:ext cx="0" cy="0"/>
+          <a:chOff x="0" y="0"/>
+          <a:chExt cx="0" cy="0"/>
+        </a:xfrm>
+      </p:grpSpPr>
+      <p:sp>
+        <p:nvSpPr>
+          <p:cNvPr id="2" name="Titolo 1"/>
+          <p:cNvSpPr>
+            <a:spLocks noGrp="1"/>
+          </p:cNvSpPr>
+          <p:nvPr>
+            <p:ph type="title"/>
+          </p:nvPr>
+        </p:nvSpPr>
+        <p:spPr>
+          <a:xfrm>
+            <a:off x="90525" y="833438"/>
+            <a:ext cx="10253625" cy="1890908"/>
+          </a:xfrm>
+        </p:spPr>
+        <p:txBody>
+          <a:bodyPr>
+            <a:normAutofit/>
+          </a:bodyPr>
+          <a:lstStyle/>
+          <a:p>
+            <a:r>
+              <a:rPr lang="it-IT" b="1" dirty="0" smtClean="0">
+                <a:solidFill>
+                  <a:srgbClr val="FFFFFF"/>
+                </a:solidFill>
+                <a:latin typeface="Trebuchet MS" charset="0"/>
+              </a:rPr>
+              <a:t>Moduli traslatori bidirezionali a più canali</a:t>
+            </a:r>
+            <a:r>
+              <a:rPr lang="it-IT" dirty="0"/>
+              <a:t/>
+            </a:r>
+            <a:br>
+              <a:rPr lang="it-IT" dirty="0"/>
+            </a:br>
+            <a:r>
+              <a:rPr lang="it-IT" dirty="0"/>
+              <a:t/>
+            </a:r>
+            <a:br>
+              <a:rPr lang="it-IT" dirty="0"/>
+            </a:br>
+            <a:endParaRPr lang="it-IT" dirty="0"/>
+          </a:p>
+        </p:txBody>
+      </p:sp>
+      <p:sp>
+        <p:nvSpPr>
+          <p:cNvPr id="8" name="CasellaDiTesto 7"/>
+          <p:cNvSpPr txBox="1"/>
+          <p:nvPr/>
+        </p:nvSpPr>
+        <p:spPr>
+          <a:xfrm>
+            <a:off x="4184542" y="2066279"/>
+            <a:ext cx="7812097" cy="2215991"/>
+          </a:xfrm>
+          <a:prstGeom prst="rect">
+            <a:avLst/>
+          </a:prstGeom>
+        </p:spPr>
+        <p:txBody>
+          <a:bodyPr wrap="square" rtlCol="0" anchor="t">
+            <a:spAutoFit/>
+          </a:bodyPr>
+          <a:lstStyle/>
+          <a:p>
+            <a:pPr marL="342900" indent="-342900">
+              <a:buFont typeface="Arial" panose="020B0604020202020204" pitchFamily="34" charset="0"/>
+              <a:buChar char="•"/>
+            </a:pPr>
+            <a:r>
+              <a:rPr lang="it-IT" sz="2400" dirty="0" smtClean="0">
+                <a:solidFill>
+                  <a:srgbClr val="FFFFFF"/>
+                </a:solidFill>
+                <a:latin typeface="Arial" charset="0"/>
+              </a:rPr>
+              <a:t>Si basano sui transistor MOS BSS138</a:t>
+            </a:r>
+          </a:p>
+          <a:p>
+            <a:pPr marL="342900" indent="-342900">
+              <a:buFont typeface="Arial" panose="020B0604020202020204" pitchFamily="34" charset="0"/>
+              <a:buChar char="•"/>
+            </a:pPr>
+            <a:r>
+              <a:rPr lang="it-IT" sz="2400" dirty="0" smtClean="0">
+                <a:solidFill>
+                  <a:srgbClr val="FFFFFF"/>
+                </a:solidFill>
+                <a:latin typeface="Arial" charset="0"/>
+              </a:rPr>
+              <a:t>Sono moduli che si acquistano già pronti</a:t>
+            </a:r>
+          </a:p>
+          <a:p>
+            <a:pPr marL="342900" indent="-342900">
+              <a:buFont typeface="Arial" panose="020B0604020202020204" pitchFamily="34" charset="0"/>
+              <a:buChar char="•"/>
+            </a:pPr>
+            <a:r>
+              <a:rPr lang="it-IT" sz="2400" dirty="0" smtClean="0">
+                <a:solidFill>
+                  <a:srgbClr val="FFFFFF"/>
+                </a:solidFill>
+                <a:latin typeface="Arial" charset="0"/>
+              </a:rPr>
+              <a:t>Si devono solo saldare i piedini o i fili</a:t>
+            </a:r>
+          </a:p>
+          <a:p>
+            <a:pPr marL="342900" indent="-342900">
+              <a:buFont typeface="Arial" panose="020B0604020202020204" pitchFamily="34" charset="0"/>
+              <a:buChar char="•"/>
+            </a:pPr>
+            <a:r>
+              <a:rPr lang="it-IT" sz="2400" dirty="0" smtClean="0">
+                <a:solidFill>
+                  <a:srgbClr val="FFFFFF"/>
+                </a:solidFill>
+                <a:latin typeface="Arial" charset="0"/>
+              </a:rPr>
+              <a:t>Hanno la </a:t>
+            </a:r>
+            <a:r>
+              <a:rPr lang="it-IT" sz="2400" dirty="0" err="1" smtClean="0">
+                <a:solidFill>
+                  <a:srgbClr val="FFFFFF"/>
+                </a:solidFill>
+                <a:latin typeface="Arial" charset="0"/>
+              </a:rPr>
+              <a:t>pedinatura</a:t>
+            </a:r>
+            <a:r>
+              <a:rPr lang="it-IT" sz="2400" dirty="0" smtClean="0">
+                <a:solidFill>
+                  <a:srgbClr val="FFFFFF"/>
+                </a:solidFill>
+                <a:latin typeface="Arial" charset="0"/>
+              </a:rPr>
+              <a:t> che permette l’inserimento a pressione in una </a:t>
+            </a:r>
+            <a:r>
+              <a:rPr lang="it-IT" sz="2400" dirty="0" err="1" smtClean="0">
+                <a:solidFill>
+                  <a:srgbClr val="FFFFFF"/>
+                </a:solidFill>
+                <a:latin typeface="Arial" charset="0"/>
+              </a:rPr>
+              <a:t>breadboard</a:t>
+            </a:r>
+            <a:endParaRPr lang="it-IT" sz="2400" dirty="0" smtClean="0">
+              <a:solidFill>
+                <a:srgbClr val="FFFFFF"/>
+              </a:solidFill>
+              <a:latin typeface="Arial" charset="0"/>
+            </a:endParaRPr>
+          </a:p>
+          <a:p>
+            <a:pPr marL="342900" indent="-342900">
+              <a:buFont typeface="Arial" panose="020B0604020202020204" pitchFamily="34" charset="0"/>
+              <a:buChar char="•"/>
+            </a:pPr>
+            <a:endParaRPr lang="it-IT" dirty="0"/>
+          </a:p>
+        </p:txBody>
+      </p:sp>
+      <p:pic>
+        <p:nvPicPr>
+          <p:cNvPr id="7" name="Picture 4" descr="http://files.hwkitchen.com/200000272-033f904397/LevelConverter-L.jpg"/>
+          <p:cNvPicPr>
+            <a:picLocks noChangeAspect="1" noChangeArrowheads="1"/>
+          </p:cNvPicPr>
+          <p:nvPr/>
+        </p:nvPicPr>
+        <p:blipFill>
+          <a:blip r:embed="rId3">
+            <a:extLst>
+              <a:ext uri="{28A0092B-C50C-407E-A947-70E740481C1C}">
+                <a14:useLocalDpi xmlns:a14="http://schemas.microsoft.com/office/drawing/2010/main" val="0"/>
+              </a:ext>
+            </a:extLst>
+          </a:blip>
+          <a:srcRect/>
+          <a:stretch>
+            <a:fillRect/>
+          </a:stretch>
+        </p:blipFill>
+        <p:spPr bwMode="auto">
+          <a:xfrm>
+            <a:off x="218246" y="2404741"/>
+            <a:ext cx="3838575" cy="3838576"/>
+          </a:xfrm>
+          <a:prstGeom prst="rect">
+            <a:avLst/>
+          </a:prstGeom>
+          <a:noFill/>
+          <a:extLst>
+            <a:ext uri="{909E8E84-426E-40DD-AFC4-6F175D3DCCD1}">
+              <a14:hiddenFill xmlns:a14="http://schemas.microsoft.com/office/drawing/2010/main">
+                <a:solidFill>
+                  <a:srgbClr val="FFFFFF"/>
+                </a:solidFill>
+              </a14:hiddenFill>
+            </a:ext>
+          </a:extLst>
+        </p:spPr>
+      </p:pic>
+      <p:pic>
+        <p:nvPicPr>
+          <p:cNvPr id="9" name="Picture 2" descr="https://a.pololu-files.com/picture/0J5318.599.jpg?4ce17f799e5cb02c5ea337b6d0f63de5"/>
+          <p:cNvPicPr>
+            <a:picLocks noChangeAspect="1" noChangeArrowheads="1"/>
+          </p:cNvPicPr>
+          <p:nvPr/>
+        </p:nvPicPr>
+        <p:blipFill>
+          <a:blip r:embed="rId4">
+            <a:extLst>
+              <a:ext uri="{28A0092B-C50C-407E-A947-70E740481C1C}">
+                <a14:useLocalDpi xmlns:a14="http://schemas.microsoft.com/office/drawing/2010/main" val="0"/>
+              </a:ext>
+            </a:extLst>
+          </a:blip>
+          <a:srcRect/>
+          <a:stretch>
+            <a:fillRect/>
+          </a:stretch>
+        </p:blipFill>
+        <p:spPr bwMode="auto">
+          <a:xfrm>
+            <a:off x="4253072" y="4045059"/>
+            <a:ext cx="7743567" cy="2727702"/>
+          </a:xfrm>
+          <a:prstGeom prst="rect">
+            <a:avLst/>
+          </a:prstGeom>
+          <a:noFill/>
+          <a:extLst>
+            <a:ext uri="{909E8E84-426E-40DD-AFC4-6F175D3DCCD1}">
+              <a14:hiddenFill xmlns:a14="http://schemas.microsoft.com/office/drawing/2010/main">
+                <a:solidFill>
+                  <a:srgbClr val="FFFFFF"/>
+                </a:solidFill>
+              </a14:hiddenFill>
+            </a:ext>
+          </a:extLst>
+        </p:spPr>
+      </p:pic>
+    </p:spTree>
+    <p:extLst>
+      <p:ext uri="{BB962C8B-B14F-4D97-AF65-F5344CB8AC3E}">
+        <p14:creationId xmlns:p14="http://schemas.microsoft.com/office/powerpoint/2010/main" val="91466529"/>
+      </p:ext>
+    </p:extLst>
+  </p:cSld>
+  <p:clrMapOvr>
+    <a:masterClrMapping/>
+  </p:clrMapOvr>
+  <p:timing>
+    <p:tnLst>
+      <p:par>
+        <p:cTn id="1" dur="indefinite" restart="never" nodeType="tmRoot"/>
+      </p:par>
+    </p:tnLst>
+  </p:timing>
+</p:sld>
+</file>
+
 <file path=ppt/slides/slide19.xml><?xml version="1.0" encoding="utf-8"?>
 <p:sld xmlns:a="http://schemas.openxmlformats.org/drawingml/2006/main" xmlns:r="http://schemas.openxmlformats.org/officeDocument/2006/relationships" xmlns:p="http://schemas.openxmlformats.org/presentationml/2006/main">
   <p:cSld>
@@ -13129,283 +14453,58 @@
       </p:grpSpPr>
       <p:sp>
         <p:nvSpPr>
-          <p:cNvPr id="3" name="Rettangolo 2"/>
-          <p:cNvSpPr/>
+          <p:cNvPr id="2" name="Titolo 1"/>
+          <p:cNvSpPr>
+            <a:spLocks noGrp="1"/>
+          </p:cNvSpPr>
+          <p:nvPr>
+            <p:ph type="title"/>
+          </p:nvPr>
+        </p:nvSpPr>
+        <p:spPr>
+          <a:xfrm>
+            <a:off x="89680" y="786041"/>
+            <a:ext cx="9613861" cy="1080938"/>
+          </a:xfrm>
+        </p:spPr>
+        <p:txBody>
+          <a:bodyPr>
+            <a:normAutofit fontScale="90000"/>
+          </a:bodyPr>
+          <a:lstStyle/>
+          <a:p>
+            <a:r>
+              <a:rPr lang="it-IT" sz="5400" dirty="0">
+                <a:latin typeface="Trebuchet MS" charset="0"/>
+              </a:rPr>
+              <a:t>Modulo </a:t>
+            </a:r>
+            <a:r>
+              <a:rPr lang="it-IT" sz="5400" dirty="0" smtClean="0">
+                <a:latin typeface="Trebuchet MS" charset="0"/>
+              </a:rPr>
+              <a:t>adp-01 (solo per ESP8266)</a:t>
+            </a:r>
+            <a:endParaRPr lang="it-IT" sz="5400" dirty="0">
+              <a:latin typeface="Trebuchet MS" charset="0"/>
+            </a:endParaRPr>
+          </a:p>
+        </p:txBody>
+      </p:sp>
+      <p:sp>
+        <p:nvSpPr>
+          <p:cNvPr id="3" name="CasellaDiTesto 2"/>
+          <p:cNvSpPr txBox="1"/>
           <p:nvPr/>
         </p:nvSpPr>
         <p:spPr>
           <a:xfrm>
-            <a:off x="707008" y="509047"/>
-            <a:ext cx="8352149" cy="6247864"/>
+            <a:off x="89680" y="2006583"/>
+            <a:ext cx="11967202" cy="2616101"/>
           </a:xfrm>
           <a:prstGeom prst="rect">
             <a:avLst/>
           </a:prstGeom>
-        </p:spPr>
-        <p:txBody>
-          <a:bodyPr wrap="square">
-            <a:spAutoFit/>
-          </a:bodyPr>
-          <a:lstStyle/>
-          <a:p>
-            <a:r>
-              <a:rPr lang="it-IT" sz="2000" dirty="0"/>
-              <a:t>/* </a:t>
-            </a:r>
-            <a:r>
-              <a:rPr lang="it-IT" sz="2000" dirty="0" smtClean="0"/>
-              <a:t>Invia i comandi AT su monitor seriale  sulla UART del modulo ESP8266*/</a:t>
-            </a:r>
-            <a:r>
-              <a:rPr lang="it-IT" sz="2000" dirty="0"/>
-              <a:t> </a:t>
-            </a:r>
-          </a:p>
-          <a:p>
-            <a:r>
-              <a:rPr lang="it-IT" sz="2000" dirty="0" err="1"/>
-              <a:t>void</a:t>
-            </a:r>
-            <a:r>
-              <a:rPr lang="it-IT" sz="2000" dirty="0"/>
-              <a:t> setup() </a:t>
-            </a:r>
-          </a:p>
-          <a:p>
-            <a:r>
-              <a:rPr lang="it-IT" sz="2000" dirty="0"/>
-              <a:t>{ </a:t>
-            </a:r>
-          </a:p>
-          <a:p>
-            <a:r>
-              <a:rPr lang="it-IT" sz="2000" dirty="0"/>
-              <a:t>  delay(5000); </a:t>
-            </a:r>
-          </a:p>
-          <a:p>
-            <a:r>
-              <a:rPr lang="it-IT" sz="2000" dirty="0"/>
-              <a:t>  </a:t>
-            </a:r>
-            <a:r>
-              <a:rPr lang="it-IT" sz="2000" dirty="0" err="1"/>
-              <a:t>Serial.begin</a:t>
-            </a:r>
-            <a:r>
-              <a:rPr lang="it-IT" sz="2000" dirty="0"/>
-              <a:t>(115200); </a:t>
-            </a:r>
-          </a:p>
-          <a:p>
-            <a:r>
-              <a:rPr lang="it-IT" sz="2000" dirty="0"/>
-              <a:t>  Serial1.begin(115200); </a:t>
-            </a:r>
-          </a:p>
-          <a:p>
-            <a:r>
-              <a:rPr lang="it-IT" sz="2000" dirty="0"/>
-              <a:t>} </a:t>
-            </a:r>
-          </a:p>
-          <a:p>
-            <a:r>
-              <a:rPr lang="it-IT" sz="2000" dirty="0" err="1"/>
-              <a:t>void</a:t>
-            </a:r>
-            <a:r>
-              <a:rPr lang="it-IT" sz="2000" dirty="0"/>
-              <a:t> </a:t>
-            </a:r>
-            <a:r>
-              <a:rPr lang="it-IT" sz="2000" dirty="0" err="1"/>
-              <a:t>loop</a:t>
-            </a:r>
-            <a:r>
-              <a:rPr lang="it-IT" sz="2000" dirty="0"/>
-              <a:t>() </a:t>
-            </a:r>
-          </a:p>
-          <a:p>
-            <a:r>
-              <a:rPr lang="it-IT" sz="2000" dirty="0"/>
-              <a:t>{ </a:t>
-            </a:r>
-          </a:p>
-          <a:p>
-            <a:r>
-              <a:rPr lang="it-IT" sz="2000" dirty="0"/>
-              <a:t>  /* </a:t>
-            </a:r>
-            <a:r>
-              <a:rPr lang="it-IT" sz="2000" dirty="0" smtClean="0"/>
-              <a:t>manda tutto ciò che riceve  dalla UART HW sulla seriale</a:t>
-            </a:r>
-            <a:r>
-              <a:rPr lang="it-IT" sz="2000" dirty="0"/>
-              <a:t> */ </a:t>
-            </a:r>
-          </a:p>
-          <a:p>
-            <a:r>
-              <a:rPr lang="it-IT" sz="2000" dirty="0"/>
-              <a:t>  </a:t>
-            </a:r>
-            <a:r>
-              <a:rPr lang="it-IT" sz="2000" dirty="0" err="1"/>
-              <a:t>if</a:t>
-            </a:r>
-            <a:r>
-              <a:rPr lang="it-IT" sz="2000" dirty="0"/>
-              <a:t> (</a:t>
-            </a:r>
-            <a:r>
-              <a:rPr lang="it-IT" sz="2000" dirty="0" err="1"/>
-              <a:t>Serial.available</a:t>
-            </a:r>
-            <a:r>
-              <a:rPr lang="it-IT" sz="2000" dirty="0"/>
-              <a:t>() &gt; 0) { </a:t>
-            </a:r>
-          </a:p>
-          <a:p>
-            <a:r>
-              <a:rPr lang="it-IT" sz="2000" dirty="0"/>
-              <a:t>    </a:t>
-            </a:r>
-            <a:r>
-              <a:rPr lang="it-IT" sz="2000" dirty="0" err="1"/>
-              <a:t>char</a:t>
-            </a:r>
-            <a:r>
-              <a:rPr lang="it-IT" sz="2000" dirty="0"/>
-              <a:t> </a:t>
-            </a:r>
-            <a:r>
-              <a:rPr lang="it-IT" sz="2000" dirty="0" err="1"/>
-              <a:t>ch</a:t>
-            </a:r>
-            <a:r>
-              <a:rPr lang="it-IT" sz="2000" dirty="0"/>
-              <a:t> = </a:t>
-            </a:r>
-            <a:r>
-              <a:rPr lang="it-IT" sz="2000" dirty="0" err="1"/>
-              <a:t>Serial.read</a:t>
-            </a:r>
-            <a:r>
-              <a:rPr lang="it-IT" sz="2000" dirty="0"/>
-              <a:t>(); </a:t>
-            </a:r>
-          </a:p>
-          <a:p>
-            <a:r>
-              <a:rPr lang="it-IT" sz="2000" dirty="0"/>
-              <a:t>    Serial1.print(</a:t>
-            </a:r>
-            <a:r>
-              <a:rPr lang="it-IT" sz="2000" dirty="0" err="1"/>
-              <a:t>ch</a:t>
-            </a:r>
-            <a:r>
-              <a:rPr lang="it-IT" sz="2000" dirty="0"/>
-              <a:t>); </a:t>
-            </a:r>
-          </a:p>
-          <a:p>
-            <a:r>
-              <a:rPr lang="it-IT" sz="2000" dirty="0"/>
-              <a:t>  } </a:t>
-            </a:r>
-          </a:p>
-          <a:p>
-            <a:r>
-              <a:rPr lang="it-IT" sz="2000" dirty="0"/>
-              <a:t>  </a:t>
-            </a:r>
-            <a:r>
-              <a:rPr lang="it-IT" sz="2000" dirty="0" err="1"/>
-              <a:t>if</a:t>
-            </a:r>
-            <a:r>
-              <a:rPr lang="it-IT" sz="2000" dirty="0"/>
-              <a:t> (Serial1.available() &gt; 0) { </a:t>
-            </a:r>
-          </a:p>
-          <a:p>
-            <a:r>
-              <a:rPr lang="it-IT" sz="2000" dirty="0"/>
-              <a:t>    </a:t>
-            </a:r>
-            <a:r>
-              <a:rPr lang="it-IT" sz="2000" dirty="0" err="1"/>
-              <a:t>char</a:t>
-            </a:r>
-            <a:r>
-              <a:rPr lang="it-IT" sz="2000" dirty="0"/>
-              <a:t> </a:t>
-            </a:r>
-            <a:r>
-              <a:rPr lang="it-IT" sz="2000" dirty="0" err="1"/>
-              <a:t>ch</a:t>
-            </a:r>
-            <a:r>
-              <a:rPr lang="it-IT" sz="2000" dirty="0"/>
-              <a:t> = Serial1.read(); </a:t>
-            </a:r>
-          </a:p>
-          <a:p>
-            <a:r>
-              <a:rPr lang="it-IT" sz="2000" dirty="0"/>
-              <a:t>    </a:t>
-            </a:r>
-            <a:r>
-              <a:rPr lang="it-IT" sz="2000" dirty="0" err="1"/>
-              <a:t>Serial.print</a:t>
-            </a:r>
-            <a:r>
-              <a:rPr lang="it-IT" sz="2000" dirty="0"/>
-              <a:t>(</a:t>
-            </a:r>
-            <a:r>
-              <a:rPr lang="it-IT" sz="2000" dirty="0" err="1"/>
-              <a:t>ch</a:t>
-            </a:r>
-            <a:r>
-              <a:rPr lang="it-IT" sz="2000" dirty="0"/>
-              <a:t>); </a:t>
-            </a:r>
-          </a:p>
-          <a:p>
-            <a:r>
-              <a:rPr lang="it-IT" sz="2000" dirty="0"/>
-              <a:t>  } </a:t>
-            </a:r>
-          </a:p>
-          <a:p>
-            <a:r>
-              <a:rPr lang="it-IT" sz="2000" dirty="0"/>
-              <a:t>} </a:t>
-            </a:r>
-          </a:p>
-        </p:txBody>
-      </p:sp>
-      <p:sp>
-        <p:nvSpPr>
-          <p:cNvPr id="4" name="CasellaDiTesto 3"/>
-          <p:cNvSpPr txBox="1"/>
-          <p:nvPr/>
-        </p:nvSpPr>
-        <p:spPr>
-          <a:xfrm>
-            <a:off x="5524107" y="1168821"/>
-            <a:ext cx="4825609" cy="1569660"/>
-          </a:xfrm>
-          <a:prstGeom prst="rect">
-            <a:avLst/>
-          </a:prstGeom>
-          <a:noFill/>
         </p:spPr>
         <p:txBody>
           <a:bodyPr wrap="square" rtlCol="0">
@@ -13413,109 +14512,194 @@
           </a:bodyPr>
           <a:lstStyle/>
           <a:p>
-            <a:r>
-              <a:rPr lang="it-IT" sz="2400" dirty="0" smtClean="0"/>
-              <a:t>Esempio di sketch </a:t>
-            </a:r>
-            <a:r>
-              <a:rPr lang="it-IT" sz="2400" dirty="0" smtClean="0"/>
-              <a:t>Arduino per la configurazione diretta del modem tramite </a:t>
-            </a:r>
-            <a:r>
-              <a:rPr lang="it-IT" sz="2400" dirty="0" smtClean="0"/>
-              <a:t>comandi AT </a:t>
-            </a:r>
-            <a:r>
-              <a:rPr lang="it-IT" sz="2400" dirty="0" smtClean="0"/>
-              <a:t>impartiti da console</a:t>
-            </a:r>
-            <a:endParaRPr lang="it-IT" sz="2400" dirty="0"/>
-          </a:p>
-        </p:txBody>
-      </p:sp>
-      <p:sp>
-        <p:nvSpPr>
-          <p:cNvPr id="5" name="CasellaDiTesto 4"/>
-          <p:cNvSpPr txBox="1"/>
-          <p:nvPr/>
-        </p:nvSpPr>
-        <p:spPr>
-          <a:xfrm>
-            <a:off x="5898038" y="4252608"/>
-            <a:ext cx="6293962" cy="2893100"/>
-          </a:xfrm>
-          <a:prstGeom prst="rect">
-            <a:avLst/>
-          </a:prstGeom>
-          <a:noFill/>
-        </p:spPr>
-        <p:txBody>
-          <a:bodyPr wrap="square" rtlCol="0">
-            <a:spAutoFit/>
-          </a:bodyPr>
-          <a:lstStyle/>
-          <a:p>
-            <a:r>
-              <a:rPr lang="it-IT" sz="2400" dirty="0" smtClean="0"/>
-              <a:t>In genere i comandi AT vengono inviati da programma sotto forma di:</a:t>
-            </a:r>
-          </a:p>
-          <a:p>
-            <a:pPr marL="457200" indent="-457200">
-              <a:spcBef>
-                <a:spcPts val="600"/>
-              </a:spcBef>
-              <a:buFont typeface="Arial" panose="020B0604020202020204" pitchFamily="34" charset="0"/>
-              <a:buChar char="•"/>
-            </a:pPr>
-            <a:r>
-              <a:rPr lang="it-IT" sz="2400" dirty="0" smtClean="0"/>
-              <a:t>Stringhe affogate nel </a:t>
-            </a:r>
-            <a:r>
-              <a:rPr lang="it-IT" sz="2400" dirty="0" err="1" smtClean="0"/>
-              <a:t>main</a:t>
-            </a:r>
-            <a:r>
-              <a:rPr lang="it-IT" sz="2400" dirty="0" smtClean="0"/>
-              <a:t> dello sketch</a:t>
-            </a:r>
-          </a:p>
-          <a:p>
-            <a:pPr marL="457200" indent="-457200">
-              <a:spcBef>
-                <a:spcPts val="600"/>
-              </a:spcBef>
-              <a:buFont typeface="Arial" panose="020B0604020202020204" pitchFamily="34" charset="0"/>
-              <a:buChar char="•"/>
-            </a:pPr>
-            <a:r>
-              <a:rPr lang="it-IT" sz="2400" dirty="0" smtClean="0"/>
-              <a:t>Librerie di funzioni apposite che li includono e che vengono richiamate nel </a:t>
-            </a:r>
-            <a:r>
-              <a:rPr lang="it-IT" sz="2400" dirty="0" err="1" smtClean="0"/>
-              <a:t>main</a:t>
-            </a:r>
-            <a:r>
-              <a:rPr lang="it-IT" sz="2400" dirty="0" smtClean="0"/>
-              <a:t> dello sketch</a:t>
-            </a:r>
-            <a:endParaRPr lang="it-IT" sz="2400" dirty="0" smtClean="0"/>
-          </a:p>
-          <a:p>
             <a:pPr marL="457200" indent="-457200">
               <a:buFont typeface="Arial" panose="020B0604020202020204" pitchFamily="34" charset="0"/>
               <a:buChar char="•"/>
             </a:pPr>
-            <a:endParaRPr lang="it-IT" sz="2800" dirty="0"/>
-          </a:p>
-        </p:txBody>
-      </p:sp>
+            <a:r>
+              <a:rPr lang="it-IT" sz="2800" dirty="0" smtClean="0">
+                <a:solidFill>
+                  <a:srgbClr val="FFFFFF"/>
+                </a:solidFill>
+                <a:latin typeface="Consolas" charset="0"/>
+              </a:rPr>
+              <a:t>O</a:t>
+            </a:r>
+            <a:r>
+              <a:rPr lang="it" sz="2800" dirty="0" smtClean="0">
+                <a:solidFill>
+                  <a:srgbClr val="FFFFFF"/>
+                </a:solidFill>
+                <a:latin typeface="Consolas" charset="0"/>
+              </a:rPr>
+              <a:t>spita il modulo WiFi ESP8266</a:t>
+            </a:r>
+          </a:p>
+          <a:p>
+            <a:pPr marL="457200" indent="-457200">
+              <a:buFont typeface="Arial" panose="020B0604020202020204" pitchFamily="34" charset="0"/>
+              <a:buChar char="•"/>
+            </a:pPr>
+            <a:r>
+              <a:rPr lang="it-IT" sz="2800" dirty="0" smtClean="0">
+                <a:solidFill>
+                  <a:srgbClr val="FFFFFF"/>
+                </a:solidFill>
+                <a:latin typeface="Consolas" charset="0"/>
+              </a:rPr>
+              <a:t>È alimentato </a:t>
+            </a:r>
+            <a:r>
+              <a:rPr lang="it" sz="2800" dirty="0" smtClean="0">
+                <a:solidFill>
+                  <a:srgbClr val="FFFFFF"/>
+                </a:solidFill>
+                <a:latin typeface="Consolas" charset="0"/>
+              </a:rPr>
+              <a:t>con </a:t>
+            </a:r>
+            <a:r>
+              <a:rPr lang="it" sz="2800" dirty="0">
+                <a:solidFill>
+                  <a:srgbClr val="FFFFFF"/>
+                </a:solidFill>
+                <a:latin typeface="Consolas" charset="0"/>
+              </a:rPr>
+              <a:t>5 V </a:t>
+            </a:r>
+            <a:r>
+              <a:rPr lang="it" sz="2800" dirty="0" smtClean="0">
+                <a:solidFill>
+                  <a:srgbClr val="FFFFFF"/>
+                </a:solidFill>
+                <a:latin typeface="Consolas" charset="0"/>
+              </a:rPr>
+              <a:t>e fornisce i </a:t>
+            </a:r>
+            <a:r>
+              <a:rPr lang="it" sz="2800" dirty="0">
+                <a:solidFill>
+                  <a:srgbClr val="FFFFFF"/>
+                </a:solidFill>
+                <a:latin typeface="Consolas" charset="0"/>
+              </a:rPr>
+              <a:t>3,3 V </a:t>
+            </a:r>
+            <a:r>
+              <a:rPr lang="it" sz="2800" dirty="0" smtClean="0">
+                <a:solidFill>
+                  <a:srgbClr val="FFFFFF"/>
+                </a:solidFill>
+                <a:latin typeface="Consolas" charset="0"/>
+              </a:rPr>
+              <a:t>richiesti </a:t>
+            </a:r>
+            <a:r>
+              <a:rPr lang="it" sz="2800" dirty="0">
+                <a:solidFill>
+                  <a:srgbClr val="FFFFFF"/>
+                </a:solidFill>
+                <a:latin typeface="Consolas" charset="0"/>
+              </a:rPr>
+              <a:t>dal modulo </a:t>
+            </a:r>
+            <a:r>
+              <a:rPr lang="it" sz="2800" dirty="0" smtClean="0">
+                <a:solidFill>
+                  <a:srgbClr val="FFFFFF"/>
+                </a:solidFill>
+                <a:latin typeface="Consolas" charset="0"/>
+              </a:rPr>
+              <a:t>WiFi (regolatore di tensione lineare). </a:t>
+            </a:r>
+          </a:p>
+          <a:p>
+            <a:pPr marL="457200" indent="-457200">
+              <a:buFont typeface="Arial" panose="020B0604020202020204" pitchFamily="34" charset="0"/>
+              <a:buChar char="•"/>
+            </a:pPr>
+            <a:r>
+              <a:rPr lang="it-IT" sz="2800" dirty="0" smtClean="0">
+                <a:solidFill>
+                  <a:srgbClr val="FFFFFF"/>
+                </a:solidFill>
+                <a:latin typeface="Consolas" charset="0"/>
+              </a:rPr>
+              <a:t>T</a:t>
+            </a:r>
+            <a:r>
+              <a:rPr lang="it" sz="2800" dirty="0" smtClean="0">
+                <a:solidFill>
+                  <a:srgbClr val="FFFFFF"/>
+                </a:solidFill>
+                <a:latin typeface="Consolas" charset="0"/>
+              </a:rPr>
+              <a:t>rasla i livelli di porte seriali e porte I2C del modulo</a:t>
+            </a:r>
+          </a:p>
+          <a:p>
+            <a:pPr marL="457200" indent="-457200">
+              <a:buFont typeface="Arial" panose="020B0604020202020204" pitchFamily="34" charset="0"/>
+              <a:buChar char="•"/>
+            </a:pPr>
+            <a:r>
+              <a:rPr lang="it-IT" sz="2800" dirty="0" smtClean="0">
+                <a:solidFill>
+                  <a:srgbClr val="FFFFFF"/>
+                </a:solidFill>
+                <a:latin typeface="Consolas" charset="0"/>
+              </a:rPr>
+              <a:t>P</a:t>
+            </a:r>
+            <a:r>
+              <a:rPr lang="it" sz="2800" dirty="0" smtClean="0">
+                <a:solidFill>
+                  <a:srgbClr val="FFFFFF"/>
+                </a:solidFill>
+                <a:latin typeface="Consolas" charset="0"/>
+              </a:rPr>
+              <a:t>ossiede pedinature compatibili con una breadboard</a:t>
+            </a:r>
+            <a:endParaRPr lang="it-IT" sz="2800" dirty="0">
+              <a:solidFill>
+                <a:srgbClr val="444444"/>
+              </a:solidFill>
+              <a:latin typeface="Arial" charset="0"/>
+            </a:endParaRPr>
+          </a:p>
+          <a:p>
+            <a:endParaRPr lang="it-IT" sz="2400" dirty="0"/>
+          </a:p>
+        </p:txBody>
+      </p:sp>
+      <p:pic>
+        <p:nvPicPr>
+          <p:cNvPr id="4" name="Immagine 3" descr="ADP-01.png"/>
+          <p:cNvPicPr>
+            <a:picLocks noChangeAspect="1"/>
+          </p:cNvPicPr>
+          <p:nvPr/>
+        </p:nvPicPr>
+        <p:blipFill>
+          <a:blip r:embed="rId3"/>
+          <a:stretch>
+            <a:fillRect/>
+          </a:stretch>
+        </p:blipFill>
+        <p:spPr>
+          <a:xfrm>
+            <a:off x="2912822" y="4014510"/>
+            <a:ext cx="5384800" cy="2946493"/>
+          </a:xfrm>
+          <a:prstGeom prst="rect">
+            <a:avLst/>
+          </a:prstGeom>
+        </p:spPr>
+      </p:pic>
     </p:spTree>
     <p:extLst>
       <p:ext uri="{BB962C8B-B14F-4D97-AF65-F5344CB8AC3E}">
-        <p14:creationId xmlns:p14="http://schemas.microsoft.com/office/powerpoint/2010/main" val="2517890914"/>
+        <p14:creationId xmlns:p14="http://schemas.microsoft.com/office/powerpoint/2010/main" val="4251388887"/>
       </p:ext>
     </p:extLst>
   </p:cSld>
@@ -13695,292 +14879,64 @@
           <a:chExt cx="0" cy="0"/>
         </a:xfrm>
       </p:grpSpPr>
-      <p:sp>
-        <p:nvSpPr>
-          <p:cNvPr id="2" name="CasellaDiTesto 1"/>
-          <p:cNvSpPr txBox="1"/>
+      <p:pic>
+        <p:nvPicPr>
+          <p:cNvPr id="2" name="Immagine 1" descr="schematic ADP-01 (1).png"/>
+          <p:cNvPicPr>
+            <a:picLocks noChangeAspect="1"/>
+          </p:cNvPicPr>
           <p:nvPr/>
-        </p:nvSpPr>
-        <p:spPr>
-          <a:xfrm>
-            <a:off x="458659" y="903523"/>
-            <a:ext cx="7008941" cy="369332"/>
+        </p:nvPicPr>
+        <p:blipFill>
+          <a:blip r:embed="rId3"/>
+          <a:stretch>
+            <a:fillRect/>
+          </a:stretch>
+        </p:blipFill>
+        <p:spPr>
+          <a:xfrm>
+            <a:off x="1036949" y="905097"/>
+            <a:ext cx="10284643" cy="5769326"/>
           </a:xfrm>
           <a:prstGeom prst="rect">
             <a:avLst/>
           </a:prstGeom>
         </p:spPr>
-        <p:txBody>
-          <a:bodyPr rtlCol="0">
+      </p:pic>
+      <p:sp>
+        <p:nvSpPr>
+          <p:cNvPr id="3" name="CasellaDiTesto 2"/>
+          <p:cNvSpPr txBox="1"/>
+          <p:nvPr/>
+        </p:nvSpPr>
+        <p:spPr>
+          <a:xfrm>
+            <a:off x="2809187" y="207390"/>
+            <a:ext cx="6896247" cy="584775"/>
+          </a:xfrm>
+          <a:prstGeom prst="rect">
+            <a:avLst/>
+          </a:prstGeom>
+          <a:noFill/>
+        </p:spPr>
+        <p:txBody>
+          <a:bodyPr wrap="none" rtlCol="0">
             <a:spAutoFit/>
           </a:bodyPr>
           <a:lstStyle/>
           <a:p>
-            <a:pPr algn="ctr"/>
-            <a:endParaRPr lang="it-IT" dirty="0">
-              <a:solidFill>
-                <a:srgbClr val="212121"/>
-              </a:solidFill>
-              <a:latin typeface="Consolas" charset="0"/>
-            </a:endParaRPr>
-          </a:p>
-        </p:txBody>
-      </p:sp>
-      <p:sp>
-        <p:nvSpPr>
-          <p:cNvPr id="4" name="CasellaDiTesto 3"/>
-          <p:cNvSpPr txBox="1"/>
-          <p:nvPr/>
-        </p:nvSpPr>
-        <p:spPr>
-          <a:xfrm>
-            <a:off x="606425" y="968375"/>
-            <a:ext cx="11439525" cy="6155531"/>
-          </a:xfrm>
-          <a:prstGeom prst="rect">
-            <a:avLst/>
-          </a:prstGeom>
-        </p:spPr>
-        <p:txBody>
-          <a:bodyPr rtlCol="0">
-            <a:spAutoFit/>
-          </a:bodyPr>
-          <a:lstStyle/>
-          <a:p>
-            <a:r>
-              <a:rPr lang="it-IT" sz="4000" b="1" dirty="0">
-                <a:latin typeface="Trebuchet MS" charset="0"/>
-              </a:rPr>
-              <a:t>I2Cdev </a:t>
-            </a:r>
-            <a:r>
-              <a:rPr lang="it-IT" sz="4000" b="1" dirty="0" err="1">
-                <a:latin typeface="Trebuchet MS" charset="0"/>
-              </a:rPr>
-              <a:t>library</a:t>
-            </a:r>
-            <a:r>
-              <a:rPr lang="it-IT" sz="4000" b="1" dirty="0">
-                <a:latin typeface="Trebuchet MS" charset="0"/>
-              </a:rPr>
-              <a:t> </a:t>
-            </a:r>
-            <a:r>
-              <a:rPr lang="it-IT" sz="4000" b="1" dirty="0" err="1">
-                <a:latin typeface="Trebuchet MS" charset="0"/>
-              </a:rPr>
-              <a:t>collection</a:t>
-            </a:r>
-            <a:r>
-              <a:rPr lang="it-IT" sz="4000" b="1" dirty="0">
-                <a:latin typeface="Trebuchet MS" charset="0"/>
-              </a:rPr>
-              <a:t>  </a:t>
-            </a:r>
-          </a:p>
-          <a:p>
-            <a:pPr marL="457200" indent="-457200">
-              <a:buFont typeface="Arial" panose="020B0604020202020204" pitchFamily="34" charset="0"/>
-              <a:buChar char="•"/>
-            </a:pPr>
-            <a:endParaRPr lang="it-IT" sz="2800" dirty="0">
-              <a:latin typeface="Trebuchet MS" charset="0"/>
-            </a:endParaRPr>
-          </a:p>
-          <a:p>
-            <a:pPr marL="457200" indent="-457200">
-              <a:buFont typeface="Arial" panose="020B0604020202020204" pitchFamily="34" charset="0"/>
-              <a:buChar char="•"/>
-            </a:pPr>
-            <a:r>
-              <a:rPr lang="it-IT" sz="2800" dirty="0">
-                <a:latin typeface="Trebuchet MS" charset="0"/>
-              </a:rPr>
-              <a:t>MPU6050 I2C </a:t>
-            </a:r>
-            <a:r>
-              <a:rPr lang="it-IT" sz="2800" dirty="0" err="1">
-                <a:latin typeface="Trebuchet MS" charset="0"/>
-              </a:rPr>
-              <a:t>device</a:t>
-            </a:r>
-            <a:r>
-              <a:rPr lang="it-IT" sz="2800" dirty="0">
-                <a:latin typeface="Trebuchet MS" charset="0"/>
-              </a:rPr>
-              <a:t> </a:t>
-            </a:r>
-            <a:r>
-              <a:rPr lang="it-IT" sz="2800" dirty="0" err="1">
-                <a:latin typeface="Trebuchet MS" charset="0"/>
-              </a:rPr>
-              <a:t>classBased</a:t>
-            </a:r>
-            <a:r>
-              <a:rPr lang="it-IT" sz="2800" dirty="0">
-                <a:latin typeface="Trebuchet MS" charset="0"/>
-              </a:rPr>
-              <a:t> on </a:t>
-            </a:r>
-            <a:r>
-              <a:rPr lang="it-IT" sz="2800" dirty="0" err="1">
-                <a:latin typeface="Trebuchet MS" charset="0"/>
-              </a:rPr>
-              <a:t>InvenSense</a:t>
-            </a:r>
-            <a:r>
-              <a:rPr lang="it-IT" sz="2800" dirty="0">
-                <a:latin typeface="Trebuchet MS" charset="0"/>
-              </a:rPr>
-              <a:t> MPU-6050 </a:t>
-            </a:r>
-            <a:r>
-              <a:rPr lang="it-IT" sz="2800" dirty="0" err="1">
-                <a:latin typeface="Trebuchet MS" charset="0"/>
-              </a:rPr>
-              <a:t>register</a:t>
-            </a:r>
-            <a:r>
-              <a:rPr lang="it-IT" sz="2800" dirty="0">
-                <a:latin typeface="Trebuchet MS" charset="0"/>
-              </a:rPr>
-              <a:t> </a:t>
-            </a:r>
-            <a:r>
-              <a:rPr lang="it-IT" sz="2800" dirty="0" err="1">
-                <a:latin typeface="Trebuchet MS" charset="0"/>
-              </a:rPr>
-              <a:t>map</a:t>
-            </a:r>
-            <a:r>
-              <a:rPr lang="it-IT" sz="2800" dirty="0">
-                <a:latin typeface="Trebuchet MS" charset="0"/>
-              </a:rPr>
-              <a:t> </a:t>
-            </a:r>
-            <a:r>
-              <a:rPr lang="it-IT" sz="2800" dirty="0" err="1">
-                <a:latin typeface="Trebuchet MS" charset="0"/>
-              </a:rPr>
-              <a:t>document</a:t>
-            </a:r>
-            <a:r>
-              <a:rPr lang="it-IT" sz="2800" dirty="0">
-                <a:latin typeface="Trebuchet MS" charset="0"/>
-              </a:rPr>
-              <a:t> rev. 2.0, 5/19/2011 (RM-MPU-6000A-00) </a:t>
-            </a:r>
-          </a:p>
-          <a:p>
-            <a:r>
-              <a:rPr lang="it-IT" sz="2800" dirty="0">
-                <a:latin typeface="Trebuchet MS" charset="0"/>
-              </a:rPr>
-              <a:t> </a:t>
-            </a:r>
-          </a:p>
-          <a:p>
-            <a:pPr marL="457200" indent="-457200">
-              <a:buFont typeface="Arial" panose="020B0604020202020204" pitchFamily="34" charset="0"/>
-              <a:buChar char="•"/>
-            </a:pPr>
-            <a:r>
-              <a:rPr lang="it-IT" sz="2800" dirty="0">
-                <a:latin typeface="Trebuchet MS" charset="0"/>
-              </a:rPr>
-              <a:t>Contiene una libreria molto </a:t>
-            </a:r>
-            <a:r>
-              <a:rPr lang="it-IT" sz="2800" dirty="0" smtClean="0">
-                <a:latin typeface="Trebuchet MS" charset="0"/>
-              </a:rPr>
-              <a:t>completa </a:t>
-            </a:r>
-            <a:r>
-              <a:rPr lang="it-IT" sz="2800" dirty="0">
-                <a:latin typeface="Trebuchet MS" charset="0"/>
-              </a:rPr>
-              <a:t>per la gestione </a:t>
-            </a:r>
-            <a:r>
-              <a:rPr lang="it-IT" sz="2800" dirty="0" smtClean="0">
-                <a:latin typeface="Trebuchet MS" charset="0"/>
-              </a:rPr>
-              <a:t>del modulo </a:t>
-            </a:r>
-            <a:r>
-              <a:rPr lang="it-IT" sz="2800" dirty="0">
-                <a:latin typeface="Trebuchet MS" charset="0"/>
-              </a:rPr>
-              <a:t>accelerometro MPU6050. </a:t>
-            </a:r>
-          </a:p>
-          <a:p>
-            <a:pPr marL="457200" indent="-457200">
-              <a:buFont typeface="Arial" panose="020B0604020202020204" pitchFamily="34" charset="0"/>
-              <a:buChar char="•"/>
-            </a:pPr>
-            <a:endParaRPr lang="it-IT" sz="2800" dirty="0">
-              <a:latin typeface="Trebuchet MS" charset="0"/>
-            </a:endParaRPr>
-          </a:p>
-          <a:p>
-            <a:pPr marL="457200" indent="-457200">
-              <a:buFont typeface="Arial" panose="020B0604020202020204" pitchFamily="34" charset="0"/>
-              <a:buChar char="•"/>
-            </a:pPr>
-            <a:r>
-              <a:rPr lang="it-IT" sz="2800" dirty="0">
-                <a:latin typeface="Trebuchet MS" charset="0"/>
-              </a:rPr>
-              <a:t>Nei prototipi è stata drasticamente privata di molte funzioni non ritenute essenziali per chiarezza e per risparmiare spazio. </a:t>
-            </a:r>
-            <a:endParaRPr lang="it-IT" sz="2800" dirty="0" smtClean="0">
-              <a:latin typeface="Trebuchet MS" charset="0"/>
-            </a:endParaRPr>
-          </a:p>
-          <a:p>
-            <a:pPr marL="457200" indent="-457200">
-              <a:buFont typeface="Arial" panose="020B0604020202020204" pitchFamily="34" charset="0"/>
-              <a:buChar char="•"/>
-            </a:pPr>
-            <a:endParaRPr lang="it-IT" sz="2800" dirty="0" smtClean="0">
-              <a:latin typeface="Trebuchet MS" charset="0"/>
-            </a:endParaRPr>
-          </a:p>
-          <a:p>
-            <a:pPr marL="457200" indent="-457200">
-              <a:buFont typeface="Arial" panose="020B0604020202020204" pitchFamily="34" charset="0"/>
-              <a:buChar char="•"/>
-            </a:pPr>
-            <a:r>
-              <a:rPr lang="it-IT" sz="2800" dirty="0" smtClean="0">
-                <a:latin typeface="Trebuchet MS" charset="0"/>
-              </a:rPr>
-              <a:t>Sito: https</a:t>
-            </a:r>
-            <a:r>
-              <a:rPr lang="it-IT" sz="2800" dirty="0">
-                <a:latin typeface="Trebuchet MS" charset="0"/>
-              </a:rPr>
-              <a:t>://github.com/jrowberg/i2cdevlib/tree/master/Arduino</a:t>
-            </a:r>
-          </a:p>
-          <a:p>
-            <a:endParaRPr lang="it-IT" sz="2800" dirty="0">
-              <a:latin typeface="Trebuchet MS" charset="0"/>
-            </a:endParaRPr>
-          </a:p>
-          <a:p>
-            <a:pPr algn="ctr"/>
-            <a:endParaRPr lang="it-IT" dirty="0"/>
+            <a:r>
+              <a:rPr lang="it-IT" sz="3200" dirty="0" smtClean="0"/>
+              <a:t>Schema elettrico del modulo ADP-01</a:t>
+            </a:r>
+            <a:endParaRPr lang="it-IT" sz="3200" dirty="0"/>
           </a:p>
         </p:txBody>
       </p:sp>
     </p:spTree>
     <p:extLst>
       <p:ext uri="{BB962C8B-B14F-4D97-AF65-F5344CB8AC3E}">
-        <p14:creationId xmlns:p14="http://schemas.microsoft.com/office/powerpoint/2010/main" val="1238224736"/>
+        <p14:creationId xmlns:p14="http://schemas.microsoft.com/office/powerpoint/2010/main" val="330378943"/>
       </p:ext>
     </p:extLst>
   </p:cSld>
@@ -14188,23 +15144,79 @@
         </p:nvSpPr>
         <p:spPr>
           <a:xfrm>
-            <a:off x="190402" y="0"/>
-            <a:ext cx="10218738" cy="6924973"/>
+            <a:off x="458659" y="903523"/>
+            <a:ext cx="7008941" cy="369332"/>
           </a:xfrm>
           <a:prstGeom prst="rect">
             <a:avLst/>
           </a:prstGeom>
-          <a:noFill/>
-        </p:spPr>
-        <p:txBody>
-          <a:bodyPr wrap="square" rtlCol="0" anchor="t">
+        </p:spPr>
+        <p:txBody>
+          <a:bodyPr rtlCol="0">
             <a:spAutoFit/>
           </a:bodyPr>
           <a:lstStyle/>
           <a:p>
-            <a:r>
-              <a:rPr lang="it-IT" sz="4000" dirty="0"/>
-              <a:t>ESP8266wifi</a:t>
+            <a:pPr algn="ctr"/>
+            <a:endParaRPr lang="it-IT" dirty="0">
+              <a:solidFill>
+                <a:srgbClr val="212121"/>
+              </a:solidFill>
+              <a:latin typeface="Consolas" charset="0"/>
+            </a:endParaRPr>
+          </a:p>
+        </p:txBody>
+      </p:sp>
+      <p:sp>
+        <p:nvSpPr>
+          <p:cNvPr id="4" name="CasellaDiTesto 3"/>
+          <p:cNvSpPr txBox="1"/>
+          <p:nvPr/>
+        </p:nvSpPr>
+        <p:spPr>
+          <a:xfrm>
+            <a:off x="606425" y="968375"/>
+            <a:ext cx="11439525" cy="6155531"/>
+          </a:xfrm>
+          <a:prstGeom prst="rect">
+            <a:avLst/>
+          </a:prstGeom>
+        </p:spPr>
+        <p:txBody>
+          <a:bodyPr rtlCol="0">
+            <a:spAutoFit/>
+          </a:bodyPr>
+          <a:lstStyle/>
+          <a:p>
+            <a:r>
+              <a:rPr lang="it-IT" sz="4000" b="1" dirty="0">
+                <a:latin typeface="Trebuchet MS" charset="0"/>
+              </a:rPr>
+              <a:t>I2Cdev </a:t>
+            </a:r>
+            <a:r>
+              <a:rPr lang="it-IT" sz="4000" b="1" dirty="0" err="1">
+                <a:latin typeface="Trebuchet MS" charset="0"/>
+              </a:rPr>
+              <a:t>library</a:t>
+            </a:r>
+            <a:r>
+              <a:rPr lang="it-IT" sz="4000" b="1" dirty="0">
+                <a:latin typeface="Trebuchet MS" charset="0"/>
+              </a:rPr>
+              <a:t> </a:t>
+            </a:r>
+            <a:r>
+              <a:rPr lang="it-IT" sz="4000" b="1" dirty="0" err="1">
+                <a:latin typeface="Trebuchet MS" charset="0"/>
+              </a:rPr>
+              <a:t>collection</a:t>
+            </a:r>
+            <a:r>
+              <a:rPr lang="it-IT" sz="4000" b="1" dirty="0">
+                <a:latin typeface="Trebuchet MS" charset="0"/>
+              </a:rPr>
+              <a:t>  </a:t>
             </a:r>
           </a:p>
           <a:p>
@@ -14212,57 +15224,101 @@
               <a:buFont typeface="Arial" panose="020B0604020202020204" pitchFamily="34" charset="0"/>
               <a:buChar char="•"/>
             </a:pPr>
-            <a:r>
-              <a:rPr lang="it-IT" sz="2800" dirty="0"/>
-              <a:t>A </a:t>
-            </a:r>
-            <a:r>
-              <a:rPr lang="it-IT" sz="2800" dirty="0" err="1"/>
-              <a:t>simple</a:t>
-            </a:r>
-            <a:r>
-              <a:rPr lang="it-IT" sz="2800" dirty="0"/>
-              <a:t> ESP8266 Arduino </a:t>
-            </a:r>
-            <a:r>
-              <a:rPr lang="it-IT" sz="2800" dirty="0" err="1"/>
-              <a:t>library</a:t>
-            </a:r>
-            <a:r>
-              <a:rPr lang="it-IT" sz="2800" dirty="0"/>
-              <a:t> with </a:t>
-            </a:r>
-            <a:r>
-              <a:rPr lang="it-IT" sz="2800" dirty="0" err="1"/>
-              <a:t>built</a:t>
-            </a:r>
-            <a:r>
-              <a:rPr lang="it-IT" sz="2800" dirty="0"/>
-              <a:t> in re-</a:t>
-            </a:r>
-            <a:r>
-              <a:rPr lang="it-IT" sz="2800" dirty="0" err="1"/>
-              <a:t>connect</a:t>
-            </a:r>
-            <a:r>
-              <a:rPr lang="it-IT" sz="2800" dirty="0"/>
-              <a:t> </a:t>
-            </a:r>
-            <a:r>
-              <a:rPr lang="it-IT" sz="2800" dirty="0" err="1"/>
-              <a:t>functionality</a:t>
-            </a:r>
-            <a:r>
-              <a:rPr lang="it-IT" sz="2800" dirty="0"/>
-              <a:t>. https://github.com/ekstrand/ESP8266wifi</a:t>
-            </a:r>
+            <a:endParaRPr lang="it-IT" sz="2800" dirty="0">
+              <a:latin typeface="Trebuchet MS" charset="0"/>
+            </a:endParaRPr>
           </a:p>
           <a:p>
             <a:pPr marL="457200" indent="-457200">
               <a:buFont typeface="Arial" panose="020B0604020202020204" pitchFamily="34" charset="0"/>
               <a:buChar char="•"/>
             </a:pPr>
-            <a:endParaRPr lang="it-IT" sz="2800" dirty="0"/>
+            <a:r>
+              <a:rPr lang="it-IT" sz="2800" dirty="0">
+                <a:latin typeface="Trebuchet MS" charset="0"/>
+              </a:rPr>
+              <a:t>MPU6050 I2C </a:t>
+            </a:r>
+            <a:r>
+              <a:rPr lang="it-IT" sz="2800" dirty="0" err="1">
+                <a:latin typeface="Trebuchet MS" charset="0"/>
+              </a:rPr>
+              <a:t>device</a:t>
+            </a:r>
+            <a:r>
+              <a:rPr lang="it-IT" sz="2800" dirty="0">
+                <a:latin typeface="Trebuchet MS" charset="0"/>
+              </a:rPr>
+              <a:t> </a:t>
+            </a:r>
+            <a:r>
+              <a:rPr lang="it-IT" sz="2800" dirty="0" err="1">
+                <a:latin typeface="Trebuchet MS" charset="0"/>
+              </a:rPr>
+              <a:t>classBased</a:t>
+            </a:r>
+            <a:r>
+              <a:rPr lang="it-IT" sz="2800" dirty="0">
+                <a:latin typeface="Trebuchet MS" charset="0"/>
+              </a:rPr>
+              <a:t> on </a:t>
+            </a:r>
+            <a:r>
+              <a:rPr lang="it-IT" sz="2800" dirty="0" err="1">
+                <a:latin typeface="Trebuchet MS" charset="0"/>
+              </a:rPr>
+              <a:t>InvenSense</a:t>
+            </a:r>
+            <a:r>
+              <a:rPr lang="it-IT" sz="2800" dirty="0">
+                <a:latin typeface="Trebuchet MS" charset="0"/>
+              </a:rPr>
+              <a:t> MPU-6050 </a:t>
+            </a:r>
+            <a:r>
+              <a:rPr lang="it-IT" sz="2800" dirty="0" err="1">
+                <a:latin typeface="Trebuchet MS" charset="0"/>
+              </a:rPr>
+              <a:t>register</a:t>
+            </a:r>
+            <a:r>
+              <a:rPr lang="it-IT" sz="2800" dirty="0">
+                <a:latin typeface="Trebuchet MS" charset="0"/>
+              </a:rPr>
+              <a:t> </a:t>
+            </a:r>
+            <a:r>
+              <a:rPr lang="it-IT" sz="2800" dirty="0" err="1">
+                <a:latin typeface="Trebuchet MS" charset="0"/>
+              </a:rPr>
+              <a:t>map</a:t>
+            </a:r>
+            <a:r>
+              <a:rPr lang="it-IT" sz="2800" dirty="0">
+                <a:latin typeface="Trebuchet MS" charset="0"/>
+              </a:rPr>
+              <a:t> </a:t>
+            </a:r>
+            <a:r>
+              <a:rPr lang="it-IT" sz="2800" dirty="0" err="1">
+                <a:latin typeface="Trebuchet MS" charset="0"/>
+              </a:rPr>
+              <a:t>document</a:t>
+            </a:r>
+            <a:r>
+              <a:rPr lang="it-IT" sz="2800" dirty="0">
+                <a:latin typeface="Trebuchet MS" charset="0"/>
+              </a:rPr>
+              <a:t> rev. 2.0, 5/19/2011 (RM-MPU-6000A-00) </a:t>
+            </a:r>
+          </a:p>
+          <a:p>
+            <a:r>
+              <a:rPr lang="it-IT" sz="2800" dirty="0">
+                <a:latin typeface="Trebuchet MS" charset="0"/>
+              </a:rPr>
+              <a:t> </a:t>
+            </a:r>
           </a:p>
           <a:p>
             <a:pPr marL="457200" indent="-457200">
@@ -14270,57 +15326,44 @@
               <a:buChar char="•"/>
             </a:pPr>
             <a:r>
-              <a:rPr lang="it-IT" sz="2800" dirty="0"/>
-              <a:t>Particolarità: comandi AT memorizzati su area istruzioni per risparmiare spazio per i dati (tramite direttiva PROGMEM)</a:t>
-            </a:r>
-          </a:p>
-          <a:p>
-            <a:r>
-              <a:rPr lang="it-IT" sz="2800" dirty="0"/>
-              <a:t> </a:t>
-            </a:r>
-          </a:p>
-          <a:p>
-            <a:r>
-              <a:rPr lang="it-IT" sz="4000" dirty="0" err="1"/>
-              <a:t>Fishino</a:t>
-            </a:r>
-            <a:r>
-              <a:rPr lang="it-IT" sz="4000" dirty="0"/>
-              <a:t> </a:t>
-            </a:r>
-            <a:r>
-              <a:rPr lang="it-IT" sz="4000" dirty="0" err="1"/>
-              <a:t>libraries</a:t>
-            </a:r>
-            <a:endParaRPr lang="it-IT" sz="4000" dirty="0"/>
+              <a:rPr lang="it-IT" sz="2800" dirty="0">
+                <a:latin typeface="Trebuchet MS" charset="0"/>
+              </a:rPr>
+              <a:t>Contiene una libreria molto </a:t>
+            </a:r>
+            <a:r>
+              <a:rPr lang="it-IT" sz="2800" dirty="0" smtClean="0">
+                <a:latin typeface="Trebuchet MS" charset="0"/>
+              </a:rPr>
+              <a:t>completa </a:t>
+            </a:r>
+            <a:r>
+              <a:rPr lang="it-IT" sz="2800" dirty="0">
+                <a:latin typeface="Trebuchet MS" charset="0"/>
+              </a:rPr>
+              <a:t>per la gestione </a:t>
+            </a:r>
+            <a:r>
+              <a:rPr lang="it-IT" sz="2800" dirty="0" smtClean="0">
+                <a:latin typeface="Trebuchet MS" charset="0"/>
+              </a:rPr>
+              <a:t>del modulo </a:t>
+            </a:r>
+            <a:r>
+              <a:rPr lang="it-IT" sz="2800" dirty="0">
+                <a:latin typeface="Trebuchet MS" charset="0"/>
+              </a:rPr>
+              <a:t>accelerometro MPU6050. </a:t>
+            </a:r>
           </a:p>
           <a:p>
             <a:pPr marL="457200" indent="-457200">
               <a:buFont typeface="Arial" panose="020B0604020202020204" pitchFamily="34" charset="0"/>
               <a:buChar char="•"/>
             </a:pPr>
-            <a:r>
-              <a:rPr lang="it-IT" sz="2800" dirty="0"/>
-              <a:t>Librerie della scheda </a:t>
-            </a:r>
-            <a:r>
-              <a:rPr lang="it-IT" sz="2800" dirty="0" err="1"/>
-              <a:t>arduino</a:t>
-            </a:r>
-            <a:r>
-              <a:rPr lang="it-IT" sz="2800" dirty="0"/>
-              <a:t> compatibile con il modulo WIFI ESP8266 integrato on </a:t>
-            </a:r>
-            <a:r>
-              <a:rPr lang="it-IT" sz="2800" dirty="0" err="1"/>
-              <a:t>board</a:t>
-            </a:r>
-            <a:r>
-              <a:rPr lang="it-IT" sz="2800" dirty="0"/>
-              <a:t>. </a:t>
-            </a:r>
-            <a:endParaRPr lang="it-IT" sz="2800" dirty="0" smtClean="0"/>
+            <a:endParaRPr lang="it-IT" sz="2800" dirty="0">
+              <a:latin typeface="Trebuchet MS" charset="0"/>
+            </a:endParaRPr>
           </a:p>
           <a:p>
             <a:pPr marL="457200" indent="-457200">
@@ -14328,62 +15371,57 @@
               <a:buChar char="•"/>
             </a:pPr>
             <a:r>
-              <a:rPr lang="it-IT" sz="2800" dirty="0" smtClean="0"/>
-              <a:t>Utilizzata </a:t>
-            </a:r>
-            <a:r>
-              <a:rPr lang="it-IT" sz="2800" dirty="0"/>
-              <a:t>per ottenere riferimenti per creare un </a:t>
-            </a:r>
-            <a:r>
-              <a:rPr lang="it-IT" sz="2800" dirty="0" err="1"/>
-              <a:t>wrapper</a:t>
-            </a:r>
-            <a:r>
-              <a:rPr lang="it-IT" sz="2800" dirty="0"/>
-              <a:t> della libreria ESP8266wifi che esponga le funzioni usuali delle librerie del modulo </a:t>
-            </a:r>
-            <a:r>
-              <a:rPr lang="it-IT" sz="2800" dirty="0" err="1"/>
-              <a:t>Etherner</a:t>
-            </a:r>
-            <a:r>
-              <a:rPr lang="it-IT" sz="2800" dirty="0"/>
-              <a:t> </a:t>
-            </a:r>
-            <a:r>
-              <a:rPr lang="it-IT" sz="2800" dirty="0" err="1"/>
-              <a:t>Shield</a:t>
-            </a:r>
-            <a:r>
-              <a:rPr lang="it-IT" sz="2800" dirty="0"/>
-              <a:t> di </a:t>
-            </a:r>
-            <a:r>
-              <a:rPr lang="it-IT" sz="2800" dirty="0" smtClean="0"/>
-              <a:t>Arduino. </a:t>
-            </a:r>
+              <a:rPr lang="it-IT" sz="2800" dirty="0">
+                <a:latin typeface="Trebuchet MS" charset="0"/>
+              </a:rPr>
+              <a:t>Nei prototipi è stata drasticamente privata di molte funzioni non ritenute essenziali per chiarezza e per risparmiare spazio. </a:t>
+            </a:r>
+            <a:endParaRPr lang="it-IT" sz="2800" dirty="0" smtClean="0">
+              <a:latin typeface="Trebuchet MS" charset="0"/>
+            </a:endParaRPr>
           </a:p>
           <a:p>
             <a:pPr marL="457200" indent="-457200">
               <a:buFont typeface="Arial" panose="020B0604020202020204" pitchFamily="34" charset="0"/>
               <a:buChar char="•"/>
             </a:pPr>
-            <a:r>
-              <a:rPr lang="it-IT" sz="2800" dirty="0" smtClean="0"/>
-              <a:t>Scaricabile </a:t>
-            </a:r>
-            <a:r>
-              <a:rPr lang="it-IT" sz="2800" dirty="0"/>
-              <a:t>presso: arduinohttp://fishino.it/en/download/</a:t>
-            </a:r>
+            <a:endParaRPr lang="it-IT" sz="2800" dirty="0" smtClean="0">
+              <a:latin typeface="Trebuchet MS" charset="0"/>
+            </a:endParaRPr>
+          </a:p>
+          <a:p>
+            <a:pPr marL="457200" indent="-457200">
+              <a:buFont typeface="Arial" panose="020B0604020202020204" pitchFamily="34" charset="0"/>
+              <a:buChar char="•"/>
+            </a:pPr>
+            <a:r>
+              <a:rPr lang="it-IT" sz="2800" dirty="0" smtClean="0">
+                <a:latin typeface="Trebuchet MS" charset="0"/>
+              </a:rPr>
+              <a:t>Sito: https</a:t>
+            </a:r>
+            <a:r>
+              <a:rPr lang="it-IT" sz="2800" dirty="0">
+                <a:latin typeface="Trebuchet MS" charset="0"/>
+              </a:rPr>
+              <a:t>://github.com/jrowberg/i2cdevlib/tree/master/Arduino</a:t>
+            </a:r>
+          </a:p>
+          <a:p>
+            <a:endParaRPr lang="it-IT" sz="2800" dirty="0">
+              <a:latin typeface="Trebuchet MS" charset="0"/>
+            </a:endParaRPr>
+          </a:p>
+          <a:p>
+            <a:pPr algn="ctr"/>
+            <a:endParaRPr lang="it-IT" dirty="0"/>
           </a:p>
         </p:txBody>
       </p:sp>
     </p:spTree>
     <p:extLst>
       <p:ext uri="{BB962C8B-B14F-4D97-AF65-F5344CB8AC3E}">
-        <p14:creationId xmlns:p14="http://schemas.microsoft.com/office/powerpoint/2010/main" val="363647099"/>
+        <p14:creationId xmlns:p14="http://schemas.microsoft.com/office/powerpoint/2010/main" val="1238224736"/>
       </p:ext>
     </p:extLst>
   </p:cSld>
@@ -14419,51 +15457,14 @@
       </p:grpSpPr>
       <p:sp>
         <p:nvSpPr>
-          <p:cNvPr id="2" name="Titolo 1"/>
-          <p:cNvSpPr>
-            <a:spLocks noGrp="1"/>
-          </p:cNvSpPr>
-          <p:nvPr>
-            <p:ph type="title"/>
-          </p:nvPr>
-        </p:nvSpPr>
-        <p:spPr>
-          <a:xfrm>
-            <a:off x="1" y="753228"/>
-            <a:ext cx="10294182" cy="1080938"/>
-          </a:xfrm>
-        </p:spPr>
-        <p:txBody>
-          <a:bodyPr>
-            <a:normAutofit fontScale="90000"/>
-          </a:bodyPr>
-          <a:lstStyle/>
-          <a:p>
-            <a:r>
-              <a:rPr lang="it-IT" sz="6700" dirty="0"/>
-              <a:t>Prototipi realizzati:</a:t>
-            </a:r>
-            <a:r>
-              <a:rPr lang="it-IT" dirty="0"/>
-              <a:t/>
-            </a:r>
-            <a:br>
-              <a:rPr lang="it-IT" dirty="0"/>
-            </a:br>
-            <a:endParaRPr lang="it-IT" dirty="0"/>
-          </a:p>
-        </p:txBody>
-      </p:sp>
-      <p:sp>
-        <p:nvSpPr>
-          <p:cNvPr id="3" name="CasellaDiTesto 2"/>
+          <p:cNvPr id="2" name="CasellaDiTesto 1"/>
           <p:cNvSpPr txBox="1"/>
           <p:nvPr/>
         </p:nvSpPr>
         <p:spPr>
           <a:xfrm>
-            <a:off x="87317" y="1631396"/>
-            <a:ext cx="9150950" cy="4924425"/>
+            <a:off x="190402" y="0"/>
+            <a:ext cx="10218738" cy="6924973"/>
           </a:xfrm>
           <a:prstGeom prst="rect">
             <a:avLst/>
@@ -14471,151 +15472,185 @@
           <a:noFill/>
         </p:spPr>
         <p:txBody>
-          <a:bodyPr wrap="square" rtlCol="0">
+          <a:bodyPr wrap="square" rtlCol="0" anchor="t">
             <a:spAutoFit/>
           </a:bodyPr>
           <a:lstStyle/>
           <a:p>
-            <a:endParaRPr lang="it-IT" dirty="0"/>
-          </a:p>
-          <a:p>
-            <a:r>
-              <a:rPr lang="it-IT" sz="2800" dirty="0"/>
-              <a:t>Particolarità</a:t>
-            </a:r>
-            <a:r>
-              <a:rPr lang="it-IT" sz="2400" dirty="0"/>
-              <a:t>: </a:t>
-            </a:r>
-          </a:p>
-          <a:p>
-            <a:pPr marL="342900" indent="-342900">
+            <a:r>
+              <a:rPr lang="it-IT" sz="4000" dirty="0"/>
+              <a:t>ESP8266wifi</a:t>
+            </a:r>
+          </a:p>
+          <a:p>
+            <a:pPr marL="457200" indent="-457200">
               <a:buFont typeface="Arial" panose="020B0604020202020204" pitchFamily="34" charset="0"/>
               <a:buChar char="•"/>
             </a:pPr>
             <a:r>
-              <a:rPr lang="it-IT" sz="2400" dirty="0"/>
-              <a:t>utilizzano l'accelerometro digitale </a:t>
-            </a:r>
-            <a:r>
-              <a:rPr lang="it-IT" sz="2400" dirty="0" smtClean="0"/>
-              <a:t>MPU6050</a:t>
-            </a:r>
-          </a:p>
-          <a:p>
-            <a:pPr marL="342900" indent="-342900">
+              <a:rPr lang="it-IT" sz="2800" dirty="0"/>
+              <a:t>A </a:t>
+            </a:r>
+            <a:r>
+              <a:rPr lang="it-IT" sz="2800" dirty="0" err="1"/>
+              <a:t>simple</a:t>
+            </a:r>
+            <a:r>
+              <a:rPr lang="it-IT" sz="2800" dirty="0"/>
+              <a:t> ESP8266 Arduino </a:t>
+            </a:r>
+            <a:r>
+              <a:rPr lang="it-IT" sz="2800" dirty="0" err="1"/>
+              <a:t>library</a:t>
+            </a:r>
+            <a:r>
+              <a:rPr lang="it-IT" sz="2800" dirty="0"/>
+              <a:t> with </a:t>
+            </a:r>
+            <a:r>
+              <a:rPr lang="it-IT" sz="2800" dirty="0" err="1"/>
+              <a:t>built</a:t>
+            </a:r>
+            <a:r>
+              <a:rPr lang="it-IT" sz="2800" dirty="0"/>
+              <a:t> in re-</a:t>
+            </a:r>
+            <a:r>
+              <a:rPr lang="it-IT" sz="2800" dirty="0" err="1"/>
+              <a:t>connect</a:t>
+            </a:r>
+            <a:r>
+              <a:rPr lang="it-IT" sz="2800" dirty="0"/>
+              <a:t> </a:t>
+            </a:r>
+            <a:r>
+              <a:rPr lang="it-IT" sz="2800" dirty="0" err="1"/>
+              <a:t>functionality</a:t>
+            </a:r>
+            <a:r>
+              <a:rPr lang="it-IT" sz="2800" dirty="0"/>
+              <a:t>. https://github.com/ekstrand/ESP8266wifi</a:t>
+            </a:r>
+          </a:p>
+          <a:p>
+            <a:pPr marL="457200" indent="-457200">
               <a:buFont typeface="Arial" panose="020B0604020202020204" pitchFamily="34" charset="0"/>
               <a:buChar char="•"/>
             </a:pPr>
-            <a:r>
-              <a:rPr lang="it-IT" sz="2400" dirty="0" smtClean="0"/>
-              <a:t>si </a:t>
-            </a:r>
-            <a:r>
-              <a:rPr lang="it-IT" sz="2400" dirty="0"/>
-              <a:t>collegano ad internet tramite il modulo </a:t>
-            </a:r>
-            <a:r>
-              <a:rPr lang="it-IT" sz="2400" dirty="0" err="1"/>
-              <a:t>wifi</a:t>
-            </a:r>
-            <a:r>
-              <a:rPr lang="it-IT" sz="2400" dirty="0"/>
-              <a:t> </a:t>
-            </a:r>
-            <a:r>
-              <a:rPr lang="it-IT" sz="2400" dirty="0" smtClean="0"/>
-              <a:t>ESP8266</a:t>
-            </a:r>
-          </a:p>
-          <a:p>
-            <a:pPr marL="342900" indent="-342900">
+            <a:endParaRPr lang="it-IT" sz="2800" dirty="0"/>
+          </a:p>
+          <a:p>
+            <a:pPr marL="457200" indent="-457200">
               <a:buFont typeface="Arial" panose="020B0604020202020204" pitchFamily="34" charset="0"/>
               <a:buChar char="•"/>
             </a:pPr>
             <a:r>
-              <a:rPr lang="it-IT" sz="2400" dirty="0" smtClean="0"/>
-              <a:t>implementano </a:t>
-            </a:r>
-            <a:r>
-              <a:rPr lang="it-IT" sz="2400" dirty="0"/>
-              <a:t>l'algoritmo rilevatore di soglia del prototipo </a:t>
-            </a:r>
-            <a:r>
-              <a:rPr lang="it-IT" sz="2400" dirty="0" err="1"/>
-              <a:t>seismocloud</a:t>
-            </a:r>
-            <a:r>
-              <a:rPr lang="it-IT" sz="2400" dirty="0"/>
-              <a:t> basato su </a:t>
-            </a:r>
-            <a:r>
-              <a:rPr lang="it-IT" sz="2400" dirty="0" err="1"/>
-              <a:t>raspberry</a:t>
-            </a:r>
-            <a:r>
-              <a:rPr lang="it-IT" sz="2400" dirty="0"/>
-              <a:t>/Galileo.</a:t>
-            </a:r>
-          </a:p>
-          <a:p>
-            <a:pPr marL="342900" indent="-342900">
+              <a:rPr lang="it-IT" sz="2800" dirty="0"/>
+              <a:t>Particolarità: comandi AT memorizzati su area istruzioni per risparmiare spazio per i dati (tramite direttiva PROGMEM)</a:t>
+            </a:r>
+          </a:p>
+          <a:p>
+            <a:r>
+              <a:rPr lang="it-IT" sz="2800" dirty="0"/>
+              <a:t> </a:t>
+            </a:r>
+          </a:p>
+          <a:p>
+            <a:r>
+              <a:rPr lang="it-IT" sz="4000" dirty="0" err="1"/>
+              <a:t>Fishino</a:t>
+            </a:r>
+            <a:r>
+              <a:rPr lang="it-IT" sz="4000" dirty="0"/>
+              <a:t> </a:t>
+            </a:r>
+            <a:r>
+              <a:rPr lang="it-IT" sz="4000" dirty="0" err="1"/>
+              <a:t>libraries</a:t>
+            </a:r>
+            <a:endParaRPr lang="it-IT" sz="4000" dirty="0"/>
+          </a:p>
+          <a:p>
+            <a:pPr marL="457200" indent="-457200">
               <a:buFont typeface="Arial" panose="020B0604020202020204" pitchFamily="34" charset="0"/>
               <a:buChar char="•"/>
             </a:pPr>
-            <a:endParaRPr lang="it-IT" sz="2400" dirty="0"/>
-          </a:p>
-          <a:p>
-            <a:pPr marL="342900" indent="-342900">
+            <a:r>
+              <a:rPr lang="it-IT" sz="2800" dirty="0"/>
+              <a:t>Librerie della scheda </a:t>
+            </a:r>
+            <a:r>
+              <a:rPr lang="it-IT" sz="2800" dirty="0" err="1"/>
+              <a:t>arduino</a:t>
+            </a:r>
+            <a:r>
+              <a:rPr lang="it-IT" sz="2800" dirty="0"/>
+              <a:t> compatibile con il modulo WIFI ESP8266 integrato on </a:t>
+            </a:r>
+            <a:r>
+              <a:rPr lang="it-IT" sz="2800" dirty="0" err="1"/>
+              <a:t>board</a:t>
+            </a:r>
+            <a:r>
+              <a:rPr lang="it-IT" sz="2800" dirty="0"/>
+              <a:t>. </a:t>
+            </a:r>
+            <a:endParaRPr lang="it-IT" sz="2800" dirty="0" smtClean="0"/>
+          </a:p>
+          <a:p>
+            <a:pPr marL="457200" indent="-457200">
               <a:buFont typeface="Arial" panose="020B0604020202020204" pitchFamily="34" charset="0"/>
               <a:buChar char="•"/>
             </a:pPr>
             <a:r>
-              <a:rPr lang="it-IT" sz="2400" dirty="0"/>
-              <a:t>Le librerie </a:t>
-            </a:r>
-            <a:r>
-              <a:rPr lang="it-IT" sz="2400" dirty="0" smtClean="0"/>
-              <a:t>necessarie (integrate </a:t>
-            </a:r>
-            <a:r>
-              <a:rPr lang="it-IT" sz="2400" dirty="0"/>
-              <a:t>e rimaneggiate rispetto alle originali) </a:t>
-            </a:r>
-            <a:r>
-              <a:rPr lang="it-IT" sz="2400" dirty="0" smtClean="0"/>
-              <a:t>sono </a:t>
-            </a:r>
-            <a:r>
-              <a:rPr lang="it-IT" sz="2400" dirty="0"/>
-              <a:t>già incluse nelle cartelle dei prototipi.</a:t>
-            </a:r>
-          </a:p>
-          <a:p>
-            <a:pPr marL="342900" indent="-342900">
+              <a:rPr lang="it-IT" sz="2800" dirty="0" smtClean="0"/>
+              <a:t>Utilizzata </a:t>
+            </a:r>
+            <a:r>
+              <a:rPr lang="it-IT" sz="2800" dirty="0"/>
+              <a:t>per ottenere riferimenti per creare un </a:t>
+            </a:r>
+            <a:r>
+              <a:rPr lang="it-IT" sz="2800" dirty="0" err="1"/>
+              <a:t>wrapper</a:t>
+            </a:r>
+            <a:r>
+              <a:rPr lang="it-IT" sz="2800" dirty="0"/>
+              <a:t> della libreria ESP8266wifi che esponga le funzioni usuali delle librerie del modulo </a:t>
+            </a:r>
+            <a:r>
+              <a:rPr lang="it-IT" sz="2800" dirty="0" err="1"/>
+              <a:t>Etherner</a:t>
+            </a:r>
+            <a:r>
+              <a:rPr lang="it-IT" sz="2800" dirty="0"/>
+              <a:t> </a:t>
+            </a:r>
+            <a:r>
+              <a:rPr lang="it-IT" sz="2800" dirty="0" err="1"/>
+              <a:t>Shield</a:t>
+            </a:r>
+            <a:r>
+              <a:rPr lang="it-IT" sz="2800" dirty="0"/>
+              <a:t> di </a:t>
+            </a:r>
+            <a:r>
+              <a:rPr lang="it-IT" sz="2800" dirty="0" smtClean="0"/>
+              <a:t>Arduino. </a:t>
+            </a:r>
+          </a:p>
+          <a:p>
+            <a:pPr marL="457200" indent="-457200">
               <a:buFont typeface="Arial" panose="020B0604020202020204" pitchFamily="34" charset="0"/>
               <a:buChar char="•"/>
             </a:pPr>
-            <a:endParaRPr lang="it-IT" sz="2400" dirty="0"/>
-          </a:p>
-          <a:p>
+            <a:r>
+              <a:rPr lang="it-IT" sz="2800" dirty="0" smtClean="0"/>
+              <a:t>Scaricabile </a:t>
+            </a:r>
             <a:r>
               <a:rPr lang="it-IT" sz="2800" dirty="0"/>
-              <a:t>Mancanze</a:t>
-            </a:r>
-            <a:r>
-              <a:rPr lang="it-IT" sz="2400" dirty="0"/>
-              <a:t>: </a:t>
-            </a:r>
-          </a:p>
-          <a:p>
-            <a:pPr marL="342900" indent="-342900">
-              <a:buFont typeface="Arial" panose="020B0604020202020204" pitchFamily="34" charset="0"/>
-              <a:buChar char="•"/>
-            </a:pPr>
-            <a:r>
-              <a:rPr lang="it-IT" sz="2400" dirty="0"/>
-              <a:t>attualmente non comunica al server la magnitudo dei terremoti ma si limita a mostrarla in locale. </a:t>
+              <a:t>presso: arduinohttp://fishino.it/en/download/</a:t>
             </a:r>
           </a:p>
         </p:txBody>
@@ -14623,7 +15658,7 @@
     </p:spTree>
     <p:extLst>
       <p:ext uri="{BB962C8B-B14F-4D97-AF65-F5344CB8AC3E}">
-        <p14:creationId xmlns:p14="http://schemas.microsoft.com/office/powerpoint/2010/main" val="3958621741"/>
+        <p14:creationId xmlns:p14="http://schemas.microsoft.com/office/powerpoint/2010/main" val="363647099"/>
       </p:ext>
     </p:extLst>
   </p:cSld>
@@ -14659,6 +15694,246 @@
       </p:grpSpPr>
       <p:sp>
         <p:nvSpPr>
+          <p:cNvPr id="2" name="Titolo 1"/>
+          <p:cNvSpPr>
+            <a:spLocks noGrp="1"/>
+          </p:cNvSpPr>
+          <p:nvPr>
+            <p:ph type="title"/>
+          </p:nvPr>
+        </p:nvSpPr>
+        <p:spPr>
+          <a:xfrm>
+            <a:off x="1" y="753228"/>
+            <a:ext cx="10294182" cy="1080938"/>
+          </a:xfrm>
+        </p:spPr>
+        <p:txBody>
+          <a:bodyPr>
+            <a:normAutofit fontScale="90000"/>
+          </a:bodyPr>
+          <a:lstStyle/>
+          <a:p>
+            <a:r>
+              <a:rPr lang="it-IT" sz="6700" dirty="0"/>
+              <a:t>Prototipi realizzati:</a:t>
+            </a:r>
+            <a:r>
+              <a:rPr lang="it-IT" dirty="0"/>
+              <a:t/>
+            </a:r>
+            <a:br>
+              <a:rPr lang="it-IT" dirty="0"/>
+            </a:br>
+            <a:endParaRPr lang="it-IT" dirty="0"/>
+          </a:p>
+        </p:txBody>
+      </p:sp>
+      <p:sp>
+        <p:nvSpPr>
+          <p:cNvPr id="3" name="CasellaDiTesto 2"/>
+          <p:cNvSpPr txBox="1"/>
+          <p:nvPr/>
+        </p:nvSpPr>
+        <p:spPr>
+          <a:xfrm>
+            <a:off x="87317" y="1631396"/>
+            <a:ext cx="9150950" cy="4924425"/>
+          </a:xfrm>
+          <a:prstGeom prst="rect">
+            <a:avLst/>
+          </a:prstGeom>
+          <a:noFill/>
+        </p:spPr>
+        <p:txBody>
+          <a:bodyPr wrap="square" rtlCol="0">
+            <a:spAutoFit/>
+          </a:bodyPr>
+          <a:lstStyle/>
+          <a:p>
+            <a:endParaRPr lang="it-IT" dirty="0"/>
+          </a:p>
+          <a:p>
+            <a:r>
+              <a:rPr lang="it-IT" sz="2800" dirty="0"/>
+              <a:t>Particolarità</a:t>
+            </a:r>
+            <a:r>
+              <a:rPr lang="it-IT" sz="2400" dirty="0"/>
+              <a:t>: </a:t>
+            </a:r>
+          </a:p>
+          <a:p>
+            <a:pPr marL="342900" indent="-342900">
+              <a:buFont typeface="Arial" panose="020B0604020202020204" pitchFamily="34" charset="0"/>
+              <a:buChar char="•"/>
+            </a:pPr>
+            <a:r>
+              <a:rPr lang="it-IT" sz="2400" dirty="0"/>
+              <a:t>utilizzano l'accelerometro digitale </a:t>
+            </a:r>
+            <a:r>
+              <a:rPr lang="it-IT" sz="2400" dirty="0" smtClean="0"/>
+              <a:t>MPU6050</a:t>
+            </a:r>
+          </a:p>
+          <a:p>
+            <a:pPr marL="342900" indent="-342900">
+              <a:buFont typeface="Arial" panose="020B0604020202020204" pitchFamily="34" charset="0"/>
+              <a:buChar char="•"/>
+            </a:pPr>
+            <a:r>
+              <a:rPr lang="it-IT" sz="2400" dirty="0" smtClean="0"/>
+              <a:t>si </a:t>
+            </a:r>
+            <a:r>
+              <a:rPr lang="it-IT" sz="2400" dirty="0"/>
+              <a:t>collegano ad internet tramite il modulo </a:t>
+            </a:r>
+            <a:r>
+              <a:rPr lang="it-IT" sz="2400" dirty="0" err="1"/>
+              <a:t>wifi</a:t>
+            </a:r>
+            <a:r>
+              <a:rPr lang="it-IT" sz="2400" dirty="0"/>
+              <a:t> </a:t>
+            </a:r>
+            <a:r>
+              <a:rPr lang="it-IT" sz="2400" dirty="0" smtClean="0"/>
+              <a:t>ESP8266</a:t>
+            </a:r>
+          </a:p>
+          <a:p>
+            <a:pPr marL="342900" indent="-342900">
+              <a:buFont typeface="Arial" panose="020B0604020202020204" pitchFamily="34" charset="0"/>
+              <a:buChar char="•"/>
+            </a:pPr>
+            <a:r>
+              <a:rPr lang="it-IT" sz="2400" dirty="0" smtClean="0"/>
+              <a:t>implementano </a:t>
+            </a:r>
+            <a:r>
+              <a:rPr lang="it-IT" sz="2400" dirty="0"/>
+              <a:t>l'algoritmo rilevatore di soglia del prototipo </a:t>
+            </a:r>
+            <a:r>
+              <a:rPr lang="it-IT" sz="2400" dirty="0" err="1"/>
+              <a:t>seismocloud</a:t>
+            </a:r>
+            <a:r>
+              <a:rPr lang="it-IT" sz="2400" dirty="0"/>
+              <a:t> basato su </a:t>
+            </a:r>
+            <a:r>
+              <a:rPr lang="it-IT" sz="2400" dirty="0" err="1"/>
+              <a:t>raspberry</a:t>
+            </a:r>
+            <a:r>
+              <a:rPr lang="it-IT" sz="2400" dirty="0"/>
+              <a:t>/Galileo.</a:t>
+            </a:r>
+          </a:p>
+          <a:p>
+            <a:pPr marL="342900" indent="-342900">
+              <a:buFont typeface="Arial" panose="020B0604020202020204" pitchFamily="34" charset="0"/>
+              <a:buChar char="•"/>
+            </a:pPr>
+            <a:endParaRPr lang="it-IT" sz="2400" dirty="0"/>
+          </a:p>
+          <a:p>
+            <a:pPr marL="342900" indent="-342900">
+              <a:buFont typeface="Arial" panose="020B0604020202020204" pitchFamily="34" charset="0"/>
+              <a:buChar char="•"/>
+            </a:pPr>
+            <a:r>
+              <a:rPr lang="it-IT" sz="2400" dirty="0"/>
+              <a:t>Le librerie </a:t>
+            </a:r>
+            <a:r>
+              <a:rPr lang="it-IT" sz="2400" dirty="0" smtClean="0"/>
+              <a:t>necessarie (integrate </a:t>
+            </a:r>
+            <a:r>
+              <a:rPr lang="it-IT" sz="2400" dirty="0"/>
+              <a:t>e rimaneggiate rispetto alle originali) </a:t>
+            </a:r>
+            <a:r>
+              <a:rPr lang="it-IT" sz="2400" dirty="0" smtClean="0"/>
+              <a:t>sono </a:t>
+            </a:r>
+            <a:r>
+              <a:rPr lang="it-IT" sz="2400" dirty="0"/>
+              <a:t>già incluse nelle cartelle dei prototipi.</a:t>
+            </a:r>
+          </a:p>
+          <a:p>
+            <a:pPr marL="342900" indent="-342900">
+              <a:buFont typeface="Arial" panose="020B0604020202020204" pitchFamily="34" charset="0"/>
+              <a:buChar char="•"/>
+            </a:pPr>
+            <a:endParaRPr lang="it-IT" sz="2400" dirty="0"/>
+          </a:p>
+          <a:p>
+            <a:r>
+              <a:rPr lang="it-IT" sz="2800" dirty="0"/>
+              <a:t>Mancanze</a:t>
+            </a:r>
+            <a:r>
+              <a:rPr lang="it-IT" sz="2400" dirty="0"/>
+              <a:t>: </a:t>
+            </a:r>
+          </a:p>
+          <a:p>
+            <a:pPr marL="342900" indent="-342900">
+              <a:buFont typeface="Arial" panose="020B0604020202020204" pitchFamily="34" charset="0"/>
+              <a:buChar char="•"/>
+            </a:pPr>
+            <a:r>
+              <a:rPr lang="it-IT" sz="2400" dirty="0"/>
+              <a:t>attualmente non comunica al server la magnitudo dei terremoti ma si limita a mostrarla in locale. </a:t>
+            </a:r>
+          </a:p>
+        </p:txBody>
+      </p:sp>
+    </p:spTree>
+    <p:extLst>
+      <p:ext uri="{BB962C8B-B14F-4D97-AF65-F5344CB8AC3E}">
+        <p14:creationId xmlns:p14="http://schemas.microsoft.com/office/powerpoint/2010/main" val="3958621741"/>
+      </p:ext>
+    </p:extLst>
+  </p:cSld>
+  <p:clrMapOvr>
+    <a:masterClrMapping/>
+  </p:clrMapOvr>
+  <p:timing>
+    <p:tnLst>
+      <p:par>
+        <p:cTn id="1" dur="indefinite" restart="never" nodeType="tmRoot"/>
+      </p:par>
+    </p:tnLst>
+  </p:timing>
+</p:sld>
+</file>
+
+<file path=ppt/slides/slide25.xml><?xml version="1.0" encoding="utf-8"?>
+<p:sld xmlns:a="http://schemas.openxmlformats.org/drawingml/2006/main" xmlns:r="http://schemas.openxmlformats.org/officeDocument/2006/relationships" xmlns:p="http://schemas.openxmlformats.org/presentationml/2006/main">
+  <p:cSld>
+    <p:spTree>
+      <p:nvGrpSpPr>
+        <p:cNvPr id="1" name=""/>
+        <p:cNvGrpSpPr/>
+        <p:nvPr/>
+      </p:nvGrpSpPr>
+      <p:grpSpPr>
+        <a:xfrm>
+          <a:off x="0" y="0"/>
+          <a:ext cx="0" cy="0"/>
+          <a:chOff x="0" y="0"/>
+          <a:chExt cx="0" cy="0"/>
+        </a:xfrm>
+      </p:grpSpPr>
+      <p:sp>
+        <p:nvSpPr>
           <p:cNvPr id="2" name="CasellaDiTesto 1"/>
           <p:cNvSpPr txBox="1"/>
           <p:nvPr/>
@@ -14819,7 +16094,7 @@
 </p:sld>
 </file>
 
-<file path=ppt/slides/slide25.xml><?xml version="1.0" encoding="utf-8"?>
+<file path=ppt/slides/slide26.xml><?xml version="1.0" encoding="utf-8"?>
 <p:sld xmlns:a="http://schemas.openxmlformats.org/drawingml/2006/main" xmlns:r="http://schemas.openxmlformats.org/officeDocument/2006/relationships" xmlns:p="http://schemas.openxmlformats.org/presentationml/2006/main">
   <p:cSld>
     <p:spTree>
@@ -16104,7 +17379,7 @@
     </p:spTree>
     <p:extLst>
       <p:ext uri="{BB962C8B-B14F-4D97-AF65-F5344CB8AC3E}">
-        <p14:creationId xmlns:p14="http://schemas.microsoft.com/office/powerpoint/2010/main" val="2826079916"/>
+        <p14:creationId xmlns:p14="http://schemas.microsoft.com/office/powerpoint/2010/main" val="917993191"/>
       </p:ext>
     </p:extLst>
   </p:cSld>

--- a/files/seismoclouddevice-arduino-master/PROGGETTO SAPIENZA .pptx
+++ b/files/seismoclouddevice-arduino-master/PROGGETTO SAPIENZA .pptx
@@ -5,7 +5,7 @@
     <p:sldMasterId id="2147483648" r:id="rId1"/>
   </p:sldMasterIdLst>
   <p:notesMasterIdLst>
-    <p:notesMasterId r:id="rId28"/>
+    <p:notesMasterId r:id="rId29"/>
   </p:notesMasterIdLst>
   <p:sldIdLst>
     <p:sldId id="256" r:id="rId2"/>
@@ -28,12 +28,13 @@
     <p:sldId id="302" r:id="rId19"/>
     <p:sldId id="303" r:id="rId20"/>
     <p:sldId id="304" r:id="rId21"/>
-    <p:sldId id="271" r:id="rId22"/>
-    <p:sldId id="280" r:id="rId23"/>
-    <p:sldId id="269" r:id="rId24"/>
-    <p:sldId id="272" r:id="rId25"/>
-    <p:sldId id="270" r:id="rId26"/>
-    <p:sldId id="287" r:id="rId27"/>
+    <p:sldId id="307" r:id="rId22"/>
+    <p:sldId id="271" r:id="rId23"/>
+    <p:sldId id="280" r:id="rId24"/>
+    <p:sldId id="269" r:id="rId25"/>
+    <p:sldId id="272" r:id="rId26"/>
+    <p:sldId id="270" r:id="rId27"/>
+    <p:sldId id="287" r:id="rId28"/>
   </p:sldIdLst>
   <p:sldSz cx="12192000" cy="6858000"/>
   <p:notesSz cx="6858000" cy="9144000"/>
@@ -222,7 +223,7 @@
           <a:p>
             <a:fld id="{854F5F27-1D36-4DED-AE24-B7D7593B56C4}" type="datetimeFigureOut">
               <a:rPr lang="it-IT"/>
-              <a:t>16/05/2016</a:t>
+              <a:t>13/06/2016</a:t>
             </a:fld>
             <a:endParaRPr lang="it-IT"/>
           </a:p>
@@ -1752,7 +1753,7 @@
           <a:p>
             <a:fld id="{00FC836F-1977-4F79-94B7-B05073DDE4F0}" type="slidenum">
               <a:rPr lang="it-IT"/>
-              <a:t>21</a:t>
+              <a:t>22</a:t>
             </a:fld>
             <a:endParaRPr lang="it-IT"/>
           </a:p>
@@ -1836,7 +1837,7 @@
           <a:p>
             <a:fld id="{00FC836F-1977-4F79-94B7-B05073DDE4F0}" type="slidenum">
               <a:rPr lang="it-IT"/>
-              <a:t>22</a:t>
+              <a:t>23</a:t>
             </a:fld>
             <a:endParaRPr lang="it-IT"/>
           </a:p>
@@ -1920,7 +1921,7 @@
           <a:p>
             <a:fld id="{00FC836F-1977-4F79-94B7-B05073DDE4F0}" type="slidenum">
               <a:rPr lang="it-IT"/>
-              <a:t>23</a:t>
+              <a:t>24</a:t>
             </a:fld>
             <a:endParaRPr lang="it-IT"/>
           </a:p>
@@ -2004,7 +2005,7 @@
           <a:p>
             <a:fld id="{00FC836F-1977-4F79-94B7-B05073DDE4F0}" type="slidenum">
               <a:rPr lang="it-IT"/>
-              <a:t>24</a:t>
+              <a:t>25</a:t>
             </a:fld>
             <a:endParaRPr lang="it-IT"/>
           </a:p>
@@ -2088,7 +2089,7 @@
           <a:p>
             <a:fld id="{00FC836F-1977-4F79-94B7-B05073DDE4F0}" type="slidenum">
               <a:rPr lang="it-IT"/>
-              <a:t>25</a:t>
+              <a:t>26</a:t>
             </a:fld>
             <a:endParaRPr lang="it-IT"/>
           </a:p>
@@ -2969,7 +2970,7 @@
           <a:p>
             <a:fld id="{78ABE3C1-DBE1-495D-B57B-2849774B866A}" type="datetimeFigureOut">
               <a:rPr lang="en-US" dirty="0"/>
-              <a:t>5/16/2016</a:t>
+              <a:t>6/13/2016</a:t>
             </a:fld>
             <a:endParaRPr lang="en-US" dirty="0"/>
           </a:p>
@@ -3378,7 +3379,7 @@
           <a:p>
             <a:fld id="{446C117F-5CCF-4837-BE5F-2B92066CAFAF}" type="datetimeFigureOut">
               <a:rPr lang="en-US" dirty="0"/>
-              <a:t>5/16/2016</a:t>
+              <a:t>6/13/2016</a:t>
             </a:fld>
             <a:endParaRPr lang="en-US" dirty="0"/>
           </a:p>
@@ -3709,7 +3710,7 @@
           <a:p>
             <a:fld id="{84EB90BD-B6CE-46B7-997F-7313B992CCDC}" type="datetimeFigureOut">
               <a:rPr lang="en-US" dirty="0"/>
-              <a:t>5/16/2016</a:t>
+              <a:t>6/13/2016</a:t>
             </a:fld>
             <a:endParaRPr lang="en-US" dirty="0"/>
           </a:p>
@@ -4109,7 +4110,7 @@
           <a:p>
             <a:fld id="{CDB9D11F-B188-461D-B23F-39381795C052}" type="datetimeFigureOut">
               <a:rPr lang="en-US" dirty="0"/>
-              <a:t>5/16/2016</a:t>
+              <a:t>6/13/2016</a:t>
             </a:fld>
             <a:endParaRPr lang="en-US" dirty="0"/>
           </a:p>
@@ -4672,7 +4673,7 @@
           <a:p>
             <a:fld id="{52E6D8D9-55A2-4063-B0F3-121F44549695}" type="datetimeFigureOut">
               <a:rPr lang="en-US" dirty="0"/>
-              <a:t>5/16/2016</a:t>
+              <a:t>6/13/2016</a:t>
             </a:fld>
             <a:endParaRPr lang="en-US" dirty="0"/>
           </a:p>
@@ -5348,7 +5349,7 @@
           <a:p>
             <a:fld id="{D4B24536-994D-4021-A283-9F449C0DB509}" type="datetimeFigureOut">
               <a:rPr lang="en-US" dirty="0"/>
-              <a:t>5/16/2016</a:t>
+              <a:t>6/13/2016</a:t>
             </a:fld>
             <a:endParaRPr lang="en-US" dirty="0"/>
           </a:p>
@@ -6256,7 +6257,7 @@
           <a:p>
             <a:fld id="{3CBBBB78-C96F-47B7-AB17-D852CA960AC9}" type="datetimeFigureOut">
               <a:rPr lang="en-US" dirty="0"/>
-              <a:t>5/16/2016</a:t>
+              <a:t>6/13/2016</a:t>
             </a:fld>
             <a:endParaRPr lang="en-US" dirty="0"/>
           </a:p>
@@ -6564,7 +6565,7 @@
           <a:p>
             <a:fld id="{1FA3F48C-C7C6-4055-9F49-3777875E72AE}" type="datetimeFigureOut">
               <a:rPr lang="en-US" dirty="0"/>
-              <a:t>5/16/2016</a:t>
+              <a:t>6/13/2016</a:t>
             </a:fld>
             <a:endParaRPr lang="en-US" dirty="0"/>
           </a:p>
@@ -6823,7 +6824,7 @@
           <a:p>
             <a:fld id="{6178E61D-D431-422C-9764-11DAFE33AB63}" type="datetimeFigureOut">
               <a:rPr lang="en-US" dirty="0"/>
-              <a:t>5/16/2016</a:t>
+              <a:t>6/13/2016</a:t>
             </a:fld>
             <a:endParaRPr lang="en-US" dirty="0"/>
           </a:p>
@@ -7142,7 +7143,7 @@
           <a:p>
             <a:fld id="{12DE42F4-6EEF-4EF7-8ED4-2208F0F89A08}" type="datetimeFigureOut">
               <a:rPr lang="en-US" dirty="0"/>
-              <a:t>5/16/2016</a:t>
+              <a:t>6/13/2016</a:t>
             </a:fld>
             <a:endParaRPr lang="en-US" dirty="0"/>
           </a:p>
@@ -7526,7 +7527,7 @@
           <a:p>
             <a:fld id="{30578ACC-22D6-47C1-A373-4FD133E34F3C}" type="datetimeFigureOut">
               <a:rPr lang="en-US" dirty="0"/>
-              <a:t>5/16/2016</a:t>
+              <a:t>6/13/2016</a:t>
             </a:fld>
             <a:endParaRPr lang="en-US" dirty="0"/>
           </a:p>
@@ -7897,7 +7898,7 @@
           <a:p>
             <a:fld id="{4E5A6C69-6797-4E8A-BF37-F2C3751466E9}" type="datetimeFigureOut">
               <a:rPr lang="en-US" dirty="0"/>
-              <a:t>5/16/2016</a:t>
+              <a:t>6/13/2016</a:t>
             </a:fld>
             <a:endParaRPr lang="en-US" dirty="0"/>
           </a:p>
@@ -8398,7 +8399,7 @@
           <a:p>
             <a:fld id="{D82014A1-A632-4878-A0D3-F52BA7563730}" type="datetimeFigureOut">
               <a:rPr lang="en-US" dirty="0"/>
-              <a:t>5/16/2016</a:t>
+              <a:t>6/13/2016</a:t>
             </a:fld>
             <a:endParaRPr lang="en-US" dirty="0"/>
           </a:p>
@@ -8650,7 +8651,7 @@
           <a:p>
             <a:fld id="{CE99F462-093F-4566-844B-4C71F2739DA5}" type="datetimeFigureOut">
               <a:rPr lang="en-US" dirty="0"/>
-              <a:t>5/16/2016</a:t>
+              <a:t>6/13/2016</a:t>
             </a:fld>
             <a:endParaRPr lang="en-US" dirty="0"/>
           </a:p>
@@ -8808,7 +8809,7 @@
           <a:p>
             <a:fld id="{3D24A7AC-904D-4781-85BA-7D10C17ED021}" type="datetimeFigureOut">
               <a:rPr lang="en-US" dirty="0"/>
-              <a:t>5/16/2016</a:t>
+              <a:t>6/13/2016</a:t>
             </a:fld>
             <a:endParaRPr lang="en-US" dirty="0"/>
           </a:p>
@@ -9193,7 +9194,7 @@
           <a:p>
             <a:fld id="{E331444B-B92B-4E27-8C94-BB93EAF5CB18}" type="datetimeFigureOut">
               <a:rPr lang="en-US" dirty="0"/>
-              <a:t>5/16/2016</a:t>
+              <a:t>6/13/2016</a:t>
             </a:fld>
             <a:endParaRPr lang="en-US" dirty="0"/>
           </a:p>
@@ -9597,7 +9598,7 @@
           <a:p>
             <a:fld id="{363EFA5E-FA76-400D-B3DC-F0BA90E6D107}" type="datetimeFigureOut">
               <a:rPr lang="en-US" dirty="0"/>
-              <a:t>5/16/2016</a:t>
+              <a:t>6/13/2016</a:t>
             </a:fld>
             <a:endParaRPr lang="en-US" dirty="0"/>
           </a:p>
@@ -9836,7 +9837,7 @@
           <a:p>
             <a:fld id="{9D6E9DEC-419B-4CC5-A080-3B06BD5A8291}" type="datetimeFigureOut">
               <a:rPr lang="en-US" dirty="0"/>
-              <a:t>5/16/2016</a:t>
+              <a:t>6/13/2016</a:t>
             </a:fld>
             <a:endParaRPr lang="en-US" dirty="0"/>
           </a:p>
@@ -12442,7 +12443,6 @@
               <a:rPr lang="it-IT" sz="2400" dirty="0" smtClean="0"/>
               <a:t> dello sketch</a:t>
             </a:r>
-            <a:endParaRPr lang="it-IT" sz="2400" dirty="0" smtClean="0"/>
           </a:p>
           <a:p>
             <a:pPr marL="457200" indent="-457200">
@@ -14970,152 +14970,40 @@
           <a:chExt cx="0" cy="0"/>
         </a:xfrm>
       </p:grpSpPr>
-      <p:sp>
-        <p:nvSpPr>
-          <p:cNvPr id="2" name="Titolo 1"/>
-          <p:cNvSpPr>
-            <a:spLocks noGrp="1"/>
-          </p:cNvSpPr>
-          <p:nvPr>
-            <p:ph type="title"/>
-          </p:nvPr>
-        </p:nvSpPr>
-        <p:spPr>
-          <a:xfrm>
-            <a:off x="1" y="753228"/>
-            <a:ext cx="10294182" cy="1080938"/>
-          </a:xfrm>
-        </p:spPr>
-        <p:txBody>
-          <a:bodyPr>
-            <a:noAutofit/>
-          </a:bodyPr>
-          <a:lstStyle/>
-          <a:p>
-            <a:r>
-              <a:rPr lang="it-IT" sz="4000" dirty="0"/>
-              <a:t>Librerie di sviluppatori terzi adoperate</a:t>
-            </a:r>
-          </a:p>
-        </p:txBody>
-      </p:sp>
-      <p:sp>
-        <p:nvSpPr>
-          <p:cNvPr id="3" name="CasellaDiTesto 2"/>
-          <p:cNvSpPr txBox="1"/>
+      <p:pic>
+        <p:nvPicPr>
+          <p:cNvPr id="2" name="Immagine 1"/>
+          <p:cNvPicPr>
+            <a:picLocks noChangeAspect="1"/>
+          </p:cNvPicPr>
           <p:nvPr/>
-        </p:nvSpPr>
-        <p:spPr>
-          <a:xfrm>
-            <a:off x="115888" y="2403012"/>
-            <a:ext cx="11960225" cy="4555093"/>
+        </p:nvPicPr>
+        <p:blipFill>
+          <a:blip r:embed="rId2"/>
+          <a:stretch>
+            <a:fillRect/>
+          </a:stretch>
+        </p:blipFill>
+        <p:spPr>
+          <a:xfrm>
+            <a:off x="5205354" y="2161310"/>
+            <a:ext cx="6777269" cy="2618391"/>
           </a:xfrm>
           <a:prstGeom prst="rect">
             <a:avLst/>
           </a:prstGeom>
-          <a:noFill/>
-        </p:spPr>
-        <p:txBody>
-          <a:bodyPr wrap="square" rtlCol="0" anchor="t">
-            <a:spAutoFit/>
-          </a:bodyPr>
-          <a:lstStyle/>
-          <a:p>
-            <a:r>
-              <a:rPr lang="it-IT" sz="2800" dirty="0"/>
-              <a:t>WeeESP8266</a:t>
-            </a:r>
-          </a:p>
-          <a:p>
-            <a:pPr marL="457200" indent="-457200">
-              <a:buFont typeface="Arial" panose="020B0604020202020204" pitchFamily="34" charset="0"/>
-              <a:buChar char="•"/>
-            </a:pPr>
-            <a:endParaRPr lang="it-IT" sz="2800" dirty="0"/>
-          </a:p>
-          <a:p>
-            <a:pPr marL="457200" indent="-457200">
-              <a:buFont typeface="Arial" panose="020B0604020202020204" pitchFamily="34" charset="0"/>
-              <a:buChar char="•"/>
-            </a:pPr>
-            <a:r>
-              <a:rPr lang="it-IT" sz="2800" dirty="0" smtClean="0"/>
-              <a:t>Una libreria per </a:t>
-            </a:r>
-            <a:r>
-              <a:rPr lang="it-IT" sz="2800" dirty="0"/>
-              <a:t>Arduino </a:t>
-            </a:r>
-            <a:r>
-              <a:rPr lang="it-IT" sz="2800" dirty="0" smtClean="0"/>
-              <a:t>che fornisce una maniera semplice per manipolare il modulo ESP8266</a:t>
-            </a:r>
-            <a:r>
-              <a:rPr lang="it-IT" sz="2800" dirty="0"/>
-              <a:t>. </a:t>
-            </a:r>
-            <a:endParaRPr lang="it-IT" sz="2800" dirty="0" smtClean="0"/>
-          </a:p>
-          <a:p>
-            <a:pPr marL="457200" indent="-457200">
-              <a:buFont typeface="Arial" panose="020B0604020202020204" pitchFamily="34" charset="0"/>
-              <a:buChar char="•"/>
-            </a:pPr>
-            <a:r>
-              <a:rPr lang="it-IT" sz="2800" dirty="0" smtClean="0"/>
-              <a:t>Il </a:t>
-            </a:r>
-            <a:r>
-              <a:rPr lang="it-IT" sz="2800" dirty="0"/>
-              <a:t>codice sorgente può essere scaricato dal seguente link: https://github.com/itead/ITEADLIB_Arduino_WeeESP8266.</a:t>
-            </a:r>
-          </a:p>
-          <a:p>
-            <a:pPr marL="457200" indent="-457200">
-              <a:buFont typeface="Arial" panose="020B0604020202020204" pitchFamily="34" charset="0"/>
-              <a:buChar char="•"/>
-            </a:pPr>
-            <a:endParaRPr lang="it-IT" sz="2800" dirty="0"/>
-          </a:p>
-          <a:p>
-            <a:pPr marL="457200" indent="-457200">
-              <a:buFont typeface="Arial" panose="020B0604020202020204" pitchFamily="34" charset="0"/>
-              <a:buChar char="•"/>
-            </a:pPr>
-            <a:r>
-              <a:rPr lang="it-IT" sz="2800" dirty="0" smtClean="0"/>
-              <a:t>Particolarità: occupa molto spazio </a:t>
-            </a:r>
-            <a:r>
-              <a:rPr lang="it-IT" sz="2800" dirty="0"/>
-              <a:t>in memoria RAM, presumibilmente più rapida.</a:t>
-            </a:r>
-          </a:p>
-          <a:p>
-            <a:endParaRPr lang="it-IT" dirty="0"/>
-          </a:p>
-          <a:p>
-            <a:endParaRPr lang="it-IT" sz="2000" dirty="0"/>
-          </a:p>
-        </p:txBody>
-      </p:sp>
+        </p:spPr>
+      </p:pic>
     </p:spTree>
     <p:extLst>
       <p:ext uri="{BB962C8B-B14F-4D97-AF65-F5344CB8AC3E}">
-        <p14:creationId xmlns:p14="http://schemas.microsoft.com/office/powerpoint/2010/main" val="4034955394"/>
+        <p14:creationId xmlns:p14="http://schemas.microsoft.com/office/powerpoint/2010/main" val="2821541861"/>
       </p:ext>
     </p:extLst>
   </p:cSld>
   <p:clrMapOvr>
     <a:masterClrMapping/>
   </p:clrMapOvr>
-  <p:timing>
-    <p:tnLst>
-      <p:par>
-        <p:cTn id="1" dur="indefinite" restart="never" nodeType="tmRoot"/>
-      </p:par>
-    </p:tnLst>
-  </p:timing>
 </p:sld>
 </file>
 
@@ -15138,85 +15026,58 @@
       </p:grpSpPr>
       <p:sp>
         <p:nvSpPr>
-          <p:cNvPr id="2" name="CasellaDiTesto 1"/>
+          <p:cNvPr id="2" name="Titolo 1"/>
+          <p:cNvSpPr>
+            <a:spLocks noGrp="1"/>
+          </p:cNvSpPr>
+          <p:nvPr>
+            <p:ph type="title"/>
+          </p:nvPr>
+        </p:nvSpPr>
+        <p:spPr>
+          <a:xfrm>
+            <a:off x="1" y="753228"/>
+            <a:ext cx="10294182" cy="1080938"/>
+          </a:xfrm>
+        </p:spPr>
+        <p:txBody>
+          <a:bodyPr>
+            <a:noAutofit/>
+          </a:bodyPr>
+          <a:lstStyle/>
+          <a:p>
+            <a:r>
+              <a:rPr lang="it-IT" sz="4000" dirty="0"/>
+              <a:t>Librerie di sviluppatori terzi adoperate</a:t>
+            </a:r>
+          </a:p>
+        </p:txBody>
+      </p:sp>
+      <p:sp>
+        <p:nvSpPr>
+          <p:cNvPr id="3" name="CasellaDiTesto 2"/>
           <p:cNvSpPr txBox="1"/>
           <p:nvPr/>
         </p:nvSpPr>
         <p:spPr>
           <a:xfrm>
-            <a:off x="458659" y="903523"/>
-            <a:ext cx="7008941" cy="369332"/>
+            <a:off x="115888" y="2403012"/>
+            <a:ext cx="11960225" cy="4555093"/>
           </a:xfrm>
           <a:prstGeom prst="rect">
             <a:avLst/>
           </a:prstGeom>
-        </p:spPr>
-        <p:txBody>
-          <a:bodyPr rtlCol="0">
+          <a:noFill/>
+        </p:spPr>
+        <p:txBody>
+          <a:bodyPr wrap="square" rtlCol="0" anchor="t">
             <a:spAutoFit/>
           </a:bodyPr>
           <a:lstStyle/>
           <a:p>
-            <a:pPr algn="ctr"/>
-            <a:endParaRPr lang="it-IT" dirty="0">
-              <a:solidFill>
-                <a:srgbClr val="212121"/>
-              </a:solidFill>
-              <a:latin typeface="Consolas" charset="0"/>
-            </a:endParaRPr>
-          </a:p>
-        </p:txBody>
-      </p:sp>
-      <p:sp>
-        <p:nvSpPr>
-          <p:cNvPr id="4" name="CasellaDiTesto 3"/>
-          <p:cNvSpPr txBox="1"/>
-          <p:nvPr/>
-        </p:nvSpPr>
-        <p:spPr>
-          <a:xfrm>
-            <a:off x="606425" y="968375"/>
-            <a:ext cx="11439525" cy="6155531"/>
-          </a:xfrm>
-          <a:prstGeom prst="rect">
-            <a:avLst/>
-          </a:prstGeom>
-        </p:spPr>
-        <p:txBody>
-          <a:bodyPr rtlCol="0">
-            <a:spAutoFit/>
-          </a:bodyPr>
-          <a:lstStyle/>
-          <a:p>
-            <a:r>
-              <a:rPr lang="it-IT" sz="4000" b="1" dirty="0">
-                <a:latin typeface="Trebuchet MS" charset="0"/>
-              </a:rPr>
-              <a:t>I2Cdev </a:t>
-            </a:r>
-            <a:r>
-              <a:rPr lang="it-IT" sz="4000" b="1" dirty="0" err="1">
-                <a:latin typeface="Trebuchet MS" charset="0"/>
-              </a:rPr>
-              <a:t>library</a:t>
-            </a:r>
-            <a:r>
-              <a:rPr lang="it-IT" sz="4000" b="1" dirty="0">
-                <a:latin typeface="Trebuchet MS" charset="0"/>
-              </a:rPr>
-              <a:t> </a:t>
-            </a:r>
-            <a:r>
-              <a:rPr lang="it-IT" sz="4000" b="1" dirty="0" err="1">
-                <a:latin typeface="Trebuchet MS" charset="0"/>
-              </a:rPr>
-              <a:t>collection</a:t>
-            </a:r>
-            <a:r>
-              <a:rPr lang="it-IT" sz="4000" b="1" dirty="0">
-                <a:latin typeface="Trebuchet MS" charset="0"/>
-              </a:rPr>
-              <a:t>  </a:t>
+            <a:r>
+              <a:rPr lang="it-IT" sz="2800" dirty="0"/>
+              <a:t>WeeESP8266</a:t>
             </a:r>
           </a:p>
           <a:p>
@@ -15224,9 +15085,7 @@
               <a:buFont typeface="Arial" panose="020B0604020202020204" pitchFamily="34" charset="0"/>
               <a:buChar char="•"/>
             </a:pPr>
-            <a:endParaRPr lang="it-IT" sz="2800" dirty="0">
-              <a:latin typeface="Trebuchet MS" charset="0"/>
-            </a:endParaRPr>
+            <a:endParaRPr lang="it-IT" sz="2800" dirty="0"/>
           </a:p>
           <a:p>
             <a:pPr marL="457200" indent="-457200">
@@ -15234,91 +15093,22 @@
               <a:buChar char="•"/>
             </a:pPr>
             <a:r>
-              <a:rPr lang="it-IT" sz="2800" dirty="0">
-                <a:latin typeface="Trebuchet MS" charset="0"/>
-              </a:rPr>
-              <a:t>MPU6050 I2C </a:t>
-            </a:r>
-            <a:r>
-              <a:rPr lang="it-IT" sz="2800" dirty="0" err="1">
-                <a:latin typeface="Trebuchet MS" charset="0"/>
-              </a:rPr>
-              <a:t>device</a:t>
-            </a:r>
-            <a:r>
-              <a:rPr lang="it-IT" sz="2800" dirty="0">
-                <a:latin typeface="Trebuchet MS" charset="0"/>
-              </a:rPr>
-              <a:t> </a:t>
-            </a:r>
-            <a:r>
-              <a:rPr lang="it-IT" sz="2800" dirty="0" err="1">
-                <a:latin typeface="Trebuchet MS" charset="0"/>
-              </a:rPr>
-              <a:t>classBased</a:t>
-            </a:r>
-            <a:r>
-              <a:rPr lang="it-IT" sz="2800" dirty="0">
-                <a:latin typeface="Trebuchet MS" charset="0"/>
-              </a:rPr>
-              <a:t> on </a:t>
-            </a:r>
-            <a:r>
-              <a:rPr lang="it-IT" sz="2800" dirty="0" err="1">
-                <a:latin typeface="Trebuchet MS" charset="0"/>
-              </a:rPr>
-              <a:t>InvenSense</a:t>
-            </a:r>
-            <a:r>
-              <a:rPr lang="it-IT" sz="2800" dirty="0">
-                <a:latin typeface="Trebuchet MS" charset="0"/>
-              </a:rPr>
-              <a:t> MPU-6050 </a:t>
-            </a:r>
-            <a:r>
-              <a:rPr lang="it-IT" sz="2800" dirty="0" err="1">
-                <a:latin typeface="Trebuchet MS" charset="0"/>
-              </a:rPr>
-              <a:t>register</a:t>
-            </a:r>
-            <a:r>
-              <a:rPr lang="it-IT" sz="2800" dirty="0">
-                <a:latin typeface="Trebuchet MS" charset="0"/>
-              </a:rPr>
-              <a:t> </a:t>
-            </a:r>
-            <a:r>
-              <a:rPr lang="it-IT" sz="2800" dirty="0" err="1">
-                <a:latin typeface="Trebuchet MS" charset="0"/>
-              </a:rPr>
-              <a:t>map</a:t>
-            </a:r>
-            <a:r>
-              <a:rPr lang="it-IT" sz="2800" dirty="0">
-                <a:latin typeface="Trebuchet MS" charset="0"/>
-              </a:rPr>
-              <a:t> </a:t>
-            </a:r>
-            <a:r>
-              <a:rPr lang="it-IT" sz="2800" dirty="0" err="1">
-                <a:latin typeface="Trebuchet MS" charset="0"/>
-              </a:rPr>
-              <a:t>document</a:t>
-            </a:r>
-            <a:r>
-              <a:rPr lang="it-IT" sz="2800" dirty="0">
-                <a:latin typeface="Trebuchet MS" charset="0"/>
-              </a:rPr>
-              <a:t> rev. 2.0, 5/19/2011 (RM-MPU-6000A-00) </a:t>
-            </a:r>
-          </a:p>
-          <a:p>
-            <a:r>
-              <a:rPr lang="it-IT" sz="2800" dirty="0">
-                <a:latin typeface="Trebuchet MS" charset="0"/>
-              </a:rPr>
-              <a:t> </a:t>
-            </a:r>
+              <a:rPr lang="it-IT" sz="2800" dirty="0" smtClean="0"/>
+              <a:t>Una libreria per </a:t>
+            </a:r>
+            <a:r>
+              <a:rPr lang="it-IT" sz="2800" dirty="0"/>
+              <a:t>Arduino </a:t>
+            </a:r>
+            <a:r>
+              <a:rPr lang="it-IT" sz="2800" dirty="0" smtClean="0"/>
+              <a:t>che fornisce una maniera semplice per manipolare il modulo ESP8266</a:t>
+            </a:r>
+            <a:r>
+              <a:rPr lang="it-IT" sz="2800" dirty="0"/>
+              <a:t>. </a:t>
+            </a:r>
+            <a:endParaRPr lang="it-IT" sz="2800" dirty="0" smtClean="0"/>
           </a:p>
           <a:p>
             <a:pPr marL="457200" indent="-457200">
@@ -15326,34 +15116,12 @@
               <a:buChar char="•"/>
             </a:pPr>
             <a:r>
-              <a:rPr lang="it-IT" sz="2800" dirty="0">
-                <a:latin typeface="Trebuchet MS" charset="0"/>
-              </a:rPr>
-              <a:t>Contiene una libreria molto </a:t>
-            </a:r>
-            <a:r>
-              <a:rPr lang="it-IT" sz="2800" dirty="0" smtClean="0">
-                <a:latin typeface="Trebuchet MS" charset="0"/>
-              </a:rPr>
-              <a:t>completa </a:t>
-            </a:r>
-            <a:r>
-              <a:rPr lang="it-IT" sz="2800" dirty="0">
-                <a:latin typeface="Trebuchet MS" charset="0"/>
-              </a:rPr>
-              <a:t>per la gestione </a:t>
-            </a:r>
-            <a:r>
-              <a:rPr lang="it-IT" sz="2800" dirty="0" smtClean="0">
-                <a:latin typeface="Trebuchet MS" charset="0"/>
-              </a:rPr>
-              <a:t>del modulo </a:t>
-            </a:r>
-            <a:r>
-              <a:rPr lang="it-IT" sz="2800" dirty="0">
-                <a:latin typeface="Trebuchet MS" charset="0"/>
-              </a:rPr>
-              <a:t>accelerometro MPU6050. </a:t>
+              <a:rPr lang="it-IT" sz="2800" dirty="0" smtClean="0"/>
+              <a:t>Il </a:t>
+            </a:r>
+            <a:r>
+              <a:rPr lang="it-IT" sz="2800" dirty="0"/>
+              <a:t>codice sorgente può essere scaricato dal seguente link: https://github.com/itead/ITEADLIB_Arduino_WeeESP8266.</a:t>
             </a:r>
           </a:p>
           <a:p>
@@ -15361,9 +15129,7 @@
               <a:buFont typeface="Arial" panose="020B0604020202020204" pitchFamily="34" charset="0"/>
               <a:buChar char="•"/>
             </a:pPr>
-            <a:endParaRPr lang="it-IT" sz="2800" dirty="0">
-              <a:latin typeface="Trebuchet MS" charset="0"/>
-            </a:endParaRPr>
+            <a:endParaRPr lang="it-IT" sz="2800" dirty="0"/>
           </a:p>
           <a:p>
             <a:pPr marL="457200" indent="-457200">
@@ -15371,57 +15137,26 @@
               <a:buChar char="•"/>
             </a:pPr>
             <a:r>
-              <a:rPr lang="it-IT" sz="2800" dirty="0">
-                <a:latin typeface="Trebuchet MS" charset="0"/>
-              </a:rPr>
-              <a:t>Nei prototipi è stata drasticamente privata di molte funzioni non ritenute essenziali per chiarezza e per risparmiare spazio. </a:t>
-            </a:r>
-            <a:endParaRPr lang="it-IT" sz="2800" dirty="0" smtClean="0">
-              <a:latin typeface="Trebuchet MS" charset="0"/>
-            </a:endParaRPr>
-          </a:p>
-          <a:p>
-            <a:pPr marL="457200" indent="-457200">
-              <a:buFont typeface="Arial" panose="020B0604020202020204" pitchFamily="34" charset="0"/>
-              <a:buChar char="•"/>
-            </a:pPr>
-            <a:endParaRPr lang="it-IT" sz="2800" dirty="0" smtClean="0">
-              <a:latin typeface="Trebuchet MS" charset="0"/>
-            </a:endParaRPr>
-          </a:p>
-          <a:p>
-            <a:pPr marL="457200" indent="-457200">
-              <a:buFont typeface="Arial" panose="020B0604020202020204" pitchFamily="34" charset="0"/>
-              <a:buChar char="•"/>
-            </a:pPr>
-            <a:r>
-              <a:rPr lang="it-IT" sz="2800" dirty="0" smtClean="0">
-                <a:latin typeface="Trebuchet MS" charset="0"/>
-              </a:rPr>
-              <a:t>Sito: https</a:t>
-            </a:r>
-            <a:r>
-              <a:rPr lang="it-IT" sz="2800" dirty="0">
-                <a:latin typeface="Trebuchet MS" charset="0"/>
-              </a:rPr>
-              <a:t>://github.com/jrowberg/i2cdevlib/tree/master/Arduino</a:t>
-            </a:r>
-          </a:p>
-          <a:p>
-            <a:endParaRPr lang="it-IT" sz="2800" dirty="0">
-              <a:latin typeface="Trebuchet MS" charset="0"/>
-            </a:endParaRPr>
-          </a:p>
-          <a:p>
-            <a:pPr algn="ctr"/>
+              <a:rPr lang="it-IT" sz="2800" dirty="0" smtClean="0"/>
+              <a:t>Particolarità: occupa molto spazio </a:t>
+            </a:r>
+            <a:r>
+              <a:rPr lang="it-IT" sz="2800" dirty="0"/>
+              <a:t>in memoria RAM, presumibilmente più rapida.</a:t>
+            </a:r>
+          </a:p>
+          <a:p>
             <a:endParaRPr lang="it-IT" dirty="0"/>
+          </a:p>
+          <a:p>
+            <a:endParaRPr lang="it-IT" sz="2000" dirty="0"/>
           </a:p>
         </p:txBody>
       </p:sp>
     </p:spTree>
     <p:extLst>
       <p:ext uri="{BB962C8B-B14F-4D97-AF65-F5344CB8AC3E}">
-        <p14:creationId xmlns:p14="http://schemas.microsoft.com/office/powerpoint/2010/main" val="1238224736"/>
+        <p14:creationId xmlns:p14="http://schemas.microsoft.com/office/powerpoint/2010/main" val="4034955394"/>
       </p:ext>
     </p:extLst>
   </p:cSld>
@@ -15463,23 +15198,79 @@
         </p:nvSpPr>
         <p:spPr>
           <a:xfrm>
-            <a:off x="190402" y="0"/>
-            <a:ext cx="10218738" cy="6924973"/>
+            <a:off x="458659" y="903523"/>
+            <a:ext cx="7008941" cy="369332"/>
           </a:xfrm>
           <a:prstGeom prst="rect">
             <a:avLst/>
           </a:prstGeom>
-          <a:noFill/>
-        </p:spPr>
-        <p:txBody>
-          <a:bodyPr wrap="square" rtlCol="0" anchor="t">
+        </p:spPr>
+        <p:txBody>
+          <a:bodyPr rtlCol="0">
             <a:spAutoFit/>
           </a:bodyPr>
           <a:lstStyle/>
           <a:p>
-            <a:r>
-              <a:rPr lang="it-IT" sz="4000" dirty="0"/>
-              <a:t>ESP8266wifi</a:t>
+            <a:pPr algn="ctr"/>
+            <a:endParaRPr lang="it-IT" dirty="0">
+              <a:solidFill>
+                <a:srgbClr val="212121"/>
+              </a:solidFill>
+              <a:latin typeface="Consolas" charset="0"/>
+            </a:endParaRPr>
+          </a:p>
+        </p:txBody>
+      </p:sp>
+      <p:sp>
+        <p:nvSpPr>
+          <p:cNvPr id="4" name="CasellaDiTesto 3"/>
+          <p:cNvSpPr txBox="1"/>
+          <p:nvPr/>
+        </p:nvSpPr>
+        <p:spPr>
+          <a:xfrm>
+            <a:off x="606425" y="968375"/>
+            <a:ext cx="11439525" cy="6155531"/>
+          </a:xfrm>
+          <a:prstGeom prst="rect">
+            <a:avLst/>
+          </a:prstGeom>
+        </p:spPr>
+        <p:txBody>
+          <a:bodyPr rtlCol="0">
+            <a:spAutoFit/>
+          </a:bodyPr>
+          <a:lstStyle/>
+          <a:p>
+            <a:r>
+              <a:rPr lang="it-IT" sz="4000" b="1" dirty="0">
+                <a:latin typeface="Trebuchet MS" charset="0"/>
+              </a:rPr>
+              <a:t>I2Cdev </a:t>
+            </a:r>
+            <a:r>
+              <a:rPr lang="it-IT" sz="4000" b="1" dirty="0" err="1">
+                <a:latin typeface="Trebuchet MS" charset="0"/>
+              </a:rPr>
+              <a:t>library</a:t>
+            </a:r>
+            <a:r>
+              <a:rPr lang="it-IT" sz="4000" b="1" dirty="0">
+                <a:latin typeface="Trebuchet MS" charset="0"/>
+              </a:rPr>
+              <a:t> </a:t>
+            </a:r>
+            <a:r>
+              <a:rPr lang="it-IT" sz="4000" b="1" dirty="0" err="1">
+                <a:latin typeface="Trebuchet MS" charset="0"/>
+              </a:rPr>
+              <a:t>collection</a:t>
+            </a:r>
+            <a:r>
+              <a:rPr lang="it-IT" sz="4000" b="1" dirty="0">
+                <a:latin typeface="Trebuchet MS" charset="0"/>
+              </a:rPr>
+              <a:t>  </a:t>
             </a:r>
           </a:p>
           <a:p>
@@ -15487,57 +15278,101 @@
               <a:buFont typeface="Arial" panose="020B0604020202020204" pitchFamily="34" charset="0"/>
               <a:buChar char="•"/>
             </a:pPr>
-            <a:r>
-              <a:rPr lang="it-IT" sz="2800" dirty="0"/>
-              <a:t>A </a:t>
-            </a:r>
-            <a:r>
-              <a:rPr lang="it-IT" sz="2800" dirty="0" err="1"/>
-              <a:t>simple</a:t>
-            </a:r>
-            <a:r>
-              <a:rPr lang="it-IT" sz="2800" dirty="0"/>
-              <a:t> ESP8266 Arduino </a:t>
-            </a:r>
-            <a:r>
-              <a:rPr lang="it-IT" sz="2800" dirty="0" err="1"/>
-              <a:t>library</a:t>
-            </a:r>
-            <a:r>
-              <a:rPr lang="it-IT" sz="2800" dirty="0"/>
-              <a:t> with </a:t>
-            </a:r>
-            <a:r>
-              <a:rPr lang="it-IT" sz="2800" dirty="0" err="1"/>
-              <a:t>built</a:t>
-            </a:r>
-            <a:r>
-              <a:rPr lang="it-IT" sz="2800" dirty="0"/>
-              <a:t> in re-</a:t>
-            </a:r>
-            <a:r>
-              <a:rPr lang="it-IT" sz="2800" dirty="0" err="1"/>
-              <a:t>connect</a:t>
-            </a:r>
-            <a:r>
-              <a:rPr lang="it-IT" sz="2800" dirty="0"/>
-              <a:t> </a:t>
-            </a:r>
-            <a:r>
-              <a:rPr lang="it-IT" sz="2800" dirty="0" err="1"/>
-              <a:t>functionality</a:t>
-            </a:r>
-            <a:r>
-              <a:rPr lang="it-IT" sz="2800" dirty="0"/>
-              <a:t>. https://github.com/ekstrand/ESP8266wifi</a:t>
-            </a:r>
+            <a:endParaRPr lang="it-IT" sz="2800" dirty="0">
+              <a:latin typeface="Trebuchet MS" charset="0"/>
+            </a:endParaRPr>
           </a:p>
           <a:p>
             <a:pPr marL="457200" indent="-457200">
               <a:buFont typeface="Arial" panose="020B0604020202020204" pitchFamily="34" charset="0"/>
               <a:buChar char="•"/>
             </a:pPr>
-            <a:endParaRPr lang="it-IT" sz="2800" dirty="0"/>
+            <a:r>
+              <a:rPr lang="it-IT" sz="2800" dirty="0">
+                <a:latin typeface="Trebuchet MS" charset="0"/>
+              </a:rPr>
+              <a:t>MPU6050 I2C </a:t>
+            </a:r>
+            <a:r>
+              <a:rPr lang="it-IT" sz="2800" dirty="0" err="1">
+                <a:latin typeface="Trebuchet MS" charset="0"/>
+              </a:rPr>
+              <a:t>device</a:t>
+            </a:r>
+            <a:r>
+              <a:rPr lang="it-IT" sz="2800" dirty="0">
+                <a:latin typeface="Trebuchet MS" charset="0"/>
+              </a:rPr>
+              <a:t> </a:t>
+            </a:r>
+            <a:r>
+              <a:rPr lang="it-IT" sz="2800" dirty="0" err="1">
+                <a:latin typeface="Trebuchet MS" charset="0"/>
+              </a:rPr>
+              <a:t>classBased</a:t>
+            </a:r>
+            <a:r>
+              <a:rPr lang="it-IT" sz="2800" dirty="0">
+                <a:latin typeface="Trebuchet MS" charset="0"/>
+              </a:rPr>
+              <a:t> on </a:t>
+            </a:r>
+            <a:r>
+              <a:rPr lang="it-IT" sz="2800" dirty="0" err="1">
+                <a:latin typeface="Trebuchet MS" charset="0"/>
+              </a:rPr>
+              <a:t>InvenSense</a:t>
+            </a:r>
+            <a:r>
+              <a:rPr lang="it-IT" sz="2800" dirty="0">
+                <a:latin typeface="Trebuchet MS" charset="0"/>
+              </a:rPr>
+              <a:t> MPU-6050 </a:t>
+            </a:r>
+            <a:r>
+              <a:rPr lang="it-IT" sz="2800" dirty="0" err="1">
+                <a:latin typeface="Trebuchet MS" charset="0"/>
+              </a:rPr>
+              <a:t>register</a:t>
+            </a:r>
+            <a:r>
+              <a:rPr lang="it-IT" sz="2800" dirty="0">
+                <a:latin typeface="Trebuchet MS" charset="0"/>
+              </a:rPr>
+              <a:t> </a:t>
+            </a:r>
+            <a:r>
+              <a:rPr lang="it-IT" sz="2800" dirty="0" err="1">
+                <a:latin typeface="Trebuchet MS" charset="0"/>
+              </a:rPr>
+              <a:t>map</a:t>
+            </a:r>
+            <a:r>
+              <a:rPr lang="it-IT" sz="2800" dirty="0">
+                <a:latin typeface="Trebuchet MS" charset="0"/>
+              </a:rPr>
+              <a:t> </a:t>
+            </a:r>
+            <a:r>
+              <a:rPr lang="it-IT" sz="2800" dirty="0" err="1">
+                <a:latin typeface="Trebuchet MS" charset="0"/>
+              </a:rPr>
+              <a:t>document</a:t>
+            </a:r>
+            <a:r>
+              <a:rPr lang="it-IT" sz="2800" dirty="0">
+                <a:latin typeface="Trebuchet MS" charset="0"/>
+              </a:rPr>
+              <a:t> rev. 2.0, 5/19/2011 (RM-MPU-6000A-00) </a:t>
+            </a:r>
+          </a:p>
+          <a:p>
+            <a:r>
+              <a:rPr lang="it-IT" sz="2800" dirty="0">
+                <a:latin typeface="Trebuchet MS" charset="0"/>
+              </a:rPr>
+              <a:t> </a:t>
+            </a:r>
           </a:p>
           <a:p>
             <a:pPr marL="457200" indent="-457200">
@@ -15545,57 +15380,44 @@
               <a:buChar char="•"/>
             </a:pPr>
             <a:r>
-              <a:rPr lang="it-IT" sz="2800" dirty="0"/>
-              <a:t>Particolarità: comandi AT memorizzati su area istruzioni per risparmiare spazio per i dati (tramite direttiva PROGMEM)</a:t>
-            </a:r>
-          </a:p>
-          <a:p>
-            <a:r>
-              <a:rPr lang="it-IT" sz="2800" dirty="0"/>
-              <a:t> </a:t>
-            </a:r>
-          </a:p>
-          <a:p>
-            <a:r>
-              <a:rPr lang="it-IT" sz="4000" dirty="0" err="1"/>
-              <a:t>Fishino</a:t>
-            </a:r>
-            <a:r>
-              <a:rPr lang="it-IT" sz="4000" dirty="0"/>
-              <a:t> </a:t>
-            </a:r>
-            <a:r>
-              <a:rPr lang="it-IT" sz="4000" dirty="0" err="1"/>
-              <a:t>libraries</a:t>
-            </a:r>
-            <a:endParaRPr lang="it-IT" sz="4000" dirty="0"/>
+              <a:rPr lang="it-IT" sz="2800" dirty="0">
+                <a:latin typeface="Trebuchet MS" charset="0"/>
+              </a:rPr>
+              <a:t>Contiene una libreria molto </a:t>
+            </a:r>
+            <a:r>
+              <a:rPr lang="it-IT" sz="2800" dirty="0" smtClean="0">
+                <a:latin typeface="Trebuchet MS" charset="0"/>
+              </a:rPr>
+              <a:t>completa </a:t>
+            </a:r>
+            <a:r>
+              <a:rPr lang="it-IT" sz="2800" dirty="0">
+                <a:latin typeface="Trebuchet MS" charset="0"/>
+              </a:rPr>
+              <a:t>per la gestione </a:t>
+            </a:r>
+            <a:r>
+              <a:rPr lang="it-IT" sz="2800" dirty="0" smtClean="0">
+                <a:latin typeface="Trebuchet MS" charset="0"/>
+              </a:rPr>
+              <a:t>del modulo </a:t>
+            </a:r>
+            <a:r>
+              <a:rPr lang="it-IT" sz="2800" dirty="0">
+                <a:latin typeface="Trebuchet MS" charset="0"/>
+              </a:rPr>
+              <a:t>accelerometro MPU6050. </a:t>
+            </a:r>
           </a:p>
           <a:p>
             <a:pPr marL="457200" indent="-457200">
               <a:buFont typeface="Arial" panose="020B0604020202020204" pitchFamily="34" charset="0"/>
               <a:buChar char="•"/>
             </a:pPr>
-            <a:r>
-              <a:rPr lang="it-IT" sz="2800" dirty="0"/>
-              <a:t>Librerie della scheda </a:t>
-            </a:r>
-            <a:r>
-              <a:rPr lang="it-IT" sz="2800" dirty="0" err="1"/>
-              <a:t>arduino</a:t>
-            </a:r>
-            <a:r>
-              <a:rPr lang="it-IT" sz="2800" dirty="0"/>
-              <a:t> compatibile con il modulo WIFI ESP8266 integrato on </a:t>
-            </a:r>
-            <a:r>
-              <a:rPr lang="it-IT" sz="2800" dirty="0" err="1"/>
-              <a:t>board</a:t>
-            </a:r>
-            <a:r>
-              <a:rPr lang="it-IT" sz="2800" dirty="0"/>
-              <a:t>. </a:t>
-            </a:r>
-            <a:endParaRPr lang="it-IT" sz="2800" dirty="0" smtClean="0"/>
+            <a:endParaRPr lang="it-IT" sz="2800" dirty="0">
+              <a:latin typeface="Trebuchet MS" charset="0"/>
+            </a:endParaRPr>
           </a:p>
           <a:p>
             <a:pPr marL="457200" indent="-457200">
@@ -15603,62 +15425,57 @@
               <a:buChar char="•"/>
             </a:pPr>
             <a:r>
-              <a:rPr lang="it-IT" sz="2800" dirty="0" smtClean="0"/>
-              <a:t>Utilizzata </a:t>
-            </a:r>
-            <a:r>
-              <a:rPr lang="it-IT" sz="2800" dirty="0"/>
-              <a:t>per ottenere riferimenti per creare un </a:t>
-            </a:r>
-            <a:r>
-              <a:rPr lang="it-IT" sz="2800" dirty="0" err="1"/>
-              <a:t>wrapper</a:t>
-            </a:r>
-            <a:r>
-              <a:rPr lang="it-IT" sz="2800" dirty="0"/>
-              <a:t> della libreria ESP8266wifi che esponga le funzioni usuali delle librerie del modulo </a:t>
-            </a:r>
-            <a:r>
-              <a:rPr lang="it-IT" sz="2800" dirty="0" err="1"/>
-              <a:t>Etherner</a:t>
-            </a:r>
-            <a:r>
-              <a:rPr lang="it-IT" sz="2800" dirty="0"/>
-              <a:t> </a:t>
-            </a:r>
-            <a:r>
-              <a:rPr lang="it-IT" sz="2800" dirty="0" err="1"/>
-              <a:t>Shield</a:t>
-            </a:r>
-            <a:r>
-              <a:rPr lang="it-IT" sz="2800" dirty="0"/>
-              <a:t> di </a:t>
-            </a:r>
-            <a:r>
-              <a:rPr lang="it-IT" sz="2800" dirty="0" smtClean="0"/>
-              <a:t>Arduino. </a:t>
-            </a:r>
+              <a:rPr lang="it-IT" sz="2800" dirty="0">
+                <a:latin typeface="Trebuchet MS" charset="0"/>
+              </a:rPr>
+              <a:t>Nei prototipi è stata drasticamente privata di molte funzioni non ritenute essenziali per chiarezza e per risparmiare spazio. </a:t>
+            </a:r>
+            <a:endParaRPr lang="it-IT" sz="2800" dirty="0" smtClean="0">
+              <a:latin typeface="Trebuchet MS" charset="0"/>
+            </a:endParaRPr>
           </a:p>
           <a:p>
             <a:pPr marL="457200" indent="-457200">
               <a:buFont typeface="Arial" panose="020B0604020202020204" pitchFamily="34" charset="0"/>
               <a:buChar char="•"/>
             </a:pPr>
-            <a:r>
-              <a:rPr lang="it-IT" sz="2800" dirty="0" smtClean="0"/>
-              <a:t>Scaricabile </a:t>
-            </a:r>
-            <a:r>
-              <a:rPr lang="it-IT" sz="2800" dirty="0"/>
-              <a:t>presso: arduinohttp://fishino.it/en/download/</a:t>
-            </a:r>
+            <a:endParaRPr lang="it-IT" sz="2800" dirty="0" smtClean="0">
+              <a:latin typeface="Trebuchet MS" charset="0"/>
+            </a:endParaRPr>
+          </a:p>
+          <a:p>
+            <a:pPr marL="457200" indent="-457200">
+              <a:buFont typeface="Arial" panose="020B0604020202020204" pitchFamily="34" charset="0"/>
+              <a:buChar char="•"/>
+            </a:pPr>
+            <a:r>
+              <a:rPr lang="it-IT" sz="2800" dirty="0" smtClean="0">
+                <a:latin typeface="Trebuchet MS" charset="0"/>
+              </a:rPr>
+              <a:t>Sito: https</a:t>
+            </a:r>
+            <a:r>
+              <a:rPr lang="it-IT" sz="2800" dirty="0">
+                <a:latin typeface="Trebuchet MS" charset="0"/>
+              </a:rPr>
+              <a:t>://github.com/jrowberg/i2cdevlib/tree/master/Arduino</a:t>
+            </a:r>
+          </a:p>
+          <a:p>
+            <a:endParaRPr lang="it-IT" sz="2800" dirty="0">
+              <a:latin typeface="Trebuchet MS" charset="0"/>
+            </a:endParaRPr>
+          </a:p>
+          <a:p>
+            <a:pPr algn="ctr"/>
+            <a:endParaRPr lang="it-IT" dirty="0"/>
           </a:p>
         </p:txBody>
       </p:sp>
     </p:spTree>
     <p:extLst>
       <p:ext uri="{BB962C8B-B14F-4D97-AF65-F5344CB8AC3E}">
-        <p14:creationId xmlns:p14="http://schemas.microsoft.com/office/powerpoint/2010/main" val="363647099"/>
+        <p14:creationId xmlns:p14="http://schemas.microsoft.com/office/powerpoint/2010/main" val="1238224736"/>
       </p:ext>
     </p:extLst>
   </p:cSld>
@@ -15694,51 +15511,14 @@
       </p:grpSpPr>
       <p:sp>
         <p:nvSpPr>
-          <p:cNvPr id="2" name="Titolo 1"/>
-          <p:cNvSpPr>
-            <a:spLocks noGrp="1"/>
-          </p:cNvSpPr>
-          <p:nvPr>
-            <p:ph type="title"/>
-          </p:nvPr>
-        </p:nvSpPr>
-        <p:spPr>
-          <a:xfrm>
-            <a:off x="1" y="753228"/>
-            <a:ext cx="10294182" cy="1080938"/>
-          </a:xfrm>
-        </p:spPr>
-        <p:txBody>
-          <a:bodyPr>
-            <a:normAutofit fontScale="90000"/>
-          </a:bodyPr>
-          <a:lstStyle/>
-          <a:p>
-            <a:r>
-              <a:rPr lang="it-IT" sz="6700" dirty="0"/>
-              <a:t>Prototipi realizzati:</a:t>
-            </a:r>
-            <a:r>
-              <a:rPr lang="it-IT" dirty="0"/>
-              <a:t/>
-            </a:r>
-            <a:br>
-              <a:rPr lang="it-IT" dirty="0"/>
-            </a:br>
-            <a:endParaRPr lang="it-IT" dirty="0"/>
-          </a:p>
-        </p:txBody>
-      </p:sp>
-      <p:sp>
-        <p:nvSpPr>
-          <p:cNvPr id="3" name="CasellaDiTesto 2"/>
+          <p:cNvPr id="2" name="CasellaDiTesto 1"/>
           <p:cNvSpPr txBox="1"/>
           <p:nvPr/>
         </p:nvSpPr>
         <p:spPr>
           <a:xfrm>
-            <a:off x="87317" y="1631396"/>
-            <a:ext cx="9150950" cy="4924425"/>
+            <a:off x="190402" y="0"/>
+            <a:ext cx="10218738" cy="6924973"/>
           </a:xfrm>
           <a:prstGeom prst="rect">
             <a:avLst/>
@@ -15746,151 +15526,185 @@
           <a:noFill/>
         </p:spPr>
         <p:txBody>
-          <a:bodyPr wrap="square" rtlCol="0">
+          <a:bodyPr wrap="square" rtlCol="0" anchor="t">
             <a:spAutoFit/>
           </a:bodyPr>
           <a:lstStyle/>
           <a:p>
-            <a:endParaRPr lang="it-IT" dirty="0"/>
-          </a:p>
-          <a:p>
-            <a:r>
-              <a:rPr lang="it-IT" sz="2800" dirty="0"/>
-              <a:t>Particolarità</a:t>
-            </a:r>
-            <a:r>
-              <a:rPr lang="it-IT" sz="2400" dirty="0"/>
-              <a:t>: </a:t>
-            </a:r>
-          </a:p>
-          <a:p>
-            <a:pPr marL="342900" indent="-342900">
+            <a:r>
+              <a:rPr lang="it-IT" sz="4000" dirty="0"/>
+              <a:t>ESP8266wifi</a:t>
+            </a:r>
+          </a:p>
+          <a:p>
+            <a:pPr marL="457200" indent="-457200">
               <a:buFont typeface="Arial" panose="020B0604020202020204" pitchFamily="34" charset="0"/>
               <a:buChar char="•"/>
             </a:pPr>
             <a:r>
-              <a:rPr lang="it-IT" sz="2400" dirty="0"/>
-              <a:t>utilizzano l'accelerometro digitale </a:t>
-            </a:r>
-            <a:r>
-              <a:rPr lang="it-IT" sz="2400" dirty="0" smtClean="0"/>
-              <a:t>MPU6050</a:t>
-            </a:r>
-          </a:p>
-          <a:p>
-            <a:pPr marL="342900" indent="-342900">
+              <a:rPr lang="it-IT" sz="2800" dirty="0"/>
+              <a:t>A </a:t>
+            </a:r>
+            <a:r>
+              <a:rPr lang="it-IT" sz="2800" dirty="0" err="1"/>
+              <a:t>simple</a:t>
+            </a:r>
+            <a:r>
+              <a:rPr lang="it-IT" sz="2800" dirty="0"/>
+              <a:t> ESP8266 Arduino </a:t>
+            </a:r>
+            <a:r>
+              <a:rPr lang="it-IT" sz="2800" dirty="0" err="1"/>
+              <a:t>library</a:t>
+            </a:r>
+            <a:r>
+              <a:rPr lang="it-IT" sz="2800" dirty="0"/>
+              <a:t> with </a:t>
+            </a:r>
+            <a:r>
+              <a:rPr lang="it-IT" sz="2800" dirty="0" err="1"/>
+              <a:t>built</a:t>
+            </a:r>
+            <a:r>
+              <a:rPr lang="it-IT" sz="2800" dirty="0"/>
+              <a:t> in re-</a:t>
+            </a:r>
+            <a:r>
+              <a:rPr lang="it-IT" sz="2800" dirty="0" err="1"/>
+              <a:t>connect</a:t>
+            </a:r>
+            <a:r>
+              <a:rPr lang="it-IT" sz="2800" dirty="0"/>
+              <a:t> </a:t>
+            </a:r>
+            <a:r>
+              <a:rPr lang="it-IT" sz="2800" dirty="0" err="1"/>
+              <a:t>functionality</a:t>
+            </a:r>
+            <a:r>
+              <a:rPr lang="it-IT" sz="2800" dirty="0"/>
+              <a:t>. https://github.com/ekstrand/ESP8266wifi</a:t>
+            </a:r>
+          </a:p>
+          <a:p>
+            <a:pPr marL="457200" indent="-457200">
               <a:buFont typeface="Arial" panose="020B0604020202020204" pitchFamily="34" charset="0"/>
               <a:buChar char="•"/>
             </a:pPr>
-            <a:r>
-              <a:rPr lang="it-IT" sz="2400" dirty="0" smtClean="0"/>
-              <a:t>si </a:t>
-            </a:r>
-            <a:r>
-              <a:rPr lang="it-IT" sz="2400" dirty="0"/>
-              <a:t>collegano ad internet tramite il modulo </a:t>
-            </a:r>
-            <a:r>
-              <a:rPr lang="it-IT" sz="2400" dirty="0" err="1"/>
-              <a:t>wifi</a:t>
-            </a:r>
-            <a:r>
-              <a:rPr lang="it-IT" sz="2400" dirty="0"/>
-              <a:t> </a:t>
-            </a:r>
-            <a:r>
-              <a:rPr lang="it-IT" sz="2400" dirty="0" smtClean="0"/>
-              <a:t>ESP8266</a:t>
-            </a:r>
-          </a:p>
-          <a:p>
-            <a:pPr marL="342900" indent="-342900">
+            <a:endParaRPr lang="it-IT" sz="2800" dirty="0"/>
+          </a:p>
+          <a:p>
+            <a:pPr marL="457200" indent="-457200">
               <a:buFont typeface="Arial" panose="020B0604020202020204" pitchFamily="34" charset="0"/>
               <a:buChar char="•"/>
             </a:pPr>
             <a:r>
-              <a:rPr lang="it-IT" sz="2400" dirty="0" smtClean="0"/>
-              <a:t>implementano </a:t>
-            </a:r>
-            <a:r>
-              <a:rPr lang="it-IT" sz="2400" dirty="0"/>
-              <a:t>l'algoritmo rilevatore di soglia del prototipo </a:t>
-            </a:r>
-            <a:r>
-              <a:rPr lang="it-IT" sz="2400" dirty="0" err="1"/>
-              <a:t>seismocloud</a:t>
-            </a:r>
-            <a:r>
-              <a:rPr lang="it-IT" sz="2400" dirty="0"/>
-              <a:t> basato su </a:t>
-            </a:r>
-            <a:r>
-              <a:rPr lang="it-IT" sz="2400" dirty="0" err="1"/>
-              <a:t>raspberry</a:t>
-            </a:r>
-            <a:r>
-              <a:rPr lang="it-IT" sz="2400" dirty="0"/>
-              <a:t>/Galileo.</a:t>
-            </a:r>
-          </a:p>
-          <a:p>
-            <a:pPr marL="342900" indent="-342900">
+              <a:rPr lang="it-IT" sz="2800" dirty="0"/>
+              <a:t>Particolarità: comandi AT memorizzati su area istruzioni per risparmiare spazio per i dati (tramite direttiva PROGMEM)</a:t>
+            </a:r>
+          </a:p>
+          <a:p>
+            <a:r>
+              <a:rPr lang="it-IT" sz="2800" dirty="0"/>
+              <a:t> </a:t>
+            </a:r>
+          </a:p>
+          <a:p>
+            <a:r>
+              <a:rPr lang="it-IT" sz="4000" dirty="0" err="1"/>
+              <a:t>Fishino</a:t>
+            </a:r>
+            <a:r>
+              <a:rPr lang="it-IT" sz="4000" dirty="0"/>
+              <a:t> </a:t>
+            </a:r>
+            <a:r>
+              <a:rPr lang="it-IT" sz="4000" dirty="0" err="1"/>
+              <a:t>libraries</a:t>
+            </a:r>
+            <a:endParaRPr lang="it-IT" sz="4000" dirty="0"/>
+          </a:p>
+          <a:p>
+            <a:pPr marL="457200" indent="-457200">
               <a:buFont typeface="Arial" panose="020B0604020202020204" pitchFamily="34" charset="0"/>
               <a:buChar char="•"/>
             </a:pPr>
-            <a:endParaRPr lang="it-IT" sz="2400" dirty="0"/>
-          </a:p>
-          <a:p>
-            <a:pPr marL="342900" indent="-342900">
+            <a:r>
+              <a:rPr lang="it-IT" sz="2800" dirty="0"/>
+              <a:t>Librerie della scheda </a:t>
+            </a:r>
+            <a:r>
+              <a:rPr lang="it-IT" sz="2800" dirty="0" err="1"/>
+              <a:t>arduino</a:t>
+            </a:r>
+            <a:r>
+              <a:rPr lang="it-IT" sz="2800" dirty="0"/>
+              <a:t> compatibile con il modulo WIFI ESP8266 integrato on </a:t>
+            </a:r>
+            <a:r>
+              <a:rPr lang="it-IT" sz="2800" dirty="0" err="1"/>
+              <a:t>board</a:t>
+            </a:r>
+            <a:r>
+              <a:rPr lang="it-IT" sz="2800" dirty="0"/>
+              <a:t>. </a:t>
+            </a:r>
+            <a:endParaRPr lang="it-IT" sz="2800" dirty="0" smtClean="0"/>
+          </a:p>
+          <a:p>
+            <a:pPr marL="457200" indent="-457200">
               <a:buFont typeface="Arial" panose="020B0604020202020204" pitchFamily="34" charset="0"/>
               <a:buChar char="•"/>
             </a:pPr>
             <a:r>
-              <a:rPr lang="it-IT" sz="2400" dirty="0"/>
-              <a:t>Le librerie </a:t>
-            </a:r>
-            <a:r>
-              <a:rPr lang="it-IT" sz="2400" dirty="0" smtClean="0"/>
-              <a:t>necessarie (integrate </a:t>
-            </a:r>
-            <a:r>
-              <a:rPr lang="it-IT" sz="2400" dirty="0"/>
-              <a:t>e rimaneggiate rispetto alle originali) </a:t>
-            </a:r>
-            <a:r>
-              <a:rPr lang="it-IT" sz="2400" dirty="0" smtClean="0"/>
-              <a:t>sono </a:t>
-            </a:r>
-            <a:r>
-              <a:rPr lang="it-IT" sz="2400" dirty="0"/>
-              <a:t>già incluse nelle cartelle dei prototipi.</a:t>
-            </a:r>
-          </a:p>
-          <a:p>
-            <a:pPr marL="342900" indent="-342900">
+              <a:rPr lang="it-IT" sz="2800" dirty="0" smtClean="0"/>
+              <a:t>Utilizzata </a:t>
+            </a:r>
+            <a:r>
+              <a:rPr lang="it-IT" sz="2800" dirty="0"/>
+              <a:t>per ottenere riferimenti per creare un </a:t>
+            </a:r>
+            <a:r>
+              <a:rPr lang="it-IT" sz="2800" dirty="0" err="1"/>
+              <a:t>wrapper</a:t>
+            </a:r>
+            <a:r>
+              <a:rPr lang="it-IT" sz="2800" dirty="0"/>
+              <a:t> della libreria ESP8266wifi che esponga le funzioni usuali delle librerie del modulo </a:t>
+            </a:r>
+            <a:r>
+              <a:rPr lang="it-IT" sz="2800" dirty="0" err="1"/>
+              <a:t>Etherner</a:t>
+            </a:r>
+            <a:r>
+              <a:rPr lang="it-IT" sz="2800" dirty="0"/>
+              <a:t> </a:t>
+            </a:r>
+            <a:r>
+              <a:rPr lang="it-IT" sz="2800" dirty="0" err="1"/>
+              <a:t>Shield</a:t>
+            </a:r>
+            <a:r>
+              <a:rPr lang="it-IT" sz="2800" dirty="0"/>
+              <a:t> di </a:t>
+            </a:r>
+            <a:r>
+              <a:rPr lang="it-IT" sz="2800" dirty="0" smtClean="0"/>
+              <a:t>Arduino. </a:t>
+            </a:r>
+          </a:p>
+          <a:p>
+            <a:pPr marL="457200" indent="-457200">
               <a:buFont typeface="Arial" panose="020B0604020202020204" pitchFamily="34" charset="0"/>
               <a:buChar char="•"/>
             </a:pPr>
-            <a:endParaRPr lang="it-IT" sz="2400" dirty="0"/>
-          </a:p>
-          <a:p>
+            <a:r>
+              <a:rPr lang="it-IT" sz="2800" dirty="0" smtClean="0"/>
+              <a:t>Scaricabile </a:t>
+            </a:r>
             <a:r>
               <a:rPr lang="it-IT" sz="2800" dirty="0"/>
-              <a:t>Mancanze</a:t>
-            </a:r>
-            <a:r>
-              <a:rPr lang="it-IT" sz="2400" dirty="0"/>
-              <a:t>: </a:t>
-            </a:r>
-          </a:p>
-          <a:p>
-            <a:pPr marL="342900" indent="-342900">
-              <a:buFont typeface="Arial" panose="020B0604020202020204" pitchFamily="34" charset="0"/>
-              <a:buChar char="•"/>
-            </a:pPr>
-            <a:r>
-              <a:rPr lang="it-IT" sz="2400" dirty="0"/>
-              <a:t>attualmente non comunica al server la magnitudo dei terremoti ma si limita a mostrarla in locale. </a:t>
+              <a:t>presso: arduinohttp://fishino.it/en/download/</a:t>
             </a:r>
           </a:p>
         </p:txBody>
@@ -15898,7 +15712,7 @@
     </p:spTree>
     <p:extLst>
       <p:ext uri="{BB962C8B-B14F-4D97-AF65-F5344CB8AC3E}">
-        <p14:creationId xmlns:p14="http://schemas.microsoft.com/office/powerpoint/2010/main" val="3958621741"/>
+        <p14:creationId xmlns:p14="http://schemas.microsoft.com/office/powerpoint/2010/main" val="363647099"/>
       </p:ext>
     </p:extLst>
   </p:cSld>
@@ -15934,6 +15748,246 @@
       </p:grpSpPr>
       <p:sp>
         <p:nvSpPr>
+          <p:cNvPr id="2" name="Titolo 1"/>
+          <p:cNvSpPr>
+            <a:spLocks noGrp="1"/>
+          </p:cNvSpPr>
+          <p:nvPr>
+            <p:ph type="title"/>
+          </p:nvPr>
+        </p:nvSpPr>
+        <p:spPr>
+          <a:xfrm>
+            <a:off x="1" y="753228"/>
+            <a:ext cx="10294182" cy="1080938"/>
+          </a:xfrm>
+        </p:spPr>
+        <p:txBody>
+          <a:bodyPr>
+            <a:normAutofit fontScale="90000"/>
+          </a:bodyPr>
+          <a:lstStyle/>
+          <a:p>
+            <a:r>
+              <a:rPr lang="it-IT" sz="6700" dirty="0"/>
+              <a:t>Prototipi realizzati:</a:t>
+            </a:r>
+            <a:r>
+              <a:rPr lang="it-IT" dirty="0"/>
+              <a:t/>
+            </a:r>
+            <a:br>
+              <a:rPr lang="it-IT" dirty="0"/>
+            </a:br>
+            <a:endParaRPr lang="it-IT" dirty="0"/>
+          </a:p>
+        </p:txBody>
+      </p:sp>
+      <p:sp>
+        <p:nvSpPr>
+          <p:cNvPr id="3" name="CasellaDiTesto 2"/>
+          <p:cNvSpPr txBox="1"/>
+          <p:nvPr/>
+        </p:nvSpPr>
+        <p:spPr>
+          <a:xfrm>
+            <a:off x="87317" y="1631396"/>
+            <a:ext cx="9150950" cy="4924425"/>
+          </a:xfrm>
+          <a:prstGeom prst="rect">
+            <a:avLst/>
+          </a:prstGeom>
+          <a:noFill/>
+        </p:spPr>
+        <p:txBody>
+          <a:bodyPr wrap="square" rtlCol="0">
+            <a:spAutoFit/>
+          </a:bodyPr>
+          <a:lstStyle/>
+          <a:p>
+            <a:endParaRPr lang="it-IT" dirty="0"/>
+          </a:p>
+          <a:p>
+            <a:r>
+              <a:rPr lang="it-IT" sz="2800" dirty="0"/>
+              <a:t>Particolarità</a:t>
+            </a:r>
+            <a:r>
+              <a:rPr lang="it-IT" sz="2400" dirty="0"/>
+              <a:t>: </a:t>
+            </a:r>
+          </a:p>
+          <a:p>
+            <a:pPr marL="342900" indent="-342900">
+              <a:buFont typeface="Arial" panose="020B0604020202020204" pitchFamily="34" charset="0"/>
+              <a:buChar char="•"/>
+            </a:pPr>
+            <a:r>
+              <a:rPr lang="it-IT" sz="2400" dirty="0"/>
+              <a:t>utilizzano l'accelerometro digitale </a:t>
+            </a:r>
+            <a:r>
+              <a:rPr lang="it-IT" sz="2400" dirty="0" smtClean="0"/>
+              <a:t>MPU6050</a:t>
+            </a:r>
+          </a:p>
+          <a:p>
+            <a:pPr marL="342900" indent="-342900">
+              <a:buFont typeface="Arial" panose="020B0604020202020204" pitchFamily="34" charset="0"/>
+              <a:buChar char="•"/>
+            </a:pPr>
+            <a:r>
+              <a:rPr lang="it-IT" sz="2400" dirty="0" smtClean="0"/>
+              <a:t>si </a:t>
+            </a:r>
+            <a:r>
+              <a:rPr lang="it-IT" sz="2400" dirty="0"/>
+              <a:t>collegano ad internet tramite il modulo </a:t>
+            </a:r>
+            <a:r>
+              <a:rPr lang="it-IT" sz="2400" dirty="0" err="1"/>
+              <a:t>wifi</a:t>
+            </a:r>
+            <a:r>
+              <a:rPr lang="it-IT" sz="2400" dirty="0"/>
+              <a:t> </a:t>
+            </a:r>
+            <a:r>
+              <a:rPr lang="it-IT" sz="2400" dirty="0" smtClean="0"/>
+              <a:t>ESP8266</a:t>
+            </a:r>
+          </a:p>
+          <a:p>
+            <a:pPr marL="342900" indent="-342900">
+              <a:buFont typeface="Arial" panose="020B0604020202020204" pitchFamily="34" charset="0"/>
+              <a:buChar char="•"/>
+            </a:pPr>
+            <a:r>
+              <a:rPr lang="it-IT" sz="2400" dirty="0" smtClean="0"/>
+              <a:t>implementano </a:t>
+            </a:r>
+            <a:r>
+              <a:rPr lang="it-IT" sz="2400" dirty="0"/>
+              <a:t>l'algoritmo rilevatore di soglia del prototipo </a:t>
+            </a:r>
+            <a:r>
+              <a:rPr lang="it-IT" sz="2400" dirty="0" err="1"/>
+              <a:t>seismocloud</a:t>
+            </a:r>
+            <a:r>
+              <a:rPr lang="it-IT" sz="2400" dirty="0"/>
+              <a:t> basato su </a:t>
+            </a:r>
+            <a:r>
+              <a:rPr lang="it-IT" sz="2400" dirty="0" err="1"/>
+              <a:t>raspberry</a:t>
+            </a:r>
+            <a:r>
+              <a:rPr lang="it-IT" sz="2400" dirty="0"/>
+              <a:t>/Galileo.</a:t>
+            </a:r>
+          </a:p>
+          <a:p>
+            <a:pPr marL="342900" indent="-342900">
+              <a:buFont typeface="Arial" panose="020B0604020202020204" pitchFamily="34" charset="0"/>
+              <a:buChar char="•"/>
+            </a:pPr>
+            <a:endParaRPr lang="it-IT" sz="2400" dirty="0"/>
+          </a:p>
+          <a:p>
+            <a:pPr marL="342900" indent="-342900">
+              <a:buFont typeface="Arial" panose="020B0604020202020204" pitchFamily="34" charset="0"/>
+              <a:buChar char="•"/>
+            </a:pPr>
+            <a:r>
+              <a:rPr lang="it-IT" sz="2400" dirty="0"/>
+              <a:t>Le librerie </a:t>
+            </a:r>
+            <a:r>
+              <a:rPr lang="it-IT" sz="2400" dirty="0" smtClean="0"/>
+              <a:t>necessarie (integrate </a:t>
+            </a:r>
+            <a:r>
+              <a:rPr lang="it-IT" sz="2400" dirty="0"/>
+              <a:t>e rimaneggiate rispetto alle originali) </a:t>
+            </a:r>
+            <a:r>
+              <a:rPr lang="it-IT" sz="2400" dirty="0" smtClean="0"/>
+              <a:t>sono </a:t>
+            </a:r>
+            <a:r>
+              <a:rPr lang="it-IT" sz="2400" dirty="0"/>
+              <a:t>già incluse nelle cartelle dei prototipi.</a:t>
+            </a:r>
+          </a:p>
+          <a:p>
+            <a:pPr marL="342900" indent="-342900">
+              <a:buFont typeface="Arial" panose="020B0604020202020204" pitchFamily="34" charset="0"/>
+              <a:buChar char="•"/>
+            </a:pPr>
+            <a:endParaRPr lang="it-IT" sz="2400" dirty="0"/>
+          </a:p>
+          <a:p>
+            <a:r>
+              <a:rPr lang="it-IT" sz="2800" dirty="0"/>
+              <a:t>Mancanze</a:t>
+            </a:r>
+            <a:r>
+              <a:rPr lang="it-IT" sz="2400" dirty="0"/>
+              <a:t>: </a:t>
+            </a:r>
+          </a:p>
+          <a:p>
+            <a:pPr marL="342900" indent="-342900">
+              <a:buFont typeface="Arial" panose="020B0604020202020204" pitchFamily="34" charset="0"/>
+              <a:buChar char="•"/>
+            </a:pPr>
+            <a:r>
+              <a:rPr lang="it-IT" sz="2400" dirty="0"/>
+              <a:t>attualmente non comunica al server la magnitudo dei terremoti ma si limita a mostrarla in locale. </a:t>
+            </a:r>
+          </a:p>
+        </p:txBody>
+      </p:sp>
+    </p:spTree>
+    <p:extLst>
+      <p:ext uri="{BB962C8B-B14F-4D97-AF65-F5344CB8AC3E}">
+        <p14:creationId xmlns:p14="http://schemas.microsoft.com/office/powerpoint/2010/main" val="3958621741"/>
+      </p:ext>
+    </p:extLst>
+  </p:cSld>
+  <p:clrMapOvr>
+    <a:masterClrMapping/>
+  </p:clrMapOvr>
+  <p:timing>
+    <p:tnLst>
+      <p:par>
+        <p:cTn id="1" dur="indefinite" restart="never" nodeType="tmRoot"/>
+      </p:par>
+    </p:tnLst>
+  </p:timing>
+</p:sld>
+</file>
+
+<file path=ppt/slides/slide26.xml><?xml version="1.0" encoding="utf-8"?>
+<p:sld xmlns:a="http://schemas.openxmlformats.org/drawingml/2006/main" xmlns:r="http://schemas.openxmlformats.org/officeDocument/2006/relationships" xmlns:p="http://schemas.openxmlformats.org/presentationml/2006/main">
+  <p:cSld>
+    <p:spTree>
+      <p:nvGrpSpPr>
+        <p:cNvPr id="1" name=""/>
+        <p:cNvGrpSpPr/>
+        <p:nvPr/>
+      </p:nvGrpSpPr>
+      <p:grpSpPr>
+        <a:xfrm>
+          <a:off x="0" y="0"/>
+          <a:ext cx="0" cy="0"/>
+          <a:chOff x="0" y="0"/>
+          <a:chExt cx="0" cy="0"/>
+        </a:xfrm>
+      </p:grpSpPr>
+      <p:sp>
+        <p:nvSpPr>
           <p:cNvPr id="2" name="CasellaDiTesto 1"/>
           <p:cNvSpPr txBox="1"/>
           <p:nvPr/>
@@ -16094,7 +16148,7 @@
 </p:sld>
 </file>
 
-<file path=ppt/slides/slide26.xml><?xml version="1.0" encoding="utf-8"?>
+<file path=ppt/slides/slide27.xml><?xml version="1.0" encoding="utf-8"?>
 <p:sld xmlns:a="http://schemas.openxmlformats.org/drawingml/2006/main" xmlns:r="http://schemas.openxmlformats.org/officeDocument/2006/relationships" xmlns:p="http://schemas.openxmlformats.org/presentationml/2006/main">
   <p:cSld>
     <p:spTree>
